--- a/static/New Microsoft PowerPoint Presentation.pptx
+++ b/static/New Microsoft PowerPoint Presentation.pptx
@@ -8,6 +8,7 @@
     <p:sldId id="256" r:id="rId2"/>
     <p:sldId id="257" r:id="rId3"/>
     <p:sldId id="258" r:id="rId4"/>
+    <p:sldId id="259" r:id="rId5"/>
   </p:sldIdLst>
   <p:sldSz cx="12192000" cy="6858000"/>
   <p:notesSz cx="6858000" cy="9144000"/>
@@ -263,7 +264,7 @@
           <a:p>
             <a:fld id="{DF8C99C1-FF34-4EE2-AFAB-AF774F0F0F77}" type="datetimeFigureOut">
               <a:rPr lang="en-US" smtClean="0"/>
-              <a:t>12/23/2025</a:t>
+              <a:t>12/28/2025</a:t>
             </a:fld>
             <a:endParaRPr lang="en-US"/>
           </a:p>
@@ -463,7 +464,7 @@
           <a:p>
             <a:fld id="{DF8C99C1-FF34-4EE2-AFAB-AF774F0F0F77}" type="datetimeFigureOut">
               <a:rPr lang="en-US" smtClean="0"/>
-              <a:t>12/23/2025</a:t>
+              <a:t>12/28/2025</a:t>
             </a:fld>
             <a:endParaRPr lang="en-US"/>
           </a:p>
@@ -673,7 +674,7 @@
           <a:p>
             <a:fld id="{DF8C99C1-FF34-4EE2-AFAB-AF774F0F0F77}" type="datetimeFigureOut">
               <a:rPr lang="en-US" smtClean="0"/>
-              <a:t>12/23/2025</a:t>
+              <a:t>12/28/2025</a:t>
             </a:fld>
             <a:endParaRPr lang="en-US"/>
           </a:p>
@@ -873,7 +874,7 @@
           <a:p>
             <a:fld id="{DF8C99C1-FF34-4EE2-AFAB-AF774F0F0F77}" type="datetimeFigureOut">
               <a:rPr lang="en-US" smtClean="0"/>
-              <a:t>12/23/2025</a:t>
+              <a:t>12/28/2025</a:t>
             </a:fld>
             <a:endParaRPr lang="en-US"/>
           </a:p>
@@ -1149,7 +1150,7 @@
           <a:p>
             <a:fld id="{DF8C99C1-FF34-4EE2-AFAB-AF774F0F0F77}" type="datetimeFigureOut">
               <a:rPr lang="en-US" smtClean="0"/>
-              <a:t>12/23/2025</a:t>
+              <a:t>12/28/2025</a:t>
             </a:fld>
             <a:endParaRPr lang="en-US"/>
           </a:p>
@@ -1417,7 +1418,7 @@
           <a:p>
             <a:fld id="{DF8C99C1-FF34-4EE2-AFAB-AF774F0F0F77}" type="datetimeFigureOut">
               <a:rPr lang="en-US" smtClean="0"/>
-              <a:t>12/23/2025</a:t>
+              <a:t>12/28/2025</a:t>
             </a:fld>
             <a:endParaRPr lang="en-US"/>
           </a:p>
@@ -1832,7 +1833,7 @@
           <a:p>
             <a:fld id="{DF8C99C1-FF34-4EE2-AFAB-AF774F0F0F77}" type="datetimeFigureOut">
               <a:rPr lang="en-US" smtClean="0"/>
-              <a:t>12/23/2025</a:t>
+              <a:t>12/28/2025</a:t>
             </a:fld>
             <a:endParaRPr lang="en-US"/>
           </a:p>
@@ -1974,7 +1975,7 @@
           <a:p>
             <a:fld id="{DF8C99C1-FF34-4EE2-AFAB-AF774F0F0F77}" type="datetimeFigureOut">
               <a:rPr lang="en-US" smtClean="0"/>
-              <a:t>12/23/2025</a:t>
+              <a:t>12/28/2025</a:t>
             </a:fld>
             <a:endParaRPr lang="en-US"/>
           </a:p>
@@ -2087,7 +2088,7 @@
           <a:p>
             <a:fld id="{DF8C99C1-FF34-4EE2-AFAB-AF774F0F0F77}" type="datetimeFigureOut">
               <a:rPr lang="en-US" smtClean="0"/>
-              <a:t>12/23/2025</a:t>
+              <a:t>12/28/2025</a:t>
             </a:fld>
             <a:endParaRPr lang="en-US"/>
           </a:p>
@@ -2400,7 +2401,7 @@
           <a:p>
             <a:fld id="{DF8C99C1-FF34-4EE2-AFAB-AF774F0F0F77}" type="datetimeFigureOut">
               <a:rPr lang="en-US" smtClean="0"/>
-              <a:t>12/23/2025</a:t>
+              <a:t>12/28/2025</a:t>
             </a:fld>
             <a:endParaRPr lang="en-US"/>
           </a:p>
@@ -2689,7 +2690,7 @@
           <a:p>
             <a:fld id="{DF8C99C1-FF34-4EE2-AFAB-AF774F0F0F77}" type="datetimeFigureOut">
               <a:rPr lang="en-US" smtClean="0"/>
-              <a:t>12/23/2025</a:t>
+              <a:t>12/28/2025</a:t>
             </a:fld>
             <a:endParaRPr lang="en-US"/>
           </a:p>
@@ -2932,7 +2933,7 @@
           <a:p>
             <a:fld id="{DF8C99C1-FF34-4EE2-AFAB-AF774F0F0F77}" type="datetimeFigureOut">
               <a:rPr lang="en-US" smtClean="0"/>
-              <a:t>12/23/2025</a:t>
+              <a:t>12/28/2025</a:t>
             </a:fld>
             <a:endParaRPr lang="en-US"/>
           </a:p>
@@ -6018,6 +6019,191 @@
 </p:sld>
 </file>
 
+<file path=ppt/slides/slide4.xml><?xml version="1.0" encoding="utf-8"?>
+<p:sld xmlns:a="http://schemas.openxmlformats.org/drawingml/2006/main" xmlns:r="http://schemas.openxmlformats.org/officeDocument/2006/relationships" xmlns:p="http://schemas.openxmlformats.org/presentationml/2006/main">
+  <p:cSld>
+    <p:spTree>
+      <p:nvGrpSpPr>
+        <p:cNvPr id="1" name=""/>
+        <p:cNvGrpSpPr/>
+        <p:nvPr/>
+      </p:nvGrpSpPr>
+      <p:grpSpPr>
+        <a:xfrm>
+          <a:off x="0" y="0"/>
+          <a:ext cx="0" cy="0"/>
+          <a:chOff x="0" y="0"/>
+          <a:chExt cx="0" cy="0"/>
+        </a:xfrm>
+      </p:grpSpPr>
+      <p:pic>
+        <p:nvPicPr>
+          <p:cNvPr id="5" name="Picture 4">
+            <a:extLst>
+              <a:ext uri="{FF2B5EF4-FFF2-40B4-BE49-F238E27FC236}">
+                <a16:creationId xmlns:a16="http://schemas.microsoft.com/office/drawing/2014/main" id="{D49DB35F-7695-4ADA-93C5-A862C0658C94}"/>
+              </a:ext>
+            </a:extLst>
+          </p:cNvPr>
+          <p:cNvPicPr>
+            <a:picLocks noChangeAspect="1"/>
+          </p:cNvPicPr>
+          <p:nvPr/>
+        </p:nvPicPr>
+        <p:blipFill>
+          <a:blip r:embed="rId2"/>
+          <a:stretch>
+            <a:fillRect/>
+          </a:stretch>
+        </p:blipFill>
+        <p:spPr>
+          <a:xfrm>
+            <a:off x="246833" y="3078406"/>
+            <a:ext cx="11698333" cy="2581635"/>
+          </a:xfrm>
+          <a:prstGeom prst="rect">
+            <a:avLst/>
+          </a:prstGeom>
+        </p:spPr>
+      </p:pic>
+      <p:pic>
+        <p:nvPicPr>
+          <p:cNvPr id="7" name="Picture 6">
+            <a:extLst>
+              <a:ext uri="{FF2B5EF4-FFF2-40B4-BE49-F238E27FC236}">
+                <a16:creationId xmlns:a16="http://schemas.microsoft.com/office/drawing/2014/main" id="{0F7B59AF-8BC3-8140-58C1-29516204F51F}"/>
+              </a:ext>
+            </a:extLst>
+          </p:cNvPr>
+          <p:cNvPicPr>
+            <a:picLocks noChangeAspect="1"/>
+          </p:cNvPicPr>
+          <p:nvPr/>
+        </p:nvPicPr>
+        <p:blipFill>
+          <a:blip r:embed="rId3"/>
+          <a:srcRect l="4604"/>
+          <a:stretch/>
+        </p:blipFill>
+        <p:spPr>
+          <a:xfrm>
+            <a:off x="246833" y="553895"/>
+            <a:ext cx="11630684" cy="2545284"/>
+          </a:xfrm>
+          <a:prstGeom prst="rect">
+            <a:avLst/>
+          </a:prstGeom>
+        </p:spPr>
+      </p:pic>
+      <p:sp>
+        <p:nvSpPr>
+          <p:cNvPr id="8" name="TextBox 7">
+            <a:extLst>
+              <a:ext uri="{FF2B5EF4-FFF2-40B4-BE49-F238E27FC236}">
+                <a16:creationId xmlns:a16="http://schemas.microsoft.com/office/drawing/2014/main" id="{C81B3FA9-97B8-B9D5-90CE-EF31E07340C8}"/>
+              </a:ext>
+            </a:extLst>
+          </p:cNvPr>
+          <p:cNvSpPr txBox="1"/>
+          <p:nvPr/>
+        </p:nvSpPr>
+        <p:spPr>
+          <a:xfrm>
+            <a:off x="3458424" y="144855"/>
+            <a:ext cx="5758004" cy="369332"/>
+          </a:xfrm>
+          <a:prstGeom prst="rect">
+            <a:avLst/>
+          </a:prstGeom>
+          <a:noFill/>
+        </p:spPr>
+        <p:txBody>
+          <a:bodyPr wrap="square" rtlCol="0">
+            <a:spAutoFit/>
+          </a:bodyPr>
+          <a:lstStyle/>
+          <a:p>
+            <a:r>
+              <a:rPr lang="en-US" dirty="0" err="1">
+                <a:latin typeface="Consolas" panose="020B0609020204030204" pitchFamily="49" charset="0"/>
+              </a:rPr>
+              <a:t>emitter_buffer_inflow_condition.exec</a:t>
+            </a:r>
+            <a:r>
+              <a:rPr lang="en-US" dirty="0">
+                <a:latin typeface="Consolas" panose="020B0609020204030204" pitchFamily="49" charset="0"/>
+              </a:rPr>
+              <a:t>()</a:t>
+            </a:r>
+            <a:r>
+              <a:rPr lang="zh-CN" altLang="en-US" dirty="0"/>
+              <a:t>在最后</a:t>
+            </a:r>
+            <a:endParaRPr lang="en-US" dirty="0"/>
+          </a:p>
+        </p:txBody>
+      </p:sp>
+      <p:sp>
+        <p:nvSpPr>
+          <p:cNvPr id="9" name="TextBox 8">
+            <a:extLst>
+              <a:ext uri="{FF2B5EF4-FFF2-40B4-BE49-F238E27FC236}">
+                <a16:creationId xmlns:a16="http://schemas.microsoft.com/office/drawing/2014/main" id="{C9779BD1-18A1-82A2-D978-70AADD92C103}"/>
+              </a:ext>
+            </a:extLst>
+          </p:cNvPr>
+          <p:cNvSpPr txBox="1"/>
+          <p:nvPr/>
+        </p:nvSpPr>
+        <p:spPr>
+          <a:xfrm>
+            <a:off x="3458424" y="5660041"/>
+            <a:ext cx="5758004" cy="369332"/>
+          </a:xfrm>
+          <a:prstGeom prst="rect">
+            <a:avLst/>
+          </a:prstGeom>
+          <a:noFill/>
+        </p:spPr>
+        <p:txBody>
+          <a:bodyPr wrap="square" rtlCol="0">
+            <a:spAutoFit/>
+          </a:bodyPr>
+          <a:lstStyle/>
+          <a:p>
+            <a:r>
+              <a:rPr lang="en-US" dirty="0" err="1">
+                <a:latin typeface="Consolas" panose="020B0609020204030204" pitchFamily="49" charset="0"/>
+              </a:rPr>
+              <a:t>emitter_buffer_inflow_condition.exec</a:t>
+            </a:r>
+            <a:r>
+              <a:rPr lang="en-US" dirty="0">
+                <a:latin typeface="Consolas" panose="020B0609020204030204" pitchFamily="49" charset="0"/>
+              </a:rPr>
+              <a:t>()</a:t>
+            </a:r>
+            <a:r>
+              <a:rPr lang="zh-CN" altLang="en-US" dirty="0"/>
+              <a:t>在中间</a:t>
+            </a:r>
+            <a:endParaRPr lang="en-US" dirty="0"/>
+          </a:p>
+        </p:txBody>
+      </p:sp>
+    </p:spTree>
+    <p:extLst>
+      <p:ext uri="{BB962C8B-B14F-4D97-AF65-F5344CB8AC3E}">
+        <p14:creationId xmlns:p14="http://schemas.microsoft.com/office/powerpoint/2010/main" val="1778002891"/>
+      </p:ext>
+    </p:extLst>
+  </p:cSld>
+  <p:clrMapOvr>
+    <a:masterClrMapping/>
+  </p:clrMapOvr>
+</p:sld>
+</file>
+
 <file path=ppt/theme/theme1.xml><?xml version="1.0" encoding="utf-8"?>
 <a:theme xmlns:a="http://schemas.openxmlformats.org/drawingml/2006/main" name="Office 主题​​">
   <a:themeElements>

--- a/static/New Microsoft PowerPoint Presentation.pptx
+++ b/static/New Microsoft PowerPoint Presentation.pptx
@@ -9,6 +9,7 @@
     <p:sldId id="257" r:id="rId3"/>
     <p:sldId id="258" r:id="rId4"/>
     <p:sldId id="259" r:id="rId5"/>
+    <p:sldId id="260" r:id="rId6"/>
   </p:sldIdLst>
   <p:sldSz cx="12192000" cy="6858000"/>
   <p:notesSz cx="6858000" cy="9144000"/>
@@ -264,7 +265,7 @@
           <a:p>
             <a:fld id="{DF8C99C1-FF34-4EE2-AFAB-AF774F0F0F77}" type="datetimeFigureOut">
               <a:rPr lang="en-US" smtClean="0"/>
-              <a:t>12/28/2025</a:t>
+              <a:t>12/30/2025</a:t>
             </a:fld>
             <a:endParaRPr lang="en-US"/>
           </a:p>
@@ -464,7 +465,7 @@
           <a:p>
             <a:fld id="{DF8C99C1-FF34-4EE2-AFAB-AF774F0F0F77}" type="datetimeFigureOut">
               <a:rPr lang="en-US" smtClean="0"/>
-              <a:t>12/28/2025</a:t>
+              <a:t>12/30/2025</a:t>
             </a:fld>
             <a:endParaRPr lang="en-US"/>
           </a:p>
@@ -674,7 +675,7 @@
           <a:p>
             <a:fld id="{DF8C99C1-FF34-4EE2-AFAB-AF774F0F0F77}" type="datetimeFigureOut">
               <a:rPr lang="en-US" smtClean="0"/>
-              <a:t>12/28/2025</a:t>
+              <a:t>12/30/2025</a:t>
             </a:fld>
             <a:endParaRPr lang="en-US"/>
           </a:p>
@@ -874,7 +875,7 @@
           <a:p>
             <a:fld id="{DF8C99C1-FF34-4EE2-AFAB-AF774F0F0F77}" type="datetimeFigureOut">
               <a:rPr lang="en-US" smtClean="0"/>
-              <a:t>12/28/2025</a:t>
+              <a:t>12/30/2025</a:t>
             </a:fld>
             <a:endParaRPr lang="en-US"/>
           </a:p>
@@ -1150,7 +1151,7 @@
           <a:p>
             <a:fld id="{DF8C99C1-FF34-4EE2-AFAB-AF774F0F0F77}" type="datetimeFigureOut">
               <a:rPr lang="en-US" smtClean="0"/>
-              <a:t>12/28/2025</a:t>
+              <a:t>12/30/2025</a:t>
             </a:fld>
             <a:endParaRPr lang="en-US"/>
           </a:p>
@@ -1418,7 +1419,7 @@
           <a:p>
             <a:fld id="{DF8C99C1-FF34-4EE2-AFAB-AF774F0F0F77}" type="datetimeFigureOut">
               <a:rPr lang="en-US" smtClean="0"/>
-              <a:t>12/28/2025</a:t>
+              <a:t>12/30/2025</a:t>
             </a:fld>
             <a:endParaRPr lang="en-US"/>
           </a:p>
@@ -1833,7 +1834,7 @@
           <a:p>
             <a:fld id="{DF8C99C1-FF34-4EE2-AFAB-AF774F0F0F77}" type="datetimeFigureOut">
               <a:rPr lang="en-US" smtClean="0"/>
-              <a:t>12/28/2025</a:t>
+              <a:t>12/30/2025</a:t>
             </a:fld>
             <a:endParaRPr lang="en-US"/>
           </a:p>
@@ -1975,7 +1976,7 @@
           <a:p>
             <a:fld id="{DF8C99C1-FF34-4EE2-AFAB-AF774F0F0F77}" type="datetimeFigureOut">
               <a:rPr lang="en-US" smtClean="0"/>
-              <a:t>12/28/2025</a:t>
+              <a:t>12/30/2025</a:t>
             </a:fld>
             <a:endParaRPr lang="en-US"/>
           </a:p>
@@ -2088,7 +2089,7 @@
           <a:p>
             <a:fld id="{DF8C99C1-FF34-4EE2-AFAB-AF774F0F0F77}" type="datetimeFigureOut">
               <a:rPr lang="en-US" smtClean="0"/>
-              <a:t>12/28/2025</a:t>
+              <a:t>12/30/2025</a:t>
             </a:fld>
             <a:endParaRPr lang="en-US"/>
           </a:p>
@@ -2401,7 +2402,7 @@
           <a:p>
             <a:fld id="{DF8C99C1-FF34-4EE2-AFAB-AF774F0F0F77}" type="datetimeFigureOut">
               <a:rPr lang="en-US" smtClean="0"/>
-              <a:t>12/28/2025</a:t>
+              <a:t>12/30/2025</a:t>
             </a:fld>
             <a:endParaRPr lang="en-US"/>
           </a:p>
@@ -2690,7 +2691,7 @@
           <a:p>
             <a:fld id="{DF8C99C1-FF34-4EE2-AFAB-AF774F0F0F77}" type="datetimeFigureOut">
               <a:rPr lang="en-US" smtClean="0"/>
-              <a:t>12/28/2025</a:t>
+              <a:t>12/30/2025</a:t>
             </a:fld>
             <a:endParaRPr lang="en-US"/>
           </a:p>
@@ -2933,7 +2934,7 @@
           <a:p>
             <a:fld id="{DF8C99C1-FF34-4EE2-AFAB-AF774F0F0F77}" type="datetimeFigureOut">
               <a:rPr lang="en-US" smtClean="0"/>
-              <a:t>12/28/2025</a:t>
+              <a:t>12/30/2025</a:t>
             </a:fld>
             <a:endParaRPr lang="en-US"/>
           </a:p>
@@ -6204,6 +6205,96 @@
 </p:sld>
 </file>
 
+<file path=ppt/slides/slide5.xml><?xml version="1.0" encoding="utf-8"?>
+<p:sld xmlns:a="http://schemas.openxmlformats.org/drawingml/2006/main" xmlns:r="http://schemas.openxmlformats.org/officeDocument/2006/relationships" xmlns:p="http://schemas.openxmlformats.org/presentationml/2006/main">
+  <p:cSld>
+    <p:spTree>
+      <p:nvGrpSpPr>
+        <p:cNvPr id="1" name=""/>
+        <p:cNvGrpSpPr/>
+        <p:nvPr/>
+      </p:nvGrpSpPr>
+      <p:grpSpPr>
+        <a:xfrm>
+          <a:off x="0" y="0"/>
+          <a:ext cx="0" cy="0"/>
+          <a:chOff x="0" y="0"/>
+          <a:chExt cx="0" cy="0"/>
+        </a:xfrm>
+      </p:grpSpPr>
+      <p:pic>
+        <p:nvPicPr>
+          <p:cNvPr id="5" name="Picture 4">
+            <a:extLst>
+              <a:ext uri="{FF2B5EF4-FFF2-40B4-BE49-F238E27FC236}">
+                <a16:creationId xmlns:a16="http://schemas.microsoft.com/office/drawing/2014/main" id="{1FAA3DBC-BA7D-DDD0-8C2F-6BAC2EB94915}"/>
+              </a:ext>
+            </a:extLst>
+          </p:cNvPr>
+          <p:cNvPicPr>
+            <a:picLocks noChangeAspect="1"/>
+          </p:cNvPicPr>
+          <p:nvPr/>
+        </p:nvPicPr>
+        <p:blipFill>
+          <a:blip r:embed="rId2"/>
+          <a:stretch>
+            <a:fillRect/>
+          </a:stretch>
+        </p:blipFill>
+        <p:spPr>
+          <a:xfrm>
+            <a:off x="0" y="0"/>
+            <a:ext cx="12192000" cy="3092358"/>
+          </a:xfrm>
+          <a:prstGeom prst="rect">
+            <a:avLst/>
+          </a:prstGeom>
+        </p:spPr>
+      </p:pic>
+      <p:pic>
+        <p:nvPicPr>
+          <p:cNvPr id="7" name="Picture 6">
+            <a:extLst>
+              <a:ext uri="{FF2B5EF4-FFF2-40B4-BE49-F238E27FC236}">
+                <a16:creationId xmlns:a16="http://schemas.microsoft.com/office/drawing/2014/main" id="{E3FC6373-CFBA-3F8F-797A-C6C80B8FB482}"/>
+              </a:ext>
+            </a:extLst>
+          </p:cNvPr>
+          <p:cNvPicPr>
+            <a:picLocks noChangeAspect="1"/>
+          </p:cNvPicPr>
+          <p:nvPr/>
+        </p:nvPicPr>
+        <p:blipFill>
+          <a:blip r:embed="rId3"/>
+          <a:stretch>
+            <a:fillRect/>
+          </a:stretch>
+        </p:blipFill>
+        <p:spPr>
+          <a:xfrm>
+            <a:off x="0" y="3255320"/>
+            <a:ext cx="12192000" cy="3033496"/>
+          </a:xfrm>
+          <a:prstGeom prst="rect">
+            <a:avLst/>
+          </a:prstGeom>
+        </p:spPr>
+      </p:pic>
+    </p:spTree>
+    <p:extLst>
+      <p:ext uri="{BB962C8B-B14F-4D97-AF65-F5344CB8AC3E}">
+        <p14:creationId xmlns:p14="http://schemas.microsoft.com/office/powerpoint/2010/main" val="1752099875"/>
+      </p:ext>
+    </p:extLst>
+  </p:cSld>
+  <p:clrMapOvr>
+    <a:masterClrMapping/>
+  </p:clrMapOvr>
+</p:sld>
+</file>
+
 <file path=ppt/theme/theme1.xml><?xml version="1.0" encoding="utf-8"?>
 <a:theme xmlns:a="http://schemas.openxmlformats.org/drawingml/2006/main" name="Office 主题​​">
   <a:themeElements>

--- a/static/New Microsoft PowerPoint Presentation.pptx
+++ b/static/New Microsoft PowerPoint Presentation.pptx
@@ -10,6 +10,9 @@
     <p:sldId id="258" r:id="rId4"/>
     <p:sldId id="259" r:id="rId5"/>
     <p:sldId id="260" r:id="rId6"/>
+    <p:sldId id="261" r:id="rId7"/>
+    <p:sldId id="262" r:id="rId8"/>
+    <p:sldId id="263" r:id="rId9"/>
   </p:sldIdLst>
   <p:sldSz cx="12192000" cy="6858000"/>
   <p:notesSz cx="6858000" cy="9144000"/>
@@ -265,7 +268,7 @@
           <a:p>
             <a:fld id="{DF8C99C1-FF34-4EE2-AFAB-AF774F0F0F77}" type="datetimeFigureOut">
               <a:rPr lang="en-US" smtClean="0"/>
-              <a:t>12/30/2025</a:t>
+              <a:t>1/5/2026</a:t>
             </a:fld>
             <a:endParaRPr lang="en-US"/>
           </a:p>
@@ -465,7 +468,7 @@
           <a:p>
             <a:fld id="{DF8C99C1-FF34-4EE2-AFAB-AF774F0F0F77}" type="datetimeFigureOut">
               <a:rPr lang="en-US" smtClean="0"/>
-              <a:t>12/30/2025</a:t>
+              <a:t>1/5/2026</a:t>
             </a:fld>
             <a:endParaRPr lang="en-US"/>
           </a:p>
@@ -675,7 +678,7 @@
           <a:p>
             <a:fld id="{DF8C99C1-FF34-4EE2-AFAB-AF774F0F0F77}" type="datetimeFigureOut">
               <a:rPr lang="en-US" smtClean="0"/>
-              <a:t>12/30/2025</a:t>
+              <a:t>1/5/2026</a:t>
             </a:fld>
             <a:endParaRPr lang="en-US"/>
           </a:p>
@@ -875,7 +878,7 @@
           <a:p>
             <a:fld id="{DF8C99C1-FF34-4EE2-AFAB-AF774F0F0F77}" type="datetimeFigureOut">
               <a:rPr lang="en-US" smtClean="0"/>
-              <a:t>12/30/2025</a:t>
+              <a:t>1/5/2026</a:t>
             </a:fld>
             <a:endParaRPr lang="en-US"/>
           </a:p>
@@ -1151,7 +1154,7 @@
           <a:p>
             <a:fld id="{DF8C99C1-FF34-4EE2-AFAB-AF774F0F0F77}" type="datetimeFigureOut">
               <a:rPr lang="en-US" smtClean="0"/>
-              <a:t>12/30/2025</a:t>
+              <a:t>1/5/2026</a:t>
             </a:fld>
             <a:endParaRPr lang="en-US"/>
           </a:p>
@@ -1419,7 +1422,7 @@
           <a:p>
             <a:fld id="{DF8C99C1-FF34-4EE2-AFAB-AF774F0F0F77}" type="datetimeFigureOut">
               <a:rPr lang="en-US" smtClean="0"/>
-              <a:t>12/30/2025</a:t>
+              <a:t>1/5/2026</a:t>
             </a:fld>
             <a:endParaRPr lang="en-US"/>
           </a:p>
@@ -1834,7 +1837,7 @@
           <a:p>
             <a:fld id="{DF8C99C1-FF34-4EE2-AFAB-AF774F0F0F77}" type="datetimeFigureOut">
               <a:rPr lang="en-US" smtClean="0"/>
-              <a:t>12/30/2025</a:t>
+              <a:t>1/5/2026</a:t>
             </a:fld>
             <a:endParaRPr lang="en-US"/>
           </a:p>
@@ -1976,7 +1979,7 @@
           <a:p>
             <a:fld id="{DF8C99C1-FF34-4EE2-AFAB-AF774F0F0F77}" type="datetimeFigureOut">
               <a:rPr lang="en-US" smtClean="0"/>
-              <a:t>12/30/2025</a:t>
+              <a:t>1/5/2026</a:t>
             </a:fld>
             <a:endParaRPr lang="en-US"/>
           </a:p>
@@ -2089,7 +2092,7 @@
           <a:p>
             <a:fld id="{DF8C99C1-FF34-4EE2-AFAB-AF774F0F0F77}" type="datetimeFigureOut">
               <a:rPr lang="en-US" smtClean="0"/>
-              <a:t>12/30/2025</a:t>
+              <a:t>1/5/2026</a:t>
             </a:fld>
             <a:endParaRPr lang="en-US"/>
           </a:p>
@@ -2402,7 +2405,7 @@
           <a:p>
             <a:fld id="{DF8C99C1-FF34-4EE2-AFAB-AF774F0F0F77}" type="datetimeFigureOut">
               <a:rPr lang="en-US" smtClean="0"/>
-              <a:t>12/30/2025</a:t>
+              <a:t>1/5/2026</a:t>
             </a:fld>
             <a:endParaRPr lang="en-US"/>
           </a:p>
@@ -2691,7 +2694,7 @@
           <a:p>
             <a:fld id="{DF8C99C1-FF34-4EE2-AFAB-AF774F0F0F77}" type="datetimeFigureOut">
               <a:rPr lang="en-US" smtClean="0"/>
-              <a:t>12/30/2025</a:t>
+              <a:t>1/5/2026</a:t>
             </a:fld>
             <a:endParaRPr lang="en-US"/>
           </a:p>
@@ -2934,7 +2937,7 @@
           <a:p>
             <a:fld id="{DF8C99C1-FF34-4EE2-AFAB-AF774F0F0F77}" type="datetimeFigureOut">
               <a:rPr lang="en-US" smtClean="0"/>
-              <a:t>12/30/2025</a:t>
+              <a:t>1/5/2026</a:t>
             </a:fld>
             <a:endParaRPr lang="en-US"/>
           </a:p>
@@ -6295,6 +6298,9285 @@
 </p:sld>
 </file>
 
+<file path=ppt/slides/slide6.xml><?xml version="1.0" encoding="utf-8"?>
+<p:sld xmlns:a="http://schemas.openxmlformats.org/drawingml/2006/main" xmlns:r="http://schemas.openxmlformats.org/officeDocument/2006/relationships" xmlns:p="http://schemas.openxmlformats.org/presentationml/2006/main">
+  <p:cSld>
+    <p:spTree>
+      <p:nvGrpSpPr>
+        <p:cNvPr id="1" name=""/>
+        <p:cNvGrpSpPr/>
+        <p:nvPr/>
+      </p:nvGrpSpPr>
+      <p:grpSpPr>
+        <a:xfrm>
+          <a:off x="0" y="0"/>
+          <a:ext cx="0" cy="0"/>
+          <a:chOff x="0" y="0"/>
+          <a:chExt cx="0" cy="0"/>
+        </a:xfrm>
+      </p:grpSpPr>
+      <p:pic>
+        <p:nvPicPr>
+          <p:cNvPr id="5" name="Picture 4">
+            <a:extLst>
+              <a:ext uri="{FF2B5EF4-FFF2-40B4-BE49-F238E27FC236}">
+                <a16:creationId xmlns:a16="http://schemas.microsoft.com/office/drawing/2014/main" id="{B8FE7D1F-E043-CEF1-C3FA-BBCDC9F16158}"/>
+              </a:ext>
+            </a:extLst>
+          </p:cNvPr>
+          <p:cNvPicPr>
+            <a:picLocks noChangeAspect="1"/>
+          </p:cNvPicPr>
+          <p:nvPr/>
+        </p:nvPicPr>
+        <p:blipFill>
+          <a:blip r:embed="rId2"/>
+          <a:stretch>
+            <a:fillRect/>
+          </a:stretch>
+        </p:blipFill>
+        <p:spPr>
+          <a:xfrm>
+            <a:off x="1418572" y="66634"/>
+            <a:ext cx="4306672" cy="1828800"/>
+          </a:xfrm>
+          <a:prstGeom prst="rect">
+            <a:avLst/>
+          </a:prstGeom>
+        </p:spPr>
+      </p:pic>
+      <p:pic>
+        <p:nvPicPr>
+          <p:cNvPr id="7" name="Picture 6">
+            <a:extLst>
+              <a:ext uri="{FF2B5EF4-FFF2-40B4-BE49-F238E27FC236}">
+                <a16:creationId xmlns:a16="http://schemas.microsoft.com/office/drawing/2014/main" id="{BA30F125-6058-6B5D-83C3-CB0420F1EF88}"/>
+              </a:ext>
+            </a:extLst>
+          </p:cNvPr>
+          <p:cNvPicPr>
+            <a:picLocks noChangeAspect="1"/>
+          </p:cNvPicPr>
+          <p:nvPr/>
+        </p:nvPicPr>
+        <p:blipFill>
+          <a:blip r:embed="rId3"/>
+          <a:stretch>
+            <a:fillRect/>
+          </a:stretch>
+        </p:blipFill>
+        <p:spPr>
+          <a:xfrm>
+            <a:off x="1418572" y="2092938"/>
+            <a:ext cx="4304100" cy="1828800"/>
+          </a:xfrm>
+          <a:prstGeom prst="rect">
+            <a:avLst/>
+          </a:prstGeom>
+        </p:spPr>
+      </p:pic>
+      <p:pic>
+        <p:nvPicPr>
+          <p:cNvPr id="9" name="Picture 8">
+            <a:extLst>
+              <a:ext uri="{FF2B5EF4-FFF2-40B4-BE49-F238E27FC236}">
+                <a16:creationId xmlns:a16="http://schemas.microsoft.com/office/drawing/2014/main" id="{28669A79-A010-ADA5-7FEF-C4D35C436296}"/>
+              </a:ext>
+            </a:extLst>
+          </p:cNvPr>
+          <p:cNvPicPr>
+            <a:picLocks noChangeAspect="1"/>
+          </p:cNvPicPr>
+          <p:nvPr/>
+        </p:nvPicPr>
+        <p:blipFill>
+          <a:blip r:embed="rId4"/>
+          <a:stretch>
+            <a:fillRect/>
+          </a:stretch>
+        </p:blipFill>
+        <p:spPr>
+          <a:xfrm>
+            <a:off x="1403686" y="4119242"/>
+            <a:ext cx="4318986" cy="1828800"/>
+          </a:xfrm>
+          <a:prstGeom prst="rect">
+            <a:avLst/>
+          </a:prstGeom>
+        </p:spPr>
+      </p:pic>
+      <p:sp>
+        <p:nvSpPr>
+          <p:cNvPr id="10" name="TextBox 9">
+            <a:extLst>
+              <a:ext uri="{FF2B5EF4-FFF2-40B4-BE49-F238E27FC236}">
+                <a16:creationId xmlns:a16="http://schemas.microsoft.com/office/drawing/2014/main" id="{E772F45B-2FC4-24B8-CE69-F77567BB867D}"/>
+              </a:ext>
+            </a:extLst>
+          </p:cNvPr>
+          <p:cNvSpPr txBox="1"/>
+          <p:nvPr/>
+        </p:nvSpPr>
+        <p:spPr>
+          <a:xfrm>
+            <a:off x="1159242" y="-118032"/>
+            <a:ext cx="244444" cy="369332"/>
+          </a:xfrm>
+          <a:prstGeom prst="rect">
+            <a:avLst/>
+          </a:prstGeom>
+          <a:noFill/>
+        </p:spPr>
+        <p:txBody>
+          <a:bodyPr wrap="square" rtlCol="0">
+            <a:spAutoFit/>
+          </a:bodyPr>
+          <a:lstStyle/>
+          <a:p>
+            <a:r>
+              <a:rPr lang="en-US" altLang="zh-CN" dirty="0">
+                <a:latin typeface="Arial" panose="020B0604020202020204" pitchFamily="34" charset="0"/>
+                <a:cs typeface="Arial" panose="020B0604020202020204" pitchFamily="34" charset="0"/>
+              </a:rPr>
+              <a:t>a</a:t>
+            </a:r>
+            <a:endParaRPr lang="en-US" dirty="0">
+              <a:latin typeface="Arial" panose="020B0604020202020204" pitchFamily="34" charset="0"/>
+              <a:cs typeface="Arial" panose="020B0604020202020204" pitchFamily="34" charset="0"/>
+            </a:endParaRPr>
+          </a:p>
+        </p:txBody>
+      </p:sp>
+      <p:sp>
+        <p:nvSpPr>
+          <p:cNvPr id="11" name="TextBox 10">
+            <a:extLst>
+              <a:ext uri="{FF2B5EF4-FFF2-40B4-BE49-F238E27FC236}">
+                <a16:creationId xmlns:a16="http://schemas.microsoft.com/office/drawing/2014/main" id="{7A3089BA-EF69-DE5E-6E4E-E62A8360FA1D}"/>
+              </a:ext>
+            </a:extLst>
+          </p:cNvPr>
+          <p:cNvSpPr txBox="1"/>
+          <p:nvPr/>
+        </p:nvSpPr>
+        <p:spPr>
+          <a:xfrm>
+            <a:off x="1159242" y="1955001"/>
+            <a:ext cx="244444" cy="369332"/>
+          </a:xfrm>
+          <a:prstGeom prst="rect">
+            <a:avLst/>
+          </a:prstGeom>
+          <a:noFill/>
+        </p:spPr>
+        <p:txBody>
+          <a:bodyPr wrap="square" rtlCol="0">
+            <a:spAutoFit/>
+          </a:bodyPr>
+          <a:lstStyle/>
+          <a:p>
+            <a:r>
+              <a:rPr lang="en-US" altLang="zh-CN" dirty="0">
+                <a:latin typeface="Arial" panose="020B0604020202020204" pitchFamily="34" charset="0"/>
+                <a:cs typeface="Arial" panose="020B0604020202020204" pitchFamily="34" charset="0"/>
+              </a:rPr>
+              <a:t>b</a:t>
+            </a:r>
+            <a:endParaRPr lang="en-US" dirty="0">
+              <a:latin typeface="Arial" panose="020B0604020202020204" pitchFamily="34" charset="0"/>
+              <a:cs typeface="Arial" panose="020B0604020202020204" pitchFamily="34" charset="0"/>
+            </a:endParaRPr>
+          </a:p>
+        </p:txBody>
+      </p:sp>
+      <p:sp>
+        <p:nvSpPr>
+          <p:cNvPr id="12" name="TextBox 11">
+            <a:extLst>
+              <a:ext uri="{FF2B5EF4-FFF2-40B4-BE49-F238E27FC236}">
+                <a16:creationId xmlns:a16="http://schemas.microsoft.com/office/drawing/2014/main" id="{30634604-B76A-7E0E-4F9A-DD43BC37DCA3}"/>
+              </a:ext>
+            </a:extLst>
+          </p:cNvPr>
+          <p:cNvSpPr txBox="1"/>
+          <p:nvPr/>
+        </p:nvSpPr>
+        <p:spPr>
+          <a:xfrm>
+            <a:off x="1159242" y="3996432"/>
+            <a:ext cx="244444" cy="369332"/>
+          </a:xfrm>
+          <a:prstGeom prst="rect">
+            <a:avLst/>
+          </a:prstGeom>
+          <a:noFill/>
+        </p:spPr>
+        <p:txBody>
+          <a:bodyPr wrap="square" rtlCol="0">
+            <a:spAutoFit/>
+          </a:bodyPr>
+          <a:lstStyle/>
+          <a:p>
+            <a:r>
+              <a:rPr lang="en-US" altLang="zh-CN" dirty="0">
+                <a:latin typeface="Arial" panose="020B0604020202020204" pitchFamily="34" charset="0"/>
+                <a:cs typeface="Arial" panose="020B0604020202020204" pitchFamily="34" charset="0"/>
+              </a:rPr>
+              <a:t>c</a:t>
+            </a:r>
+            <a:endParaRPr lang="en-US" dirty="0">
+              <a:latin typeface="Arial" panose="020B0604020202020204" pitchFamily="34" charset="0"/>
+              <a:cs typeface="Arial" panose="020B0604020202020204" pitchFamily="34" charset="0"/>
+            </a:endParaRPr>
+          </a:p>
+        </p:txBody>
+      </p:sp>
+      <mc:AlternateContent xmlns:mc="http://schemas.openxmlformats.org/markup-compatibility/2006" xmlns:a14="http://schemas.microsoft.com/office/drawing/2010/main">
+        <mc:Choice Requires="a14">
+          <p:sp>
+            <p:nvSpPr>
+              <p:cNvPr id="16" name="TextBox 15">
+                <a:extLst>
+                  <a:ext uri="{FF2B5EF4-FFF2-40B4-BE49-F238E27FC236}">
+                    <a16:creationId xmlns:a16="http://schemas.microsoft.com/office/drawing/2014/main" id="{879FD88D-A554-88A5-4CE9-FF971B6D5927}"/>
+                  </a:ext>
+                </a:extLst>
+              </p:cNvPr>
+              <p:cNvSpPr txBox="1"/>
+              <p:nvPr/>
+            </p:nvSpPr>
+            <p:spPr>
+              <a:xfrm>
+                <a:off x="5930019" y="251300"/>
+                <a:ext cx="5667470" cy="1222579"/>
+              </a:xfrm>
+              <a:prstGeom prst="rect">
+                <a:avLst/>
+              </a:prstGeom>
+              <a:noFill/>
+            </p:spPr>
+            <p:txBody>
+              <a:bodyPr wrap="square" rtlCol="0">
+                <a:spAutoFit/>
+              </a:bodyPr>
+              <a:lstStyle/>
+              <a:p>
+                <a:r>
+                  <a:rPr lang="en-US" altLang="zh-CN" dirty="0">
+                    <a:latin typeface="Arial" panose="020B0604020202020204" pitchFamily="34" charset="0"/>
+                    <a:cs typeface="Arial" panose="020B0604020202020204" pitchFamily="34" charset="0"/>
+                  </a:rPr>
+                  <a:t>original</a:t>
+                </a:r>
+              </a:p>
+              <a:p>
+                <a:r>
+                  <a:rPr lang="en-US" altLang="zh-CN" dirty="0">
+                    <a:latin typeface="Arial" panose="020B0604020202020204" pitchFamily="34" charset="0"/>
+                    <a:cs typeface="Arial" panose="020B0604020202020204" pitchFamily="34" charset="0"/>
+                  </a:rPr>
+                  <a:t>water: </a:t>
+                </a:r>
+                <a:r>
+                  <a:rPr lang="en-US" altLang="zh-CN" dirty="0">
+                    <a:latin typeface="Consolas" panose="020B0609020204030204" pitchFamily="49" charset="0"/>
+                  </a:rPr>
+                  <a:t>Inner&lt;</a:t>
+                </a:r>
+                <a:r>
+                  <a:rPr lang="en-US" altLang="zh-CN" dirty="0" err="1">
+                    <a:latin typeface="Consolas" panose="020B0609020204030204" pitchFamily="49" charset="0"/>
+                  </a:rPr>
+                  <a:t>FreeSurface</a:t>
+                </a:r>
+                <a:r>
+                  <a:rPr lang="en-US" altLang="zh-CN" dirty="0">
+                    <a:latin typeface="Consolas" panose="020B0609020204030204" pitchFamily="49" charset="0"/>
+                  </a:rPr>
+                  <a:t>&gt; + </a:t>
+                </a:r>
+                <a:r>
+                  <a:rPr lang="en-US" altLang="zh-CN" dirty="0" err="1">
+                    <a:latin typeface="Consolas" panose="020B0609020204030204" pitchFamily="49" charset="0"/>
+                  </a:rPr>
+                  <a:t>wall_contact</a:t>
+                </a:r>
+                <a:endParaRPr lang="en-US" altLang="zh-CN" dirty="0">
+                  <a:latin typeface="Consolas" panose="020B0609020204030204" pitchFamily="49" charset="0"/>
+                </a:endParaRPr>
+              </a:p>
+              <a:p>
+                <a:r>
+                  <a:rPr lang="en-US" dirty="0">
+                    <a:latin typeface="Arial" panose="020B0604020202020204" pitchFamily="34" charset="0"/>
+                    <a:cs typeface="Arial" panose="020B0604020202020204" pitchFamily="34" charset="0"/>
+                  </a:rPr>
+                  <a:t>air: </a:t>
+                </a:r>
+                <a:r>
+                  <a:rPr lang="en-US" dirty="0">
+                    <a:latin typeface="Consolas" panose="020B0609020204030204" pitchFamily="49" charset="0"/>
+                  </a:rPr>
+                  <a:t>Inner&lt;&gt; + </a:t>
+                </a:r>
+                <a:r>
+                  <a:rPr lang="en-US" dirty="0" err="1">
+                    <a:latin typeface="Consolas" panose="020B0609020204030204" pitchFamily="49" charset="0"/>
+                  </a:rPr>
+                  <a:t>water_contact</a:t>
+                </a:r>
+                <a:r>
+                  <a:rPr lang="en-US" dirty="0">
+                    <a:latin typeface="Consolas" panose="020B0609020204030204" pitchFamily="49" charset="0"/>
+                  </a:rPr>
+                  <a:t> + </a:t>
+                </a:r>
+                <a:r>
+                  <a:rPr lang="en-US" dirty="0" err="1">
+                    <a:latin typeface="Consolas" panose="020B0609020204030204" pitchFamily="49" charset="0"/>
+                  </a:rPr>
+                  <a:t>wall_contact</a:t>
+                </a:r>
+                <a:endParaRPr lang="en-US" dirty="0">
+                  <a:latin typeface="Consolas" panose="020B0609020204030204" pitchFamily="49" charset="0"/>
+                </a:endParaRPr>
+              </a:p>
+              <a:p>
+                <a:pPr/>
+                <a14:m>
+                  <m:oMathPara xmlns:m="http://schemas.openxmlformats.org/officeDocument/2006/math">
+                    <m:oMathParaPr>
+                      <m:jc m:val="left"/>
+                    </m:oMathParaPr>
+                    <m:oMath xmlns:m="http://schemas.openxmlformats.org/officeDocument/2006/math">
+                      <m:sSub>
+                        <m:sSubPr>
+                          <m:ctrlPr>
+                            <a:rPr lang="en-US" b="0" i="1" smtClean="0">
+                              <a:latin typeface="Cambria Math" panose="02040503050406030204" pitchFamily="18" charset="0"/>
+                            </a:rPr>
+                          </m:ctrlPr>
+                        </m:sSubPr>
+                        <m:e>
+                          <m:r>
+                            <a:rPr lang="en-US" b="0" i="1" smtClean="0">
+                              <a:latin typeface="Cambria Math" panose="02040503050406030204" pitchFamily="18" charset="0"/>
+                            </a:rPr>
+                            <m:t>𝜌</m:t>
+                          </m:r>
+                        </m:e>
+                        <m:sub>
+                          <m:r>
+                            <a:rPr lang="en-US" b="0" i="1" smtClean="0">
+                              <a:latin typeface="Cambria Math" panose="02040503050406030204" pitchFamily="18" charset="0"/>
+                            </a:rPr>
+                            <m:t>𝑓</m:t>
+                          </m:r>
+                        </m:sub>
+                      </m:sSub>
+                      <m:r>
+                        <a:rPr lang="en-US" b="0" i="1" smtClean="0">
+                          <a:latin typeface="Cambria Math" panose="02040503050406030204" pitchFamily="18" charset="0"/>
+                        </a:rPr>
+                        <m:t>∈[0.9983,1.0031]</m:t>
+                      </m:r>
+                    </m:oMath>
+                  </m:oMathPara>
+                </a14:m>
+                <a:endParaRPr lang="en-US" dirty="0"/>
+              </a:p>
+            </p:txBody>
+          </p:sp>
+        </mc:Choice>
+        <mc:Fallback xmlns="">
+          <p:sp>
+            <p:nvSpPr>
+              <p:cNvPr id="16" name="TextBox 15">
+                <a:extLst>
+                  <a:ext uri="{FF2B5EF4-FFF2-40B4-BE49-F238E27FC236}">
+                    <a16:creationId xmlns:a16="http://schemas.microsoft.com/office/drawing/2014/main" id="{879FD88D-A554-88A5-4CE9-FF971B6D5927}"/>
+                  </a:ext>
+                </a:extLst>
+              </p:cNvPr>
+              <p:cNvSpPr txBox="1">
+                <a:spLocks noRot="1" noChangeAspect="1" noMove="1" noResize="1" noEditPoints="1" noAdjustHandles="1" noChangeArrowheads="1" noChangeShapeType="1" noTextEdit="1"/>
+              </p:cNvSpPr>
+              <p:nvPr/>
+            </p:nvSpPr>
+            <p:spPr>
+              <a:xfrm>
+                <a:off x="5930019" y="251300"/>
+                <a:ext cx="5667470" cy="1222579"/>
+              </a:xfrm>
+              <a:prstGeom prst="rect">
+                <a:avLst/>
+              </a:prstGeom>
+              <a:blipFill>
+                <a:blip r:embed="rId5"/>
+                <a:stretch>
+                  <a:fillRect l="-969" t="-2488" b="-2488"/>
+                </a:stretch>
+              </a:blipFill>
+            </p:spPr>
+            <p:txBody>
+              <a:bodyPr/>
+              <a:lstStyle/>
+              <a:p>
+                <a:r>
+                  <a:rPr lang="en-US">
+                    <a:noFill/>
+                  </a:rPr>
+                  <a:t> </a:t>
+                </a:r>
+              </a:p>
+            </p:txBody>
+          </p:sp>
+        </mc:Fallback>
+      </mc:AlternateContent>
+      <mc:AlternateContent xmlns:mc="http://schemas.openxmlformats.org/markup-compatibility/2006" xmlns:a14="http://schemas.microsoft.com/office/drawing/2010/main">
+        <mc:Choice Requires="a14">
+          <p:sp>
+            <p:nvSpPr>
+              <p:cNvPr id="18" name="TextBox 17">
+                <a:extLst>
+                  <a:ext uri="{FF2B5EF4-FFF2-40B4-BE49-F238E27FC236}">
+                    <a16:creationId xmlns:a16="http://schemas.microsoft.com/office/drawing/2014/main" id="{A7B67036-FB6B-AF52-E666-F7610E8FDC1F}"/>
+                  </a:ext>
+                </a:extLst>
+              </p:cNvPr>
+              <p:cNvSpPr txBox="1"/>
+              <p:nvPr/>
+            </p:nvSpPr>
+            <p:spPr>
+              <a:xfrm>
+                <a:off x="5942777" y="2206421"/>
+                <a:ext cx="5667470" cy="1222579"/>
+              </a:xfrm>
+              <a:prstGeom prst="rect">
+                <a:avLst/>
+              </a:prstGeom>
+              <a:noFill/>
+            </p:spPr>
+            <p:txBody>
+              <a:bodyPr wrap="square" rtlCol="0">
+                <a:spAutoFit/>
+              </a:bodyPr>
+              <a:lstStyle/>
+              <a:p>
+                <a:r>
+                  <a:rPr lang="en-US" altLang="zh-CN" dirty="0">
+                    <a:latin typeface="Arial" panose="020B0604020202020204" pitchFamily="34" charset="0"/>
+                    <a:cs typeface="Arial" panose="020B0604020202020204" pitchFamily="34" charset="0"/>
+                  </a:rPr>
+                  <a:t>variant 1</a:t>
+                </a:r>
+              </a:p>
+              <a:p>
+                <a:r>
+                  <a:rPr lang="en-US" altLang="zh-CN" dirty="0">
+                    <a:latin typeface="Arial" panose="020B0604020202020204" pitchFamily="34" charset="0"/>
+                    <a:cs typeface="Arial" panose="020B0604020202020204" pitchFamily="34" charset="0"/>
+                  </a:rPr>
+                  <a:t>water: </a:t>
+                </a:r>
+                <a:r>
+                  <a:rPr lang="en-US" altLang="zh-CN" dirty="0">
+                    <a:latin typeface="Consolas" panose="020B0609020204030204" pitchFamily="49" charset="0"/>
+                  </a:rPr>
+                  <a:t>Inner&lt;&gt; + </a:t>
+                </a:r>
+                <a:r>
+                  <a:rPr lang="en-US" altLang="zh-CN" dirty="0" err="1">
+                    <a:latin typeface="Consolas" panose="020B0609020204030204" pitchFamily="49" charset="0"/>
+                  </a:rPr>
+                  <a:t>air_contact</a:t>
+                </a:r>
+                <a:r>
+                  <a:rPr lang="en-US" altLang="zh-CN" dirty="0">
+                    <a:latin typeface="Consolas" panose="020B0609020204030204" pitchFamily="49" charset="0"/>
+                  </a:rPr>
+                  <a:t> + </a:t>
+                </a:r>
+                <a:r>
+                  <a:rPr lang="en-US" altLang="zh-CN" dirty="0" err="1">
+                    <a:latin typeface="Consolas" panose="020B0609020204030204" pitchFamily="49" charset="0"/>
+                  </a:rPr>
+                  <a:t>wall_contact</a:t>
+                </a:r>
+                <a:endParaRPr lang="en-US" altLang="zh-CN" dirty="0">
+                  <a:latin typeface="Consolas" panose="020B0609020204030204" pitchFamily="49" charset="0"/>
+                </a:endParaRPr>
+              </a:p>
+              <a:p>
+                <a:r>
+                  <a:rPr lang="en-US" dirty="0">
+                    <a:latin typeface="Arial" panose="020B0604020202020204" pitchFamily="34" charset="0"/>
+                    <a:cs typeface="Arial" panose="020B0604020202020204" pitchFamily="34" charset="0"/>
+                  </a:rPr>
+                  <a:t>air: </a:t>
+                </a:r>
+                <a:r>
+                  <a:rPr lang="en-US" dirty="0">
+                    <a:latin typeface="Consolas" panose="020B0609020204030204" pitchFamily="49" charset="0"/>
+                  </a:rPr>
+                  <a:t>Inner&lt;&gt; + </a:t>
+                </a:r>
+                <a:r>
+                  <a:rPr lang="en-US" dirty="0" err="1">
+                    <a:latin typeface="Consolas" panose="020B0609020204030204" pitchFamily="49" charset="0"/>
+                  </a:rPr>
+                  <a:t>water_contact</a:t>
+                </a:r>
+                <a:r>
+                  <a:rPr lang="en-US" dirty="0">
+                    <a:latin typeface="Consolas" panose="020B0609020204030204" pitchFamily="49" charset="0"/>
+                  </a:rPr>
+                  <a:t> + </a:t>
+                </a:r>
+                <a:r>
+                  <a:rPr lang="en-US" dirty="0" err="1">
+                    <a:latin typeface="Consolas" panose="020B0609020204030204" pitchFamily="49" charset="0"/>
+                  </a:rPr>
+                  <a:t>wall_contact</a:t>
+                </a:r>
+                <a:endParaRPr lang="en-US" dirty="0">
+                  <a:latin typeface="Consolas" panose="020B0609020204030204" pitchFamily="49" charset="0"/>
+                </a:endParaRPr>
+              </a:p>
+              <a:p>
+                <a:pPr/>
+                <a14:m>
+                  <m:oMathPara xmlns:m="http://schemas.openxmlformats.org/officeDocument/2006/math">
+                    <m:oMathParaPr>
+                      <m:jc m:val="left"/>
+                    </m:oMathParaPr>
+                    <m:oMath xmlns:m="http://schemas.openxmlformats.org/officeDocument/2006/math">
+                      <m:sSub>
+                        <m:sSubPr>
+                          <m:ctrlPr>
+                            <a:rPr lang="en-US" b="0" i="1" smtClean="0">
+                              <a:latin typeface="Cambria Math" panose="02040503050406030204" pitchFamily="18" charset="0"/>
+                            </a:rPr>
+                          </m:ctrlPr>
+                        </m:sSubPr>
+                        <m:e>
+                          <m:r>
+                            <a:rPr lang="en-US" b="0" i="1" smtClean="0">
+                              <a:latin typeface="Cambria Math" panose="02040503050406030204" pitchFamily="18" charset="0"/>
+                            </a:rPr>
+                            <m:t>𝜌</m:t>
+                          </m:r>
+                        </m:e>
+                        <m:sub>
+                          <m:r>
+                            <a:rPr lang="en-US" b="0" i="1" smtClean="0">
+                              <a:latin typeface="Cambria Math" panose="02040503050406030204" pitchFamily="18" charset="0"/>
+                            </a:rPr>
+                            <m:t>𝑓</m:t>
+                          </m:r>
+                        </m:sub>
+                      </m:sSub>
+                      <m:r>
+                        <a:rPr lang="en-US" b="0" i="1" smtClean="0">
+                          <a:latin typeface="Cambria Math" panose="02040503050406030204" pitchFamily="18" charset="0"/>
+                        </a:rPr>
+                        <m:t>∈[</m:t>
+                      </m:r>
+                      <m:r>
+                        <a:rPr lang="en-US" i="1">
+                          <a:latin typeface="Cambria Math" panose="02040503050406030204" pitchFamily="18" charset="0"/>
+                        </a:rPr>
+                        <m:t>0.9905,1.0084</m:t>
+                      </m:r>
+                      <m:r>
+                        <a:rPr lang="en-US" b="0" i="1" smtClean="0">
+                          <a:latin typeface="Cambria Math" panose="02040503050406030204" pitchFamily="18" charset="0"/>
+                        </a:rPr>
+                        <m:t>]</m:t>
+                      </m:r>
+                    </m:oMath>
+                  </m:oMathPara>
+                </a14:m>
+                <a:endParaRPr lang="en-US" dirty="0"/>
+              </a:p>
+            </p:txBody>
+          </p:sp>
+        </mc:Choice>
+        <mc:Fallback xmlns="">
+          <p:sp>
+            <p:nvSpPr>
+              <p:cNvPr id="18" name="TextBox 17">
+                <a:extLst>
+                  <a:ext uri="{FF2B5EF4-FFF2-40B4-BE49-F238E27FC236}">
+                    <a16:creationId xmlns:a16="http://schemas.microsoft.com/office/drawing/2014/main" id="{A7B67036-FB6B-AF52-E666-F7610E8FDC1F}"/>
+                  </a:ext>
+                </a:extLst>
+              </p:cNvPr>
+              <p:cNvSpPr txBox="1">
+                <a:spLocks noRot="1" noChangeAspect="1" noMove="1" noResize="1" noEditPoints="1" noAdjustHandles="1" noChangeArrowheads="1" noChangeShapeType="1" noTextEdit="1"/>
+              </p:cNvSpPr>
+              <p:nvPr/>
+            </p:nvSpPr>
+            <p:spPr>
+              <a:xfrm>
+                <a:off x="5942777" y="2206421"/>
+                <a:ext cx="5667470" cy="1222579"/>
+              </a:xfrm>
+              <a:prstGeom prst="rect">
+                <a:avLst/>
+              </a:prstGeom>
+              <a:blipFill>
+                <a:blip r:embed="rId6"/>
+                <a:stretch>
+                  <a:fillRect l="-968" t="-2985" b="-2488"/>
+                </a:stretch>
+              </a:blipFill>
+            </p:spPr>
+            <p:txBody>
+              <a:bodyPr/>
+              <a:lstStyle/>
+              <a:p>
+                <a:r>
+                  <a:rPr lang="en-US">
+                    <a:noFill/>
+                  </a:rPr>
+                  <a:t> </a:t>
+                </a:r>
+              </a:p>
+            </p:txBody>
+          </p:sp>
+        </mc:Fallback>
+      </mc:AlternateContent>
+      <mc:AlternateContent xmlns:mc="http://schemas.openxmlformats.org/markup-compatibility/2006" xmlns:a14="http://schemas.microsoft.com/office/drawing/2010/main">
+        <mc:Choice Requires="a14">
+          <p:sp>
+            <p:nvSpPr>
+              <p:cNvPr id="20" name="TextBox 19">
+                <a:extLst>
+                  <a:ext uri="{FF2B5EF4-FFF2-40B4-BE49-F238E27FC236}">
+                    <a16:creationId xmlns:a16="http://schemas.microsoft.com/office/drawing/2014/main" id="{978B4C02-FE09-E01B-1187-83788F13A996}"/>
+                  </a:ext>
+                </a:extLst>
+              </p:cNvPr>
+              <p:cNvSpPr txBox="1"/>
+              <p:nvPr/>
+            </p:nvSpPr>
+            <p:spPr>
+              <a:xfrm>
+                <a:off x="5930019" y="4365764"/>
+                <a:ext cx="5667470" cy="1222579"/>
+              </a:xfrm>
+              <a:prstGeom prst="rect">
+                <a:avLst/>
+              </a:prstGeom>
+              <a:noFill/>
+            </p:spPr>
+            <p:txBody>
+              <a:bodyPr wrap="square" rtlCol="0">
+                <a:spAutoFit/>
+              </a:bodyPr>
+              <a:lstStyle/>
+              <a:p>
+                <a:r>
+                  <a:rPr lang="en-US" altLang="zh-CN" dirty="0">
+                    <a:latin typeface="Arial" panose="020B0604020202020204" pitchFamily="34" charset="0"/>
+                    <a:cs typeface="Arial" panose="020B0604020202020204" pitchFamily="34" charset="0"/>
+                  </a:rPr>
+                  <a:t>variant 2</a:t>
+                </a:r>
+              </a:p>
+              <a:p>
+                <a:r>
+                  <a:rPr lang="en-US" altLang="zh-CN" dirty="0">
+                    <a:latin typeface="Arial" panose="020B0604020202020204" pitchFamily="34" charset="0"/>
+                    <a:cs typeface="Arial" panose="020B0604020202020204" pitchFamily="34" charset="0"/>
+                  </a:rPr>
+                  <a:t>water: </a:t>
+                </a:r>
+                <a:r>
+                  <a:rPr lang="en-US" altLang="zh-CN" dirty="0">
+                    <a:latin typeface="Consolas" panose="020B0609020204030204" pitchFamily="49" charset="0"/>
+                  </a:rPr>
+                  <a:t>Inner&lt;</a:t>
+                </a:r>
+                <a:r>
+                  <a:rPr lang="en-US" altLang="zh-CN" dirty="0" err="1">
+                    <a:latin typeface="Consolas" panose="020B0609020204030204" pitchFamily="49" charset="0"/>
+                  </a:rPr>
+                  <a:t>FreeSurface</a:t>
+                </a:r>
+                <a:r>
+                  <a:rPr lang="en-US" altLang="zh-CN" dirty="0">
+                    <a:latin typeface="Consolas" panose="020B0609020204030204" pitchFamily="49" charset="0"/>
+                  </a:rPr>
+                  <a:t>&gt; + </a:t>
+                </a:r>
+                <a:r>
+                  <a:rPr lang="en-US" altLang="zh-CN" dirty="0" err="1">
+                    <a:latin typeface="Consolas" panose="020B0609020204030204" pitchFamily="49" charset="0"/>
+                  </a:rPr>
+                  <a:t>wall_contact</a:t>
+                </a:r>
+                <a:endParaRPr lang="en-US" altLang="zh-CN" dirty="0">
+                  <a:latin typeface="Consolas" panose="020B0609020204030204" pitchFamily="49" charset="0"/>
+                </a:endParaRPr>
+              </a:p>
+              <a:p>
+                <a:r>
+                  <a:rPr lang="en-US" dirty="0">
+                    <a:latin typeface="Arial" panose="020B0604020202020204" pitchFamily="34" charset="0"/>
+                    <a:cs typeface="Arial" panose="020B0604020202020204" pitchFamily="34" charset="0"/>
+                  </a:rPr>
+                  <a:t>air: </a:t>
+                </a:r>
+                <a:r>
+                  <a:rPr lang="en-US" dirty="0">
+                    <a:latin typeface="Consolas" panose="020B0609020204030204" pitchFamily="49" charset="0"/>
+                  </a:rPr>
+                  <a:t>Inner&lt;</a:t>
+                </a:r>
+                <a:r>
+                  <a:rPr lang="en-US" altLang="zh-CN" dirty="0" err="1">
+                    <a:latin typeface="Consolas" panose="020B0609020204030204" pitchFamily="49" charset="0"/>
+                  </a:rPr>
+                  <a:t>FreeSurface</a:t>
+                </a:r>
+                <a:r>
+                  <a:rPr lang="en-US" dirty="0">
+                    <a:latin typeface="Consolas" panose="020B0609020204030204" pitchFamily="49" charset="0"/>
+                  </a:rPr>
+                  <a:t>&gt; + </a:t>
+                </a:r>
+                <a:r>
+                  <a:rPr lang="en-US" dirty="0" err="1">
+                    <a:latin typeface="Consolas" panose="020B0609020204030204" pitchFamily="49" charset="0"/>
+                  </a:rPr>
+                  <a:t>wall_contact</a:t>
+                </a:r>
+                <a:endParaRPr lang="en-US" dirty="0">
+                  <a:latin typeface="Consolas" panose="020B0609020204030204" pitchFamily="49" charset="0"/>
+                </a:endParaRPr>
+              </a:p>
+              <a:p>
+                <a:pPr/>
+                <a14:m>
+                  <m:oMathPara xmlns:m="http://schemas.openxmlformats.org/officeDocument/2006/math">
+                    <m:oMathParaPr>
+                      <m:jc m:val="left"/>
+                    </m:oMathParaPr>
+                    <m:oMath xmlns:m="http://schemas.openxmlformats.org/officeDocument/2006/math">
+                      <m:sSub>
+                        <m:sSubPr>
+                          <m:ctrlPr>
+                            <a:rPr lang="en-US" b="0" i="1" smtClean="0">
+                              <a:latin typeface="Cambria Math" panose="02040503050406030204" pitchFamily="18" charset="0"/>
+                            </a:rPr>
+                          </m:ctrlPr>
+                        </m:sSubPr>
+                        <m:e>
+                          <m:r>
+                            <a:rPr lang="en-US" b="0" i="1" smtClean="0">
+                              <a:latin typeface="Cambria Math" panose="02040503050406030204" pitchFamily="18" charset="0"/>
+                            </a:rPr>
+                            <m:t>𝜌</m:t>
+                          </m:r>
+                        </m:e>
+                        <m:sub>
+                          <m:r>
+                            <a:rPr lang="en-US" b="0" i="1" smtClean="0">
+                              <a:latin typeface="Cambria Math" panose="02040503050406030204" pitchFamily="18" charset="0"/>
+                            </a:rPr>
+                            <m:t>𝑓</m:t>
+                          </m:r>
+                        </m:sub>
+                      </m:sSub>
+                      <m:r>
+                        <a:rPr lang="en-US" b="0" i="1" smtClean="0">
+                          <a:latin typeface="Cambria Math" panose="02040503050406030204" pitchFamily="18" charset="0"/>
+                        </a:rPr>
+                        <m:t>∈[</m:t>
+                      </m:r>
+                      <m:r>
+                        <a:rPr lang="en-US" i="1">
+                          <a:latin typeface="Cambria Math" panose="02040503050406030204" pitchFamily="18" charset="0"/>
+                        </a:rPr>
+                        <m:t>0.9985,1.0039</m:t>
+                      </m:r>
+                      <m:r>
+                        <a:rPr lang="en-US" b="0" i="1" smtClean="0">
+                          <a:latin typeface="Cambria Math" panose="02040503050406030204" pitchFamily="18" charset="0"/>
+                        </a:rPr>
+                        <m:t>]</m:t>
+                      </m:r>
+                    </m:oMath>
+                  </m:oMathPara>
+                </a14:m>
+                <a:endParaRPr lang="en-US" dirty="0"/>
+              </a:p>
+            </p:txBody>
+          </p:sp>
+        </mc:Choice>
+        <mc:Fallback xmlns="">
+          <p:sp>
+            <p:nvSpPr>
+              <p:cNvPr id="20" name="TextBox 19">
+                <a:extLst>
+                  <a:ext uri="{FF2B5EF4-FFF2-40B4-BE49-F238E27FC236}">
+                    <a16:creationId xmlns:a16="http://schemas.microsoft.com/office/drawing/2014/main" id="{978B4C02-FE09-E01B-1187-83788F13A996}"/>
+                  </a:ext>
+                </a:extLst>
+              </p:cNvPr>
+              <p:cNvSpPr txBox="1">
+                <a:spLocks noRot="1" noChangeAspect="1" noMove="1" noResize="1" noEditPoints="1" noAdjustHandles="1" noChangeArrowheads="1" noChangeShapeType="1" noTextEdit="1"/>
+              </p:cNvSpPr>
+              <p:nvPr/>
+            </p:nvSpPr>
+            <p:spPr>
+              <a:xfrm>
+                <a:off x="5930019" y="4365764"/>
+                <a:ext cx="5667470" cy="1222579"/>
+              </a:xfrm>
+              <a:prstGeom prst="rect">
+                <a:avLst/>
+              </a:prstGeom>
+              <a:blipFill>
+                <a:blip r:embed="rId7"/>
+                <a:stretch>
+                  <a:fillRect l="-969" t="-2488" b="-2488"/>
+                </a:stretch>
+              </a:blipFill>
+            </p:spPr>
+            <p:txBody>
+              <a:bodyPr/>
+              <a:lstStyle/>
+              <a:p>
+                <a:r>
+                  <a:rPr lang="en-US">
+                    <a:noFill/>
+                  </a:rPr>
+                  <a:t> </a:t>
+                </a:r>
+              </a:p>
+            </p:txBody>
+          </p:sp>
+        </mc:Fallback>
+      </mc:AlternateContent>
+    </p:spTree>
+    <p:extLst>
+      <p:ext uri="{BB962C8B-B14F-4D97-AF65-F5344CB8AC3E}">
+        <p14:creationId xmlns:p14="http://schemas.microsoft.com/office/powerpoint/2010/main" val="1447165869"/>
+      </p:ext>
+    </p:extLst>
+  </p:cSld>
+  <p:clrMapOvr>
+    <a:masterClrMapping/>
+  </p:clrMapOvr>
+</p:sld>
+</file>
+
+<file path=ppt/slides/slide7.xml><?xml version="1.0" encoding="utf-8"?>
+<p:sld xmlns:a="http://schemas.openxmlformats.org/drawingml/2006/main" xmlns:r="http://schemas.openxmlformats.org/officeDocument/2006/relationships" xmlns:p="http://schemas.openxmlformats.org/presentationml/2006/main">
+  <p:cSld>
+    <p:spTree>
+      <p:nvGrpSpPr>
+        <p:cNvPr id="1" name=""/>
+        <p:cNvGrpSpPr/>
+        <p:nvPr/>
+      </p:nvGrpSpPr>
+      <p:grpSpPr>
+        <a:xfrm>
+          <a:off x="0" y="0"/>
+          <a:ext cx="0" cy="0"/>
+          <a:chOff x="0" y="0"/>
+          <a:chExt cx="0" cy="0"/>
+        </a:xfrm>
+      </p:grpSpPr>
+      <p:sp>
+        <p:nvSpPr>
+          <p:cNvPr id="4" name="箭头: 右 5">
+            <a:extLst>
+              <a:ext uri="{FF2B5EF4-FFF2-40B4-BE49-F238E27FC236}">
+                <a16:creationId xmlns:a16="http://schemas.microsoft.com/office/drawing/2014/main" id="{8487FBD7-822C-42C6-58A5-D31088D01790}"/>
+              </a:ext>
+            </a:extLst>
+          </p:cNvPr>
+          <p:cNvSpPr/>
+          <p:nvPr/>
+        </p:nvSpPr>
+        <p:spPr>
+          <a:xfrm>
+            <a:off x="2506367" y="956866"/>
+            <a:ext cx="5623645" cy="526273"/>
+          </a:xfrm>
+          <a:prstGeom prst="rightArrow">
+            <a:avLst/>
+          </a:prstGeom>
+        </p:spPr>
+        <p:style>
+          <a:lnRef idx="2">
+            <a:schemeClr val="accent1">
+              <a:shade val="15000"/>
+            </a:schemeClr>
+          </a:lnRef>
+          <a:fillRef idx="1">
+            <a:schemeClr val="accent1"/>
+          </a:fillRef>
+          <a:effectRef idx="0">
+            <a:schemeClr val="accent1"/>
+          </a:effectRef>
+          <a:fontRef idx="minor">
+            <a:schemeClr val="lt1"/>
+          </a:fontRef>
+        </p:style>
+        <p:txBody>
+          <a:bodyPr rtlCol="0" anchor="ctr"/>
+          <a:lstStyle/>
+          <a:p>
+            <a:pPr algn="ctr"/>
+            <a:endParaRPr lang="en-US" dirty="0"/>
+          </a:p>
+        </p:txBody>
+      </p:sp>
+      <p:sp>
+        <p:nvSpPr>
+          <p:cNvPr id="5" name="文本框 7">
+            <a:extLst>
+              <a:ext uri="{FF2B5EF4-FFF2-40B4-BE49-F238E27FC236}">
+                <a16:creationId xmlns:a16="http://schemas.microsoft.com/office/drawing/2014/main" id="{6391D7E8-5715-E280-F546-28EEB4B40372}"/>
+              </a:ext>
+            </a:extLst>
+          </p:cNvPr>
+          <p:cNvSpPr txBox="1"/>
+          <p:nvPr/>
+        </p:nvSpPr>
+        <p:spPr>
+          <a:xfrm>
+            <a:off x="4887754" y="1035335"/>
+            <a:ext cx="1038293" cy="369332"/>
+          </a:xfrm>
+          <a:prstGeom prst="rect">
+            <a:avLst/>
+          </a:prstGeom>
+          <a:noFill/>
+        </p:spPr>
+        <p:txBody>
+          <a:bodyPr wrap="square" rtlCol="0">
+            <a:spAutoFit/>
+          </a:bodyPr>
+          <a:lstStyle/>
+          <a:p>
+            <a:r>
+              <a:rPr lang="en-US" dirty="0">
+                <a:solidFill>
+                  <a:schemeClr val="bg1"/>
+                </a:solidFill>
+              </a:rPr>
+              <a:t>Output1</a:t>
+            </a:r>
+          </a:p>
+        </p:txBody>
+      </p:sp>
+      <p:sp>
+        <p:nvSpPr>
+          <p:cNvPr id="6" name="左大括号 9">
+            <a:extLst>
+              <a:ext uri="{FF2B5EF4-FFF2-40B4-BE49-F238E27FC236}">
+                <a16:creationId xmlns:a16="http://schemas.microsoft.com/office/drawing/2014/main" id="{D2B58CA4-1250-3AE7-F864-2DF0BE2521C7}"/>
+              </a:ext>
+            </a:extLst>
+          </p:cNvPr>
+          <p:cNvSpPr/>
+          <p:nvPr/>
+        </p:nvSpPr>
+        <p:spPr>
+          <a:xfrm rot="5400000">
+            <a:off x="5206354" y="-1976661"/>
+            <a:ext cx="243405" cy="5623644"/>
+          </a:xfrm>
+          <a:prstGeom prst="leftBrace">
+            <a:avLst>
+              <a:gd name="adj1" fmla="val 48873"/>
+              <a:gd name="adj2" fmla="val 50109"/>
+            </a:avLst>
+          </a:prstGeom>
+        </p:spPr>
+        <p:style>
+          <a:lnRef idx="2">
+            <a:schemeClr val="accent1"/>
+          </a:lnRef>
+          <a:fillRef idx="0">
+            <a:schemeClr val="accent1"/>
+          </a:fillRef>
+          <a:effectRef idx="1">
+            <a:schemeClr val="accent1"/>
+          </a:effectRef>
+          <a:fontRef idx="minor">
+            <a:schemeClr val="tx1"/>
+          </a:fontRef>
+        </p:style>
+        <p:txBody>
+          <a:bodyPr rtlCol="0" anchor="ctr"/>
+          <a:lstStyle/>
+          <a:p>
+            <a:pPr algn="ctr"/>
+            <a:endParaRPr lang="en-US"/>
+          </a:p>
+        </p:txBody>
+      </p:sp>
+      <p:sp>
+        <p:nvSpPr>
+          <p:cNvPr id="7" name="文本框 10">
+            <a:extLst>
+              <a:ext uri="{FF2B5EF4-FFF2-40B4-BE49-F238E27FC236}">
+                <a16:creationId xmlns:a16="http://schemas.microsoft.com/office/drawing/2014/main" id="{3595B915-FD71-0698-F472-576B175BC7BA}"/>
+              </a:ext>
+            </a:extLst>
+          </p:cNvPr>
+          <p:cNvSpPr txBox="1"/>
+          <p:nvPr/>
+        </p:nvSpPr>
+        <p:spPr>
+          <a:xfrm>
+            <a:off x="4475507" y="285089"/>
+            <a:ext cx="2097418" cy="369332"/>
+          </a:xfrm>
+          <a:prstGeom prst="rect">
+            <a:avLst/>
+          </a:prstGeom>
+          <a:noFill/>
+        </p:spPr>
+        <p:txBody>
+          <a:bodyPr wrap="square" rtlCol="0">
+            <a:spAutoFit/>
+          </a:bodyPr>
+          <a:lstStyle/>
+          <a:p>
+            <a:r>
+              <a:rPr lang="en-US" dirty="0" err="1">
+                <a:latin typeface="Consolas" panose="020B0609020204030204" pitchFamily="49" charset="0"/>
+              </a:rPr>
+              <a:t>output_interval</a:t>
+            </a:r>
+            <a:endParaRPr lang="en-US" dirty="0">
+              <a:latin typeface="Consolas" panose="020B0609020204030204" pitchFamily="49" charset="0"/>
+            </a:endParaRPr>
+          </a:p>
+        </p:txBody>
+      </p:sp>
+      <p:cxnSp>
+        <p:nvCxnSpPr>
+          <p:cNvPr id="8" name="直接箭头连接符 12">
+            <a:extLst>
+              <a:ext uri="{FF2B5EF4-FFF2-40B4-BE49-F238E27FC236}">
+                <a16:creationId xmlns:a16="http://schemas.microsoft.com/office/drawing/2014/main" id="{3C21CDF0-F14F-573F-C1D9-E618375AA12A}"/>
+              </a:ext>
+            </a:extLst>
+          </p:cNvPr>
+          <p:cNvCxnSpPr>
+            <a:cxnSpLocks/>
+          </p:cNvCxnSpPr>
+          <p:nvPr/>
+        </p:nvCxnSpPr>
+        <p:spPr>
+          <a:xfrm flipV="1">
+            <a:off x="2506367" y="1647423"/>
+            <a:ext cx="2381387" cy="11339"/>
+          </a:xfrm>
+          <a:prstGeom prst="straightConnector1">
+            <a:avLst/>
+          </a:prstGeom>
+          <a:ln>
+            <a:tailEnd type="triangle"/>
+          </a:ln>
+        </p:spPr>
+        <p:style>
+          <a:lnRef idx="2">
+            <a:schemeClr val="dk1"/>
+          </a:lnRef>
+          <a:fillRef idx="0">
+            <a:schemeClr val="dk1"/>
+          </a:fillRef>
+          <a:effectRef idx="1">
+            <a:schemeClr val="dk1"/>
+          </a:effectRef>
+          <a:fontRef idx="minor">
+            <a:schemeClr val="tx1"/>
+          </a:fontRef>
+        </p:style>
+      </p:cxnSp>
+      <mc:AlternateContent xmlns:mc="http://schemas.openxmlformats.org/markup-compatibility/2006">
+        <mc:Choice xmlns:a14="http://schemas.microsoft.com/office/drawing/2010/main" Requires="a14">
+          <p:sp>
+            <p:nvSpPr>
+              <p:cNvPr id="10" name="文本框 20">
+                <a:extLst>
+                  <a:ext uri="{FF2B5EF4-FFF2-40B4-BE49-F238E27FC236}">
+                    <a16:creationId xmlns:a16="http://schemas.microsoft.com/office/drawing/2014/main" id="{55AE793A-1C63-EDA5-A884-278F5858EF08}"/>
+                  </a:ext>
+                </a:extLst>
+              </p:cNvPr>
+              <p:cNvSpPr txBox="1"/>
+              <p:nvPr/>
+            </p:nvSpPr>
+            <p:spPr>
+              <a:xfrm>
+                <a:off x="3378556" y="1647423"/>
+                <a:ext cx="637008" cy="369332"/>
+              </a:xfrm>
+              <a:prstGeom prst="rect">
+                <a:avLst/>
+              </a:prstGeom>
+              <a:noFill/>
+            </p:spPr>
+            <p:txBody>
+              <a:bodyPr wrap="square" rtlCol="0">
+                <a:spAutoFit/>
+              </a:bodyPr>
+              <a:lstStyle/>
+              <a:p>
+                <a:pPr/>
+                <a14:m>
+                  <m:oMathPara xmlns:m="http://schemas.openxmlformats.org/officeDocument/2006/math">
+                    <m:oMathParaPr>
+                      <m:jc m:val="centerGroup"/>
+                    </m:oMathParaPr>
+                    <m:oMath xmlns:m="http://schemas.openxmlformats.org/officeDocument/2006/math">
+                      <m:r>
+                        <m:rPr>
+                          <m:sty m:val="p"/>
+                        </m:rPr>
+                        <a:rPr lang="en-US" b="0" i="0" smtClean="0">
+                          <a:latin typeface="Cambria Math" panose="02040503050406030204" pitchFamily="18" charset="0"/>
+                        </a:rPr>
+                        <m:t>Δ</m:t>
+                      </m:r>
+                      <m:sSub>
+                        <m:sSubPr>
+                          <m:ctrlPr>
+                            <a:rPr lang="en-US" b="0" i="1" smtClean="0">
+                              <a:latin typeface="Cambria Math" panose="02040503050406030204" pitchFamily="18" charset="0"/>
+                            </a:rPr>
+                          </m:ctrlPr>
+                        </m:sSubPr>
+                        <m:e>
+                          <m:r>
+                            <a:rPr lang="en-US" b="0" i="1" smtClean="0">
+                              <a:latin typeface="Cambria Math" panose="02040503050406030204" pitchFamily="18" charset="0"/>
+                            </a:rPr>
+                            <m:t>𝑡</m:t>
+                          </m:r>
+                        </m:e>
+                        <m:sub>
+                          <m:r>
+                            <m:rPr>
+                              <m:sty m:val="p"/>
+                            </m:rPr>
+                            <a:rPr lang="en-US" b="0" i="0" smtClean="0">
+                              <a:latin typeface="Cambria Math" panose="02040503050406030204" pitchFamily="18" charset="0"/>
+                            </a:rPr>
+                            <m:t>ad</m:t>
+                          </m:r>
+                        </m:sub>
+                      </m:sSub>
+                    </m:oMath>
+                  </m:oMathPara>
+                </a14:m>
+                <a:endParaRPr lang="en-US" dirty="0">
+                  <a:latin typeface="Consolas" panose="020B0609020204030204" pitchFamily="49" charset="0"/>
+                </a:endParaRPr>
+              </a:p>
+            </p:txBody>
+          </p:sp>
+        </mc:Choice>
+        <mc:Fallback>
+          <p:sp>
+            <p:nvSpPr>
+              <p:cNvPr id="10" name="文本框 20">
+                <a:extLst>
+                  <a:ext uri="{FF2B5EF4-FFF2-40B4-BE49-F238E27FC236}">
+                    <a16:creationId xmlns:a16="http://schemas.microsoft.com/office/drawing/2014/main" id="{55AE793A-1C63-EDA5-A884-278F5858EF08}"/>
+                  </a:ext>
+                </a:extLst>
+              </p:cNvPr>
+              <p:cNvSpPr txBox="1">
+                <a:spLocks noRot="1" noChangeAspect="1" noMove="1" noResize="1" noEditPoints="1" noAdjustHandles="1" noChangeArrowheads="1" noChangeShapeType="1" noTextEdit="1"/>
+              </p:cNvSpPr>
+              <p:nvPr/>
+            </p:nvSpPr>
+            <p:spPr>
+              <a:xfrm>
+                <a:off x="3378556" y="1647423"/>
+                <a:ext cx="637008" cy="369332"/>
+              </a:xfrm>
+              <a:prstGeom prst="rect">
+                <a:avLst/>
+              </a:prstGeom>
+              <a:blipFill>
+                <a:blip r:embed="rId2"/>
+                <a:stretch>
+                  <a:fillRect/>
+                </a:stretch>
+              </a:blipFill>
+            </p:spPr>
+            <p:txBody>
+              <a:bodyPr/>
+              <a:lstStyle/>
+              <a:p>
+                <a:r>
+                  <a:rPr lang="en-US">
+                    <a:noFill/>
+                  </a:rPr>
+                  <a:t> </a:t>
+                </a:r>
+              </a:p>
+            </p:txBody>
+          </p:sp>
+        </mc:Fallback>
+      </mc:AlternateContent>
+      <mc:AlternateContent xmlns:mc="http://schemas.openxmlformats.org/markup-compatibility/2006">
+        <mc:Choice xmlns:a14="http://schemas.microsoft.com/office/drawing/2010/main" Requires="a14">
+          <p:sp>
+            <p:nvSpPr>
+              <p:cNvPr id="11" name="文本框 21">
+                <a:extLst>
+                  <a:ext uri="{FF2B5EF4-FFF2-40B4-BE49-F238E27FC236}">
+                    <a16:creationId xmlns:a16="http://schemas.microsoft.com/office/drawing/2014/main" id="{C54A59F1-E3AB-22EC-2170-A57AB672DE98}"/>
+                  </a:ext>
+                </a:extLst>
+              </p:cNvPr>
+              <p:cNvSpPr txBox="1"/>
+              <p:nvPr/>
+            </p:nvSpPr>
+            <p:spPr>
+              <a:xfrm>
+                <a:off x="6563058" y="1615474"/>
+                <a:ext cx="637008" cy="369332"/>
+              </a:xfrm>
+              <a:prstGeom prst="rect">
+                <a:avLst/>
+              </a:prstGeom>
+              <a:noFill/>
+            </p:spPr>
+            <p:txBody>
+              <a:bodyPr wrap="square" rtlCol="0">
+                <a:spAutoFit/>
+              </a:bodyPr>
+              <a:lstStyle/>
+              <a:p>
+                <a:pPr/>
+                <a14:m>
+                  <m:oMathPara xmlns:m="http://schemas.openxmlformats.org/officeDocument/2006/math">
+                    <m:oMathParaPr>
+                      <m:jc m:val="centerGroup"/>
+                    </m:oMathParaPr>
+                    <m:oMath xmlns:m="http://schemas.openxmlformats.org/officeDocument/2006/math">
+                      <m:r>
+                        <m:rPr>
+                          <m:sty m:val="p"/>
+                        </m:rPr>
+                        <a:rPr lang="en-US" b="0" i="0" smtClean="0">
+                          <a:latin typeface="Cambria Math" panose="02040503050406030204" pitchFamily="18" charset="0"/>
+                        </a:rPr>
+                        <m:t>Δ</m:t>
+                      </m:r>
+                      <m:sSub>
+                        <m:sSubPr>
+                          <m:ctrlPr>
+                            <a:rPr lang="en-US" b="0" i="1" smtClean="0">
+                              <a:latin typeface="Cambria Math" panose="02040503050406030204" pitchFamily="18" charset="0"/>
+                            </a:rPr>
+                          </m:ctrlPr>
+                        </m:sSubPr>
+                        <m:e>
+                          <m:r>
+                            <a:rPr lang="en-US" b="0" i="1" smtClean="0">
+                              <a:latin typeface="Cambria Math" panose="02040503050406030204" pitchFamily="18" charset="0"/>
+                            </a:rPr>
+                            <m:t>𝑡</m:t>
+                          </m:r>
+                        </m:e>
+                        <m:sub>
+                          <m:r>
+                            <m:rPr>
+                              <m:sty m:val="p"/>
+                            </m:rPr>
+                            <a:rPr lang="en-US" b="0" i="0" smtClean="0">
+                              <a:latin typeface="Cambria Math" panose="02040503050406030204" pitchFamily="18" charset="0"/>
+                            </a:rPr>
+                            <m:t>ad</m:t>
+                          </m:r>
+                        </m:sub>
+                      </m:sSub>
+                    </m:oMath>
+                  </m:oMathPara>
+                </a14:m>
+                <a:endParaRPr lang="en-US" dirty="0">
+                  <a:latin typeface="Consolas" panose="020B0609020204030204" pitchFamily="49" charset="0"/>
+                </a:endParaRPr>
+              </a:p>
+            </p:txBody>
+          </p:sp>
+        </mc:Choice>
+        <mc:Fallback>
+          <p:sp>
+            <p:nvSpPr>
+              <p:cNvPr id="11" name="文本框 21">
+                <a:extLst>
+                  <a:ext uri="{FF2B5EF4-FFF2-40B4-BE49-F238E27FC236}">
+                    <a16:creationId xmlns:a16="http://schemas.microsoft.com/office/drawing/2014/main" id="{C54A59F1-E3AB-22EC-2170-A57AB672DE98}"/>
+                  </a:ext>
+                </a:extLst>
+              </p:cNvPr>
+              <p:cNvSpPr txBox="1">
+                <a:spLocks noRot="1" noChangeAspect="1" noMove="1" noResize="1" noEditPoints="1" noAdjustHandles="1" noChangeArrowheads="1" noChangeShapeType="1" noTextEdit="1"/>
+              </p:cNvSpPr>
+              <p:nvPr/>
+            </p:nvSpPr>
+            <p:spPr>
+              <a:xfrm>
+                <a:off x="6563058" y="1615474"/>
+                <a:ext cx="637008" cy="369332"/>
+              </a:xfrm>
+              <a:prstGeom prst="rect">
+                <a:avLst/>
+              </a:prstGeom>
+              <a:blipFill>
+                <a:blip r:embed="rId3"/>
+                <a:stretch>
+                  <a:fillRect/>
+                </a:stretch>
+              </a:blipFill>
+            </p:spPr>
+            <p:txBody>
+              <a:bodyPr/>
+              <a:lstStyle/>
+              <a:p>
+                <a:r>
+                  <a:rPr lang="en-US">
+                    <a:noFill/>
+                  </a:rPr>
+                  <a:t> </a:t>
+                </a:r>
+              </a:p>
+            </p:txBody>
+          </p:sp>
+        </mc:Fallback>
+      </mc:AlternateContent>
+      <p:cxnSp>
+        <p:nvCxnSpPr>
+          <p:cNvPr id="12" name="直接箭头连接符 22">
+            <a:extLst>
+              <a:ext uri="{FF2B5EF4-FFF2-40B4-BE49-F238E27FC236}">
+                <a16:creationId xmlns:a16="http://schemas.microsoft.com/office/drawing/2014/main" id="{80B23C40-5212-2958-6D39-40106A97DC1D}"/>
+              </a:ext>
+            </a:extLst>
+          </p:cNvPr>
+          <p:cNvCxnSpPr>
+            <a:cxnSpLocks/>
+          </p:cNvCxnSpPr>
+          <p:nvPr/>
+        </p:nvCxnSpPr>
+        <p:spPr>
+          <a:xfrm>
+            <a:off x="2516235" y="2188323"/>
+            <a:ext cx="987456" cy="0"/>
+          </a:xfrm>
+          <a:prstGeom prst="straightConnector1">
+            <a:avLst/>
+          </a:prstGeom>
+          <a:ln>
+            <a:tailEnd type="triangle"/>
+          </a:ln>
+        </p:spPr>
+        <p:style>
+          <a:lnRef idx="2">
+            <a:schemeClr val="accent6"/>
+          </a:lnRef>
+          <a:fillRef idx="0">
+            <a:schemeClr val="accent6"/>
+          </a:fillRef>
+          <a:effectRef idx="1">
+            <a:schemeClr val="accent6"/>
+          </a:effectRef>
+          <a:fontRef idx="minor">
+            <a:schemeClr val="tx1"/>
+          </a:fontRef>
+        </p:style>
+      </p:cxnSp>
+      <mc:AlternateContent xmlns:mc="http://schemas.openxmlformats.org/markup-compatibility/2006">
+        <mc:Choice xmlns:a14="http://schemas.microsoft.com/office/drawing/2010/main" Requires="a14">
+          <p:sp>
+            <p:nvSpPr>
+              <p:cNvPr id="16" name="文本框 28">
+                <a:extLst>
+                  <a:ext uri="{FF2B5EF4-FFF2-40B4-BE49-F238E27FC236}">
+                    <a16:creationId xmlns:a16="http://schemas.microsoft.com/office/drawing/2014/main" id="{6A81374D-007F-2245-62C4-F5D10A5B93F5}"/>
+                  </a:ext>
+                </a:extLst>
+              </p:cNvPr>
+              <p:cNvSpPr txBox="1"/>
+              <p:nvPr/>
+            </p:nvSpPr>
+            <p:spPr>
+              <a:xfrm>
+                <a:off x="2654980" y="2150081"/>
+                <a:ext cx="637008" cy="369332"/>
+              </a:xfrm>
+              <a:prstGeom prst="rect">
+                <a:avLst/>
+              </a:prstGeom>
+              <a:noFill/>
+            </p:spPr>
+            <p:txBody>
+              <a:bodyPr wrap="square" rtlCol="0">
+                <a:spAutoFit/>
+              </a:bodyPr>
+              <a:lstStyle/>
+              <a:p>
+                <a:pPr/>
+                <a14:m>
+                  <m:oMathPara xmlns:m="http://schemas.openxmlformats.org/officeDocument/2006/math">
+                    <m:oMathParaPr>
+                      <m:jc m:val="centerGroup"/>
+                    </m:oMathParaPr>
+                    <m:oMath xmlns:m="http://schemas.openxmlformats.org/officeDocument/2006/math">
+                      <m:r>
+                        <m:rPr>
+                          <m:sty m:val="p"/>
+                        </m:rPr>
+                        <a:rPr lang="en-US" b="0" i="0" smtClean="0">
+                          <a:latin typeface="Cambria Math" panose="02040503050406030204" pitchFamily="18" charset="0"/>
+                        </a:rPr>
+                        <m:t>Δ</m:t>
+                      </m:r>
+                      <m:sSub>
+                        <m:sSubPr>
+                          <m:ctrlPr>
+                            <a:rPr lang="en-US" b="0" i="1" smtClean="0">
+                              <a:latin typeface="Cambria Math" panose="02040503050406030204" pitchFamily="18" charset="0"/>
+                            </a:rPr>
+                          </m:ctrlPr>
+                        </m:sSubPr>
+                        <m:e>
+                          <m:r>
+                            <a:rPr lang="en-US" b="0" i="1" smtClean="0">
+                              <a:latin typeface="Cambria Math" panose="02040503050406030204" pitchFamily="18" charset="0"/>
+                            </a:rPr>
+                            <m:t>𝑡</m:t>
+                          </m:r>
+                        </m:e>
+                        <m:sub>
+                          <m:r>
+                            <m:rPr>
+                              <m:sty m:val="p"/>
+                            </m:rPr>
+                            <a:rPr lang="en-US" b="0" i="0" smtClean="0">
+                              <a:latin typeface="Cambria Math" panose="02040503050406030204" pitchFamily="18" charset="0"/>
+                            </a:rPr>
+                            <m:t>ac</m:t>
+                          </m:r>
+                        </m:sub>
+                      </m:sSub>
+                    </m:oMath>
+                  </m:oMathPara>
+                </a14:m>
+                <a:endParaRPr lang="en-US" dirty="0">
+                  <a:latin typeface="Consolas" panose="020B0609020204030204" pitchFamily="49" charset="0"/>
+                </a:endParaRPr>
+              </a:p>
+            </p:txBody>
+          </p:sp>
+        </mc:Choice>
+        <mc:Fallback>
+          <p:sp>
+            <p:nvSpPr>
+              <p:cNvPr id="16" name="文本框 28">
+                <a:extLst>
+                  <a:ext uri="{FF2B5EF4-FFF2-40B4-BE49-F238E27FC236}">
+                    <a16:creationId xmlns:a16="http://schemas.microsoft.com/office/drawing/2014/main" id="{6A81374D-007F-2245-62C4-F5D10A5B93F5}"/>
+                  </a:ext>
+                </a:extLst>
+              </p:cNvPr>
+              <p:cNvSpPr txBox="1">
+                <a:spLocks noRot="1" noChangeAspect="1" noMove="1" noResize="1" noEditPoints="1" noAdjustHandles="1" noChangeArrowheads="1" noChangeShapeType="1" noTextEdit="1"/>
+              </p:cNvSpPr>
+              <p:nvPr/>
+            </p:nvSpPr>
+            <p:spPr>
+              <a:xfrm>
+                <a:off x="2654980" y="2150081"/>
+                <a:ext cx="637008" cy="369332"/>
+              </a:xfrm>
+              <a:prstGeom prst="rect">
+                <a:avLst/>
+              </a:prstGeom>
+              <a:blipFill>
+                <a:blip r:embed="rId4"/>
+                <a:stretch>
+                  <a:fillRect/>
+                </a:stretch>
+              </a:blipFill>
+            </p:spPr>
+            <p:txBody>
+              <a:bodyPr/>
+              <a:lstStyle/>
+              <a:p>
+                <a:r>
+                  <a:rPr lang="en-US">
+                    <a:noFill/>
+                  </a:rPr>
+                  <a:t> </a:t>
+                </a:r>
+              </a:p>
+            </p:txBody>
+          </p:sp>
+        </mc:Fallback>
+      </mc:AlternateContent>
+      <mc:AlternateContent xmlns:mc="http://schemas.openxmlformats.org/markup-compatibility/2006">
+        <mc:Choice xmlns:a14="http://schemas.microsoft.com/office/drawing/2010/main" Requires="a14">
+          <p:sp>
+            <p:nvSpPr>
+              <p:cNvPr id="17" name="文本框 29">
+                <a:extLst>
+                  <a:ext uri="{FF2B5EF4-FFF2-40B4-BE49-F238E27FC236}">
+                    <a16:creationId xmlns:a16="http://schemas.microsoft.com/office/drawing/2014/main" id="{775DDE9D-2B25-24DB-7287-E6AD205F8E63}"/>
+                  </a:ext>
+                </a:extLst>
+              </p:cNvPr>
+              <p:cNvSpPr txBox="1"/>
+              <p:nvPr/>
+            </p:nvSpPr>
+            <p:spPr>
+              <a:xfrm>
+                <a:off x="3576991" y="2156428"/>
+                <a:ext cx="637008" cy="369332"/>
+              </a:xfrm>
+              <a:prstGeom prst="rect">
+                <a:avLst/>
+              </a:prstGeom>
+              <a:noFill/>
+            </p:spPr>
+            <p:txBody>
+              <a:bodyPr wrap="square" rtlCol="0">
+                <a:spAutoFit/>
+              </a:bodyPr>
+              <a:lstStyle/>
+              <a:p>
+                <a:pPr/>
+                <a14:m>
+                  <m:oMathPara xmlns:m="http://schemas.openxmlformats.org/officeDocument/2006/math">
+                    <m:oMathParaPr>
+                      <m:jc m:val="centerGroup"/>
+                    </m:oMathParaPr>
+                    <m:oMath xmlns:m="http://schemas.openxmlformats.org/officeDocument/2006/math">
+                      <m:r>
+                        <m:rPr>
+                          <m:sty m:val="p"/>
+                        </m:rPr>
+                        <a:rPr lang="en-US" b="0" i="0" smtClean="0">
+                          <a:latin typeface="Cambria Math" panose="02040503050406030204" pitchFamily="18" charset="0"/>
+                        </a:rPr>
+                        <m:t>Δ</m:t>
+                      </m:r>
+                      <m:sSub>
+                        <m:sSubPr>
+                          <m:ctrlPr>
+                            <a:rPr lang="en-US" b="0" i="1" smtClean="0">
+                              <a:latin typeface="Cambria Math" panose="02040503050406030204" pitchFamily="18" charset="0"/>
+                            </a:rPr>
+                          </m:ctrlPr>
+                        </m:sSubPr>
+                        <m:e>
+                          <m:r>
+                            <a:rPr lang="en-US" b="0" i="1" smtClean="0">
+                              <a:latin typeface="Cambria Math" panose="02040503050406030204" pitchFamily="18" charset="0"/>
+                            </a:rPr>
+                            <m:t>𝑡</m:t>
+                          </m:r>
+                        </m:e>
+                        <m:sub>
+                          <m:r>
+                            <m:rPr>
+                              <m:sty m:val="p"/>
+                            </m:rPr>
+                            <a:rPr lang="en-US" b="0" i="0" smtClean="0">
+                              <a:latin typeface="Cambria Math" panose="02040503050406030204" pitchFamily="18" charset="0"/>
+                            </a:rPr>
+                            <m:t>ac</m:t>
+                          </m:r>
+                        </m:sub>
+                      </m:sSub>
+                    </m:oMath>
+                  </m:oMathPara>
+                </a14:m>
+                <a:endParaRPr lang="en-US" dirty="0">
+                  <a:latin typeface="Consolas" panose="020B0609020204030204" pitchFamily="49" charset="0"/>
+                </a:endParaRPr>
+              </a:p>
+            </p:txBody>
+          </p:sp>
+        </mc:Choice>
+        <mc:Fallback>
+          <p:sp>
+            <p:nvSpPr>
+              <p:cNvPr id="17" name="文本框 29">
+                <a:extLst>
+                  <a:ext uri="{FF2B5EF4-FFF2-40B4-BE49-F238E27FC236}">
+                    <a16:creationId xmlns:a16="http://schemas.microsoft.com/office/drawing/2014/main" id="{775DDE9D-2B25-24DB-7287-E6AD205F8E63}"/>
+                  </a:ext>
+                </a:extLst>
+              </p:cNvPr>
+              <p:cNvSpPr txBox="1">
+                <a:spLocks noRot="1" noChangeAspect="1" noMove="1" noResize="1" noEditPoints="1" noAdjustHandles="1" noChangeArrowheads="1" noChangeShapeType="1" noTextEdit="1"/>
+              </p:cNvSpPr>
+              <p:nvPr/>
+            </p:nvSpPr>
+            <p:spPr>
+              <a:xfrm>
+                <a:off x="3576991" y="2156428"/>
+                <a:ext cx="637008" cy="369332"/>
+              </a:xfrm>
+              <a:prstGeom prst="rect">
+                <a:avLst/>
+              </a:prstGeom>
+              <a:blipFill>
+                <a:blip r:embed="rId5"/>
+                <a:stretch>
+                  <a:fillRect/>
+                </a:stretch>
+              </a:blipFill>
+            </p:spPr>
+            <p:txBody>
+              <a:bodyPr/>
+              <a:lstStyle/>
+              <a:p>
+                <a:r>
+                  <a:rPr lang="en-US">
+                    <a:noFill/>
+                  </a:rPr>
+                  <a:t> </a:t>
+                </a:r>
+              </a:p>
+            </p:txBody>
+          </p:sp>
+        </mc:Fallback>
+      </mc:AlternateContent>
+      <mc:AlternateContent xmlns:mc="http://schemas.openxmlformats.org/markup-compatibility/2006">
+        <mc:Choice xmlns:a14="http://schemas.microsoft.com/office/drawing/2010/main" Requires="a14">
+          <p:sp>
+            <p:nvSpPr>
+              <p:cNvPr id="18" name="文本框 30">
+                <a:extLst>
+                  <a:ext uri="{FF2B5EF4-FFF2-40B4-BE49-F238E27FC236}">
+                    <a16:creationId xmlns:a16="http://schemas.microsoft.com/office/drawing/2014/main" id="{E190ADA5-2DEF-C7B9-BE42-E1A7D587F15E}"/>
+                  </a:ext>
+                </a:extLst>
+              </p:cNvPr>
+              <p:cNvSpPr txBox="1"/>
+              <p:nvPr/>
+            </p:nvSpPr>
+            <p:spPr>
+              <a:xfrm>
+                <a:off x="4638523" y="2150081"/>
+                <a:ext cx="637008" cy="369332"/>
+              </a:xfrm>
+              <a:prstGeom prst="rect">
+                <a:avLst/>
+              </a:prstGeom>
+              <a:noFill/>
+            </p:spPr>
+            <p:txBody>
+              <a:bodyPr wrap="square" rtlCol="0">
+                <a:spAutoFit/>
+              </a:bodyPr>
+              <a:lstStyle/>
+              <a:p>
+                <a:pPr/>
+                <a14:m>
+                  <m:oMathPara xmlns:m="http://schemas.openxmlformats.org/officeDocument/2006/math">
+                    <m:oMathParaPr>
+                      <m:jc m:val="centerGroup"/>
+                    </m:oMathParaPr>
+                    <m:oMath xmlns:m="http://schemas.openxmlformats.org/officeDocument/2006/math">
+                      <m:r>
+                        <m:rPr>
+                          <m:sty m:val="p"/>
+                        </m:rPr>
+                        <a:rPr lang="en-US" b="0" i="0" smtClean="0">
+                          <a:latin typeface="Cambria Math" panose="02040503050406030204" pitchFamily="18" charset="0"/>
+                        </a:rPr>
+                        <m:t>Δ</m:t>
+                      </m:r>
+                      <m:sSub>
+                        <m:sSubPr>
+                          <m:ctrlPr>
+                            <a:rPr lang="en-US" b="0" i="1" smtClean="0">
+                              <a:latin typeface="Cambria Math" panose="02040503050406030204" pitchFamily="18" charset="0"/>
+                            </a:rPr>
+                          </m:ctrlPr>
+                        </m:sSubPr>
+                        <m:e>
+                          <m:r>
+                            <a:rPr lang="en-US" b="0" i="1" smtClean="0">
+                              <a:latin typeface="Cambria Math" panose="02040503050406030204" pitchFamily="18" charset="0"/>
+                            </a:rPr>
+                            <m:t>𝑡</m:t>
+                          </m:r>
+                        </m:e>
+                        <m:sub>
+                          <m:r>
+                            <m:rPr>
+                              <m:sty m:val="p"/>
+                            </m:rPr>
+                            <a:rPr lang="en-US" b="0" i="0" smtClean="0">
+                              <a:latin typeface="Cambria Math" panose="02040503050406030204" pitchFamily="18" charset="0"/>
+                            </a:rPr>
+                            <m:t>ac</m:t>
+                          </m:r>
+                        </m:sub>
+                      </m:sSub>
+                    </m:oMath>
+                  </m:oMathPara>
+                </a14:m>
+                <a:endParaRPr lang="en-US" dirty="0">
+                  <a:latin typeface="Consolas" panose="020B0609020204030204" pitchFamily="49" charset="0"/>
+                </a:endParaRPr>
+              </a:p>
+            </p:txBody>
+          </p:sp>
+        </mc:Choice>
+        <mc:Fallback>
+          <p:sp>
+            <p:nvSpPr>
+              <p:cNvPr id="18" name="文本框 30">
+                <a:extLst>
+                  <a:ext uri="{FF2B5EF4-FFF2-40B4-BE49-F238E27FC236}">
+                    <a16:creationId xmlns:a16="http://schemas.microsoft.com/office/drawing/2014/main" id="{E190ADA5-2DEF-C7B9-BE42-E1A7D587F15E}"/>
+                  </a:ext>
+                </a:extLst>
+              </p:cNvPr>
+              <p:cNvSpPr txBox="1">
+                <a:spLocks noRot="1" noChangeAspect="1" noMove="1" noResize="1" noEditPoints="1" noAdjustHandles="1" noChangeArrowheads="1" noChangeShapeType="1" noTextEdit="1"/>
+              </p:cNvSpPr>
+              <p:nvPr/>
+            </p:nvSpPr>
+            <p:spPr>
+              <a:xfrm>
+                <a:off x="4638523" y="2150081"/>
+                <a:ext cx="637008" cy="369332"/>
+              </a:xfrm>
+              <a:prstGeom prst="rect">
+                <a:avLst/>
+              </a:prstGeom>
+              <a:blipFill>
+                <a:blip r:embed="rId6"/>
+                <a:stretch>
+                  <a:fillRect/>
+                </a:stretch>
+              </a:blipFill>
+            </p:spPr>
+            <p:txBody>
+              <a:bodyPr/>
+              <a:lstStyle/>
+              <a:p>
+                <a:r>
+                  <a:rPr lang="en-US">
+                    <a:noFill/>
+                  </a:rPr>
+                  <a:t> </a:t>
+                </a:r>
+              </a:p>
+            </p:txBody>
+          </p:sp>
+        </mc:Fallback>
+      </mc:AlternateContent>
+      <mc:AlternateContent xmlns:mc="http://schemas.openxmlformats.org/markup-compatibility/2006">
+        <mc:Choice xmlns:a14="http://schemas.microsoft.com/office/drawing/2010/main" Requires="a14">
+          <p:sp>
+            <p:nvSpPr>
+              <p:cNvPr id="19" name="文本框 31">
+                <a:extLst>
+                  <a:ext uri="{FF2B5EF4-FFF2-40B4-BE49-F238E27FC236}">
+                    <a16:creationId xmlns:a16="http://schemas.microsoft.com/office/drawing/2014/main" id="{DA9A69E5-0288-006E-CF7B-6FE1E9487BC1}"/>
+                  </a:ext>
+                </a:extLst>
+              </p:cNvPr>
+              <p:cNvSpPr txBox="1"/>
+              <p:nvPr/>
+            </p:nvSpPr>
+            <p:spPr>
+              <a:xfrm>
+                <a:off x="7502871" y="2150081"/>
+                <a:ext cx="637008" cy="369332"/>
+              </a:xfrm>
+              <a:prstGeom prst="rect">
+                <a:avLst/>
+              </a:prstGeom>
+              <a:noFill/>
+            </p:spPr>
+            <p:txBody>
+              <a:bodyPr wrap="square" rtlCol="0">
+                <a:spAutoFit/>
+              </a:bodyPr>
+              <a:lstStyle/>
+              <a:p>
+                <a:pPr/>
+                <a14:m>
+                  <m:oMathPara xmlns:m="http://schemas.openxmlformats.org/officeDocument/2006/math">
+                    <m:oMathParaPr>
+                      <m:jc m:val="centerGroup"/>
+                    </m:oMathParaPr>
+                    <m:oMath xmlns:m="http://schemas.openxmlformats.org/officeDocument/2006/math">
+                      <m:r>
+                        <m:rPr>
+                          <m:sty m:val="p"/>
+                        </m:rPr>
+                        <a:rPr lang="en-US" b="0" i="0" smtClean="0">
+                          <a:latin typeface="Cambria Math" panose="02040503050406030204" pitchFamily="18" charset="0"/>
+                        </a:rPr>
+                        <m:t>Δ</m:t>
+                      </m:r>
+                      <m:sSub>
+                        <m:sSubPr>
+                          <m:ctrlPr>
+                            <a:rPr lang="en-US" b="0" i="1" smtClean="0">
+                              <a:latin typeface="Cambria Math" panose="02040503050406030204" pitchFamily="18" charset="0"/>
+                            </a:rPr>
+                          </m:ctrlPr>
+                        </m:sSubPr>
+                        <m:e>
+                          <m:r>
+                            <a:rPr lang="en-US" b="0" i="1" smtClean="0">
+                              <a:latin typeface="Cambria Math" panose="02040503050406030204" pitchFamily="18" charset="0"/>
+                            </a:rPr>
+                            <m:t>𝑡</m:t>
+                          </m:r>
+                        </m:e>
+                        <m:sub>
+                          <m:r>
+                            <m:rPr>
+                              <m:sty m:val="p"/>
+                            </m:rPr>
+                            <a:rPr lang="en-US" b="0" i="0" smtClean="0">
+                              <a:latin typeface="Cambria Math" panose="02040503050406030204" pitchFamily="18" charset="0"/>
+                            </a:rPr>
+                            <m:t>ac</m:t>
+                          </m:r>
+                        </m:sub>
+                      </m:sSub>
+                    </m:oMath>
+                  </m:oMathPara>
+                </a14:m>
+                <a:endParaRPr lang="en-US" dirty="0">
+                  <a:latin typeface="Consolas" panose="020B0609020204030204" pitchFamily="49" charset="0"/>
+                </a:endParaRPr>
+              </a:p>
+            </p:txBody>
+          </p:sp>
+        </mc:Choice>
+        <mc:Fallback>
+          <p:sp>
+            <p:nvSpPr>
+              <p:cNvPr id="19" name="文本框 31">
+                <a:extLst>
+                  <a:ext uri="{FF2B5EF4-FFF2-40B4-BE49-F238E27FC236}">
+                    <a16:creationId xmlns:a16="http://schemas.microsoft.com/office/drawing/2014/main" id="{DA9A69E5-0288-006E-CF7B-6FE1E9487BC1}"/>
+                  </a:ext>
+                </a:extLst>
+              </p:cNvPr>
+              <p:cNvSpPr txBox="1">
+                <a:spLocks noRot="1" noChangeAspect="1" noMove="1" noResize="1" noEditPoints="1" noAdjustHandles="1" noChangeArrowheads="1" noChangeShapeType="1" noTextEdit="1"/>
+              </p:cNvSpPr>
+              <p:nvPr/>
+            </p:nvSpPr>
+            <p:spPr>
+              <a:xfrm>
+                <a:off x="7502871" y="2150081"/>
+                <a:ext cx="637008" cy="369332"/>
+              </a:xfrm>
+              <a:prstGeom prst="rect">
+                <a:avLst/>
+              </a:prstGeom>
+              <a:blipFill>
+                <a:blip r:embed="rId7"/>
+                <a:stretch>
+                  <a:fillRect/>
+                </a:stretch>
+              </a:blipFill>
+            </p:spPr>
+            <p:txBody>
+              <a:bodyPr/>
+              <a:lstStyle/>
+              <a:p>
+                <a:r>
+                  <a:rPr lang="en-US">
+                    <a:noFill/>
+                  </a:rPr>
+                  <a:t> </a:t>
+                </a:r>
+              </a:p>
+            </p:txBody>
+          </p:sp>
+        </mc:Fallback>
+      </mc:AlternateContent>
+      <p:cxnSp>
+        <p:nvCxnSpPr>
+          <p:cNvPr id="26" name="直接箭头连接符 12">
+            <a:extLst>
+              <a:ext uri="{FF2B5EF4-FFF2-40B4-BE49-F238E27FC236}">
+                <a16:creationId xmlns:a16="http://schemas.microsoft.com/office/drawing/2014/main" id="{F6B49C85-AA37-EFC2-2FF5-7E38D1F1F719}"/>
+              </a:ext>
+            </a:extLst>
+          </p:cNvPr>
+          <p:cNvCxnSpPr>
+            <a:cxnSpLocks/>
+          </p:cNvCxnSpPr>
+          <p:nvPr/>
+        </p:nvCxnSpPr>
+        <p:spPr>
+          <a:xfrm flipV="1">
+            <a:off x="5478603" y="1636084"/>
+            <a:ext cx="2381387" cy="11339"/>
+          </a:xfrm>
+          <a:prstGeom prst="straightConnector1">
+            <a:avLst/>
+          </a:prstGeom>
+          <a:ln>
+            <a:tailEnd type="triangle"/>
+          </a:ln>
+        </p:spPr>
+        <p:style>
+          <a:lnRef idx="2">
+            <a:schemeClr val="dk1"/>
+          </a:lnRef>
+          <a:fillRef idx="0">
+            <a:schemeClr val="dk1"/>
+          </a:fillRef>
+          <a:effectRef idx="1">
+            <a:schemeClr val="dk1"/>
+          </a:effectRef>
+          <a:fontRef idx="minor">
+            <a:schemeClr val="tx1"/>
+          </a:fontRef>
+        </p:style>
+      </p:cxnSp>
+      <p:cxnSp>
+        <p:nvCxnSpPr>
+          <p:cNvPr id="28" name="直接箭头连接符 22">
+            <a:extLst>
+              <a:ext uri="{FF2B5EF4-FFF2-40B4-BE49-F238E27FC236}">
+                <a16:creationId xmlns:a16="http://schemas.microsoft.com/office/drawing/2014/main" id="{CBD38929-C673-4220-9067-3AB0DA11DA8C}"/>
+              </a:ext>
+            </a:extLst>
+          </p:cNvPr>
+          <p:cNvCxnSpPr>
+            <a:cxnSpLocks/>
+          </p:cNvCxnSpPr>
+          <p:nvPr/>
+        </p:nvCxnSpPr>
+        <p:spPr>
+          <a:xfrm>
+            <a:off x="3503691" y="2188323"/>
+            <a:ext cx="987456" cy="0"/>
+          </a:xfrm>
+          <a:prstGeom prst="straightConnector1">
+            <a:avLst/>
+          </a:prstGeom>
+          <a:ln>
+            <a:tailEnd type="triangle"/>
+          </a:ln>
+        </p:spPr>
+        <p:style>
+          <a:lnRef idx="2">
+            <a:schemeClr val="accent6"/>
+          </a:lnRef>
+          <a:fillRef idx="0">
+            <a:schemeClr val="accent6"/>
+          </a:fillRef>
+          <a:effectRef idx="1">
+            <a:schemeClr val="accent6"/>
+          </a:effectRef>
+          <a:fontRef idx="minor">
+            <a:schemeClr val="tx1"/>
+          </a:fontRef>
+        </p:style>
+      </p:cxnSp>
+      <p:cxnSp>
+        <p:nvCxnSpPr>
+          <p:cNvPr id="29" name="直接箭头连接符 22">
+            <a:extLst>
+              <a:ext uri="{FF2B5EF4-FFF2-40B4-BE49-F238E27FC236}">
+                <a16:creationId xmlns:a16="http://schemas.microsoft.com/office/drawing/2014/main" id="{0FC9B000-7F0D-C597-06AB-D19B05904F86}"/>
+              </a:ext>
+            </a:extLst>
+          </p:cNvPr>
+          <p:cNvCxnSpPr>
+            <a:cxnSpLocks/>
+          </p:cNvCxnSpPr>
+          <p:nvPr/>
+        </p:nvCxnSpPr>
+        <p:spPr>
+          <a:xfrm>
+            <a:off x="4491147" y="2188323"/>
+            <a:ext cx="987456" cy="0"/>
+          </a:xfrm>
+          <a:prstGeom prst="straightConnector1">
+            <a:avLst/>
+          </a:prstGeom>
+          <a:ln>
+            <a:tailEnd type="triangle"/>
+          </a:ln>
+        </p:spPr>
+        <p:style>
+          <a:lnRef idx="2">
+            <a:schemeClr val="accent6"/>
+          </a:lnRef>
+          <a:fillRef idx="0">
+            <a:schemeClr val="accent6"/>
+          </a:fillRef>
+          <a:effectRef idx="1">
+            <a:schemeClr val="accent6"/>
+          </a:effectRef>
+          <a:fontRef idx="minor">
+            <a:schemeClr val="tx1"/>
+          </a:fontRef>
+        </p:style>
+      </p:cxnSp>
+      <p:cxnSp>
+        <p:nvCxnSpPr>
+          <p:cNvPr id="30" name="直接箭头连接符 22">
+            <a:extLst>
+              <a:ext uri="{FF2B5EF4-FFF2-40B4-BE49-F238E27FC236}">
+                <a16:creationId xmlns:a16="http://schemas.microsoft.com/office/drawing/2014/main" id="{A5E79F29-8218-0827-BCEA-8BFC6A68D9A0}"/>
+              </a:ext>
+            </a:extLst>
+          </p:cNvPr>
+          <p:cNvCxnSpPr>
+            <a:cxnSpLocks/>
+          </p:cNvCxnSpPr>
+          <p:nvPr/>
+        </p:nvCxnSpPr>
+        <p:spPr>
+          <a:xfrm>
+            <a:off x="5478603" y="2188323"/>
+            <a:ext cx="987456" cy="0"/>
+          </a:xfrm>
+          <a:prstGeom prst="straightConnector1">
+            <a:avLst/>
+          </a:prstGeom>
+          <a:ln>
+            <a:tailEnd type="triangle"/>
+          </a:ln>
+        </p:spPr>
+        <p:style>
+          <a:lnRef idx="2">
+            <a:schemeClr val="accent6"/>
+          </a:lnRef>
+          <a:fillRef idx="0">
+            <a:schemeClr val="accent6"/>
+          </a:fillRef>
+          <a:effectRef idx="1">
+            <a:schemeClr val="accent6"/>
+          </a:effectRef>
+          <a:fontRef idx="minor">
+            <a:schemeClr val="tx1"/>
+          </a:fontRef>
+        </p:style>
+      </p:cxnSp>
+      <p:cxnSp>
+        <p:nvCxnSpPr>
+          <p:cNvPr id="31" name="直接箭头连接符 22">
+            <a:extLst>
+              <a:ext uri="{FF2B5EF4-FFF2-40B4-BE49-F238E27FC236}">
+                <a16:creationId xmlns:a16="http://schemas.microsoft.com/office/drawing/2014/main" id="{6A36A984-DDF3-DD88-75DA-764C7B356862}"/>
+              </a:ext>
+            </a:extLst>
+          </p:cNvPr>
+          <p:cNvCxnSpPr>
+            <a:cxnSpLocks/>
+          </p:cNvCxnSpPr>
+          <p:nvPr/>
+        </p:nvCxnSpPr>
+        <p:spPr>
+          <a:xfrm>
+            <a:off x="6419775" y="2188323"/>
+            <a:ext cx="987456" cy="0"/>
+          </a:xfrm>
+          <a:prstGeom prst="straightConnector1">
+            <a:avLst/>
+          </a:prstGeom>
+          <a:ln>
+            <a:tailEnd type="triangle"/>
+          </a:ln>
+        </p:spPr>
+        <p:style>
+          <a:lnRef idx="2">
+            <a:schemeClr val="accent6"/>
+          </a:lnRef>
+          <a:fillRef idx="0">
+            <a:schemeClr val="accent6"/>
+          </a:fillRef>
+          <a:effectRef idx="1">
+            <a:schemeClr val="accent6"/>
+          </a:effectRef>
+          <a:fontRef idx="minor">
+            <a:schemeClr val="tx1"/>
+          </a:fontRef>
+        </p:style>
+      </p:cxnSp>
+      <p:cxnSp>
+        <p:nvCxnSpPr>
+          <p:cNvPr id="32" name="直接箭头连接符 22">
+            <a:extLst>
+              <a:ext uri="{FF2B5EF4-FFF2-40B4-BE49-F238E27FC236}">
+                <a16:creationId xmlns:a16="http://schemas.microsoft.com/office/drawing/2014/main" id="{D88F0D6E-BA59-5975-AA7B-0828780F6BB5}"/>
+              </a:ext>
+            </a:extLst>
+          </p:cNvPr>
+          <p:cNvCxnSpPr>
+            <a:cxnSpLocks/>
+          </p:cNvCxnSpPr>
+          <p:nvPr/>
+        </p:nvCxnSpPr>
+        <p:spPr>
+          <a:xfrm>
+            <a:off x="7407231" y="2188323"/>
+            <a:ext cx="987456" cy="0"/>
+          </a:xfrm>
+          <a:prstGeom prst="straightConnector1">
+            <a:avLst/>
+          </a:prstGeom>
+          <a:ln>
+            <a:tailEnd type="triangle"/>
+          </a:ln>
+        </p:spPr>
+        <p:style>
+          <a:lnRef idx="2">
+            <a:schemeClr val="accent6"/>
+          </a:lnRef>
+          <a:fillRef idx="0">
+            <a:schemeClr val="accent6"/>
+          </a:fillRef>
+          <a:effectRef idx="1">
+            <a:schemeClr val="accent6"/>
+          </a:effectRef>
+          <a:fontRef idx="minor">
+            <a:schemeClr val="tx1"/>
+          </a:fontRef>
+        </p:style>
+      </p:cxnSp>
+      <p:sp>
+        <p:nvSpPr>
+          <p:cNvPr id="33" name="TextBox 32">
+            <a:extLst>
+              <a:ext uri="{FF2B5EF4-FFF2-40B4-BE49-F238E27FC236}">
+                <a16:creationId xmlns:a16="http://schemas.microsoft.com/office/drawing/2014/main" id="{5BD9F135-D917-26B6-56FC-0F87823565A5}"/>
+              </a:ext>
+            </a:extLst>
+          </p:cNvPr>
+          <p:cNvSpPr txBox="1"/>
+          <p:nvPr/>
+        </p:nvSpPr>
+        <p:spPr>
+          <a:xfrm>
+            <a:off x="-38386" y="1153809"/>
+            <a:ext cx="2544024" cy="923330"/>
+          </a:xfrm>
+          <a:prstGeom prst="rect">
+            <a:avLst/>
+          </a:prstGeom>
+          <a:noFill/>
+        </p:spPr>
+        <p:txBody>
+          <a:bodyPr wrap="square" rtlCol="0">
+            <a:spAutoFit/>
+          </a:bodyPr>
+          <a:lstStyle/>
+          <a:p>
+            <a:r>
+              <a:rPr lang="zh-CN" altLang="en-US" dirty="0"/>
+              <a:t>企图只在最后一个中层循环控制声速时间步是不够的，步子容易迈大。</a:t>
+            </a:r>
+            <a:endParaRPr lang="en-US" dirty="0"/>
+          </a:p>
+        </p:txBody>
+      </p:sp>
+      <p:cxnSp>
+        <p:nvCxnSpPr>
+          <p:cNvPr id="35" name="Straight Connector 34">
+            <a:extLst>
+              <a:ext uri="{FF2B5EF4-FFF2-40B4-BE49-F238E27FC236}">
+                <a16:creationId xmlns:a16="http://schemas.microsoft.com/office/drawing/2014/main" id="{258E6467-8E23-58AD-1E73-AAFB4CBCC781}"/>
+              </a:ext>
+            </a:extLst>
+          </p:cNvPr>
+          <p:cNvCxnSpPr/>
+          <p:nvPr/>
+        </p:nvCxnSpPr>
+        <p:spPr>
+          <a:xfrm>
+            <a:off x="8394687" y="759832"/>
+            <a:ext cx="0" cy="1711284"/>
+          </a:xfrm>
+          <a:prstGeom prst="line">
+            <a:avLst/>
+          </a:prstGeom>
+          <a:ln>
+            <a:solidFill>
+              <a:schemeClr val="tx1"/>
+            </a:solidFill>
+            <a:prstDash val="dash"/>
+          </a:ln>
+        </p:spPr>
+        <p:style>
+          <a:lnRef idx="2">
+            <a:schemeClr val="accent1"/>
+          </a:lnRef>
+          <a:fillRef idx="0">
+            <a:schemeClr val="accent1"/>
+          </a:fillRef>
+          <a:effectRef idx="1">
+            <a:schemeClr val="accent1"/>
+          </a:effectRef>
+          <a:fontRef idx="minor">
+            <a:schemeClr val="tx1"/>
+          </a:fontRef>
+        </p:style>
+      </p:cxnSp>
+      <mc:AlternateContent xmlns:mc="http://schemas.openxmlformats.org/markup-compatibility/2006">
+        <mc:Choice xmlns:a14="http://schemas.microsoft.com/office/drawing/2010/main" Requires="a14">
+          <p:sp>
+            <p:nvSpPr>
+              <p:cNvPr id="37" name="文本框 30">
+                <a:extLst>
+                  <a:ext uri="{FF2B5EF4-FFF2-40B4-BE49-F238E27FC236}">
+                    <a16:creationId xmlns:a16="http://schemas.microsoft.com/office/drawing/2014/main" id="{376C253B-ED3C-DCB7-FAE0-9E78128171A9}"/>
+                  </a:ext>
+                </a:extLst>
+              </p:cNvPr>
+              <p:cNvSpPr txBox="1"/>
+              <p:nvPr/>
+            </p:nvSpPr>
+            <p:spPr>
+              <a:xfrm>
+                <a:off x="5625462" y="2161420"/>
+                <a:ext cx="637008" cy="369332"/>
+              </a:xfrm>
+              <a:prstGeom prst="rect">
+                <a:avLst/>
+              </a:prstGeom>
+              <a:noFill/>
+            </p:spPr>
+            <p:txBody>
+              <a:bodyPr wrap="square" rtlCol="0">
+                <a:spAutoFit/>
+              </a:bodyPr>
+              <a:lstStyle/>
+              <a:p>
+                <a:pPr/>
+                <a14:m>
+                  <m:oMathPara xmlns:m="http://schemas.openxmlformats.org/officeDocument/2006/math">
+                    <m:oMathParaPr>
+                      <m:jc m:val="centerGroup"/>
+                    </m:oMathParaPr>
+                    <m:oMath xmlns:m="http://schemas.openxmlformats.org/officeDocument/2006/math">
+                      <m:r>
+                        <m:rPr>
+                          <m:sty m:val="p"/>
+                        </m:rPr>
+                        <a:rPr lang="en-US" b="0" i="0" smtClean="0">
+                          <a:latin typeface="Cambria Math" panose="02040503050406030204" pitchFamily="18" charset="0"/>
+                        </a:rPr>
+                        <m:t>Δ</m:t>
+                      </m:r>
+                      <m:sSub>
+                        <m:sSubPr>
+                          <m:ctrlPr>
+                            <a:rPr lang="en-US" b="0" i="1" smtClean="0">
+                              <a:latin typeface="Cambria Math" panose="02040503050406030204" pitchFamily="18" charset="0"/>
+                            </a:rPr>
+                          </m:ctrlPr>
+                        </m:sSubPr>
+                        <m:e>
+                          <m:r>
+                            <a:rPr lang="en-US" b="0" i="1" smtClean="0">
+                              <a:latin typeface="Cambria Math" panose="02040503050406030204" pitchFamily="18" charset="0"/>
+                            </a:rPr>
+                            <m:t>𝑡</m:t>
+                          </m:r>
+                        </m:e>
+                        <m:sub>
+                          <m:r>
+                            <m:rPr>
+                              <m:sty m:val="p"/>
+                            </m:rPr>
+                            <a:rPr lang="en-US" b="0" i="0" smtClean="0">
+                              <a:latin typeface="Cambria Math" panose="02040503050406030204" pitchFamily="18" charset="0"/>
+                            </a:rPr>
+                            <m:t>ac</m:t>
+                          </m:r>
+                        </m:sub>
+                      </m:sSub>
+                    </m:oMath>
+                  </m:oMathPara>
+                </a14:m>
+                <a:endParaRPr lang="en-US" dirty="0">
+                  <a:latin typeface="Consolas" panose="020B0609020204030204" pitchFamily="49" charset="0"/>
+                </a:endParaRPr>
+              </a:p>
+            </p:txBody>
+          </p:sp>
+        </mc:Choice>
+        <mc:Fallback>
+          <p:sp>
+            <p:nvSpPr>
+              <p:cNvPr id="37" name="文本框 30">
+                <a:extLst>
+                  <a:ext uri="{FF2B5EF4-FFF2-40B4-BE49-F238E27FC236}">
+                    <a16:creationId xmlns:a16="http://schemas.microsoft.com/office/drawing/2014/main" id="{376C253B-ED3C-DCB7-FAE0-9E78128171A9}"/>
+                  </a:ext>
+                </a:extLst>
+              </p:cNvPr>
+              <p:cNvSpPr txBox="1">
+                <a:spLocks noRot="1" noChangeAspect="1" noMove="1" noResize="1" noEditPoints="1" noAdjustHandles="1" noChangeArrowheads="1" noChangeShapeType="1" noTextEdit="1"/>
+              </p:cNvSpPr>
+              <p:nvPr/>
+            </p:nvSpPr>
+            <p:spPr>
+              <a:xfrm>
+                <a:off x="5625462" y="2161420"/>
+                <a:ext cx="637008" cy="369332"/>
+              </a:xfrm>
+              <a:prstGeom prst="rect">
+                <a:avLst/>
+              </a:prstGeom>
+              <a:blipFill>
+                <a:blip r:embed="rId8"/>
+                <a:stretch>
+                  <a:fillRect/>
+                </a:stretch>
+              </a:blipFill>
+            </p:spPr>
+            <p:txBody>
+              <a:bodyPr/>
+              <a:lstStyle/>
+              <a:p>
+                <a:r>
+                  <a:rPr lang="en-US">
+                    <a:noFill/>
+                  </a:rPr>
+                  <a:t> </a:t>
+                </a:r>
+              </a:p>
+            </p:txBody>
+          </p:sp>
+        </mc:Fallback>
+      </mc:AlternateContent>
+      <mc:AlternateContent xmlns:mc="http://schemas.openxmlformats.org/markup-compatibility/2006">
+        <mc:Choice xmlns:a14="http://schemas.microsoft.com/office/drawing/2010/main" Requires="a14">
+          <p:sp>
+            <p:nvSpPr>
+              <p:cNvPr id="38" name="文本框 30">
+                <a:extLst>
+                  <a:ext uri="{FF2B5EF4-FFF2-40B4-BE49-F238E27FC236}">
+                    <a16:creationId xmlns:a16="http://schemas.microsoft.com/office/drawing/2014/main" id="{5312CE91-9398-8663-D69A-193D038DCDFE}"/>
+                  </a:ext>
+                </a:extLst>
+              </p:cNvPr>
+              <p:cNvSpPr txBox="1"/>
+              <p:nvPr/>
+            </p:nvSpPr>
+            <p:spPr>
+              <a:xfrm>
+                <a:off x="6628037" y="2150081"/>
+                <a:ext cx="637008" cy="369332"/>
+              </a:xfrm>
+              <a:prstGeom prst="rect">
+                <a:avLst/>
+              </a:prstGeom>
+              <a:noFill/>
+            </p:spPr>
+            <p:txBody>
+              <a:bodyPr wrap="square" rtlCol="0">
+                <a:spAutoFit/>
+              </a:bodyPr>
+              <a:lstStyle/>
+              <a:p>
+                <a:pPr/>
+                <a14:m>
+                  <m:oMathPara xmlns:m="http://schemas.openxmlformats.org/officeDocument/2006/math">
+                    <m:oMathParaPr>
+                      <m:jc m:val="centerGroup"/>
+                    </m:oMathParaPr>
+                    <m:oMath xmlns:m="http://schemas.openxmlformats.org/officeDocument/2006/math">
+                      <m:r>
+                        <m:rPr>
+                          <m:sty m:val="p"/>
+                        </m:rPr>
+                        <a:rPr lang="en-US" b="0" i="0" smtClean="0">
+                          <a:latin typeface="Cambria Math" panose="02040503050406030204" pitchFamily="18" charset="0"/>
+                        </a:rPr>
+                        <m:t>Δ</m:t>
+                      </m:r>
+                      <m:sSub>
+                        <m:sSubPr>
+                          <m:ctrlPr>
+                            <a:rPr lang="en-US" b="0" i="1" smtClean="0">
+                              <a:latin typeface="Cambria Math" panose="02040503050406030204" pitchFamily="18" charset="0"/>
+                            </a:rPr>
+                          </m:ctrlPr>
+                        </m:sSubPr>
+                        <m:e>
+                          <m:r>
+                            <a:rPr lang="en-US" b="0" i="1" smtClean="0">
+                              <a:latin typeface="Cambria Math" panose="02040503050406030204" pitchFamily="18" charset="0"/>
+                            </a:rPr>
+                            <m:t>𝑡</m:t>
+                          </m:r>
+                        </m:e>
+                        <m:sub>
+                          <m:r>
+                            <m:rPr>
+                              <m:sty m:val="p"/>
+                            </m:rPr>
+                            <a:rPr lang="en-US" b="0" i="0" smtClean="0">
+                              <a:latin typeface="Cambria Math" panose="02040503050406030204" pitchFamily="18" charset="0"/>
+                            </a:rPr>
+                            <m:t>ac</m:t>
+                          </m:r>
+                        </m:sub>
+                      </m:sSub>
+                    </m:oMath>
+                  </m:oMathPara>
+                </a14:m>
+                <a:endParaRPr lang="en-US" dirty="0">
+                  <a:latin typeface="Consolas" panose="020B0609020204030204" pitchFamily="49" charset="0"/>
+                </a:endParaRPr>
+              </a:p>
+            </p:txBody>
+          </p:sp>
+        </mc:Choice>
+        <mc:Fallback>
+          <p:sp>
+            <p:nvSpPr>
+              <p:cNvPr id="38" name="文本框 30">
+                <a:extLst>
+                  <a:ext uri="{FF2B5EF4-FFF2-40B4-BE49-F238E27FC236}">
+                    <a16:creationId xmlns:a16="http://schemas.microsoft.com/office/drawing/2014/main" id="{5312CE91-9398-8663-D69A-193D038DCDFE}"/>
+                  </a:ext>
+                </a:extLst>
+              </p:cNvPr>
+              <p:cNvSpPr txBox="1">
+                <a:spLocks noRot="1" noChangeAspect="1" noMove="1" noResize="1" noEditPoints="1" noAdjustHandles="1" noChangeArrowheads="1" noChangeShapeType="1" noTextEdit="1"/>
+              </p:cNvSpPr>
+              <p:nvPr/>
+            </p:nvSpPr>
+            <p:spPr>
+              <a:xfrm>
+                <a:off x="6628037" y="2150081"/>
+                <a:ext cx="637008" cy="369332"/>
+              </a:xfrm>
+              <a:prstGeom prst="rect">
+                <a:avLst/>
+              </a:prstGeom>
+              <a:blipFill>
+                <a:blip r:embed="rId9"/>
+                <a:stretch>
+                  <a:fillRect/>
+                </a:stretch>
+              </a:blipFill>
+            </p:spPr>
+            <p:txBody>
+              <a:bodyPr/>
+              <a:lstStyle/>
+              <a:p>
+                <a:r>
+                  <a:rPr lang="en-US">
+                    <a:noFill/>
+                  </a:rPr>
+                  <a:t> </a:t>
+                </a:r>
+              </a:p>
+            </p:txBody>
+          </p:sp>
+        </mc:Fallback>
+      </mc:AlternateContent>
+      <p:sp>
+        <p:nvSpPr>
+          <p:cNvPr id="39" name="箭头: 右 5">
+            <a:extLst>
+              <a:ext uri="{FF2B5EF4-FFF2-40B4-BE49-F238E27FC236}">
+                <a16:creationId xmlns:a16="http://schemas.microsoft.com/office/drawing/2014/main" id="{F20B9079-BC80-CA76-1C2C-993383A0EC8F}"/>
+              </a:ext>
+            </a:extLst>
+          </p:cNvPr>
+          <p:cNvSpPr/>
+          <p:nvPr/>
+        </p:nvSpPr>
+        <p:spPr>
+          <a:xfrm>
+            <a:off x="2506367" y="3881749"/>
+            <a:ext cx="5623645" cy="526273"/>
+          </a:xfrm>
+          <a:prstGeom prst="rightArrow">
+            <a:avLst/>
+          </a:prstGeom>
+        </p:spPr>
+        <p:style>
+          <a:lnRef idx="2">
+            <a:schemeClr val="accent1">
+              <a:shade val="15000"/>
+            </a:schemeClr>
+          </a:lnRef>
+          <a:fillRef idx="1">
+            <a:schemeClr val="accent1"/>
+          </a:fillRef>
+          <a:effectRef idx="0">
+            <a:schemeClr val="accent1"/>
+          </a:effectRef>
+          <a:fontRef idx="minor">
+            <a:schemeClr val="lt1"/>
+          </a:fontRef>
+        </p:style>
+        <p:txBody>
+          <a:bodyPr rtlCol="0" anchor="ctr"/>
+          <a:lstStyle/>
+          <a:p>
+            <a:pPr algn="ctr"/>
+            <a:endParaRPr lang="en-US" dirty="0"/>
+          </a:p>
+        </p:txBody>
+      </p:sp>
+      <p:sp>
+        <p:nvSpPr>
+          <p:cNvPr id="40" name="文本框 7">
+            <a:extLst>
+              <a:ext uri="{FF2B5EF4-FFF2-40B4-BE49-F238E27FC236}">
+                <a16:creationId xmlns:a16="http://schemas.microsoft.com/office/drawing/2014/main" id="{E9EC582D-18C2-C284-D562-F9FD313E9503}"/>
+              </a:ext>
+            </a:extLst>
+          </p:cNvPr>
+          <p:cNvSpPr txBox="1"/>
+          <p:nvPr/>
+        </p:nvSpPr>
+        <p:spPr>
+          <a:xfrm>
+            <a:off x="4887754" y="3960218"/>
+            <a:ext cx="1038293" cy="369332"/>
+          </a:xfrm>
+          <a:prstGeom prst="rect">
+            <a:avLst/>
+          </a:prstGeom>
+          <a:noFill/>
+        </p:spPr>
+        <p:txBody>
+          <a:bodyPr wrap="square" rtlCol="0">
+            <a:spAutoFit/>
+          </a:bodyPr>
+          <a:lstStyle/>
+          <a:p>
+            <a:r>
+              <a:rPr lang="en-US" dirty="0">
+                <a:solidFill>
+                  <a:schemeClr val="bg1"/>
+                </a:solidFill>
+              </a:rPr>
+              <a:t>Output1</a:t>
+            </a:r>
+          </a:p>
+        </p:txBody>
+      </p:sp>
+      <p:sp>
+        <p:nvSpPr>
+          <p:cNvPr id="41" name="左大括号 9">
+            <a:extLst>
+              <a:ext uri="{FF2B5EF4-FFF2-40B4-BE49-F238E27FC236}">
+                <a16:creationId xmlns:a16="http://schemas.microsoft.com/office/drawing/2014/main" id="{FDE129A1-D364-B1AD-0DE5-1A8F837632D3}"/>
+              </a:ext>
+            </a:extLst>
+          </p:cNvPr>
+          <p:cNvSpPr/>
+          <p:nvPr/>
+        </p:nvSpPr>
+        <p:spPr>
+          <a:xfrm rot="5400000">
+            <a:off x="5206354" y="948222"/>
+            <a:ext cx="243405" cy="5623644"/>
+          </a:xfrm>
+          <a:prstGeom prst="leftBrace">
+            <a:avLst>
+              <a:gd name="adj1" fmla="val 48873"/>
+              <a:gd name="adj2" fmla="val 50109"/>
+            </a:avLst>
+          </a:prstGeom>
+        </p:spPr>
+        <p:style>
+          <a:lnRef idx="2">
+            <a:schemeClr val="accent1"/>
+          </a:lnRef>
+          <a:fillRef idx="0">
+            <a:schemeClr val="accent1"/>
+          </a:fillRef>
+          <a:effectRef idx="1">
+            <a:schemeClr val="accent1"/>
+          </a:effectRef>
+          <a:fontRef idx="minor">
+            <a:schemeClr val="tx1"/>
+          </a:fontRef>
+        </p:style>
+        <p:txBody>
+          <a:bodyPr rtlCol="0" anchor="ctr"/>
+          <a:lstStyle/>
+          <a:p>
+            <a:pPr algn="ctr"/>
+            <a:endParaRPr lang="en-US"/>
+          </a:p>
+        </p:txBody>
+      </p:sp>
+      <p:sp>
+        <p:nvSpPr>
+          <p:cNvPr id="42" name="文本框 10">
+            <a:extLst>
+              <a:ext uri="{FF2B5EF4-FFF2-40B4-BE49-F238E27FC236}">
+                <a16:creationId xmlns:a16="http://schemas.microsoft.com/office/drawing/2014/main" id="{9B82CF57-7DB5-DD9A-89F1-358B17742DFC}"/>
+              </a:ext>
+            </a:extLst>
+          </p:cNvPr>
+          <p:cNvSpPr txBox="1"/>
+          <p:nvPr/>
+        </p:nvSpPr>
+        <p:spPr>
+          <a:xfrm>
+            <a:off x="4475507" y="3209972"/>
+            <a:ext cx="2097418" cy="369332"/>
+          </a:xfrm>
+          <a:prstGeom prst="rect">
+            <a:avLst/>
+          </a:prstGeom>
+          <a:noFill/>
+        </p:spPr>
+        <p:txBody>
+          <a:bodyPr wrap="square" rtlCol="0">
+            <a:spAutoFit/>
+          </a:bodyPr>
+          <a:lstStyle/>
+          <a:p>
+            <a:r>
+              <a:rPr lang="en-US" dirty="0" err="1">
+                <a:latin typeface="Consolas" panose="020B0609020204030204" pitchFamily="49" charset="0"/>
+              </a:rPr>
+              <a:t>output_interval</a:t>
+            </a:r>
+            <a:endParaRPr lang="en-US" dirty="0">
+              <a:latin typeface="Consolas" panose="020B0609020204030204" pitchFamily="49" charset="0"/>
+            </a:endParaRPr>
+          </a:p>
+        </p:txBody>
+      </p:sp>
+      <p:cxnSp>
+        <p:nvCxnSpPr>
+          <p:cNvPr id="43" name="直接箭头连接符 12">
+            <a:extLst>
+              <a:ext uri="{FF2B5EF4-FFF2-40B4-BE49-F238E27FC236}">
+                <a16:creationId xmlns:a16="http://schemas.microsoft.com/office/drawing/2014/main" id="{3691A834-4B83-3827-1B97-DC3C36416604}"/>
+              </a:ext>
+            </a:extLst>
+          </p:cNvPr>
+          <p:cNvCxnSpPr>
+            <a:cxnSpLocks/>
+          </p:cNvCxnSpPr>
+          <p:nvPr/>
+        </p:nvCxnSpPr>
+        <p:spPr>
+          <a:xfrm flipV="1">
+            <a:off x="2506367" y="4572306"/>
+            <a:ext cx="2381387" cy="11339"/>
+          </a:xfrm>
+          <a:prstGeom prst="straightConnector1">
+            <a:avLst/>
+          </a:prstGeom>
+          <a:ln>
+            <a:tailEnd type="triangle"/>
+          </a:ln>
+        </p:spPr>
+        <p:style>
+          <a:lnRef idx="2">
+            <a:schemeClr val="dk1"/>
+          </a:lnRef>
+          <a:fillRef idx="0">
+            <a:schemeClr val="dk1"/>
+          </a:fillRef>
+          <a:effectRef idx="1">
+            <a:schemeClr val="dk1"/>
+          </a:effectRef>
+          <a:fontRef idx="minor">
+            <a:schemeClr val="tx1"/>
+          </a:fontRef>
+        </p:style>
+      </p:cxnSp>
+      <mc:AlternateContent xmlns:mc="http://schemas.openxmlformats.org/markup-compatibility/2006">
+        <mc:Choice xmlns:a14="http://schemas.microsoft.com/office/drawing/2010/main" Requires="a14">
+          <p:sp>
+            <p:nvSpPr>
+              <p:cNvPr id="44" name="文本框 20">
+                <a:extLst>
+                  <a:ext uri="{FF2B5EF4-FFF2-40B4-BE49-F238E27FC236}">
+                    <a16:creationId xmlns:a16="http://schemas.microsoft.com/office/drawing/2014/main" id="{9343BC75-F869-27CB-2F53-727A3837F83E}"/>
+                  </a:ext>
+                </a:extLst>
+              </p:cNvPr>
+              <p:cNvSpPr txBox="1"/>
+              <p:nvPr/>
+            </p:nvSpPr>
+            <p:spPr>
+              <a:xfrm>
+                <a:off x="3378556" y="4572306"/>
+                <a:ext cx="637008" cy="369332"/>
+              </a:xfrm>
+              <a:prstGeom prst="rect">
+                <a:avLst/>
+              </a:prstGeom>
+              <a:noFill/>
+            </p:spPr>
+            <p:txBody>
+              <a:bodyPr wrap="square" rtlCol="0">
+                <a:spAutoFit/>
+              </a:bodyPr>
+              <a:lstStyle/>
+              <a:p>
+                <a:pPr/>
+                <a14:m>
+                  <m:oMathPara xmlns:m="http://schemas.openxmlformats.org/officeDocument/2006/math">
+                    <m:oMathParaPr>
+                      <m:jc m:val="centerGroup"/>
+                    </m:oMathParaPr>
+                    <m:oMath xmlns:m="http://schemas.openxmlformats.org/officeDocument/2006/math">
+                      <m:r>
+                        <m:rPr>
+                          <m:sty m:val="p"/>
+                        </m:rPr>
+                        <a:rPr lang="en-US" b="0" i="0" smtClean="0">
+                          <a:latin typeface="Cambria Math" panose="02040503050406030204" pitchFamily="18" charset="0"/>
+                        </a:rPr>
+                        <m:t>Δ</m:t>
+                      </m:r>
+                      <m:sSub>
+                        <m:sSubPr>
+                          <m:ctrlPr>
+                            <a:rPr lang="en-US" b="0" i="1" smtClean="0">
+                              <a:latin typeface="Cambria Math" panose="02040503050406030204" pitchFamily="18" charset="0"/>
+                            </a:rPr>
+                          </m:ctrlPr>
+                        </m:sSubPr>
+                        <m:e>
+                          <m:r>
+                            <a:rPr lang="en-US" b="0" i="1" smtClean="0">
+                              <a:latin typeface="Cambria Math" panose="02040503050406030204" pitchFamily="18" charset="0"/>
+                            </a:rPr>
+                            <m:t>𝑡</m:t>
+                          </m:r>
+                        </m:e>
+                        <m:sub>
+                          <m:r>
+                            <m:rPr>
+                              <m:sty m:val="p"/>
+                            </m:rPr>
+                            <a:rPr lang="en-US" b="0" i="0" smtClean="0">
+                              <a:latin typeface="Cambria Math" panose="02040503050406030204" pitchFamily="18" charset="0"/>
+                            </a:rPr>
+                            <m:t>ad</m:t>
+                          </m:r>
+                        </m:sub>
+                      </m:sSub>
+                    </m:oMath>
+                  </m:oMathPara>
+                </a14:m>
+                <a:endParaRPr lang="en-US" dirty="0">
+                  <a:latin typeface="Consolas" panose="020B0609020204030204" pitchFamily="49" charset="0"/>
+                </a:endParaRPr>
+              </a:p>
+            </p:txBody>
+          </p:sp>
+        </mc:Choice>
+        <mc:Fallback>
+          <p:sp>
+            <p:nvSpPr>
+              <p:cNvPr id="44" name="文本框 20">
+                <a:extLst>
+                  <a:ext uri="{FF2B5EF4-FFF2-40B4-BE49-F238E27FC236}">
+                    <a16:creationId xmlns:a16="http://schemas.microsoft.com/office/drawing/2014/main" id="{9343BC75-F869-27CB-2F53-727A3837F83E}"/>
+                  </a:ext>
+                </a:extLst>
+              </p:cNvPr>
+              <p:cNvSpPr txBox="1">
+                <a:spLocks noRot="1" noChangeAspect="1" noMove="1" noResize="1" noEditPoints="1" noAdjustHandles="1" noChangeArrowheads="1" noChangeShapeType="1" noTextEdit="1"/>
+              </p:cNvSpPr>
+              <p:nvPr/>
+            </p:nvSpPr>
+            <p:spPr>
+              <a:xfrm>
+                <a:off x="3378556" y="4572306"/>
+                <a:ext cx="637008" cy="369332"/>
+              </a:xfrm>
+              <a:prstGeom prst="rect">
+                <a:avLst/>
+              </a:prstGeom>
+              <a:blipFill>
+                <a:blip r:embed="rId10"/>
+                <a:stretch>
+                  <a:fillRect/>
+                </a:stretch>
+              </a:blipFill>
+            </p:spPr>
+            <p:txBody>
+              <a:bodyPr/>
+              <a:lstStyle/>
+              <a:p>
+                <a:r>
+                  <a:rPr lang="en-US">
+                    <a:noFill/>
+                  </a:rPr>
+                  <a:t> </a:t>
+                </a:r>
+              </a:p>
+            </p:txBody>
+          </p:sp>
+        </mc:Fallback>
+      </mc:AlternateContent>
+      <mc:AlternateContent xmlns:mc="http://schemas.openxmlformats.org/markup-compatibility/2006">
+        <mc:Choice xmlns:a14="http://schemas.microsoft.com/office/drawing/2010/main" Requires="a14">
+          <p:sp>
+            <p:nvSpPr>
+              <p:cNvPr id="45" name="文本框 21">
+                <a:extLst>
+                  <a:ext uri="{FF2B5EF4-FFF2-40B4-BE49-F238E27FC236}">
+                    <a16:creationId xmlns:a16="http://schemas.microsoft.com/office/drawing/2014/main" id="{1E55AFB4-40FE-3B37-2C79-09876A088989}"/>
+                  </a:ext>
+                </a:extLst>
+              </p:cNvPr>
+              <p:cNvSpPr txBox="1"/>
+              <p:nvPr/>
+            </p:nvSpPr>
+            <p:spPr>
+              <a:xfrm>
+                <a:off x="6414271" y="4540357"/>
+                <a:ext cx="637008" cy="369332"/>
+              </a:xfrm>
+              <a:prstGeom prst="rect">
+                <a:avLst/>
+              </a:prstGeom>
+              <a:noFill/>
+            </p:spPr>
+            <p:txBody>
+              <a:bodyPr wrap="square" rtlCol="0">
+                <a:spAutoFit/>
+              </a:bodyPr>
+              <a:lstStyle/>
+              <a:p>
+                <a:pPr/>
+                <a14:m>
+                  <m:oMathPara xmlns:m="http://schemas.openxmlformats.org/officeDocument/2006/math">
+                    <m:oMathParaPr>
+                      <m:jc m:val="centerGroup"/>
+                    </m:oMathParaPr>
+                    <m:oMath xmlns:m="http://schemas.openxmlformats.org/officeDocument/2006/math">
+                      <m:r>
+                        <m:rPr>
+                          <m:sty m:val="p"/>
+                        </m:rPr>
+                        <a:rPr lang="en-US" b="0" i="0" smtClean="0">
+                          <a:latin typeface="Cambria Math" panose="02040503050406030204" pitchFamily="18" charset="0"/>
+                        </a:rPr>
+                        <m:t>Δ</m:t>
+                      </m:r>
+                      <m:sSub>
+                        <m:sSubPr>
+                          <m:ctrlPr>
+                            <a:rPr lang="en-US" b="0" i="1" smtClean="0">
+                              <a:latin typeface="Cambria Math" panose="02040503050406030204" pitchFamily="18" charset="0"/>
+                            </a:rPr>
+                          </m:ctrlPr>
+                        </m:sSubPr>
+                        <m:e>
+                          <m:r>
+                            <a:rPr lang="en-US" b="0" i="1" smtClean="0">
+                              <a:latin typeface="Cambria Math" panose="02040503050406030204" pitchFamily="18" charset="0"/>
+                            </a:rPr>
+                            <m:t>𝑡</m:t>
+                          </m:r>
+                        </m:e>
+                        <m:sub>
+                          <m:r>
+                            <m:rPr>
+                              <m:sty m:val="p"/>
+                            </m:rPr>
+                            <a:rPr lang="en-US" b="0" i="0" smtClean="0">
+                              <a:latin typeface="Cambria Math" panose="02040503050406030204" pitchFamily="18" charset="0"/>
+                            </a:rPr>
+                            <m:t>ad</m:t>
+                          </m:r>
+                        </m:sub>
+                      </m:sSub>
+                    </m:oMath>
+                  </m:oMathPara>
+                </a14:m>
+                <a:endParaRPr lang="en-US" dirty="0">
+                  <a:latin typeface="Consolas" panose="020B0609020204030204" pitchFamily="49" charset="0"/>
+                </a:endParaRPr>
+              </a:p>
+            </p:txBody>
+          </p:sp>
+        </mc:Choice>
+        <mc:Fallback>
+          <p:sp>
+            <p:nvSpPr>
+              <p:cNvPr id="45" name="文本框 21">
+                <a:extLst>
+                  <a:ext uri="{FF2B5EF4-FFF2-40B4-BE49-F238E27FC236}">
+                    <a16:creationId xmlns:a16="http://schemas.microsoft.com/office/drawing/2014/main" id="{1E55AFB4-40FE-3B37-2C79-09876A088989}"/>
+                  </a:ext>
+                </a:extLst>
+              </p:cNvPr>
+              <p:cNvSpPr txBox="1">
+                <a:spLocks noRot="1" noChangeAspect="1" noMove="1" noResize="1" noEditPoints="1" noAdjustHandles="1" noChangeArrowheads="1" noChangeShapeType="1" noTextEdit="1"/>
+              </p:cNvSpPr>
+              <p:nvPr/>
+            </p:nvSpPr>
+            <p:spPr>
+              <a:xfrm>
+                <a:off x="6414271" y="4540357"/>
+                <a:ext cx="637008" cy="369332"/>
+              </a:xfrm>
+              <a:prstGeom prst="rect">
+                <a:avLst/>
+              </a:prstGeom>
+              <a:blipFill>
+                <a:blip r:embed="rId11"/>
+                <a:stretch>
+                  <a:fillRect b="-1667"/>
+                </a:stretch>
+              </a:blipFill>
+            </p:spPr>
+            <p:txBody>
+              <a:bodyPr/>
+              <a:lstStyle/>
+              <a:p>
+                <a:r>
+                  <a:rPr lang="en-US">
+                    <a:noFill/>
+                  </a:rPr>
+                  <a:t> </a:t>
+                </a:r>
+              </a:p>
+            </p:txBody>
+          </p:sp>
+        </mc:Fallback>
+      </mc:AlternateContent>
+      <p:cxnSp>
+        <p:nvCxnSpPr>
+          <p:cNvPr id="46" name="直接箭头连接符 22">
+            <a:extLst>
+              <a:ext uri="{FF2B5EF4-FFF2-40B4-BE49-F238E27FC236}">
+                <a16:creationId xmlns:a16="http://schemas.microsoft.com/office/drawing/2014/main" id="{432F8699-033D-D19D-1DE5-F7D7C148BE42}"/>
+              </a:ext>
+            </a:extLst>
+          </p:cNvPr>
+          <p:cNvCxnSpPr>
+            <a:cxnSpLocks/>
+          </p:cNvCxnSpPr>
+          <p:nvPr/>
+        </p:nvCxnSpPr>
+        <p:spPr>
+          <a:xfrm>
+            <a:off x="2516235" y="5113206"/>
+            <a:ext cx="987456" cy="0"/>
+          </a:xfrm>
+          <a:prstGeom prst="straightConnector1">
+            <a:avLst/>
+          </a:prstGeom>
+          <a:ln>
+            <a:tailEnd type="triangle"/>
+          </a:ln>
+        </p:spPr>
+        <p:style>
+          <a:lnRef idx="2">
+            <a:schemeClr val="accent6"/>
+          </a:lnRef>
+          <a:fillRef idx="0">
+            <a:schemeClr val="accent6"/>
+          </a:fillRef>
+          <a:effectRef idx="1">
+            <a:schemeClr val="accent6"/>
+          </a:effectRef>
+          <a:fontRef idx="minor">
+            <a:schemeClr val="tx1"/>
+          </a:fontRef>
+        </p:style>
+      </p:cxnSp>
+      <mc:AlternateContent xmlns:mc="http://schemas.openxmlformats.org/markup-compatibility/2006">
+        <mc:Choice xmlns:a14="http://schemas.microsoft.com/office/drawing/2010/main" Requires="a14">
+          <p:sp>
+            <p:nvSpPr>
+              <p:cNvPr id="47" name="文本框 28">
+                <a:extLst>
+                  <a:ext uri="{FF2B5EF4-FFF2-40B4-BE49-F238E27FC236}">
+                    <a16:creationId xmlns:a16="http://schemas.microsoft.com/office/drawing/2014/main" id="{64CD66C0-378C-2B7D-7753-16A6C10697AF}"/>
+                  </a:ext>
+                </a:extLst>
+              </p:cNvPr>
+              <p:cNvSpPr txBox="1"/>
+              <p:nvPr/>
+            </p:nvSpPr>
+            <p:spPr>
+              <a:xfrm>
+                <a:off x="2654980" y="5074964"/>
+                <a:ext cx="637008" cy="369332"/>
+              </a:xfrm>
+              <a:prstGeom prst="rect">
+                <a:avLst/>
+              </a:prstGeom>
+              <a:noFill/>
+            </p:spPr>
+            <p:txBody>
+              <a:bodyPr wrap="square" rtlCol="0">
+                <a:spAutoFit/>
+              </a:bodyPr>
+              <a:lstStyle/>
+              <a:p>
+                <a:pPr/>
+                <a14:m>
+                  <m:oMathPara xmlns:m="http://schemas.openxmlformats.org/officeDocument/2006/math">
+                    <m:oMathParaPr>
+                      <m:jc m:val="centerGroup"/>
+                    </m:oMathParaPr>
+                    <m:oMath xmlns:m="http://schemas.openxmlformats.org/officeDocument/2006/math">
+                      <m:r>
+                        <m:rPr>
+                          <m:sty m:val="p"/>
+                        </m:rPr>
+                        <a:rPr lang="en-US" b="0" i="0" smtClean="0">
+                          <a:latin typeface="Cambria Math" panose="02040503050406030204" pitchFamily="18" charset="0"/>
+                        </a:rPr>
+                        <m:t>Δ</m:t>
+                      </m:r>
+                      <m:sSub>
+                        <m:sSubPr>
+                          <m:ctrlPr>
+                            <a:rPr lang="en-US" b="0" i="1" smtClean="0">
+                              <a:latin typeface="Cambria Math" panose="02040503050406030204" pitchFamily="18" charset="0"/>
+                            </a:rPr>
+                          </m:ctrlPr>
+                        </m:sSubPr>
+                        <m:e>
+                          <m:r>
+                            <a:rPr lang="en-US" b="0" i="1" smtClean="0">
+                              <a:latin typeface="Cambria Math" panose="02040503050406030204" pitchFamily="18" charset="0"/>
+                            </a:rPr>
+                            <m:t>𝑡</m:t>
+                          </m:r>
+                        </m:e>
+                        <m:sub>
+                          <m:r>
+                            <m:rPr>
+                              <m:sty m:val="p"/>
+                            </m:rPr>
+                            <a:rPr lang="en-US" b="0" i="0" smtClean="0">
+                              <a:latin typeface="Cambria Math" panose="02040503050406030204" pitchFamily="18" charset="0"/>
+                            </a:rPr>
+                            <m:t>ac</m:t>
+                          </m:r>
+                        </m:sub>
+                      </m:sSub>
+                    </m:oMath>
+                  </m:oMathPara>
+                </a14:m>
+                <a:endParaRPr lang="en-US" dirty="0">
+                  <a:latin typeface="Consolas" panose="020B0609020204030204" pitchFamily="49" charset="0"/>
+                </a:endParaRPr>
+              </a:p>
+            </p:txBody>
+          </p:sp>
+        </mc:Choice>
+        <mc:Fallback>
+          <p:sp>
+            <p:nvSpPr>
+              <p:cNvPr id="47" name="文本框 28">
+                <a:extLst>
+                  <a:ext uri="{FF2B5EF4-FFF2-40B4-BE49-F238E27FC236}">
+                    <a16:creationId xmlns:a16="http://schemas.microsoft.com/office/drawing/2014/main" id="{64CD66C0-378C-2B7D-7753-16A6C10697AF}"/>
+                  </a:ext>
+                </a:extLst>
+              </p:cNvPr>
+              <p:cNvSpPr txBox="1">
+                <a:spLocks noRot="1" noChangeAspect="1" noMove="1" noResize="1" noEditPoints="1" noAdjustHandles="1" noChangeArrowheads="1" noChangeShapeType="1" noTextEdit="1"/>
+              </p:cNvSpPr>
+              <p:nvPr/>
+            </p:nvSpPr>
+            <p:spPr>
+              <a:xfrm>
+                <a:off x="2654980" y="5074964"/>
+                <a:ext cx="637008" cy="369332"/>
+              </a:xfrm>
+              <a:prstGeom prst="rect">
+                <a:avLst/>
+              </a:prstGeom>
+              <a:blipFill>
+                <a:blip r:embed="rId12"/>
+                <a:stretch>
+                  <a:fillRect/>
+                </a:stretch>
+              </a:blipFill>
+            </p:spPr>
+            <p:txBody>
+              <a:bodyPr/>
+              <a:lstStyle/>
+              <a:p>
+                <a:r>
+                  <a:rPr lang="en-US">
+                    <a:noFill/>
+                  </a:rPr>
+                  <a:t> </a:t>
+                </a:r>
+              </a:p>
+            </p:txBody>
+          </p:sp>
+        </mc:Fallback>
+      </mc:AlternateContent>
+      <mc:AlternateContent xmlns:mc="http://schemas.openxmlformats.org/markup-compatibility/2006">
+        <mc:Choice xmlns:a14="http://schemas.microsoft.com/office/drawing/2010/main" Requires="a14">
+          <p:sp>
+            <p:nvSpPr>
+              <p:cNvPr id="48" name="文本框 29">
+                <a:extLst>
+                  <a:ext uri="{FF2B5EF4-FFF2-40B4-BE49-F238E27FC236}">
+                    <a16:creationId xmlns:a16="http://schemas.microsoft.com/office/drawing/2014/main" id="{2FBF10AE-6B15-FE26-64F5-6BD7EE67100F}"/>
+                  </a:ext>
+                </a:extLst>
+              </p:cNvPr>
+              <p:cNvSpPr txBox="1"/>
+              <p:nvPr/>
+            </p:nvSpPr>
+            <p:spPr>
+              <a:xfrm>
+                <a:off x="3576991" y="5081311"/>
+                <a:ext cx="637008" cy="369332"/>
+              </a:xfrm>
+              <a:prstGeom prst="rect">
+                <a:avLst/>
+              </a:prstGeom>
+              <a:noFill/>
+            </p:spPr>
+            <p:txBody>
+              <a:bodyPr wrap="square" rtlCol="0">
+                <a:spAutoFit/>
+              </a:bodyPr>
+              <a:lstStyle/>
+              <a:p>
+                <a:pPr/>
+                <a14:m>
+                  <m:oMathPara xmlns:m="http://schemas.openxmlformats.org/officeDocument/2006/math">
+                    <m:oMathParaPr>
+                      <m:jc m:val="centerGroup"/>
+                    </m:oMathParaPr>
+                    <m:oMath xmlns:m="http://schemas.openxmlformats.org/officeDocument/2006/math">
+                      <m:r>
+                        <m:rPr>
+                          <m:sty m:val="p"/>
+                        </m:rPr>
+                        <a:rPr lang="en-US" b="0" i="0" smtClean="0">
+                          <a:latin typeface="Cambria Math" panose="02040503050406030204" pitchFamily="18" charset="0"/>
+                        </a:rPr>
+                        <m:t>Δ</m:t>
+                      </m:r>
+                      <m:sSub>
+                        <m:sSubPr>
+                          <m:ctrlPr>
+                            <a:rPr lang="en-US" b="0" i="1" smtClean="0">
+                              <a:latin typeface="Cambria Math" panose="02040503050406030204" pitchFamily="18" charset="0"/>
+                            </a:rPr>
+                          </m:ctrlPr>
+                        </m:sSubPr>
+                        <m:e>
+                          <m:r>
+                            <a:rPr lang="en-US" b="0" i="1" smtClean="0">
+                              <a:latin typeface="Cambria Math" panose="02040503050406030204" pitchFamily="18" charset="0"/>
+                            </a:rPr>
+                            <m:t>𝑡</m:t>
+                          </m:r>
+                        </m:e>
+                        <m:sub>
+                          <m:r>
+                            <m:rPr>
+                              <m:sty m:val="p"/>
+                            </m:rPr>
+                            <a:rPr lang="en-US" b="0" i="0" smtClean="0">
+                              <a:latin typeface="Cambria Math" panose="02040503050406030204" pitchFamily="18" charset="0"/>
+                            </a:rPr>
+                            <m:t>ac</m:t>
+                          </m:r>
+                        </m:sub>
+                      </m:sSub>
+                    </m:oMath>
+                  </m:oMathPara>
+                </a14:m>
+                <a:endParaRPr lang="en-US" dirty="0">
+                  <a:latin typeface="Consolas" panose="020B0609020204030204" pitchFamily="49" charset="0"/>
+                </a:endParaRPr>
+              </a:p>
+            </p:txBody>
+          </p:sp>
+        </mc:Choice>
+        <mc:Fallback>
+          <p:sp>
+            <p:nvSpPr>
+              <p:cNvPr id="48" name="文本框 29">
+                <a:extLst>
+                  <a:ext uri="{FF2B5EF4-FFF2-40B4-BE49-F238E27FC236}">
+                    <a16:creationId xmlns:a16="http://schemas.microsoft.com/office/drawing/2014/main" id="{2FBF10AE-6B15-FE26-64F5-6BD7EE67100F}"/>
+                  </a:ext>
+                </a:extLst>
+              </p:cNvPr>
+              <p:cNvSpPr txBox="1">
+                <a:spLocks noRot="1" noChangeAspect="1" noMove="1" noResize="1" noEditPoints="1" noAdjustHandles="1" noChangeArrowheads="1" noChangeShapeType="1" noTextEdit="1"/>
+              </p:cNvSpPr>
+              <p:nvPr/>
+            </p:nvSpPr>
+            <p:spPr>
+              <a:xfrm>
+                <a:off x="3576991" y="5081311"/>
+                <a:ext cx="637008" cy="369332"/>
+              </a:xfrm>
+              <a:prstGeom prst="rect">
+                <a:avLst/>
+              </a:prstGeom>
+              <a:blipFill>
+                <a:blip r:embed="rId13"/>
+                <a:stretch>
+                  <a:fillRect/>
+                </a:stretch>
+              </a:blipFill>
+            </p:spPr>
+            <p:txBody>
+              <a:bodyPr/>
+              <a:lstStyle/>
+              <a:p>
+                <a:r>
+                  <a:rPr lang="en-US">
+                    <a:noFill/>
+                  </a:rPr>
+                  <a:t> </a:t>
+                </a:r>
+              </a:p>
+            </p:txBody>
+          </p:sp>
+        </mc:Fallback>
+      </mc:AlternateContent>
+      <mc:AlternateContent xmlns:mc="http://schemas.openxmlformats.org/markup-compatibility/2006">
+        <mc:Choice xmlns:a14="http://schemas.microsoft.com/office/drawing/2010/main" Requires="a14">
+          <p:sp>
+            <p:nvSpPr>
+              <p:cNvPr id="49" name="文本框 30">
+                <a:extLst>
+                  <a:ext uri="{FF2B5EF4-FFF2-40B4-BE49-F238E27FC236}">
+                    <a16:creationId xmlns:a16="http://schemas.microsoft.com/office/drawing/2014/main" id="{E9F279CF-FF2A-9023-6F02-077CE5895C0A}"/>
+                  </a:ext>
+                </a:extLst>
+              </p:cNvPr>
+              <p:cNvSpPr txBox="1"/>
+              <p:nvPr/>
+            </p:nvSpPr>
+            <p:spPr>
+              <a:xfrm>
+                <a:off x="4638523" y="5074964"/>
+                <a:ext cx="637008" cy="369332"/>
+              </a:xfrm>
+              <a:prstGeom prst="rect">
+                <a:avLst/>
+              </a:prstGeom>
+              <a:noFill/>
+            </p:spPr>
+            <p:txBody>
+              <a:bodyPr wrap="square" rtlCol="0">
+                <a:spAutoFit/>
+              </a:bodyPr>
+              <a:lstStyle/>
+              <a:p>
+                <a:pPr/>
+                <a14:m>
+                  <m:oMathPara xmlns:m="http://schemas.openxmlformats.org/officeDocument/2006/math">
+                    <m:oMathParaPr>
+                      <m:jc m:val="centerGroup"/>
+                    </m:oMathParaPr>
+                    <m:oMath xmlns:m="http://schemas.openxmlformats.org/officeDocument/2006/math">
+                      <m:r>
+                        <m:rPr>
+                          <m:sty m:val="p"/>
+                        </m:rPr>
+                        <a:rPr lang="en-US" b="0" i="0" smtClean="0">
+                          <a:latin typeface="Cambria Math" panose="02040503050406030204" pitchFamily="18" charset="0"/>
+                        </a:rPr>
+                        <m:t>Δ</m:t>
+                      </m:r>
+                      <m:sSub>
+                        <m:sSubPr>
+                          <m:ctrlPr>
+                            <a:rPr lang="en-US" b="0" i="1" smtClean="0">
+                              <a:latin typeface="Cambria Math" panose="02040503050406030204" pitchFamily="18" charset="0"/>
+                            </a:rPr>
+                          </m:ctrlPr>
+                        </m:sSubPr>
+                        <m:e>
+                          <m:r>
+                            <a:rPr lang="en-US" b="0" i="1" smtClean="0">
+                              <a:latin typeface="Cambria Math" panose="02040503050406030204" pitchFamily="18" charset="0"/>
+                            </a:rPr>
+                            <m:t>𝑡</m:t>
+                          </m:r>
+                        </m:e>
+                        <m:sub>
+                          <m:r>
+                            <m:rPr>
+                              <m:sty m:val="p"/>
+                            </m:rPr>
+                            <a:rPr lang="en-US" b="0" i="0" smtClean="0">
+                              <a:latin typeface="Cambria Math" panose="02040503050406030204" pitchFamily="18" charset="0"/>
+                            </a:rPr>
+                            <m:t>ac</m:t>
+                          </m:r>
+                        </m:sub>
+                      </m:sSub>
+                    </m:oMath>
+                  </m:oMathPara>
+                </a14:m>
+                <a:endParaRPr lang="en-US" dirty="0">
+                  <a:latin typeface="Consolas" panose="020B0609020204030204" pitchFamily="49" charset="0"/>
+                </a:endParaRPr>
+              </a:p>
+            </p:txBody>
+          </p:sp>
+        </mc:Choice>
+        <mc:Fallback>
+          <p:sp>
+            <p:nvSpPr>
+              <p:cNvPr id="49" name="文本框 30">
+                <a:extLst>
+                  <a:ext uri="{FF2B5EF4-FFF2-40B4-BE49-F238E27FC236}">
+                    <a16:creationId xmlns:a16="http://schemas.microsoft.com/office/drawing/2014/main" id="{E9F279CF-FF2A-9023-6F02-077CE5895C0A}"/>
+                  </a:ext>
+                </a:extLst>
+              </p:cNvPr>
+              <p:cNvSpPr txBox="1">
+                <a:spLocks noRot="1" noChangeAspect="1" noMove="1" noResize="1" noEditPoints="1" noAdjustHandles="1" noChangeArrowheads="1" noChangeShapeType="1" noTextEdit="1"/>
+              </p:cNvSpPr>
+              <p:nvPr/>
+            </p:nvSpPr>
+            <p:spPr>
+              <a:xfrm>
+                <a:off x="4638523" y="5074964"/>
+                <a:ext cx="637008" cy="369332"/>
+              </a:xfrm>
+              <a:prstGeom prst="rect">
+                <a:avLst/>
+              </a:prstGeom>
+              <a:blipFill>
+                <a:blip r:embed="rId14"/>
+                <a:stretch>
+                  <a:fillRect/>
+                </a:stretch>
+              </a:blipFill>
+            </p:spPr>
+            <p:txBody>
+              <a:bodyPr/>
+              <a:lstStyle/>
+              <a:p>
+                <a:r>
+                  <a:rPr lang="en-US">
+                    <a:noFill/>
+                  </a:rPr>
+                  <a:t> </a:t>
+                </a:r>
+              </a:p>
+            </p:txBody>
+          </p:sp>
+        </mc:Fallback>
+      </mc:AlternateContent>
+      <mc:AlternateContent xmlns:mc="http://schemas.openxmlformats.org/markup-compatibility/2006">
+        <mc:Choice xmlns:a14="http://schemas.microsoft.com/office/drawing/2010/main" Requires="a14">
+          <p:sp>
+            <p:nvSpPr>
+              <p:cNvPr id="50" name="文本框 31">
+                <a:extLst>
+                  <a:ext uri="{FF2B5EF4-FFF2-40B4-BE49-F238E27FC236}">
+                    <a16:creationId xmlns:a16="http://schemas.microsoft.com/office/drawing/2014/main" id="{8196FC56-3418-3655-A8B9-DA4FBC66A6CA}"/>
+                  </a:ext>
+                </a:extLst>
+              </p:cNvPr>
+              <p:cNvSpPr txBox="1"/>
+              <p:nvPr/>
+            </p:nvSpPr>
+            <p:spPr>
+              <a:xfrm>
+                <a:off x="8277925" y="4716971"/>
+                <a:ext cx="1609102" cy="369332"/>
+              </a:xfrm>
+              <a:prstGeom prst="rect">
+                <a:avLst/>
+              </a:prstGeom>
+              <a:noFill/>
+            </p:spPr>
+            <p:txBody>
+              <a:bodyPr wrap="square" rtlCol="0">
+                <a:spAutoFit/>
+              </a:bodyPr>
+              <a:lstStyle/>
+              <a:p>
+                <a14:m>
+                  <m:oMathPara xmlns:m="http://schemas.openxmlformats.org/officeDocument/2006/math">
+                    <m:oMathParaPr>
+                      <m:jc m:val="centerGroup"/>
+                    </m:oMathParaPr>
+                    <m:oMath xmlns:m="http://schemas.openxmlformats.org/officeDocument/2006/math">
+                      <m:r>
+                        <m:rPr>
+                          <m:sty m:val="p"/>
+                        </m:rPr>
+                        <a:rPr lang="en-US" smtClean="0">
+                          <a:latin typeface="Cambria Math" panose="02040503050406030204" pitchFamily="18" charset="0"/>
+                        </a:rPr>
+                        <m:t>Δ</m:t>
+                      </m:r>
+                      <m:sSub>
+                        <m:sSubPr>
+                          <m:ctrlPr>
+                            <a:rPr lang="en-US" i="1">
+                              <a:latin typeface="Cambria Math" panose="02040503050406030204" pitchFamily="18" charset="0"/>
+                            </a:rPr>
+                          </m:ctrlPr>
+                        </m:sSubPr>
+                        <m:e>
+                          <m:r>
+                            <a:rPr lang="en-US" i="1">
+                              <a:latin typeface="Cambria Math" panose="02040503050406030204" pitchFamily="18" charset="0"/>
+                            </a:rPr>
+                            <m:t>𝑡</m:t>
+                          </m:r>
+                        </m:e>
+                        <m:sub>
+                          <m:r>
+                            <m:rPr>
+                              <m:sty m:val="p"/>
+                            </m:rPr>
+                            <a:rPr lang="en-US">
+                              <a:latin typeface="Cambria Math" panose="02040503050406030204" pitchFamily="18" charset="0"/>
+                            </a:rPr>
+                            <m:t>ad</m:t>
+                          </m:r>
+                        </m:sub>
+                      </m:sSub>
+                      <m:r>
+                        <a:rPr lang="en-US" b="0" i="0" smtClean="0">
+                          <a:latin typeface="Cambria Math" panose="02040503050406030204" pitchFamily="18" charset="0"/>
+                        </a:rPr>
+                        <m:t>−</m:t>
+                      </m:r>
+                      <m:r>
+                        <m:rPr>
+                          <m:sty m:val="p"/>
+                        </m:rPr>
+                        <a:rPr lang="en-US" b="0" i="0" smtClean="0">
+                          <a:latin typeface="Cambria Math" panose="02040503050406030204" pitchFamily="18" charset="0"/>
+                        </a:rPr>
+                        <m:t>Δ</m:t>
+                      </m:r>
+                      <m:sSub>
+                        <m:sSubPr>
+                          <m:ctrlPr>
+                            <a:rPr lang="en-US" b="0" i="1" smtClean="0">
+                              <a:latin typeface="Cambria Math" panose="02040503050406030204" pitchFamily="18" charset="0"/>
+                            </a:rPr>
+                          </m:ctrlPr>
+                        </m:sSubPr>
+                        <m:e>
+                          <m:r>
+                            <a:rPr lang="en-US" b="0" i="1" smtClean="0">
+                              <a:latin typeface="Cambria Math" panose="02040503050406030204" pitchFamily="18" charset="0"/>
+                            </a:rPr>
+                            <m:t>𝑡</m:t>
+                          </m:r>
+                        </m:e>
+                        <m:sub>
+                          <m:r>
+                            <m:rPr>
+                              <m:sty m:val="p"/>
+                            </m:rPr>
+                            <a:rPr lang="en-US" altLang="zh-CN" i="1">
+                              <a:latin typeface="Cambria Math" panose="02040503050406030204" pitchFamily="18" charset="0"/>
+                            </a:rPr>
+                            <m:t>rel</m:t>
+                          </m:r>
+                          <m:r>
+                            <m:rPr>
+                              <m:sty m:val="p"/>
+                            </m:rPr>
+                            <a:rPr lang="en-US" altLang="zh-CN" b="0" i="0" smtClean="0">
+                              <a:latin typeface="Cambria Math" panose="02040503050406030204" pitchFamily="18" charset="0"/>
+                            </a:rPr>
+                            <m:t>ax</m:t>
+                          </m:r>
+                        </m:sub>
+                      </m:sSub>
+                    </m:oMath>
+                  </m:oMathPara>
+                </a14:m>
+                <a:endParaRPr lang="en-US" dirty="0">
+                  <a:latin typeface="Consolas" panose="020B0609020204030204" pitchFamily="49" charset="0"/>
+                </a:endParaRPr>
+              </a:p>
+            </p:txBody>
+          </p:sp>
+        </mc:Choice>
+        <mc:Fallback>
+          <p:sp>
+            <p:nvSpPr>
+              <p:cNvPr id="50" name="文本框 31">
+                <a:extLst>
+                  <a:ext uri="{FF2B5EF4-FFF2-40B4-BE49-F238E27FC236}">
+                    <a16:creationId xmlns:a16="http://schemas.microsoft.com/office/drawing/2014/main" id="{8196FC56-3418-3655-A8B9-DA4FBC66A6CA}"/>
+                  </a:ext>
+                </a:extLst>
+              </p:cNvPr>
+              <p:cNvSpPr txBox="1">
+                <a:spLocks noRot="1" noChangeAspect="1" noMove="1" noResize="1" noEditPoints="1" noAdjustHandles="1" noChangeArrowheads="1" noChangeShapeType="1" noTextEdit="1"/>
+              </p:cNvSpPr>
+              <p:nvPr/>
+            </p:nvSpPr>
+            <p:spPr>
+              <a:xfrm>
+                <a:off x="8277925" y="4716971"/>
+                <a:ext cx="1609102" cy="369332"/>
+              </a:xfrm>
+              <a:prstGeom prst="rect">
+                <a:avLst/>
+              </a:prstGeom>
+              <a:blipFill>
+                <a:blip r:embed="rId15"/>
+                <a:stretch>
+                  <a:fillRect b="-1667"/>
+                </a:stretch>
+              </a:blipFill>
+            </p:spPr>
+            <p:txBody>
+              <a:bodyPr/>
+              <a:lstStyle/>
+              <a:p>
+                <a:r>
+                  <a:rPr lang="en-US">
+                    <a:noFill/>
+                  </a:rPr>
+                  <a:t> </a:t>
+                </a:r>
+              </a:p>
+            </p:txBody>
+          </p:sp>
+        </mc:Fallback>
+      </mc:AlternateContent>
+      <p:cxnSp>
+        <p:nvCxnSpPr>
+          <p:cNvPr id="51" name="直接箭头连接符 12">
+            <a:extLst>
+              <a:ext uri="{FF2B5EF4-FFF2-40B4-BE49-F238E27FC236}">
+                <a16:creationId xmlns:a16="http://schemas.microsoft.com/office/drawing/2014/main" id="{745AB0A7-7E60-62CF-910F-25DA368025B8}"/>
+              </a:ext>
+            </a:extLst>
+          </p:cNvPr>
+          <p:cNvCxnSpPr>
+            <a:cxnSpLocks/>
+          </p:cNvCxnSpPr>
+          <p:nvPr/>
+        </p:nvCxnSpPr>
+        <p:spPr>
+          <a:xfrm flipV="1">
+            <a:off x="5478603" y="4560967"/>
+            <a:ext cx="2381387" cy="11339"/>
+          </a:xfrm>
+          <a:prstGeom prst="straightConnector1">
+            <a:avLst/>
+          </a:prstGeom>
+          <a:ln>
+            <a:tailEnd type="triangle"/>
+          </a:ln>
+        </p:spPr>
+        <p:style>
+          <a:lnRef idx="2">
+            <a:schemeClr val="dk1"/>
+          </a:lnRef>
+          <a:fillRef idx="0">
+            <a:schemeClr val="dk1"/>
+          </a:fillRef>
+          <a:effectRef idx="1">
+            <a:schemeClr val="dk1"/>
+          </a:effectRef>
+          <a:fontRef idx="minor">
+            <a:schemeClr val="tx1"/>
+          </a:fontRef>
+        </p:style>
+      </p:cxnSp>
+      <p:cxnSp>
+        <p:nvCxnSpPr>
+          <p:cNvPr id="52" name="直接箭头连接符 22">
+            <a:extLst>
+              <a:ext uri="{FF2B5EF4-FFF2-40B4-BE49-F238E27FC236}">
+                <a16:creationId xmlns:a16="http://schemas.microsoft.com/office/drawing/2014/main" id="{316D900D-3722-24CC-1A58-CE92E029B78E}"/>
+              </a:ext>
+            </a:extLst>
+          </p:cNvPr>
+          <p:cNvCxnSpPr>
+            <a:cxnSpLocks/>
+          </p:cNvCxnSpPr>
+          <p:nvPr/>
+        </p:nvCxnSpPr>
+        <p:spPr>
+          <a:xfrm>
+            <a:off x="3503691" y="5113206"/>
+            <a:ext cx="987456" cy="0"/>
+          </a:xfrm>
+          <a:prstGeom prst="straightConnector1">
+            <a:avLst/>
+          </a:prstGeom>
+          <a:ln>
+            <a:tailEnd type="triangle"/>
+          </a:ln>
+        </p:spPr>
+        <p:style>
+          <a:lnRef idx="2">
+            <a:schemeClr val="accent6"/>
+          </a:lnRef>
+          <a:fillRef idx="0">
+            <a:schemeClr val="accent6"/>
+          </a:fillRef>
+          <a:effectRef idx="1">
+            <a:schemeClr val="accent6"/>
+          </a:effectRef>
+          <a:fontRef idx="minor">
+            <a:schemeClr val="tx1"/>
+          </a:fontRef>
+        </p:style>
+      </p:cxnSp>
+      <p:cxnSp>
+        <p:nvCxnSpPr>
+          <p:cNvPr id="53" name="直接箭头连接符 22">
+            <a:extLst>
+              <a:ext uri="{FF2B5EF4-FFF2-40B4-BE49-F238E27FC236}">
+                <a16:creationId xmlns:a16="http://schemas.microsoft.com/office/drawing/2014/main" id="{BF20D55F-0D94-E8FA-A0C9-69D37CB1D0D8}"/>
+              </a:ext>
+            </a:extLst>
+          </p:cNvPr>
+          <p:cNvCxnSpPr>
+            <a:cxnSpLocks/>
+          </p:cNvCxnSpPr>
+          <p:nvPr/>
+        </p:nvCxnSpPr>
+        <p:spPr>
+          <a:xfrm>
+            <a:off x="4491147" y="5113206"/>
+            <a:ext cx="987456" cy="0"/>
+          </a:xfrm>
+          <a:prstGeom prst="straightConnector1">
+            <a:avLst/>
+          </a:prstGeom>
+          <a:ln>
+            <a:tailEnd type="triangle"/>
+          </a:ln>
+        </p:spPr>
+        <p:style>
+          <a:lnRef idx="2">
+            <a:schemeClr val="accent6"/>
+          </a:lnRef>
+          <a:fillRef idx="0">
+            <a:schemeClr val="accent6"/>
+          </a:fillRef>
+          <a:effectRef idx="1">
+            <a:schemeClr val="accent6"/>
+          </a:effectRef>
+          <a:fontRef idx="minor">
+            <a:schemeClr val="tx1"/>
+          </a:fontRef>
+        </p:style>
+      </p:cxnSp>
+      <p:cxnSp>
+        <p:nvCxnSpPr>
+          <p:cNvPr id="54" name="直接箭头连接符 22">
+            <a:extLst>
+              <a:ext uri="{FF2B5EF4-FFF2-40B4-BE49-F238E27FC236}">
+                <a16:creationId xmlns:a16="http://schemas.microsoft.com/office/drawing/2014/main" id="{B7B350CA-9695-2BBD-1B3C-6045C8E76BCB}"/>
+              </a:ext>
+            </a:extLst>
+          </p:cNvPr>
+          <p:cNvCxnSpPr>
+            <a:cxnSpLocks/>
+          </p:cNvCxnSpPr>
+          <p:nvPr/>
+        </p:nvCxnSpPr>
+        <p:spPr>
+          <a:xfrm>
+            <a:off x="5478603" y="5113206"/>
+            <a:ext cx="987456" cy="0"/>
+          </a:xfrm>
+          <a:prstGeom prst="straightConnector1">
+            <a:avLst/>
+          </a:prstGeom>
+          <a:ln>
+            <a:tailEnd type="triangle"/>
+          </a:ln>
+        </p:spPr>
+        <p:style>
+          <a:lnRef idx="2">
+            <a:schemeClr val="accent6"/>
+          </a:lnRef>
+          <a:fillRef idx="0">
+            <a:schemeClr val="accent6"/>
+          </a:fillRef>
+          <a:effectRef idx="1">
+            <a:schemeClr val="accent6"/>
+          </a:effectRef>
+          <a:fontRef idx="minor">
+            <a:schemeClr val="tx1"/>
+          </a:fontRef>
+        </p:style>
+      </p:cxnSp>
+      <p:cxnSp>
+        <p:nvCxnSpPr>
+          <p:cNvPr id="55" name="直接箭头连接符 22">
+            <a:extLst>
+              <a:ext uri="{FF2B5EF4-FFF2-40B4-BE49-F238E27FC236}">
+                <a16:creationId xmlns:a16="http://schemas.microsoft.com/office/drawing/2014/main" id="{92750114-9C42-2B31-DC52-A197D35701B4}"/>
+              </a:ext>
+            </a:extLst>
+          </p:cNvPr>
+          <p:cNvCxnSpPr>
+            <a:cxnSpLocks/>
+          </p:cNvCxnSpPr>
+          <p:nvPr/>
+        </p:nvCxnSpPr>
+        <p:spPr>
+          <a:xfrm>
+            <a:off x="6419775" y="5113206"/>
+            <a:ext cx="987456" cy="0"/>
+          </a:xfrm>
+          <a:prstGeom prst="straightConnector1">
+            <a:avLst/>
+          </a:prstGeom>
+          <a:ln>
+            <a:tailEnd type="triangle"/>
+          </a:ln>
+        </p:spPr>
+        <p:style>
+          <a:lnRef idx="2">
+            <a:schemeClr val="accent6"/>
+          </a:lnRef>
+          <a:fillRef idx="0">
+            <a:schemeClr val="accent6"/>
+          </a:fillRef>
+          <a:effectRef idx="1">
+            <a:schemeClr val="accent6"/>
+          </a:effectRef>
+          <a:fontRef idx="minor">
+            <a:schemeClr val="tx1"/>
+          </a:fontRef>
+        </p:style>
+      </p:cxnSp>
+      <p:cxnSp>
+        <p:nvCxnSpPr>
+          <p:cNvPr id="56" name="直接箭头连接符 22">
+            <a:extLst>
+              <a:ext uri="{FF2B5EF4-FFF2-40B4-BE49-F238E27FC236}">
+                <a16:creationId xmlns:a16="http://schemas.microsoft.com/office/drawing/2014/main" id="{C65E0698-2C2F-2A7E-518E-E99AA17DD140}"/>
+              </a:ext>
+            </a:extLst>
+          </p:cNvPr>
+          <p:cNvCxnSpPr>
+            <a:cxnSpLocks/>
+          </p:cNvCxnSpPr>
+          <p:nvPr/>
+        </p:nvCxnSpPr>
+        <p:spPr>
+          <a:xfrm>
+            <a:off x="7407231" y="5113206"/>
+            <a:ext cx="452759" cy="0"/>
+          </a:xfrm>
+          <a:prstGeom prst="straightConnector1">
+            <a:avLst/>
+          </a:prstGeom>
+          <a:ln>
+            <a:tailEnd type="triangle"/>
+          </a:ln>
+        </p:spPr>
+        <p:style>
+          <a:lnRef idx="2">
+            <a:schemeClr val="accent6"/>
+          </a:lnRef>
+          <a:fillRef idx="0">
+            <a:schemeClr val="accent6"/>
+          </a:fillRef>
+          <a:effectRef idx="1">
+            <a:schemeClr val="accent6"/>
+          </a:effectRef>
+          <a:fontRef idx="minor">
+            <a:schemeClr val="tx1"/>
+          </a:fontRef>
+        </p:style>
+      </p:cxnSp>
+      <p:cxnSp>
+        <p:nvCxnSpPr>
+          <p:cNvPr id="57" name="Straight Connector 56">
+            <a:extLst>
+              <a:ext uri="{FF2B5EF4-FFF2-40B4-BE49-F238E27FC236}">
+                <a16:creationId xmlns:a16="http://schemas.microsoft.com/office/drawing/2014/main" id="{0B3DAF8E-0525-9605-1AED-410FAB16671E}"/>
+              </a:ext>
+            </a:extLst>
+          </p:cNvPr>
+          <p:cNvCxnSpPr/>
+          <p:nvPr/>
+        </p:nvCxnSpPr>
+        <p:spPr>
+          <a:xfrm>
+            <a:off x="8139879" y="3623932"/>
+            <a:ext cx="0" cy="1711284"/>
+          </a:xfrm>
+          <a:prstGeom prst="line">
+            <a:avLst/>
+          </a:prstGeom>
+          <a:ln>
+            <a:solidFill>
+              <a:schemeClr val="tx1"/>
+            </a:solidFill>
+            <a:prstDash val="dash"/>
+          </a:ln>
+        </p:spPr>
+        <p:style>
+          <a:lnRef idx="2">
+            <a:schemeClr val="accent1"/>
+          </a:lnRef>
+          <a:fillRef idx="0">
+            <a:schemeClr val="accent1"/>
+          </a:fillRef>
+          <a:effectRef idx="1">
+            <a:schemeClr val="accent1"/>
+          </a:effectRef>
+          <a:fontRef idx="minor">
+            <a:schemeClr val="tx1"/>
+          </a:fontRef>
+        </p:style>
+      </p:cxnSp>
+      <mc:AlternateContent xmlns:mc="http://schemas.openxmlformats.org/markup-compatibility/2006">
+        <mc:Choice xmlns:a14="http://schemas.microsoft.com/office/drawing/2010/main" Requires="a14">
+          <p:sp>
+            <p:nvSpPr>
+              <p:cNvPr id="58" name="文本框 30">
+                <a:extLst>
+                  <a:ext uri="{FF2B5EF4-FFF2-40B4-BE49-F238E27FC236}">
+                    <a16:creationId xmlns:a16="http://schemas.microsoft.com/office/drawing/2014/main" id="{47AD9DD3-726D-53A2-3693-68FE0C7BF111}"/>
+                  </a:ext>
+                </a:extLst>
+              </p:cNvPr>
+              <p:cNvSpPr txBox="1"/>
+              <p:nvPr/>
+            </p:nvSpPr>
+            <p:spPr>
+              <a:xfrm>
+                <a:off x="5625462" y="5086303"/>
+                <a:ext cx="637008" cy="369332"/>
+              </a:xfrm>
+              <a:prstGeom prst="rect">
+                <a:avLst/>
+              </a:prstGeom>
+              <a:noFill/>
+            </p:spPr>
+            <p:txBody>
+              <a:bodyPr wrap="square" rtlCol="0">
+                <a:spAutoFit/>
+              </a:bodyPr>
+              <a:lstStyle/>
+              <a:p>
+                <a:pPr/>
+                <a14:m>
+                  <m:oMathPara xmlns:m="http://schemas.openxmlformats.org/officeDocument/2006/math">
+                    <m:oMathParaPr>
+                      <m:jc m:val="centerGroup"/>
+                    </m:oMathParaPr>
+                    <m:oMath xmlns:m="http://schemas.openxmlformats.org/officeDocument/2006/math">
+                      <m:r>
+                        <m:rPr>
+                          <m:sty m:val="p"/>
+                        </m:rPr>
+                        <a:rPr lang="en-US" b="0" i="0" smtClean="0">
+                          <a:latin typeface="Cambria Math" panose="02040503050406030204" pitchFamily="18" charset="0"/>
+                        </a:rPr>
+                        <m:t>Δ</m:t>
+                      </m:r>
+                      <m:sSub>
+                        <m:sSubPr>
+                          <m:ctrlPr>
+                            <a:rPr lang="en-US" b="0" i="1" smtClean="0">
+                              <a:latin typeface="Cambria Math" panose="02040503050406030204" pitchFamily="18" charset="0"/>
+                            </a:rPr>
+                          </m:ctrlPr>
+                        </m:sSubPr>
+                        <m:e>
+                          <m:r>
+                            <a:rPr lang="en-US" b="0" i="1" smtClean="0">
+                              <a:latin typeface="Cambria Math" panose="02040503050406030204" pitchFamily="18" charset="0"/>
+                            </a:rPr>
+                            <m:t>𝑡</m:t>
+                          </m:r>
+                        </m:e>
+                        <m:sub>
+                          <m:r>
+                            <m:rPr>
+                              <m:sty m:val="p"/>
+                            </m:rPr>
+                            <a:rPr lang="en-US" b="0" i="0" smtClean="0">
+                              <a:latin typeface="Cambria Math" panose="02040503050406030204" pitchFamily="18" charset="0"/>
+                            </a:rPr>
+                            <m:t>ac</m:t>
+                          </m:r>
+                        </m:sub>
+                      </m:sSub>
+                    </m:oMath>
+                  </m:oMathPara>
+                </a14:m>
+                <a:endParaRPr lang="en-US" dirty="0">
+                  <a:latin typeface="Consolas" panose="020B0609020204030204" pitchFamily="49" charset="0"/>
+                </a:endParaRPr>
+              </a:p>
+            </p:txBody>
+          </p:sp>
+        </mc:Choice>
+        <mc:Fallback>
+          <p:sp>
+            <p:nvSpPr>
+              <p:cNvPr id="58" name="文本框 30">
+                <a:extLst>
+                  <a:ext uri="{FF2B5EF4-FFF2-40B4-BE49-F238E27FC236}">
+                    <a16:creationId xmlns:a16="http://schemas.microsoft.com/office/drawing/2014/main" id="{47AD9DD3-726D-53A2-3693-68FE0C7BF111}"/>
+                  </a:ext>
+                </a:extLst>
+              </p:cNvPr>
+              <p:cNvSpPr txBox="1">
+                <a:spLocks noRot="1" noChangeAspect="1" noMove="1" noResize="1" noEditPoints="1" noAdjustHandles="1" noChangeArrowheads="1" noChangeShapeType="1" noTextEdit="1"/>
+              </p:cNvSpPr>
+              <p:nvPr/>
+            </p:nvSpPr>
+            <p:spPr>
+              <a:xfrm>
+                <a:off x="5625462" y="5086303"/>
+                <a:ext cx="637008" cy="369332"/>
+              </a:xfrm>
+              <a:prstGeom prst="rect">
+                <a:avLst/>
+              </a:prstGeom>
+              <a:blipFill>
+                <a:blip r:embed="rId16"/>
+                <a:stretch>
+                  <a:fillRect/>
+                </a:stretch>
+              </a:blipFill>
+            </p:spPr>
+            <p:txBody>
+              <a:bodyPr/>
+              <a:lstStyle/>
+              <a:p>
+                <a:r>
+                  <a:rPr lang="en-US">
+                    <a:noFill/>
+                  </a:rPr>
+                  <a:t> </a:t>
+                </a:r>
+              </a:p>
+            </p:txBody>
+          </p:sp>
+        </mc:Fallback>
+      </mc:AlternateContent>
+      <mc:AlternateContent xmlns:mc="http://schemas.openxmlformats.org/markup-compatibility/2006">
+        <mc:Choice xmlns:a14="http://schemas.microsoft.com/office/drawing/2010/main" Requires="a14">
+          <p:sp>
+            <p:nvSpPr>
+              <p:cNvPr id="59" name="文本框 30">
+                <a:extLst>
+                  <a:ext uri="{FF2B5EF4-FFF2-40B4-BE49-F238E27FC236}">
+                    <a16:creationId xmlns:a16="http://schemas.microsoft.com/office/drawing/2014/main" id="{DD374E48-388F-7AF7-259C-1EC5C2E47E78}"/>
+                  </a:ext>
+                </a:extLst>
+              </p:cNvPr>
+              <p:cNvSpPr txBox="1"/>
+              <p:nvPr/>
+            </p:nvSpPr>
+            <p:spPr>
+              <a:xfrm>
+                <a:off x="6628037" y="5074964"/>
+                <a:ext cx="637008" cy="369332"/>
+              </a:xfrm>
+              <a:prstGeom prst="rect">
+                <a:avLst/>
+              </a:prstGeom>
+              <a:noFill/>
+            </p:spPr>
+            <p:txBody>
+              <a:bodyPr wrap="square" rtlCol="0">
+                <a:spAutoFit/>
+              </a:bodyPr>
+              <a:lstStyle/>
+              <a:p>
+                <a:pPr/>
+                <a14:m>
+                  <m:oMathPara xmlns:m="http://schemas.openxmlformats.org/officeDocument/2006/math">
+                    <m:oMathParaPr>
+                      <m:jc m:val="centerGroup"/>
+                    </m:oMathParaPr>
+                    <m:oMath xmlns:m="http://schemas.openxmlformats.org/officeDocument/2006/math">
+                      <m:r>
+                        <m:rPr>
+                          <m:sty m:val="p"/>
+                        </m:rPr>
+                        <a:rPr lang="en-US" b="0" i="0" smtClean="0">
+                          <a:latin typeface="Cambria Math" panose="02040503050406030204" pitchFamily="18" charset="0"/>
+                        </a:rPr>
+                        <m:t>Δ</m:t>
+                      </m:r>
+                      <m:sSub>
+                        <m:sSubPr>
+                          <m:ctrlPr>
+                            <a:rPr lang="en-US" b="0" i="1" smtClean="0">
+                              <a:latin typeface="Cambria Math" panose="02040503050406030204" pitchFamily="18" charset="0"/>
+                            </a:rPr>
+                          </m:ctrlPr>
+                        </m:sSubPr>
+                        <m:e>
+                          <m:r>
+                            <a:rPr lang="en-US" b="0" i="1" smtClean="0">
+                              <a:latin typeface="Cambria Math" panose="02040503050406030204" pitchFamily="18" charset="0"/>
+                            </a:rPr>
+                            <m:t>𝑡</m:t>
+                          </m:r>
+                        </m:e>
+                        <m:sub>
+                          <m:r>
+                            <m:rPr>
+                              <m:sty m:val="p"/>
+                            </m:rPr>
+                            <a:rPr lang="en-US" b="0" i="0" smtClean="0">
+                              <a:latin typeface="Cambria Math" panose="02040503050406030204" pitchFamily="18" charset="0"/>
+                            </a:rPr>
+                            <m:t>ac</m:t>
+                          </m:r>
+                        </m:sub>
+                      </m:sSub>
+                    </m:oMath>
+                  </m:oMathPara>
+                </a14:m>
+                <a:endParaRPr lang="en-US" dirty="0">
+                  <a:latin typeface="Consolas" panose="020B0609020204030204" pitchFamily="49" charset="0"/>
+                </a:endParaRPr>
+              </a:p>
+            </p:txBody>
+          </p:sp>
+        </mc:Choice>
+        <mc:Fallback>
+          <p:sp>
+            <p:nvSpPr>
+              <p:cNvPr id="59" name="文本框 30">
+                <a:extLst>
+                  <a:ext uri="{FF2B5EF4-FFF2-40B4-BE49-F238E27FC236}">
+                    <a16:creationId xmlns:a16="http://schemas.microsoft.com/office/drawing/2014/main" id="{DD374E48-388F-7AF7-259C-1EC5C2E47E78}"/>
+                  </a:ext>
+                </a:extLst>
+              </p:cNvPr>
+              <p:cNvSpPr txBox="1">
+                <a:spLocks noRot="1" noChangeAspect="1" noMove="1" noResize="1" noEditPoints="1" noAdjustHandles="1" noChangeArrowheads="1" noChangeShapeType="1" noTextEdit="1"/>
+              </p:cNvSpPr>
+              <p:nvPr/>
+            </p:nvSpPr>
+            <p:spPr>
+              <a:xfrm>
+                <a:off x="6628037" y="5074964"/>
+                <a:ext cx="637008" cy="369332"/>
+              </a:xfrm>
+              <a:prstGeom prst="rect">
+                <a:avLst/>
+              </a:prstGeom>
+              <a:blipFill>
+                <a:blip r:embed="rId17"/>
+                <a:stretch>
+                  <a:fillRect/>
+                </a:stretch>
+              </a:blipFill>
+            </p:spPr>
+            <p:txBody>
+              <a:bodyPr/>
+              <a:lstStyle/>
+              <a:p>
+                <a:r>
+                  <a:rPr lang="en-US">
+                    <a:noFill/>
+                  </a:rPr>
+                  <a:t> </a:t>
+                </a:r>
+              </a:p>
+            </p:txBody>
+          </p:sp>
+        </mc:Fallback>
+      </mc:AlternateContent>
+      <p:cxnSp>
+        <p:nvCxnSpPr>
+          <p:cNvPr id="62" name="直接箭头连接符 12">
+            <a:extLst>
+              <a:ext uri="{FF2B5EF4-FFF2-40B4-BE49-F238E27FC236}">
+                <a16:creationId xmlns:a16="http://schemas.microsoft.com/office/drawing/2014/main" id="{A757DB62-4FF8-33DC-759D-5337CB2ADEB6}"/>
+              </a:ext>
+            </a:extLst>
+          </p:cNvPr>
+          <p:cNvCxnSpPr>
+            <a:cxnSpLocks/>
+          </p:cNvCxnSpPr>
+          <p:nvPr/>
+        </p:nvCxnSpPr>
+        <p:spPr>
+          <a:xfrm>
+            <a:off x="7859990" y="4562496"/>
+            <a:ext cx="279889" cy="4140"/>
+          </a:xfrm>
+          <a:prstGeom prst="straightConnector1">
+            <a:avLst/>
+          </a:prstGeom>
+          <a:ln>
+            <a:tailEnd type="triangle"/>
+          </a:ln>
+        </p:spPr>
+        <p:style>
+          <a:lnRef idx="2">
+            <a:schemeClr val="dk1"/>
+          </a:lnRef>
+          <a:fillRef idx="0">
+            <a:schemeClr val="dk1"/>
+          </a:fillRef>
+          <a:effectRef idx="1">
+            <a:schemeClr val="dk1"/>
+          </a:effectRef>
+          <a:fontRef idx="minor">
+            <a:schemeClr val="tx1"/>
+          </a:fontRef>
+        </p:style>
+      </p:cxnSp>
+      <p:cxnSp>
+        <p:nvCxnSpPr>
+          <p:cNvPr id="64" name="直接箭头连接符 22">
+            <a:extLst>
+              <a:ext uri="{FF2B5EF4-FFF2-40B4-BE49-F238E27FC236}">
+                <a16:creationId xmlns:a16="http://schemas.microsoft.com/office/drawing/2014/main" id="{0055E658-99F9-7563-A112-6ED3C605FDE5}"/>
+              </a:ext>
+            </a:extLst>
+          </p:cNvPr>
+          <p:cNvCxnSpPr>
+            <a:cxnSpLocks/>
+          </p:cNvCxnSpPr>
+          <p:nvPr/>
+        </p:nvCxnSpPr>
+        <p:spPr>
+          <a:xfrm>
+            <a:off x="7859990" y="5113206"/>
+            <a:ext cx="279889" cy="0"/>
+          </a:xfrm>
+          <a:prstGeom prst="straightConnector1">
+            <a:avLst/>
+          </a:prstGeom>
+          <a:ln>
+            <a:tailEnd type="triangle"/>
+          </a:ln>
+        </p:spPr>
+        <p:style>
+          <a:lnRef idx="2">
+            <a:schemeClr val="accent6"/>
+          </a:lnRef>
+          <a:fillRef idx="0">
+            <a:schemeClr val="accent6"/>
+          </a:fillRef>
+          <a:effectRef idx="1">
+            <a:schemeClr val="accent6"/>
+          </a:effectRef>
+          <a:fontRef idx="minor">
+            <a:schemeClr val="tx1"/>
+          </a:fontRef>
+        </p:style>
+      </p:cxnSp>
+      <p:cxnSp>
+        <p:nvCxnSpPr>
+          <p:cNvPr id="66" name="Straight Connector 65">
+            <a:extLst>
+              <a:ext uri="{FF2B5EF4-FFF2-40B4-BE49-F238E27FC236}">
+                <a16:creationId xmlns:a16="http://schemas.microsoft.com/office/drawing/2014/main" id="{E994D9A3-D664-7C91-CC2C-5140FCD316BD}"/>
+              </a:ext>
+            </a:extLst>
+          </p:cNvPr>
+          <p:cNvCxnSpPr/>
+          <p:nvPr/>
+        </p:nvCxnSpPr>
+        <p:spPr>
+          <a:xfrm>
+            <a:off x="2506367" y="713458"/>
+            <a:ext cx="0" cy="1711284"/>
+          </a:xfrm>
+          <a:prstGeom prst="line">
+            <a:avLst/>
+          </a:prstGeom>
+          <a:ln>
+            <a:solidFill>
+              <a:schemeClr val="tx1"/>
+            </a:solidFill>
+            <a:prstDash val="dash"/>
+          </a:ln>
+        </p:spPr>
+        <p:style>
+          <a:lnRef idx="2">
+            <a:schemeClr val="accent1"/>
+          </a:lnRef>
+          <a:fillRef idx="0">
+            <a:schemeClr val="accent1"/>
+          </a:fillRef>
+          <a:effectRef idx="1">
+            <a:schemeClr val="accent1"/>
+          </a:effectRef>
+          <a:fontRef idx="minor">
+            <a:schemeClr val="tx1"/>
+          </a:fontRef>
+        </p:style>
+      </p:cxnSp>
+      <p:cxnSp>
+        <p:nvCxnSpPr>
+          <p:cNvPr id="67" name="Straight Connector 66">
+            <a:extLst>
+              <a:ext uri="{FF2B5EF4-FFF2-40B4-BE49-F238E27FC236}">
+                <a16:creationId xmlns:a16="http://schemas.microsoft.com/office/drawing/2014/main" id="{A7DD458E-393C-F106-EB6B-F3CAB51ECE2A}"/>
+              </a:ext>
+            </a:extLst>
+          </p:cNvPr>
+          <p:cNvCxnSpPr/>
+          <p:nvPr/>
+        </p:nvCxnSpPr>
+        <p:spPr>
+          <a:xfrm>
+            <a:off x="5478603" y="755569"/>
+            <a:ext cx="0" cy="1711284"/>
+          </a:xfrm>
+          <a:prstGeom prst="line">
+            <a:avLst/>
+          </a:prstGeom>
+          <a:ln>
+            <a:solidFill>
+              <a:schemeClr val="tx1"/>
+            </a:solidFill>
+            <a:prstDash val="dash"/>
+          </a:ln>
+        </p:spPr>
+        <p:style>
+          <a:lnRef idx="2">
+            <a:schemeClr val="accent1"/>
+          </a:lnRef>
+          <a:fillRef idx="0">
+            <a:schemeClr val="accent1"/>
+          </a:fillRef>
+          <a:effectRef idx="1">
+            <a:schemeClr val="accent1"/>
+          </a:effectRef>
+          <a:fontRef idx="minor">
+            <a:schemeClr val="tx1"/>
+          </a:fontRef>
+        </p:style>
+      </p:cxnSp>
+      <p:cxnSp>
+        <p:nvCxnSpPr>
+          <p:cNvPr id="68" name="Straight Connector 67">
+            <a:extLst>
+              <a:ext uri="{FF2B5EF4-FFF2-40B4-BE49-F238E27FC236}">
+                <a16:creationId xmlns:a16="http://schemas.microsoft.com/office/drawing/2014/main" id="{6BB09ED3-4E23-9167-E7E4-DA7FEFD62FD8}"/>
+              </a:ext>
+            </a:extLst>
+          </p:cNvPr>
+          <p:cNvCxnSpPr/>
+          <p:nvPr/>
+        </p:nvCxnSpPr>
+        <p:spPr>
+          <a:xfrm>
+            <a:off x="7859295" y="3623932"/>
+            <a:ext cx="0" cy="1711284"/>
+          </a:xfrm>
+          <a:prstGeom prst="line">
+            <a:avLst/>
+          </a:prstGeom>
+          <a:ln>
+            <a:solidFill>
+              <a:schemeClr val="tx1"/>
+            </a:solidFill>
+            <a:prstDash val="dash"/>
+          </a:ln>
+        </p:spPr>
+        <p:style>
+          <a:lnRef idx="2">
+            <a:schemeClr val="accent1"/>
+          </a:lnRef>
+          <a:fillRef idx="0">
+            <a:schemeClr val="accent1"/>
+          </a:fillRef>
+          <a:effectRef idx="1">
+            <a:schemeClr val="accent1"/>
+          </a:effectRef>
+          <a:fontRef idx="minor">
+            <a:schemeClr val="tx1"/>
+          </a:fontRef>
+        </p:style>
+      </p:cxnSp>
+      <p:cxnSp>
+        <p:nvCxnSpPr>
+          <p:cNvPr id="69" name="Straight Connector 68">
+            <a:extLst>
+              <a:ext uri="{FF2B5EF4-FFF2-40B4-BE49-F238E27FC236}">
+                <a16:creationId xmlns:a16="http://schemas.microsoft.com/office/drawing/2014/main" id="{503C4DAE-5DE7-EFD8-0857-C8AD15D884F6}"/>
+              </a:ext>
+            </a:extLst>
+          </p:cNvPr>
+          <p:cNvCxnSpPr/>
+          <p:nvPr/>
+        </p:nvCxnSpPr>
+        <p:spPr>
+          <a:xfrm>
+            <a:off x="5469550" y="3638341"/>
+            <a:ext cx="0" cy="1711284"/>
+          </a:xfrm>
+          <a:prstGeom prst="line">
+            <a:avLst/>
+          </a:prstGeom>
+          <a:ln>
+            <a:solidFill>
+              <a:schemeClr val="tx1"/>
+            </a:solidFill>
+            <a:prstDash val="dash"/>
+          </a:ln>
+        </p:spPr>
+        <p:style>
+          <a:lnRef idx="2">
+            <a:schemeClr val="accent1"/>
+          </a:lnRef>
+          <a:fillRef idx="0">
+            <a:schemeClr val="accent1"/>
+          </a:fillRef>
+          <a:effectRef idx="1">
+            <a:schemeClr val="accent1"/>
+          </a:effectRef>
+          <a:fontRef idx="minor">
+            <a:schemeClr val="tx1"/>
+          </a:fontRef>
+        </p:style>
+      </p:cxnSp>
+      <p:cxnSp>
+        <p:nvCxnSpPr>
+          <p:cNvPr id="70" name="Straight Connector 69">
+            <a:extLst>
+              <a:ext uri="{FF2B5EF4-FFF2-40B4-BE49-F238E27FC236}">
+                <a16:creationId xmlns:a16="http://schemas.microsoft.com/office/drawing/2014/main" id="{0FF6FEF7-F9F4-3AAA-9435-B39D49ADA938}"/>
+              </a:ext>
+            </a:extLst>
+          </p:cNvPr>
+          <p:cNvCxnSpPr/>
+          <p:nvPr/>
+        </p:nvCxnSpPr>
+        <p:spPr>
+          <a:xfrm>
+            <a:off x="2506928" y="3638341"/>
+            <a:ext cx="0" cy="1711284"/>
+          </a:xfrm>
+          <a:prstGeom prst="line">
+            <a:avLst/>
+          </a:prstGeom>
+          <a:ln>
+            <a:solidFill>
+              <a:schemeClr val="tx1"/>
+            </a:solidFill>
+            <a:prstDash val="dash"/>
+          </a:ln>
+        </p:spPr>
+        <p:style>
+          <a:lnRef idx="2">
+            <a:schemeClr val="accent1"/>
+          </a:lnRef>
+          <a:fillRef idx="0">
+            <a:schemeClr val="accent1"/>
+          </a:fillRef>
+          <a:effectRef idx="1">
+            <a:schemeClr val="accent1"/>
+          </a:effectRef>
+          <a:fontRef idx="minor">
+            <a:schemeClr val="tx1"/>
+          </a:fontRef>
+        </p:style>
+      </p:cxnSp>
+      <p:sp>
+        <p:nvSpPr>
+          <p:cNvPr id="71" name="左大括号 9">
+            <a:extLst>
+              <a:ext uri="{FF2B5EF4-FFF2-40B4-BE49-F238E27FC236}">
+                <a16:creationId xmlns:a16="http://schemas.microsoft.com/office/drawing/2014/main" id="{88C09F2F-28A0-8175-428D-7814A7883345}"/>
+              </a:ext>
+            </a:extLst>
+          </p:cNvPr>
+          <p:cNvSpPr/>
+          <p:nvPr/>
+        </p:nvSpPr>
+        <p:spPr>
+          <a:xfrm rot="16200000">
+            <a:off x="3875713" y="1126393"/>
+            <a:ext cx="243405" cy="2962362"/>
+          </a:xfrm>
+          <a:prstGeom prst="leftBrace">
+            <a:avLst>
+              <a:gd name="adj1" fmla="val 48873"/>
+              <a:gd name="adj2" fmla="val 50109"/>
+            </a:avLst>
+          </a:prstGeom>
+          <a:ln>
+            <a:solidFill>
+              <a:schemeClr val="tx1"/>
+            </a:solidFill>
+          </a:ln>
+        </p:spPr>
+        <p:style>
+          <a:lnRef idx="2">
+            <a:schemeClr val="accent1"/>
+          </a:lnRef>
+          <a:fillRef idx="0">
+            <a:schemeClr val="accent1"/>
+          </a:fillRef>
+          <a:effectRef idx="1">
+            <a:schemeClr val="accent1"/>
+          </a:effectRef>
+          <a:fontRef idx="minor">
+            <a:schemeClr val="tx1"/>
+          </a:fontRef>
+        </p:style>
+        <p:txBody>
+          <a:bodyPr rtlCol="0" anchor="ctr"/>
+          <a:lstStyle/>
+          <a:p>
+            <a:pPr algn="ctr"/>
+            <a:endParaRPr lang="en-US"/>
+          </a:p>
+        </p:txBody>
+      </p:sp>
+      <p:sp>
+        <p:nvSpPr>
+          <p:cNvPr id="72" name="TextBox 71">
+            <a:extLst>
+              <a:ext uri="{FF2B5EF4-FFF2-40B4-BE49-F238E27FC236}">
+                <a16:creationId xmlns:a16="http://schemas.microsoft.com/office/drawing/2014/main" id="{96D1E207-EBC1-493F-AB54-3CF5925674C0}"/>
+              </a:ext>
+            </a:extLst>
+          </p:cNvPr>
+          <p:cNvSpPr txBox="1"/>
+          <p:nvPr/>
+        </p:nvSpPr>
+        <p:spPr>
+          <a:xfrm>
+            <a:off x="3009964" y="2693304"/>
+            <a:ext cx="1877790" cy="369332"/>
+          </a:xfrm>
+          <a:prstGeom prst="rect">
+            <a:avLst/>
+          </a:prstGeom>
+          <a:noFill/>
+        </p:spPr>
+        <p:txBody>
+          <a:bodyPr wrap="square" rtlCol="0">
+            <a:spAutoFit/>
+          </a:bodyPr>
+          <a:lstStyle/>
+          <a:p>
+            <a:r>
+              <a:rPr lang="zh-CN" altLang="en-US" dirty="0"/>
+              <a:t>第一次中层循环</a:t>
+            </a:r>
+            <a:endParaRPr lang="en-US" dirty="0"/>
+          </a:p>
+        </p:txBody>
+      </p:sp>
+      <p:sp>
+        <p:nvSpPr>
+          <p:cNvPr id="73" name="左大括号 9">
+            <a:extLst>
+              <a:ext uri="{FF2B5EF4-FFF2-40B4-BE49-F238E27FC236}">
+                <a16:creationId xmlns:a16="http://schemas.microsoft.com/office/drawing/2014/main" id="{F781879F-54E4-12C9-4A32-D82A27AE3812}"/>
+              </a:ext>
+            </a:extLst>
+          </p:cNvPr>
+          <p:cNvSpPr/>
+          <p:nvPr/>
+        </p:nvSpPr>
+        <p:spPr>
+          <a:xfrm rot="16200000">
+            <a:off x="6818151" y="1161546"/>
+            <a:ext cx="243405" cy="2909670"/>
+          </a:xfrm>
+          <a:prstGeom prst="leftBrace">
+            <a:avLst>
+              <a:gd name="adj1" fmla="val 48873"/>
+              <a:gd name="adj2" fmla="val 50109"/>
+            </a:avLst>
+          </a:prstGeom>
+          <a:ln>
+            <a:solidFill>
+              <a:schemeClr val="tx1"/>
+            </a:solidFill>
+          </a:ln>
+        </p:spPr>
+        <p:style>
+          <a:lnRef idx="2">
+            <a:schemeClr val="accent1"/>
+          </a:lnRef>
+          <a:fillRef idx="0">
+            <a:schemeClr val="accent1"/>
+          </a:fillRef>
+          <a:effectRef idx="1">
+            <a:schemeClr val="accent1"/>
+          </a:effectRef>
+          <a:fontRef idx="minor">
+            <a:schemeClr val="tx1"/>
+          </a:fontRef>
+        </p:style>
+        <p:txBody>
+          <a:bodyPr rtlCol="0" anchor="ctr"/>
+          <a:lstStyle/>
+          <a:p>
+            <a:pPr algn="ctr"/>
+            <a:endParaRPr lang="en-US"/>
+          </a:p>
+        </p:txBody>
+      </p:sp>
+      <p:sp>
+        <p:nvSpPr>
+          <p:cNvPr id="74" name="TextBox 73">
+            <a:extLst>
+              <a:ext uri="{FF2B5EF4-FFF2-40B4-BE49-F238E27FC236}">
+                <a16:creationId xmlns:a16="http://schemas.microsoft.com/office/drawing/2014/main" id="{8D040FBD-1E76-E414-6267-5464EAAB545A}"/>
+              </a:ext>
+            </a:extLst>
+          </p:cNvPr>
+          <p:cNvSpPr txBox="1"/>
+          <p:nvPr/>
+        </p:nvSpPr>
+        <p:spPr>
+          <a:xfrm>
+            <a:off x="6122144" y="2690418"/>
+            <a:ext cx="1877790" cy="369332"/>
+          </a:xfrm>
+          <a:prstGeom prst="rect">
+            <a:avLst/>
+          </a:prstGeom>
+          <a:noFill/>
+        </p:spPr>
+        <p:txBody>
+          <a:bodyPr wrap="square" rtlCol="0">
+            <a:spAutoFit/>
+          </a:bodyPr>
+          <a:lstStyle/>
+          <a:p>
+            <a:r>
+              <a:rPr lang="zh-CN" altLang="en-US" dirty="0"/>
+              <a:t>第二次中层循环</a:t>
+            </a:r>
+            <a:endParaRPr lang="en-US" dirty="0"/>
+          </a:p>
+        </p:txBody>
+      </p:sp>
+      <p:sp>
+        <p:nvSpPr>
+          <p:cNvPr id="75" name="左大括号 9">
+            <a:extLst>
+              <a:ext uri="{FF2B5EF4-FFF2-40B4-BE49-F238E27FC236}">
+                <a16:creationId xmlns:a16="http://schemas.microsoft.com/office/drawing/2014/main" id="{411E80F7-BDA5-3A40-316C-F264365C6B24}"/>
+              </a:ext>
+            </a:extLst>
+          </p:cNvPr>
+          <p:cNvSpPr/>
+          <p:nvPr/>
+        </p:nvSpPr>
+        <p:spPr>
+          <a:xfrm rot="16200000">
+            <a:off x="3865210" y="4050714"/>
+            <a:ext cx="243405" cy="2962362"/>
+          </a:xfrm>
+          <a:prstGeom prst="leftBrace">
+            <a:avLst>
+              <a:gd name="adj1" fmla="val 48873"/>
+              <a:gd name="adj2" fmla="val 50109"/>
+            </a:avLst>
+          </a:prstGeom>
+          <a:ln>
+            <a:solidFill>
+              <a:schemeClr val="tx1"/>
+            </a:solidFill>
+          </a:ln>
+        </p:spPr>
+        <p:style>
+          <a:lnRef idx="2">
+            <a:schemeClr val="accent1"/>
+          </a:lnRef>
+          <a:fillRef idx="0">
+            <a:schemeClr val="accent1"/>
+          </a:fillRef>
+          <a:effectRef idx="1">
+            <a:schemeClr val="accent1"/>
+          </a:effectRef>
+          <a:fontRef idx="minor">
+            <a:schemeClr val="tx1"/>
+          </a:fontRef>
+        </p:style>
+        <p:txBody>
+          <a:bodyPr rtlCol="0" anchor="ctr"/>
+          <a:lstStyle/>
+          <a:p>
+            <a:pPr algn="ctr"/>
+            <a:endParaRPr lang="en-US"/>
+          </a:p>
+        </p:txBody>
+      </p:sp>
+      <p:sp>
+        <p:nvSpPr>
+          <p:cNvPr id="76" name="TextBox 75">
+            <a:extLst>
+              <a:ext uri="{FF2B5EF4-FFF2-40B4-BE49-F238E27FC236}">
+                <a16:creationId xmlns:a16="http://schemas.microsoft.com/office/drawing/2014/main" id="{255C1FB5-674F-18A6-7676-DDCFCAD12A2D}"/>
+              </a:ext>
+            </a:extLst>
+          </p:cNvPr>
+          <p:cNvSpPr txBox="1"/>
+          <p:nvPr/>
+        </p:nvSpPr>
+        <p:spPr>
+          <a:xfrm>
+            <a:off x="2999461" y="5617625"/>
+            <a:ext cx="1877790" cy="369332"/>
+          </a:xfrm>
+          <a:prstGeom prst="rect">
+            <a:avLst/>
+          </a:prstGeom>
+          <a:noFill/>
+        </p:spPr>
+        <p:txBody>
+          <a:bodyPr wrap="square" rtlCol="0">
+            <a:spAutoFit/>
+          </a:bodyPr>
+          <a:lstStyle/>
+          <a:p>
+            <a:r>
+              <a:rPr lang="zh-CN" altLang="en-US" dirty="0"/>
+              <a:t>第一次中层循环</a:t>
+            </a:r>
+            <a:endParaRPr lang="en-US" dirty="0"/>
+          </a:p>
+        </p:txBody>
+      </p:sp>
+      <p:sp>
+        <p:nvSpPr>
+          <p:cNvPr id="77" name="左大括号 9">
+            <a:extLst>
+              <a:ext uri="{FF2B5EF4-FFF2-40B4-BE49-F238E27FC236}">
+                <a16:creationId xmlns:a16="http://schemas.microsoft.com/office/drawing/2014/main" id="{133B7C8C-F551-FA1E-401D-FF1953254996}"/>
+              </a:ext>
+            </a:extLst>
+          </p:cNvPr>
+          <p:cNvSpPr/>
+          <p:nvPr/>
+        </p:nvSpPr>
+        <p:spPr>
+          <a:xfrm rot="16200000">
+            <a:off x="6550455" y="4341105"/>
+            <a:ext cx="243405" cy="2374278"/>
+          </a:xfrm>
+          <a:prstGeom prst="leftBrace">
+            <a:avLst>
+              <a:gd name="adj1" fmla="val 48873"/>
+              <a:gd name="adj2" fmla="val 50109"/>
+            </a:avLst>
+          </a:prstGeom>
+          <a:ln>
+            <a:solidFill>
+              <a:schemeClr val="tx1"/>
+            </a:solidFill>
+          </a:ln>
+        </p:spPr>
+        <p:style>
+          <a:lnRef idx="2">
+            <a:schemeClr val="accent1"/>
+          </a:lnRef>
+          <a:fillRef idx="0">
+            <a:schemeClr val="accent1"/>
+          </a:fillRef>
+          <a:effectRef idx="1">
+            <a:schemeClr val="accent1"/>
+          </a:effectRef>
+          <a:fontRef idx="minor">
+            <a:schemeClr val="tx1"/>
+          </a:fontRef>
+        </p:style>
+        <p:txBody>
+          <a:bodyPr rtlCol="0" anchor="ctr"/>
+          <a:lstStyle/>
+          <a:p>
+            <a:pPr algn="ctr"/>
+            <a:endParaRPr lang="en-US"/>
+          </a:p>
+        </p:txBody>
+      </p:sp>
+      <p:sp>
+        <p:nvSpPr>
+          <p:cNvPr id="78" name="TextBox 77">
+            <a:extLst>
+              <a:ext uri="{FF2B5EF4-FFF2-40B4-BE49-F238E27FC236}">
+                <a16:creationId xmlns:a16="http://schemas.microsoft.com/office/drawing/2014/main" id="{C7AEE4DB-AAEA-DE87-E486-4643AFF29059}"/>
+              </a:ext>
+            </a:extLst>
+          </p:cNvPr>
+          <p:cNvSpPr txBox="1"/>
+          <p:nvPr/>
+        </p:nvSpPr>
+        <p:spPr>
+          <a:xfrm>
+            <a:off x="5877365" y="5602281"/>
+            <a:ext cx="1790920" cy="369332"/>
+          </a:xfrm>
+          <a:prstGeom prst="rect">
+            <a:avLst/>
+          </a:prstGeom>
+          <a:noFill/>
+        </p:spPr>
+        <p:txBody>
+          <a:bodyPr wrap="square" rtlCol="0">
+            <a:spAutoFit/>
+          </a:bodyPr>
+          <a:lstStyle/>
+          <a:p>
+            <a:r>
+              <a:rPr lang="zh-CN" altLang="en-US" dirty="0"/>
+              <a:t>第二次中层循环</a:t>
+            </a:r>
+            <a:endParaRPr lang="en-US" dirty="0"/>
+          </a:p>
+        </p:txBody>
+      </p:sp>
+      <p:sp>
+        <p:nvSpPr>
+          <p:cNvPr id="79" name="左大括号 9">
+            <a:extLst>
+              <a:ext uri="{FF2B5EF4-FFF2-40B4-BE49-F238E27FC236}">
+                <a16:creationId xmlns:a16="http://schemas.microsoft.com/office/drawing/2014/main" id="{8BC19B43-2D43-A780-8356-FA722D3AADAA}"/>
+              </a:ext>
+            </a:extLst>
+          </p:cNvPr>
+          <p:cNvSpPr/>
+          <p:nvPr/>
+        </p:nvSpPr>
+        <p:spPr>
+          <a:xfrm rot="16200000">
+            <a:off x="7881415" y="5389061"/>
+            <a:ext cx="243405" cy="253792"/>
+          </a:xfrm>
+          <a:prstGeom prst="leftBrace">
+            <a:avLst>
+              <a:gd name="adj1" fmla="val 48873"/>
+              <a:gd name="adj2" fmla="val 50109"/>
+            </a:avLst>
+          </a:prstGeom>
+          <a:ln>
+            <a:solidFill>
+              <a:schemeClr val="tx1"/>
+            </a:solidFill>
+          </a:ln>
+        </p:spPr>
+        <p:style>
+          <a:lnRef idx="2">
+            <a:schemeClr val="accent1"/>
+          </a:lnRef>
+          <a:fillRef idx="0">
+            <a:schemeClr val="accent1"/>
+          </a:fillRef>
+          <a:effectRef idx="1">
+            <a:schemeClr val="accent1"/>
+          </a:effectRef>
+          <a:fontRef idx="minor">
+            <a:schemeClr val="tx1"/>
+          </a:fontRef>
+        </p:style>
+        <p:txBody>
+          <a:bodyPr rtlCol="0" anchor="ctr"/>
+          <a:lstStyle/>
+          <a:p>
+            <a:pPr algn="ctr"/>
+            <a:endParaRPr lang="en-US"/>
+          </a:p>
+        </p:txBody>
+      </p:sp>
+      <p:sp>
+        <p:nvSpPr>
+          <p:cNvPr id="80" name="TextBox 79">
+            <a:extLst>
+              <a:ext uri="{FF2B5EF4-FFF2-40B4-BE49-F238E27FC236}">
+                <a16:creationId xmlns:a16="http://schemas.microsoft.com/office/drawing/2014/main" id="{CCDF786A-D9D5-0301-E3F8-4CFF1DB59700}"/>
+              </a:ext>
+            </a:extLst>
+          </p:cNvPr>
+          <p:cNvSpPr txBox="1"/>
+          <p:nvPr/>
+        </p:nvSpPr>
+        <p:spPr>
+          <a:xfrm>
+            <a:off x="7583324" y="5591467"/>
+            <a:ext cx="1790920" cy="369332"/>
+          </a:xfrm>
+          <a:prstGeom prst="rect">
+            <a:avLst/>
+          </a:prstGeom>
+          <a:noFill/>
+        </p:spPr>
+        <p:txBody>
+          <a:bodyPr wrap="square" rtlCol="0">
+            <a:spAutoFit/>
+          </a:bodyPr>
+          <a:lstStyle/>
+          <a:p>
+            <a:r>
+              <a:rPr lang="zh-CN" altLang="en-US" dirty="0"/>
+              <a:t>第三次中层循环</a:t>
+            </a:r>
+            <a:endParaRPr lang="en-US" dirty="0"/>
+          </a:p>
+        </p:txBody>
+      </p:sp>
+      <p:sp>
+        <p:nvSpPr>
+          <p:cNvPr id="81" name="Freeform: Shape 80">
+            <a:extLst>
+              <a:ext uri="{FF2B5EF4-FFF2-40B4-BE49-F238E27FC236}">
+                <a16:creationId xmlns:a16="http://schemas.microsoft.com/office/drawing/2014/main" id="{94A8A3C3-48FE-B718-D6F3-9DFBBBCBECAF}"/>
+              </a:ext>
+            </a:extLst>
+          </p:cNvPr>
+          <p:cNvSpPr/>
+          <p:nvPr/>
+        </p:nvSpPr>
+        <p:spPr>
+          <a:xfrm>
+            <a:off x="7595742" y="4887129"/>
+            <a:ext cx="769660" cy="200919"/>
+          </a:xfrm>
+          <a:custGeom>
+            <a:avLst/>
+            <a:gdLst>
+              <a:gd name="connsiteX0" fmla="*/ 115 w 769660"/>
+              <a:gd name="connsiteY0" fmla="*/ 200919 h 200919"/>
+              <a:gd name="connsiteX1" fmla="*/ 126864 w 769660"/>
+              <a:gd name="connsiteY1" fmla="*/ 28903 h 200919"/>
+              <a:gd name="connsiteX2" fmla="*/ 769660 w 769660"/>
+              <a:gd name="connsiteY2" fmla="*/ 1742 h 200919"/>
+            </a:gdLst>
+            <a:ahLst/>
+            <a:cxnLst>
+              <a:cxn ang="0">
+                <a:pos x="connsiteX0" y="connsiteY0"/>
+              </a:cxn>
+              <a:cxn ang="0">
+                <a:pos x="connsiteX1" y="connsiteY1"/>
+              </a:cxn>
+              <a:cxn ang="0">
+                <a:pos x="connsiteX2" y="connsiteY2"/>
+              </a:cxn>
+            </a:cxnLst>
+            <a:rect l="l" t="t" r="r" b="b"/>
+            <a:pathLst>
+              <a:path w="769660" h="200919">
+                <a:moveTo>
+                  <a:pt x="115" y="200919"/>
+                </a:moveTo>
+                <a:cubicBezTo>
+                  <a:pt x="-639" y="131509"/>
+                  <a:pt x="-1393" y="62099"/>
+                  <a:pt x="126864" y="28903"/>
+                </a:cubicBezTo>
+                <a:cubicBezTo>
+                  <a:pt x="255121" y="-4293"/>
+                  <a:pt x="512390" y="-1276"/>
+                  <a:pt x="769660" y="1742"/>
+                </a:cubicBezTo>
+              </a:path>
+            </a:pathLst>
+          </a:custGeom>
+          <a:noFill/>
+          <a:ln>
+            <a:headEnd type="none" w="med" len="med"/>
+            <a:tailEnd type="triangle" w="med" len="med"/>
+          </a:ln>
+        </p:spPr>
+        <p:style>
+          <a:lnRef idx="2">
+            <a:schemeClr val="accent1">
+              <a:shade val="15000"/>
+            </a:schemeClr>
+          </a:lnRef>
+          <a:fillRef idx="1">
+            <a:schemeClr val="accent1"/>
+          </a:fillRef>
+          <a:effectRef idx="0">
+            <a:schemeClr val="accent1"/>
+          </a:effectRef>
+          <a:fontRef idx="minor">
+            <a:schemeClr val="lt1"/>
+          </a:fontRef>
+        </p:style>
+        <p:txBody>
+          <a:bodyPr rtlCol="0" anchor="ctr"/>
+          <a:lstStyle/>
+          <a:p>
+            <a:pPr algn="ctr"/>
+            <a:endParaRPr lang="en-US"/>
+          </a:p>
+        </p:txBody>
+      </p:sp>
+      <p:sp>
+        <p:nvSpPr>
+          <p:cNvPr id="82" name="Freeform: Shape 81">
+            <a:extLst>
+              <a:ext uri="{FF2B5EF4-FFF2-40B4-BE49-F238E27FC236}">
+                <a16:creationId xmlns:a16="http://schemas.microsoft.com/office/drawing/2014/main" id="{F96C8E15-2FDD-8323-37BE-9C6663AA9D51}"/>
+              </a:ext>
+            </a:extLst>
+          </p:cNvPr>
+          <p:cNvSpPr/>
+          <p:nvPr/>
+        </p:nvSpPr>
+        <p:spPr>
+          <a:xfrm>
+            <a:off x="7976103" y="5115208"/>
+            <a:ext cx="869133" cy="217560"/>
+          </a:xfrm>
+          <a:custGeom>
+            <a:avLst/>
+            <a:gdLst>
+              <a:gd name="connsiteX0" fmla="*/ 0 w 869133"/>
+              <a:gd name="connsiteY0" fmla="*/ 36214 h 217560"/>
+              <a:gd name="connsiteX1" fmla="*/ 289711 w 869133"/>
+              <a:gd name="connsiteY1" fmla="*/ 217283 h 217560"/>
+              <a:gd name="connsiteX2" fmla="*/ 869133 w 869133"/>
+              <a:gd name="connsiteY2" fmla="*/ 0 h 217560"/>
+            </a:gdLst>
+            <a:ahLst/>
+            <a:cxnLst>
+              <a:cxn ang="0">
+                <a:pos x="connsiteX0" y="connsiteY0"/>
+              </a:cxn>
+              <a:cxn ang="0">
+                <a:pos x="connsiteX1" y="connsiteY1"/>
+              </a:cxn>
+              <a:cxn ang="0">
+                <a:pos x="connsiteX2" y="connsiteY2"/>
+              </a:cxn>
+            </a:cxnLst>
+            <a:rect l="l" t="t" r="r" b="b"/>
+            <a:pathLst>
+              <a:path w="869133" h="217560">
+                <a:moveTo>
+                  <a:pt x="0" y="36214"/>
+                </a:moveTo>
+                <a:cubicBezTo>
+                  <a:pt x="72427" y="129766"/>
+                  <a:pt x="144855" y="223319"/>
+                  <a:pt x="289711" y="217283"/>
+                </a:cubicBezTo>
+                <a:cubicBezTo>
+                  <a:pt x="434567" y="211247"/>
+                  <a:pt x="651850" y="105623"/>
+                  <a:pt x="869133" y="0"/>
+                </a:cubicBezTo>
+              </a:path>
+            </a:pathLst>
+          </a:custGeom>
+          <a:noFill/>
+          <a:ln>
+            <a:headEnd type="none" w="med" len="med"/>
+            <a:tailEnd type="triangle" w="med" len="med"/>
+          </a:ln>
+        </p:spPr>
+        <p:style>
+          <a:lnRef idx="2">
+            <a:schemeClr val="accent1">
+              <a:shade val="15000"/>
+            </a:schemeClr>
+          </a:lnRef>
+          <a:fillRef idx="1">
+            <a:schemeClr val="accent1"/>
+          </a:fillRef>
+          <a:effectRef idx="0">
+            <a:schemeClr val="accent1"/>
+          </a:effectRef>
+          <a:fontRef idx="minor">
+            <a:schemeClr val="lt1"/>
+          </a:fontRef>
+        </p:style>
+        <p:txBody>
+          <a:bodyPr rtlCol="0" anchor="ctr"/>
+          <a:lstStyle/>
+          <a:p>
+            <a:pPr algn="ctr"/>
+            <a:endParaRPr lang="en-US"/>
+          </a:p>
+        </p:txBody>
+      </p:sp>
+      <mc:AlternateContent xmlns:mc="http://schemas.openxmlformats.org/markup-compatibility/2006">
+        <mc:Choice xmlns:a14="http://schemas.microsoft.com/office/drawing/2010/main" Requires="a14">
+          <p:sp>
+            <p:nvSpPr>
+              <p:cNvPr id="83" name="文本框 21">
+                <a:extLst>
+                  <a:ext uri="{FF2B5EF4-FFF2-40B4-BE49-F238E27FC236}">
+                    <a16:creationId xmlns:a16="http://schemas.microsoft.com/office/drawing/2014/main" id="{925B713A-FD9E-247B-62F6-30DEE6E4FF64}"/>
+                  </a:ext>
+                </a:extLst>
+              </p:cNvPr>
+              <p:cNvSpPr txBox="1"/>
+              <p:nvPr/>
+            </p:nvSpPr>
+            <p:spPr>
+              <a:xfrm>
+                <a:off x="8298232" y="4090213"/>
+                <a:ext cx="2174661" cy="369332"/>
+              </a:xfrm>
+              <a:prstGeom prst="rect">
+                <a:avLst/>
+              </a:prstGeom>
+              <a:noFill/>
+            </p:spPr>
+            <p:txBody>
+              <a:bodyPr wrap="square" rtlCol="0">
+                <a:spAutoFit/>
+              </a:bodyPr>
+              <a:lstStyle/>
+              <a:p>
+                <a:pPr/>
+                <a14:m>
+                  <m:oMathPara xmlns:m="http://schemas.openxmlformats.org/officeDocument/2006/math">
+                    <m:oMathParaPr>
+                      <m:jc m:val="centerGroup"/>
+                    </m:oMathParaPr>
+                    <m:oMath xmlns:m="http://schemas.openxmlformats.org/officeDocument/2006/math">
+                      <m:r>
+                        <m:rPr>
+                          <m:sty m:val="p"/>
+                        </m:rPr>
+                        <a:rPr lang="en-US" b="0" i="0" smtClean="0">
+                          <a:latin typeface="Cambria Math" panose="02040503050406030204" pitchFamily="18" charset="0"/>
+                        </a:rPr>
+                        <m:t>Δ</m:t>
+                      </m:r>
+                      <m:sSub>
+                        <m:sSubPr>
+                          <m:ctrlPr>
+                            <a:rPr lang="en-US" b="0" i="1" smtClean="0">
+                              <a:latin typeface="Cambria Math" panose="02040503050406030204" pitchFamily="18" charset="0"/>
+                            </a:rPr>
+                          </m:ctrlPr>
+                        </m:sSubPr>
+                        <m:e>
+                          <m:r>
+                            <a:rPr lang="en-US" b="0" i="1" smtClean="0">
+                              <a:latin typeface="Cambria Math" panose="02040503050406030204" pitchFamily="18" charset="0"/>
+                            </a:rPr>
+                            <m:t>𝑡</m:t>
+                          </m:r>
+                        </m:e>
+                        <m:sub>
+                          <m:r>
+                            <m:rPr>
+                              <m:sty m:val="p"/>
+                            </m:rPr>
+                            <a:rPr lang="en-US" b="0" i="0" smtClean="0">
+                              <a:latin typeface="Cambria Math" panose="02040503050406030204" pitchFamily="18" charset="0"/>
+                            </a:rPr>
+                            <m:t>ad</m:t>
+                          </m:r>
+                        </m:sub>
+                      </m:sSub>
+                      <m:r>
+                        <a:rPr lang="en-US" b="0" i="1" smtClean="0">
+                          <a:latin typeface="Cambria Math" panose="02040503050406030204" pitchFamily="18" charset="0"/>
+                        </a:rPr>
+                        <m:t>←</m:t>
+                      </m:r>
+                      <m:r>
+                        <m:rPr>
+                          <m:sty m:val="p"/>
+                        </m:rPr>
+                        <a:rPr lang="en-US">
+                          <a:latin typeface="Cambria Math" panose="02040503050406030204" pitchFamily="18" charset="0"/>
+                        </a:rPr>
+                        <m:t>Δ</m:t>
+                      </m:r>
+                      <m:sSub>
+                        <m:sSubPr>
+                          <m:ctrlPr>
+                            <a:rPr lang="en-US" i="1">
+                              <a:latin typeface="Cambria Math" panose="02040503050406030204" pitchFamily="18" charset="0"/>
+                            </a:rPr>
+                          </m:ctrlPr>
+                        </m:sSubPr>
+                        <m:e>
+                          <m:r>
+                            <a:rPr lang="en-US" i="1">
+                              <a:latin typeface="Cambria Math" panose="02040503050406030204" pitchFamily="18" charset="0"/>
+                            </a:rPr>
+                            <m:t>𝑡</m:t>
+                          </m:r>
+                        </m:e>
+                        <m:sub>
+                          <m:r>
+                            <m:rPr>
+                              <m:sty m:val="p"/>
+                            </m:rPr>
+                            <a:rPr lang="en-US" b="0" i="0" smtClean="0">
+                              <a:latin typeface="Cambria Math" panose="02040503050406030204" pitchFamily="18" charset="0"/>
+                            </a:rPr>
+                            <m:t>out</m:t>
+                          </m:r>
+                        </m:sub>
+                      </m:sSub>
+                      <m:r>
+                        <a:rPr lang="en-US" b="0" i="1" smtClean="0">
+                          <a:latin typeface="Cambria Math" panose="02040503050406030204" pitchFamily="18" charset="0"/>
+                        </a:rPr>
+                        <m:t>−</m:t>
+                      </m:r>
+                      <m:r>
+                        <m:rPr>
+                          <m:sty m:val="p"/>
+                        </m:rPr>
+                        <a:rPr lang="en-US">
+                          <a:latin typeface="Cambria Math" panose="02040503050406030204" pitchFamily="18" charset="0"/>
+                        </a:rPr>
+                        <m:t>Δ</m:t>
+                      </m:r>
+                      <m:sSub>
+                        <m:sSubPr>
+                          <m:ctrlPr>
+                            <a:rPr lang="en-US" i="1">
+                              <a:latin typeface="Cambria Math" panose="02040503050406030204" pitchFamily="18" charset="0"/>
+                            </a:rPr>
+                          </m:ctrlPr>
+                        </m:sSubPr>
+                        <m:e>
+                          <m:r>
+                            <a:rPr lang="en-US" i="1">
+                              <a:latin typeface="Cambria Math" panose="02040503050406030204" pitchFamily="18" charset="0"/>
+                            </a:rPr>
+                            <m:t>𝑡</m:t>
+                          </m:r>
+                        </m:e>
+                        <m:sub>
+                          <m:r>
+                            <m:rPr>
+                              <m:sty m:val="p"/>
+                            </m:rPr>
+                            <a:rPr lang="en-US" b="0" i="0" smtClean="0">
+                              <a:latin typeface="Cambria Math" panose="02040503050406030204" pitchFamily="18" charset="0"/>
+                            </a:rPr>
+                            <m:t>int</m:t>
+                          </m:r>
+                        </m:sub>
+                      </m:sSub>
+                    </m:oMath>
+                  </m:oMathPara>
+                </a14:m>
+                <a:endParaRPr lang="en-US" dirty="0">
+                  <a:latin typeface="Consolas" panose="020B0609020204030204" pitchFamily="49" charset="0"/>
+                </a:endParaRPr>
+              </a:p>
+            </p:txBody>
+          </p:sp>
+        </mc:Choice>
+        <mc:Fallback>
+          <p:sp>
+            <p:nvSpPr>
+              <p:cNvPr id="83" name="文本框 21">
+                <a:extLst>
+                  <a:ext uri="{FF2B5EF4-FFF2-40B4-BE49-F238E27FC236}">
+                    <a16:creationId xmlns:a16="http://schemas.microsoft.com/office/drawing/2014/main" id="{925B713A-FD9E-247B-62F6-30DEE6E4FF64}"/>
+                  </a:ext>
+                </a:extLst>
+              </p:cNvPr>
+              <p:cNvSpPr txBox="1">
+                <a:spLocks noRot="1" noChangeAspect="1" noMove="1" noResize="1" noEditPoints="1" noAdjustHandles="1" noChangeArrowheads="1" noChangeShapeType="1" noTextEdit="1"/>
+              </p:cNvSpPr>
+              <p:nvPr/>
+            </p:nvSpPr>
+            <p:spPr>
+              <a:xfrm>
+                <a:off x="8298232" y="4090213"/>
+                <a:ext cx="2174661" cy="369332"/>
+              </a:xfrm>
+              <a:prstGeom prst="rect">
+                <a:avLst/>
+              </a:prstGeom>
+              <a:blipFill>
+                <a:blip r:embed="rId18"/>
+                <a:stretch>
+                  <a:fillRect/>
+                </a:stretch>
+              </a:blipFill>
+            </p:spPr>
+            <p:txBody>
+              <a:bodyPr/>
+              <a:lstStyle/>
+              <a:p>
+                <a:r>
+                  <a:rPr lang="en-US">
+                    <a:noFill/>
+                  </a:rPr>
+                  <a:t> </a:t>
+                </a:r>
+              </a:p>
+            </p:txBody>
+          </p:sp>
+        </mc:Fallback>
+      </mc:AlternateContent>
+      <p:sp>
+        <p:nvSpPr>
+          <p:cNvPr id="86" name="Freeform: Shape 85">
+            <a:extLst>
+              <a:ext uri="{FF2B5EF4-FFF2-40B4-BE49-F238E27FC236}">
+                <a16:creationId xmlns:a16="http://schemas.microsoft.com/office/drawing/2014/main" id="{42D01D6B-7554-4A91-DC26-0426926698CE}"/>
+              </a:ext>
+            </a:extLst>
+          </p:cNvPr>
+          <p:cNvSpPr/>
+          <p:nvPr/>
+        </p:nvSpPr>
+        <p:spPr>
+          <a:xfrm>
+            <a:off x="7985156" y="4454305"/>
+            <a:ext cx="1321806" cy="267364"/>
+          </a:xfrm>
+          <a:custGeom>
+            <a:avLst/>
+            <a:gdLst>
+              <a:gd name="connsiteX0" fmla="*/ 0 w 1321806"/>
+              <a:gd name="connsiteY0" fmla="*/ 144855 h 267364"/>
+              <a:gd name="connsiteX1" fmla="*/ 606583 w 1321806"/>
+              <a:gd name="connsiteY1" fmla="*/ 262550 h 267364"/>
+              <a:gd name="connsiteX2" fmla="*/ 1321806 w 1321806"/>
+              <a:gd name="connsiteY2" fmla="*/ 0 h 267364"/>
+            </a:gdLst>
+            <a:ahLst/>
+            <a:cxnLst>
+              <a:cxn ang="0">
+                <a:pos x="connsiteX0" y="connsiteY0"/>
+              </a:cxn>
+              <a:cxn ang="0">
+                <a:pos x="connsiteX1" y="connsiteY1"/>
+              </a:cxn>
+              <a:cxn ang="0">
+                <a:pos x="connsiteX2" y="connsiteY2"/>
+              </a:cxn>
+            </a:cxnLst>
+            <a:rect l="l" t="t" r="r" b="b"/>
+            <a:pathLst>
+              <a:path w="1321806" h="267364">
+                <a:moveTo>
+                  <a:pt x="0" y="144855"/>
+                </a:moveTo>
+                <a:cubicBezTo>
+                  <a:pt x="193141" y="215774"/>
+                  <a:pt x="386282" y="286693"/>
+                  <a:pt x="606583" y="262550"/>
+                </a:cubicBezTo>
+                <a:cubicBezTo>
+                  <a:pt x="826884" y="238408"/>
+                  <a:pt x="1074345" y="119204"/>
+                  <a:pt x="1321806" y="0"/>
+                </a:cubicBezTo>
+              </a:path>
+            </a:pathLst>
+          </a:custGeom>
+          <a:noFill/>
+          <a:ln>
+            <a:headEnd type="none" w="med" len="med"/>
+            <a:tailEnd type="triangle" w="med" len="med"/>
+          </a:ln>
+        </p:spPr>
+        <p:style>
+          <a:lnRef idx="2">
+            <a:schemeClr val="accent1">
+              <a:shade val="15000"/>
+            </a:schemeClr>
+          </a:lnRef>
+          <a:fillRef idx="1">
+            <a:schemeClr val="accent1"/>
+          </a:fillRef>
+          <a:effectRef idx="0">
+            <a:schemeClr val="accent1"/>
+          </a:effectRef>
+          <a:fontRef idx="minor">
+            <a:schemeClr val="lt1"/>
+          </a:fontRef>
+        </p:style>
+        <p:txBody>
+          <a:bodyPr rtlCol="0" anchor="ctr"/>
+          <a:lstStyle/>
+          <a:p>
+            <a:pPr algn="ctr"/>
+            <a:endParaRPr lang="en-US"/>
+          </a:p>
+        </p:txBody>
+      </p:sp>
+      <p:sp>
+        <p:nvSpPr>
+          <p:cNvPr id="87" name="TextBox 86">
+            <a:extLst>
+              <a:ext uri="{FF2B5EF4-FFF2-40B4-BE49-F238E27FC236}">
+                <a16:creationId xmlns:a16="http://schemas.microsoft.com/office/drawing/2014/main" id="{C8392402-B57A-CF7A-264D-BD5A7FF2814D}"/>
+              </a:ext>
+            </a:extLst>
+          </p:cNvPr>
+          <p:cNvSpPr txBox="1"/>
+          <p:nvPr/>
+        </p:nvSpPr>
+        <p:spPr>
+          <a:xfrm>
+            <a:off x="-54392" y="4144884"/>
+            <a:ext cx="2544024" cy="646331"/>
+          </a:xfrm>
+          <a:prstGeom prst="rect">
+            <a:avLst/>
+          </a:prstGeom>
+          <a:noFill/>
+        </p:spPr>
+        <p:txBody>
+          <a:bodyPr wrap="square" rtlCol="0">
+            <a:spAutoFit/>
+          </a:bodyPr>
+          <a:lstStyle/>
+          <a:p>
+            <a:r>
+              <a:rPr lang="zh-CN" altLang="en-US" dirty="0"/>
+              <a:t>在倒数第二个中层循环便应该控制声速时间步</a:t>
+            </a:r>
+            <a:endParaRPr lang="en-US" dirty="0"/>
+          </a:p>
+        </p:txBody>
+      </p:sp>
+    </p:spTree>
+    <p:extLst>
+      <p:ext uri="{BB962C8B-B14F-4D97-AF65-F5344CB8AC3E}">
+        <p14:creationId xmlns:p14="http://schemas.microsoft.com/office/powerpoint/2010/main" val="2313295957"/>
+      </p:ext>
+    </p:extLst>
+  </p:cSld>
+  <p:clrMapOvr>
+    <a:masterClrMapping/>
+  </p:clrMapOvr>
+</p:sld>
+</file>
+
+<file path=ppt/slides/slide8.xml><?xml version="1.0" encoding="utf-8"?>
+<p:sld xmlns:a="http://schemas.openxmlformats.org/drawingml/2006/main" xmlns:r="http://schemas.openxmlformats.org/officeDocument/2006/relationships" xmlns:p="http://schemas.openxmlformats.org/presentationml/2006/main">
+  <p:cSld>
+    <p:spTree>
+      <p:nvGrpSpPr>
+        <p:cNvPr id="1" name=""/>
+        <p:cNvGrpSpPr/>
+        <p:nvPr/>
+      </p:nvGrpSpPr>
+      <p:grpSpPr>
+        <a:xfrm>
+          <a:off x="0" y="0"/>
+          <a:ext cx="0" cy="0"/>
+          <a:chOff x="0" y="0"/>
+          <a:chExt cx="0" cy="0"/>
+        </a:xfrm>
+      </p:grpSpPr>
+      <p:sp>
+        <p:nvSpPr>
+          <p:cNvPr id="4" name="箭头: 右 5">
+            <a:extLst>
+              <a:ext uri="{FF2B5EF4-FFF2-40B4-BE49-F238E27FC236}">
+                <a16:creationId xmlns:a16="http://schemas.microsoft.com/office/drawing/2014/main" id="{64DFE264-053D-E57E-8341-B35A7419610A}"/>
+              </a:ext>
+            </a:extLst>
+          </p:cNvPr>
+          <p:cNvSpPr/>
+          <p:nvPr/>
+        </p:nvSpPr>
+        <p:spPr>
+          <a:xfrm>
+            <a:off x="2506367" y="956866"/>
+            <a:ext cx="5623645" cy="526273"/>
+          </a:xfrm>
+          <a:prstGeom prst="rightArrow">
+            <a:avLst/>
+          </a:prstGeom>
+        </p:spPr>
+        <p:style>
+          <a:lnRef idx="2">
+            <a:schemeClr val="accent1">
+              <a:shade val="15000"/>
+            </a:schemeClr>
+          </a:lnRef>
+          <a:fillRef idx="1">
+            <a:schemeClr val="accent1"/>
+          </a:fillRef>
+          <a:effectRef idx="0">
+            <a:schemeClr val="accent1"/>
+          </a:effectRef>
+          <a:fontRef idx="minor">
+            <a:schemeClr val="lt1"/>
+          </a:fontRef>
+        </p:style>
+        <p:txBody>
+          <a:bodyPr rtlCol="0" anchor="ctr"/>
+          <a:lstStyle/>
+          <a:p>
+            <a:pPr algn="ctr"/>
+            <a:endParaRPr lang="en-US" dirty="0"/>
+          </a:p>
+        </p:txBody>
+      </p:sp>
+      <p:sp>
+        <p:nvSpPr>
+          <p:cNvPr id="5" name="文本框 7">
+            <a:extLst>
+              <a:ext uri="{FF2B5EF4-FFF2-40B4-BE49-F238E27FC236}">
+                <a16:creationId xmlns:a16="http://schemas.microsoft.com/office/drawing/2014/main" id="{0179D6FF-D881-8574-61D1-3BF2ABF3B146}"/>
+              </a:ext>
+            </a:extLst>
+          </p:cNvPr>
+          <p:cNvSpPr txBox="1"/>
+          <p:nvPr/>
+        </p:nvSpPr>
+        <p:spPr>
+          <a:xfrm>
+            <a:off x="4887754" y="1035335"/>
+            <a:ext cx="1038293" cy="369332"/>
+          </a:xfrm>
+          <a:prstGeom prst="rect">
+            <a:avLst/>
+          </a:prstGeom>
+          <a:noFill/>
+        </p:spPr>
+        <p:txBody>
+          <a:bodyPr wrap="square" rtlCol="0">
+            <a:spAutoFit/>
+          </a:bodyPr>
+          <a:lstStyle/>
+          <a:p>
+            <a:r>
+              <a:rPr lang="en-US" dirty="0">
+                <a:solidFill>
+                  <a:schemeClr val="bg1"/>
+                </a:solidFill>
+              </a:rPr>
+              <a:t>Output1</a:t>
+            </a:r>
+          </a:p>
+        </p:txBody>
+      </p:sp>
+      <p:sp>
+        <p:nvSpPr>
+          <p:cNvPr id="6" name="左大括号 9">
+            <a:extLst>
+              <a:ext uri="{FF2B5EF4-FFF2-40B4-BE49-F238E27FC236}">
+                <a16:creationId xmlns:a16="http://schemas.microsoft.com/office/drawing/2014/main" id="{BFB719B0-9141-0FFE-9C7E-316EE1786CA7}"/>
+              </a:ext>
+            </a:extLst>
+          </p:cNvPr>
+          <p:cNvSpPr/>
+          <p:nvPr/>
+        </p:nvSpPr>
+        <p:spPr>
+          <a:xfrm rot="5400000">
+            <a:off x="5206354" y="-1976661"/>
+            <a:ext cx="243405" cy="5623644"/>
+          </a:xfrm>
+          <a:prstGeom prst="leftBrace">
+            <a:avLst>
+              <a:gd name="adj1" fmla="val 48873"/>
+              <a:gd name="adj2" fmla="val 50109"/>
+            </a:avLst>
+          </a:prstGeom>
+        </p:spPr>
+        <p:style>
+          <a:lnRef idx="2">
+            <a:schemeClr val="accent1"/>
+          </a:lnRef>
+          <a:fillRef idx="0">
+            <a:schemeClr val="accent1"/>
+          </a:fillRef>
+          <a:effectRef idx="1">
+            <a:schemeClr val="accent1"/>
+          </a:effectRef>
+          <a:fontRef idx="minor">
+            <a:schemeClr val="tx1"/>
+          </a:fontRef>
+        </p:style>
+        <p:txBody>
+          <a:bodyPr rtlCol="0" anchor="ctr"/>
+          <a:lstStyle/>
+          <a:p>
+            <a:pPr algn="ctr"/>
+            <a:endParaRPr lang="en-US"/>
+          </a:p>
+        </p:txBody>
+      </p:sp>
+      <p:sp>
+        <p:nvSpPr>
+          <p:cNvPr id="7" name="文本框 10">
+            <a:extLst>
+              <a:ext uri="{FF2B5EF4-FFF2-40B4-BE49-F238E27FC236}">
+                <a16:creationId xmlns:a16="http://schemas.microsoft.com/office/drawing/2014/main" id="{EE64A98B-1F50-C433-55B2-13DF53C54992}"/>
+              </a:ext>
+            </a:extLst>
+          </p:cNvPr>
+          <p:cNvSpPr txBox="1"/>
+          <p:nvPr/>
+        </p:nvSpPr>
+        <p:spPr>
+          <a:xfrm>
+            <a:off x="4475507" y="285089"/>
+            <a:ext cx="2097418" cy="369332"/>
+          </a:xfrm>
+          <a:prstGeom prst="rect">
+            <a:avLst/>
+          </a:prstGeom>
+          <a:noFill/>
+        </p:spPr>
+        <p:txBody>
+          <a:bodyPr wrap="square" rtlCol="0">
+            <a:spAutoFit/>
+          </a:bodyPr>
+          <a:lstStyle/>
+          <a:p>
+            <a:r>
+              <a:rPr lang="en-US" dirty="0" err="1">
+                <a:latin typeface="Consolas" panose="020B0609020204030204" pitchFamily="49" charset="0"/>
+              </a:rPr>
+              <a:t>output_interval</a:t>
+            </a:r>
+            <a:endParaRPr lang="en-US" dirty="0">
+              <a:latin typeface="Consolas" panose="020B0609020204030204" pitchFamily="49" charset="0"/>
+            </a:endParaRPr>
+          </a:p>
+        </p:txBody>
+      </p:sp>
+      <p:cxnSp>
+        <p:nvCxnSpPr>
+          <p:cNvPr id="8" name="直接箭头连接符 12">
+            <a:extLst>
+              <a:ext uri="{FF2B5EF4-FFF2-40B4-BE49-F238E27FC236}">
+                <a16:creationId xmlns:a16="http://schemas.microsoft.com/office/drawing/2014/main" id="{11F486F1-2E2D-A9A7-690D-8BBE562485FC}"/>
+              </a:ext>
+            </a:extLst>
+          </p:cNvPr>
+          <p:cNvCxnSpPr>
+            <a:cxnSpLocks/>
+          </p:cNvCxnSpPr>
+          <p:nvPr/>
+        </p:nvCxnSpPr>
+        <p:spPr>
+          <a:xfrm flipV="1">
+            <a:off x="2506367" y="1647423"/>
+            <a:ext cx="2381387" cy="11339"/>
+          </a:xfrm>
+          <a:prstGeom prst="straightConnector1">
+            <a:avLst/>
+          </a:prstGeom>
+          <a:ln>
+            <a:tailEnd type="triangle"/>
+          </a:ln>
+        </p:spPr>
+        <p:style>
+          <a:lnRef idx="2">
+            <a:schemeClr val="dk1"/>
+          </a:lnRef>
+          <a:fillRef idx="0">
+            <a:schemeClr val="dk1"/>
+          </a:fillRef>
+          <a:effectRef idx="1">
+            <a:schemeClr val="dk1"/>
+          </a:effectRef>
+          <a:fontRef idx="minor">
+            <a:schemeClr val="tx1"/>
+          </a:fontRef>
+        </p:style>
+      </p:cxnSp>
+      <mc:AlternateContent xmlns:mc="http://schemas.openxmlformats.org/markup-compatibility/2006">
+        <mc:Choice xmlns:a14="http://schemas.microsoft.com/office/drawing/2010/main" Requires="a14">
+          <p:sp>
+            <p:nvSpPr>
+              <p:cNvPr id="9" name="文本框 20">
+                <a:extLst>
+                  <a:ext uri="{FF2B5EF4-FFF2-40B4-BE49-F238E27FC236}">
+                    <a16:creationId xmlns:a16="http://schemas.microsoft.com/office/drawing/2014/main" id="{DE58C8F5-A0D2-0513-9490-CAAB6872D14B}"/>
+                  </a:ext>
+                </a:extLst>
+              </p:cNvPr>
+              <p:cNvSpPr txBox="1"/>
+              <p:nvPr/>
+            </p:nvSpPr>
+            <p:spPr>
+              <a:xfrm>
+                <a:off x="3378556" y="1647423"/>
+                <a:ext cx="637008" cy="369332"/>
+              </a:xfrm>
+              <a:prstGeom prst="rect">
+                <a:avLst/>
+              </a:prstGeom>
+              <a:noFill/>
+            </p:spPr>
+            <p:txBody>
+              <a:bodyPr wrap="square" rtlCol="0">
+                <a:spAutoFit/>
+              </a:bodyPr>
+              <a:lstStyle/>
+              <a:p>
+                <a:pPr/>
+                <a14:m>
+                  <m:oMathPara xmlns:m="http://schemas.openxmlformats.org/officeDocument/2006/math">
+                    <m:oMathParaPr>
+                      <m:jc m:val="centerGroup"/>
+                    </m:oMathParaPr>
+                    <m:oMath xmlns:m="http://schemas.openxmlformats.org/officeDocument/2006/math">
+                      <m:r>
+                        <m:rPr>
+                          <m:sty m:val="p"/>
+                        </m:rPr>
+                        <a:rPr lang="en-US" b="0" i="0" smtClean="0">
+                          <a:latin typeface="Cambria Math" panose="02040503050406030204" pitchFamily="18" charset="0"/>
+                        </a:rPr>
+                        <m:t>Δ</m:t>
+                      </m:r>
+                      <m:sSub>
+                        <m:sSubPr>
+                          <m:ctrlPr>
+                            <a:rPr lang="en-US" b="0" i="1" smtClean="0">
+                              <a:latin typeface="Cambria Math" panose="02040503050406030204" pitchFamily="18" charset="0"/>
+                            </a:rPr>
+                          </m:ctrlPr>
+                        </m:sSubPr>
+                        <m:e>
+                          <m:r>
+                            <a:rPr lang="en-US" b="0" i="1" smtClean="0">
+                              <a:latin typeface="Cambria Math" panose="02040503050406030204" pitchFamily="18" charset="0"/>
+                            </a:rPr>
+                            <m:t>𝑡</m:t>
+                          </m:r>
+                        </m:e>
+                        <m:sub>
+                          <m:r>
+                            <m:rPr>
+                              <m:sty m:val="p"/>
+                            </m:rPr>
+                            <a:rPr lang="en-US" b="0" i="0" smtClean="0">
+                              <a:latin typeface="Cambria Math" panose="02040503050406030204" pitchFamily="18" charset="0"/>
+                            </a:rPr>
+                            <m:t>ad</m:t>
+                          </m:r>
+                        </m:sub>
+                      </m:sSub>
+                    </m:oMath>
+                  </m:oMathPara>
+                </a14:m>
+                <a:endParaRPr lang="en-US" dirty="0">
+                  <a:latin typeface="Consolas" panose="020B0609020204030204" pitchFamily="49" charset="0"/>
+                </a:endParaRPr>
+              </a:p>
+            </p:txBody>
+          </p:sp>
+        </mc:Choice>
+        <mc:Fallback>
+          <p:sp>
+            <p:nvSpPr>
+              <p:cNvPr id="9" name="文本框 20">
+                <a:extLst>
+                  <a:ext uri="{FF2B5EF4-FFF2-40B4-BE49-F238E27FC236}">
+                    <a16:creationId xmlns:a16="http://schemas.microsoft.com/office/drawing/2014/main" id="{DE58C8F5-A0D2-0513-9490-CAAB6872D14B}"/>
+                  </a:ext>
+                </a:extLst>
+              </p:cNvPr>
+              <p:cNvSpPr txBox="1">
+                <a:spLocks noRot="1" noChangeAspect="1" noMove="1" noResize="1" noEditPoints="1" noAdjustHandles="1" noChangeArrowheads="1" noChangeShapeType="1" noTextEdit="1"/>
+              </p:cNvSpPr>
+              <p:nvPr/>
+            </p:nvSpPr>
+            <p:spPr>
+              <a:xfrm>
+                <a:off x="3378556" y="1647423"/>
+                <a:ext cx="637008" cy="369332"/>
+              </a:xfrm>
+              <a:prstGeom prst="rect">
+                <a:avLst/>
+              </a:prstGeom>
+              <a:blipFill>
+                <a:blip r:embed="rId2"/>
+                <a:stretch>
+                  <a:fillRect/>
+                </a:stretch>
+              </a:blipFill>
+            </p:spPr>
+            <p:txBody>
+              <a:bodyPr/>
+              <a:lstStyle/>
+              <a:p>
+                <a:r>
+                  <a:rPr lang="en-US">
+                    <a:noFill/>
+                  </a:rPr>
+                  <a:t> </a:t>
+                </a:r>
+              </a:p>
+            </p:txBody>
+          </p:sp>
+        </mc:Fallback>
+      </mc:AlternateContent>
+      <mc:AlternateContent xmlns:mc="http://schemas.openxmlformats.org/markup-compatibility/2006">
+        <mc:Choice xmlns:a14="http://schemas.microsoft.com/office/drawing/2010/main" Requires="a14">
+          <p:sp>
+            <p:nvSpPr>
+              <p:cNvPr id="10" name="文本框 21">
+                <a:extLst>
+                  <a:ext uri="{FF2B5EF4-FFF2-40B4-BE49-F238E27FC236}">
+                    <a16:creationId xmlns:a16="http://schemas.microsoft.com/office/drawing/2014/main" id="{8B12A540-8F59-9F48-03F8-E34BF931808B}"/>
+                  </a:ext>
+                </a:extLst>
+              </p:cNvPr>
+              <p:cNvSpPr txBox="1"/>
+              <p:nvPr/>
+            </p:nvSpPr>
+            <p:spPr>
+              <a:xfrm>
+                <a:off x="6563058" y="1615474"/>
+                <a:ext cx="637008" cy="369332"/>
+              </a:xfrm>
+              <a:prstGeom prst="rect">
+                <a:avLst/>
+              </a:prstGeom>
+              <a:noFill/>
+            </p:spPr>
+            <p:txBody>
+              <a:bodyPr wrap="square" rtlCol="0">
+                <a:spAutoFit/>
+              </a:bodyPr>
+              <a:lstStyle/>
+              <a:p>
+                <a:pPr/>
+                <a14:m>
+                  <m:oMathPara xmlns:m="http://schemas.openxmlformats.org/officeDocument/2006/math">
+                    <m:oMathParaPr>
+                      <m:jc m:val="centerGroup"/>
+                    </m:oMathParaPr>
+                    <m:oMath xmlns:m="http://schemas.openxmlformats.org/officeDocument/2006/math">
+                      <m:r>
+                        <m:rPr>
+                          <m:sty m:val="p"/>
+                        </m:rPr>
+                        <a:rPr lang="en-US" b="0" i="0" smtClean="0">
+                          <a:latin typeface="Cambria Math" panose="02040503050406030204" pitchFamily="18" charset="0"/>
+                        </a:rPr>
+                        <m:t>Δ</m:t>
+                      </m:r>
+                      <m:sSub>
+                        <m:sSubPr>
+                          <m:ctrlPr>
+                            <a:rPr lang="en-US" b="0" i="1" smtClean="0">
+                              <a:latin typeface="Cambria Math" panose="02040503050406030204" pitchFamily="18" charset="0"/>
+                            </a:rPr>
+                          </m:ctrlPr>
+                        </m:sSubPr>
+                        <m:e>
+                          <m:r>
+                            <a:rPr lang="en-US" b="0" i="1" smtClean="0">
+                              <a:latin typeface="Cambria Math" panose="02040503050406030204" pitchFamily="18" charset="0"/>
+                            </a:rPr>
+                            <m:t>𝑡</m:t>
+                          </m:r>
+                        </m:e>
+                        <m:sub>
+                          <m:r>
+                            <m:rPr>
+                              <m:sty m:val="p"/>
+                            </m:rPr>
+                            <a:rPr lang="en-US" b="0" i="0" smtClean="0">
+                              <a:latin typeface="Cambria Math" panose="02040503050406030204" pitchFamily="18" charset="0"/>
+                            </a:rPr>
+                            <m:t>ad</m:t>
+                          </m:r>
+                        </m:sub>
+                      </m:sSub>
+                    </m:oMath>
+                  </m:oMathPara>
+                </a14:m>
+                <a:endParaRPr lang="en-US" dirty="0">
+                  <a:latin typeface="Consolas" panose="020B0609020204030204" pitchFamily="49" charset="0"/>
+                </a:endParaRPr>
+              </a:p>
+            </p:txBody>
+          </p:sp>
+        </mc:Choice>
+        <mc:Fallback>
+          <p:sp>
+            <p:nvSpPr>
+              <p:cNvPr id="10" name="文本框 21">
+                <a:extLst>
+                  <a:ext uri="{FF2B5EF4-FFF2-40B4-BE49-F238E27FC236}">
+                    <a16:creationId xmlns:a16="http://schemas.microsoft.com/office/drawing/2014/main" id="{8B12A540-8F59-9F48-03F8-E34BF931808B}"/>
+                  </a:ext>
+                </a:extLst>
+              </p:cNvPr>
+              <p:cNvSpPr txBox="1">
+                <a:spLocks noRot="1" noChangeAspect="1" noMove="1" noResize="1" noEditPoints="1" noAdjustHandles="1" noChangeArrowheads="1" noChangeShapeType="1" noTextEdit="1"/>
+              </p:cNvSpPr>
+              <p:nvPr/>
+            </p:nvSpPr>
+            <p:spPr>
+              <a:xfrm>
+                <a:off x="6563058" y="1615474"/>
+                <a:ext cx="637008" cy="369332"/>
+              </a:xfrm>
+              <a:prstGeom prst="rect">
+                <a:avLst/>
+              </a:prstGeom>
+              <a:blipFill>
+                <a:blip r:embed="rId3"/>
+                <a:stretch>
+                  <a:fillRect/>
+                </a:stretch>
+              </a:blipFill>
+            </p:spPr>
+            <p:txBody>
+              <a:bodyPr/>
+              <a:lstStyle/>
+              <a:p>
+                <a:r>
+                  <a:rPr lang="en-US">
+                    <a:noFill/>
+                  </a:rPr>
+                  <a:t> </a:t>
+                </a:r>
+              </a:p>
+            </p:txBody>
+          </p:sp>
+        </mc:Fallback>
+      </mc:AlternateContent>
+      <p:cxnSp>
+        <p:nvCxnSpPr>
+          <p:cNvPr id="11" name="直接箭头连接符 22">
+            <a:extLst>
+              <a:ext uri="{FF2B5EF4-FFF2-40B4-BE49-F238E27FC236}">
+                <a16:creationId xmlns:a16="http://schemas.microsoft.com/office/drawing/2014/main" id="{531A180A-2D21-B018-4D12-CF4040BF3CEE}"/>
+              </a:ext>
+            </a:extLst>
+          </p:cNvPr>
+          <p:cNvCxnSpPr>
+            <a:cxnSpLocks/>
+          </p:cNvCxnSpPr>
+          <p:nvPr/>
+        </p:nvCxnSpPr>
+        <p:spPr>
+          <a:xfrm>
+            <a:off x="2516235" y="2188323"/>
+            <a:ext cx="987456" cy="0"/>
+          </a:xfrm>
+          <a:prstGeom prst="straightConnector1">
+            <a:avLst/>
+          </a:prstGeom>
+          <a:ln>
+            <a:tailEnd type="triangle"/>
+          </a:ln>
+        </p:spPr>
+        <p:style>
+          <a:lnRef idx="2">
+            <a:schemeClr val="accent6"/>
+          </a:lnRef>
+          <a:fillRef idx="0">
+            <a:schemeClr val="accent6"/>
+          </a:fillRef>
+          <a:effectRef idx="1">
+            <a:schemeClr val="accent6"/>
+          </a:effectRef>
+          <a:fontRef idx="minor">
+            <a:schemeClr val="tx1"/>
+          </a:fontRef>
+        </p:style>
+      </p:cxnSp>
+      <mc:AlternateContent xmlns:mc="http://schemas.openxmlformats.org/markup-compatibility/2006">
+        <mc:Choice xmlns:a14="http://schemas.microsoft.com/office/drawing/2010/main" Requires="a14">
+          <p:sp>
+            <p:nvSpPr>
+              <p:cNvPr id="12" name="文本框 28">
+                <a:extLst>
+                  <a:ext uri="{FF2B5EF4-FFF2-40B4-BE49-F238E27FC236}">
+                    <a16:creationId xmlns:a16="http://schemas.microsoft.com/office/drawing/2014/main" id="{04EDD95C-B290-8A14-0A11-ADD1D77025CD}"/>
+                  </a:ext>
+                </a:extLst>
+              </p:cNvPr>
+              <p:cNvSpPr txBox="1"/>
+              <p:nvPr/>
+            </p:nvSpPr>
+            <p:spPr>
+              <a:xfrm>
+                <a:off x="2654980" y="2150081"/>
+                <a:ext cx="637008" cy="369332"/>
+              </a:xfrm>
+              <a:prstGeom prst="rect">
+                <a:avLst/>
+              </a:prstGeom>
+              <a:noFill/>
+            </p:spPr>
+            <p:txBody>
+              <a:bodyPr wrap="square" rtlCol="0">
+                <a:spAutoFit/>
+              </a:bodyPr>
+              <a:lstStyle/>
+              <a:p>
+                <a:pPr/>
+                <a14:m>
+                  <m:oMathPara xmlns:m="http://schemas.openxmlformats.org/officeDocument/2006/math">
+                    <m:oMathParaPr>
+                      <m:jc m:val="centerGroup"/>
+                    </m:oMathParaPr>
+                    <m:oMath xmlns:m="http://schemas.openxmlformats.org/officeDocument/2006/math">
+                      <m:r>
+                        <m:rPr>
+                          <m:sty m:val="p"/>
+                        </m:rPr>
+                        <a:rPr lang="en-US" b="0" i="0" smtClean="0">
+                          <a:latin typeface="Cambria Math" panose="02040503050406030204" pitchFamily="18" charset="0"/>
+                        </a:rPr>
+                        <m:t>Δ</m:t>
+                      </m:r>
+                      <m:sSub>
+                        <m:sSubPr>
+                          <m:ctrlPr>
+                            <a:rPr lang="en-US" b="0" i="1" smtClean="0">
+                              <a:latin typeface="Cambria Math" panose="02040503050406030204" pitchFamily="18" charset="0"/>
+                            </a:rPr>
+                          </m:ctrlPr>
+                        </m:sSubPr>
+                        <m:e>
+                          <m:r>
+                            <a:rPr lang="en-US" b="0" i="1" smtClean="0">
+                              <a:latin typeface="Cambria Math" panose="02040503050406030204" pitchFamily="18" charset="0"/>
+                            </a:rPr>
+                            <m:t>𝑡</m:t>
+                          </m:r>
+                        </m:e>
+                        <m:sub>
+                          <m:r>
+                            <m:rPr>
+                              <m:sty m:val="p"/>
+                            </m:rPr>
+                            <a:rPr lang="en-US" b="0" i="0" smtClean="0">
+                              <a:latin typeface="Cambria Math" panose="02040503050406030204" pitchFamily="18" charset="0"/>
+                            </a:rPr>
+                            <m:t>ac</m:t>
+                          </m:r>
+                        </m:sub>
+                      </m:sSub>
+                    </m:oMath>
+                  </m:oMathPara>
+                </a14:m>
+                <a:endParaRPr lang="en-US" dirty="0">
+                  <a:latin typeface="Consolas" panose="020B0609020204030204" pitchFamily="49" charset="0"/>
+                </a:endParaRPr>
+              </a:p>
+            </p:txBody>
+          </p:sp>
+        </mc:Choice>
+        <mc:Fallback>
+          <p:sp>
+            <p:nvSpPr>
+              <p:cNvPr id="12" name="文本框 28">
+                <a:extLst>
+                  <a:ext uri="{FF2B5EF4-FFF2-40B4-BE49-F238E27FC236}">
+                    <a16:creationId xmlns:a16="http://schemas.microsoft.com/office/drawing/2014/main" id="{04EDD95C-B290-8A14-0A11-ADD1D77025CD}"/>
+                  </a:ext>
+                </a:extLst>
+              </p:cNvPr>
+              <p:cNvSpPr txBox="1">
+                <a:spLocks noRot="1" noChangeAspect="1" noMove="1" noResize="1" noEditPoints="1" noAdjustHandles="1" noChangeArrowheads="1" noChangeShapeType="1" noTextEdit="1"/>
+              </p:cNvSpPr>
+              <p:nvPr/>
+            </p:nvSpPr>
+            <p:spPr>
+              <a:xfrm>
+                <a:off x="2654980" y="2150081"/>
+                <a:ext cx="637008" cy="369332"/>
+              </a:xfrm>
+              <a:prstGeom prst="rect">
+                <a:avLst/>
+              </a:prstGeom>
+              <a:blipFill>
+                <a:blip r:embed="rId4"/>
+                <a:stretch>
+                  <a:fillRect/>
+                </a:stretch>
+              </a:blipFill>
+            </p:spPr>
+            <p:txBody>
+              <a:bodyPr/>
+              <a:lstStyle/>
+              <a:p>
+                <a:r>
+                  <a:rPr lang="en-US">
+                    <a:noFill/>
+                  </a:rPr>
+                  <a:t> </a:t>
+                </a:r>
+              </a:p>
+            </p:txBody>
+          </p:sp>
+        </mc:Fallback>
+      </mc:AlternateContent>
+      <mc:AlternateContent xmlns:mc="http://schemas.openxmlformats.org/markup-compatibility/2006">
+        <mc:Choice xmlns:a14="http://schemas.microsoft.com/office/drawing/2010/main" Requires="a14">
+          <p:sp>
+            <p:nvSpPr>
+              <p:cNvPr id="13" name="文本框 29">
+                <a:extLst>
+                  <a:ext uri="{FF2B5EF4-FFF2-40B4-BE49-F238E27FC236}">
+                    <a16:creationId xmlns:a16="http://schemas.microsoft.com/office/drawing/2014/main" id="{3AE38834-17E7-7672-4B93-85F62285A007}"/>
+                  </a:ext>
+                </a:extLst>
+              </p:cNvPr>
+              <p:cNvSpPr txBox="1"/>
+              <p:nvPr/>
+            </p:nvSpPr>
+            <p:spPr>
+              <a:xfrm>
+                <a:off x="3576991" y="2156428"/>
+                <a:ext cx="637008" cy="369332"/>
+              </a:xfrm>
+              <a:prstGeom prst="rect">
+                <a:avLst/>
+              </a:prstGeom>
+              <a:noFill/>
+            </p:spPr>
+            <p:txBody>
+              <a:bodyPr wrap="square" rtlCol="0">
+                <a:spAutoFit/>
+              </a:bodyPr>
+              <a:lstStyle/>
+              <a:p>
+                <a:pPr/>
+                <a14:m>
+                  <m:oMathPara xmlns:m="http://schemas.openxmlformats.org/officeDocument/2006/math">
+                    <m:oMathParaPr>
+                      <m:jc m:val="centerGroup"/>
+                    </m:oMathParaPr>
+                    <m:oMath xmlns:m="http://schemas.openxmlformats.org/officeDocument/2006/math">
+                      <m:r>
+                        <m:rPr>
+                          <m:sty m:val="p"/>
+                        </m:rPr>
+                        <a:rPr lang="en-US" b="0" i="0" smtClean="0">
+                          <a:latin typeface="Cambria Math" panose="02040503050406030204" pitchFamily="18" charset="0"/>
+                        </a:rPr>
+                        <m:t>Δ</m:t>
+                      </m:r>
+                      <m:sSub>
+                        <m:sSubPr>
+                          <m:ctrlPr>
+                            <a:rPr lang="en-US" b="0" i="1" smtClean="0">
+                              <a:latin typeface="Cambria Math" panose="02040503050406030204" pitchFamily="18" charset="0"/>
+                            </a:rPr>
+                          </m:ctrlPr>
+                        </m:sSubPr>
+                        <m:e>
+                          <m:r>
+                            <a:rPr lang="en-US" b="0" i="1" smtClean="0">
+                              <a:latin typeface="Cambria Math" panose="02040503050406030204" pitchFamily="18" charset="0"/>
+                            </a:rPr>
+                            <m:t>𝑡</m:t>
+                          </m:r>
+                        </m:e>
+                        <m:sub>
+                          <m:r>
+                            <m:rPr>
+                              <m:sty m:val="p"/>
+                            </m:rPr>
+                            <a:rPr lang="en-US" b="0" i="0" smtClean="0">
+                              <a:latin typeface="Cambria Math" panose="02040503050406030204" pitchFamily="18" charset="0"/>
+                            </a:rPr>
+                            <m:t>ac</m:t>
+                          </m:r>
+                        </m:sub>
+                      </m:sSub>
+                    </m:oMath>
+                  </m:oMathPara>
+                </a14:m>
+                <a:endParaRPr lang="en-US" dirty="0">
+                  <a:latin typeface="Consolas" panose="020B0609020204030204" pitchFamily="49" charset="0"/>
+                </a:endParaRPr>
+              </a:p>
+            </p:txBody>
+          </p:sp>
+        </mc:Choice>
+        <mc:Fallback>
+          <p:sp>
+            <p:nvSpPr>
+              <p:cNvPr id="13" name="文本框 29">
+                <a:extLst>
+                  <a:ext uri="{FF2B5EF4-FFF2-40B4-BE49-F238E27FC236}">
+                    <a16:creationId xmlns:a16="http://schemas.microsoft.com/office/drawing/2014/main" id="{3AE38834-17E7-7672-4B93-85F62285A007}"/>
+                  </a:ext>
+                </a:extLst>
+              </p:cNvPr>
+              <p:cNvSpPr txBox="1">
+                <a:spLocks noRot="1" noChangeAspect="1" noMove="1" noResize="1" noEditPoints="1" noAdjustHandles="1" noChangeArrowheads="1" noChangeShapeType="1" noTextEdit="1"/>
+              </p:cNvSpPr>
+              <p:nvPr/>
+            </p:nvSpPr>
+            <p:spPr>
+              <a:xfrm>
+                <a:off x="3576991" y="2156428"/>
+                <a:ext cx="637008" cy="369332"/>
+              </a:xfrm>
+              <a:prstGeom prst="rect">
+                <a:avLst/>
+              </a:prstGeom>
+              <a:blipFill>
+                <a:blip r:embed="rId5"/>
+                <a:stretch>
+                  <a:fillRect/>
+                </a:stretch>
+              </a:blipFill>
+            </p:spPr>
+            <p:txBody>
+              <a:bodyPr/>
+              <a:lstStyle/>
+              <a:p>
+                <a:r>
+                  <a:rPr lang="en-US">
+                    <a:noFill/>
+                  </a:rPr>
+                  <a:t> </a:t>
+                </a:r>
+              </a:p>
+            </p:txBody>
+          </p:sp>
+        </mc:Fallback>
+      </mc:AlternateContent>
+      <mc:AlternateContent xmlns:mc="http://schemas.openxmlformats.org/markup-compatibility/2006">
+        <mc:Choice xmlns:a14="http://schemas.microsoft.com/office/drawing/2010/main" Requires="a14">
+          <p:sp>
+            <p:nvSpPr>
+              <p:cNvPr id="14" name="文本框 30">
+                <a:extLst>
+                  <a:ext uri="{FF2B5EF4-FFF2-40B4-BE49-F238E27FC236}">
+                    <a16:creationId xmlns:a16="http://schemas.microsoft.com/office/drawing/2014/main" id="{09198C1B-0E27-2F28-2026-2136B785D6D0}"/>
+                  </a:ext>
+                </a:extLst>
+              </p:cNvPr>
+              <p:cNvSpPr txBox="1"/>
+              <p:nvPr/>
+            </p:nvSpPr>
+            <p:spPr>
+              <a:xfrm>
+                <a:off x="4638523" y="2150081"/>
+                <a:ext cx="637008" cy="369332"/>
+              </a:xfrm>
+              <a:prstGeom prst="rect">
+                <a:avLst/>
+              </a:prstGeom>
+              <a:noFill/>
+            </p:spPr>
+            <p:txBody>
+              <a:bodyPr wrap="square" rtlCol="0">
+                <a:spAutoFit/>
+              </a:bodyPr>
+              <a:lstStyle/>
+              <a:p>
+                <a:pPr/>
+                <a14:m>
+                  <m:oMathPara xmlns:m="http://schemas.openxmlformats.org/officeDocument/2006/math">
+                    <m:oMathParaPr>
+                      <m:jc m:val="centerGroup"/>
+                    </m:oMathParaPr>
+                    <m:oMath xmlns:m="http://schemas.openxmlformats.org/officeDocument/2006/math">
+                      <m:r>
+                        <m:rPr>
+                          <m:sty m:val="p"/>
+                        </m:rPr>
+                        <a:rPr lang="en-US" b="0" i="0" smtClean="0">
+                          <a:latin typeface="Cambria Math" panose="02040503050406030204" pitchFamily="18" charset="0"/>
+                        </a:rPr>
+                        <m:t>Δ</m:t>
+                      </m:r>
+                      <m:sSub>
+                        <m:sSubPr>
+                          <m:ctrlPr>
+                            <a:rPr lang="en-US" b="0" i="1" smtClean="0">
+                              <a:latin typeface="Cambria Math" panose="02040503050406030204" pitchFamily="18" charset="0"/>
+                            </a:rPr>
+                          </m:ctrlPr>
+                        </m:sSubPr>
+                        <m:e>
+                          <m:r>
+                            <a:rPr lang="en-US" b="0" i="1" smtClean="0">
+                              <a:latin typeface="Cambria Math" panose="02040503050406030204" pitchFamily="18" charset="0"/>
+                            </a:rPr>
+                            <m:t>𝑡</m:t>
+                          </m:r>
+                        </m:e>
+                        <m:sub>
+                          <m:r>
+                            <m:rPr>
+                              <m:sty m:val="p"/>
+                            </m:rPr>
+                            <a:rPr lang="en-US" b="0" i="0" smtClean="0">
+                              <a:latin typeface="Cambria Math" panose="02040503050406030204" pitchFamily="18" charset="0"/>
+                            </a:rPr>
+                            <m:t>ac</m:t>
+                          </m:r>
+                        </m:sub>
+                      </m:sSub>
+                    </m:oMath>
+                  </m:oMathPara>
+                </a14:m>
+                <a:endParaRPr lang="en-US" dirty="0">
+                  <a:latin typeface="Consolas" panose="020B0609020204030204" pitchFamily="49" charset="0"/>
+                </a:endParaRPr>
+              </a:p>
+            </p:txBody>
+          </p:sp>
+        </mc:Choice>
+        <mc:Fallback>
+          <p:sp>
+            <p:nvSpPr>
+              <p:cNvPr id="14" name="文本框 30">
+                <a:extLst>
+                  <a:ext uri="{FF2B5EF4-FFF2-40B4-BE49-F238E27FC236}">
+                    <a16:creationId xmlns:a16="http://schemas.microsoft.com/office/drawing/2014/main" id="{09198C1B-0E27-2F28-2026-2136B785D6D0}"/>
+                  </a:ext>
+                </a:extLst>
+              </p:cNvPr>
+              <p:cNvSpPr txBox="1">
+                <a:spLocks noRot="1" noChangeAspect="1" noMove="1" noResize="1" noEditPoints="1" noAdjustHandles="1" noChangeArrowheads="1" noChangeShapeType="1" noTextEdit="1"/>
+              </p:cNvSpPr>
+              <p:nvPr/>
+            </p:nvSpPr>
+            <p:spPr>
+              <a:xfrm>
+                <a:off x="4638523" y="2150081"/>
+                <a:ext cx="637008" cy="369332"/>
+              </a:xfrm>
+              <a:prstGeom prst="rect">
+                <a:avLst/>
+              </a:prstGeom>
+              <a:blipFill>
+                <a:blip r:embed="rId6"/>
+                <a:stretch>
+                  <a:fillRect/>
+                </a:stretch>
+              </a:blipFill>
+            </p:spPr>
+            <p:txBody>
+              <a:bodyPr/>
+              <a:lstStyle/>
+              <a:p>
+                <a:r>
+                  <a:rPr lang="en-US">
+                    <a:noFill/>
+                  </a:rPr>
+                  <a:t> </a:t>
+                </a:r>
+              </a:p>
+            </p:txBody>
+          </p:sp>
+        </mc:Fallback>
+      </mc:AlternateContent>
+      <p:cxnSp>
+        <p:nvCxnSpPr>
+          <p:cNvPr id="16" name="直接箭头连接符 12">
+            <a:extLst>
+              <a:ext uri="{FF2B5EF4-FFF2-40B4-BE49-F238E27FC236}">
+                <a16:creationId xmlns:a16="http://schemas.microsoft.com/office/drawing/2014/main" id="{3D34F19A-4C5A-F2D9-9919-F061AA7DCD77}"/>
+              </a:ext>
+            </a:extLst>
+          </p:cNvPr>
+          <p:cNvCxnSpPr>
+            <a:cxnSpLocks/>
+          </p:cNvCxnSpPr>
+          <p:nvPr/>
+        </p:nvCxnSpPr>
+        <p:spPr>
+          <a:xfrm flipV="1">
+            <a:off x="5478603" y="1636084"/>
+            <a:ext cx="2381387" cy="11339"/>
+          </a:xfrm>
+          <a:prstGeom prst="straightConnector1">
+            <a:avLst/>
+          </a:prstGeom>
+          <a:ln>
+            <a:tailEnd type="triangle"/>
+          </a:ln>
+        </p:spPr>
+        <p:style>
+          <a:lnRef idx="2">
+            <a:schemeClr val="dk1"/>
+          </a:lnRef>
+          <a:fillRef idx="0">
+            <a:schemeClr val="dk1"/>
+          </a:fillRef>
+          <a:effectRef idx="1">
+            <a:schemeClr val="dk1"/>
+          </a:effectRef>
+          <a:fontRef idx="minor">
+            <a:schemeClr val="tx1"/>
+          </a:fontRef>
+        </p:style>
+      </p:cxnSp>
+      <p:cxnSp>
+        <p:nvCxnSpPr>
+          <p:cNvPr id="17" name="直接箭头连接符 22">
+            <a:extLst>
+              <a:ext uri="{FF2B5EF4-FFF2-40B4-BE49-F238E27FC236}">
+                <a16:creationId xmlns:a16="http://schemas.microsoft.com/office/drawing/2014/main" id="{F844DEA9-455A-F91E-0836-C2C85715F6F3}"/>
+              </a:ext>
+            </a:extLst>
+          </p:cNvPr>
+          <p:cNvCxnSpPr>
+            <a:cxnSpLocks/>
+          </p:cNvCxnSpPr>
+          <p:nvPr/>
+        </p:nvCxnSpPr>
+        <p:spPr>
+          <a:xfrm>
+            <a:off x="3503691" y="2188323"/>
+            <a:ext cx="987456" cy="0"/>
+          </a:xfrm>
+          <a:prstGeom prst="straightConnector1">
+            <a:avLst/>
+          </a:prstGeom>
+          <a:ln>
+            <a:tailEnd type="triangle"/>
+          </a:ln>
+        </p:spPr>
+        <p:style>
+          <a:lnRef idx="2">
+            <a:schemeClr val="accent6"/>
+          </a:lnRef>
+          <a:fillRef idx="0">
+            <a:schemeClr val="accent6"/>
+          </a:fillRef>
+          <a:effectRef idx="1">
+            <a:schemeClr val="accent6"/>
+          </a:effectRef>
+          <a:fontRef idx="minor">
+            <a:schemeClr val="tx1"/>
+          </a:fontRef>
+        </p:style>
+      </p:cxnSp>
+      <p:cxnSp>
+        <p:nvCxnSpPr>
+          <p:cNvPr id="18" name="直接箭头连接符 22">
+            <a:extLst>
+              <a:ext uri="{FF2B5EF4-FFF2-40B4-BE49-F238E27FC236}">
+                <a16:creationId xmlns:a16="http://schemas.microsoft.com/office/drawing/2014/main" id="{D7D8823A-1E1D-739C-E410-893B177D978A}"/>
+              </a:ext>
+            </a:extLst>
+          </p:cNvPr>
+          <p:cNvCxnSpPr>
+            <a:cxnSpLocks/>
+          </p:cNvCxnSpPr>
+          <p:nvPr/>
+        </p:nvCxnSpPr>
+        <p:spPr>
+          <a:xfrm>
+            <a:off x="4491147" y="2188323"/>
+            <a:ext cx="987456" cy="0"/>
+          </a:xfrm>
+          <a:prstGeom prst="straightConnector1">
+            <a:avLst/>
+          </a:prstGeom>
+          <a:ln>
+            <a:tailEnd type="triangle"/>
+          </a:ln>
+        </p:spPr>
+        <p:style>
+          <a:lnRef idx="2">
+            <a:schemeClr val="accent6"/>
+          </a:lnRef>
+          <a:fillRef idx="0">
+            <a:schemeClr val="accent6"/>
+          </a:fillRef>
+          <a:effectRef idx="1">
+            <a:schemeClr val="accent6"/>
+          </a:effectRef>
+          <a:fontRef idx="minor">
+            <a:schemeClr val="tx1"/>
+          </a:fontRef>
+        </p:style>
+      </p:cxnSp>
+      <p:cxnSp>
+        <p:nvCxnSpPr>
+          <p:cNvPr id="19" name="直接箭头连接符 22">
+            <a:extLst>
+              <a:ext uri="{FF2B5EF4-FFF2-40B4-BE49-F238E27FC236}">
+                <a16:creationId xmlns:a16="http://schemas.microsoft.com/office/drawing/2014/main" id="{9571EF1D-DC2C-E74A-B3B4-41A10D3FBA5D}"/>
+              </a:ext>
+            </a:extLst>
+          </p:cNvPr>
+          <p:cNvCxnSpPr>
+            <a:cxnSpLocks/>
+          </p:cNvCxnSpPr>
+          <p:nvPr/>
+        </p:nvCxnSpPr>
+        <p:spPr>
+          <a:xfrm>
+            <a:off x="5478603" y="2188323"/>
+            <a:ext cx="987456" cy="0"/>
+          </a:xfrm>
+          <a:prstGeom prst="straightConnector1">
+            <a:avLst/>
+          </a:prstGeom>
+          <a:ln>
+            <a:tailEnd type="triangle"/>
+          </a:ln>
+        </p:spPr>
+        <p:style>
+          <a:lnRef idx="2">
+            <a:schemeClr val="accent6"/>
+          </a:lnRef>
+          <a:fillRef idx="0">
+            <a:schemeClr val="accent6"/>
+          </a:fillRef>
+          <a:effectRef idx="1">
+            <a:schemeClr val="accent6"/>
+          </a:effectRef>
+          <a:fontRef idx="minor">
+            <a:schemeClr val="tx1"/>
+          </a:fontRef>
+        </p:style>
+      </p:cxnSp>
+      <p:cxnSp>
+        <p:nvCxnSpPr>
+          <p:cNvPr id="20" name="直接箭头连接符 22">
+            <a:extLst>
+              <a:ext uri="{FF2B5EF4-FFF2-40B4-BE49-F238E27FC236}">
+                <a16:creationId xmlns:a16="http://schemas.microsoft.com/office/drawing/2014/main" id="{DE3581A9-DB48-2DAE-FCEF-3DEC6EAB19D0}"/>
+              </a:ext>
+            </a:extLst>
+          </p:cNvPr>
+          <p:cNvCxnSpPr>
+            <a:cxnSpLocks/>
+          </p:cNvCxnSpPr>
+          <p:nvPr/>
+        </p:nvCxnSpPr>
+        <p:spPr>
+          <a:xfrm>
+            <a:off x="6419775" y="2188323"/>
+            <a:ext cx="987456" cy="0"/>
+          </a:xfrm>
+          <a:prstGeom prst="straightConnector1">
+            <a:avLst/>
+          </a:prstGeom>
+          <a:ln>
+            <a:tailEnd type="triangle"/>
+          </a:ln>
+        </p:spPr>
+        <p:style>
+          <a:lnRef idx="2">
+            <a:schemeClr val="accent6"/>
+          </a:lnRef>
+          <a:fillRef idx="0">
+            <a:schemeClr val="accent6"/>
+          </a:fillRef>
+          <a:effectRef idx="1">
+            <a:schemeClr val="accent6"/>
+          </a:effectRef>
+          <a:fontRef idx="minor">
+            <a:schemeClr val="tx1"/>
+          </a:fontRef>
+        </p:style>
+      </p:cxnSp>
+      <p:cxnSp>
+        <p:nvCxnSpPr>
+          <p:cNvPr id="21" name="直接箭头连接符 22">
+            <a:extLst>
+              <a:ext uri="{FF2B5EF4-FFF2-40B4-BE49-F238E27FC236}">
+                <a16:creationId xmlns:a16="http://schemas.microsoft.com/office/drawing/2014/main" id="{20D90118-8EB4-996E-1AFD-E6CC22EFC581}"/>
+              </a:ext>
+            </a:extLst>
+          </p:cNvPr>
+          <p:cNvCxnSpPr>
+            <a:cxnSpLocks/>
+          </p:cNvCxnSpPr>
+          <p:nvPr/>
+        </p:nvCxnSpPr>
+        <p:spPr>
+          <a:xfrm>
+            <a:off x="7407231" y="2188323"/>
+            <a:ext cx="743826" cy="0"/>
+          </a:xfrm>
+          <a:prstGeom prst="straightConnector1">
+            <a:avLst/>
+          </a:prstGeom>
+          <a:ln>
+            <a:tailEnd type="triangle"/>
+          </a:ln>
+        </p:spPr>
+        <p:style>
+          <a:lnRef idx="2">
+            <a:schemeClr val="accent6"/>
+          </a:lnRef>
+          <a:fillRef idx="0">
+            <a:schemeClr val="accent6"/>
+          </a:fillRef>
+          <a:effectRef idx="1">
+            <a:schemeClr val="accent6"/>
+          </a:effectRef>
+          <a:fontRef idx="minor">
+            <a:schemeClr val="tx1"/>
+          </a:fontRef>
+        </p:style>
+      </p:cxnSp>
+      <p:cxnSp>
+        <p:nvCxnSpPr>
+          <p:cNvPr id="23" name="Straight Connector 22">
+            <a:extLst>
+              <a:ext uri="{FF2B5EF4-FFF2-40B4-BE49-F238E27FC236}">
+                <a16:creationId xmlns:a16="http://schemas.microsoft.com/office/drawing/2014/main" id="{84A8309E-3E43-6B3A-6630-7B642011764F}"/>
+              </a:ext>
+            </a:extLst>
+          </p:cNvPr>
+          <p:cNvCxnSpPr/>
+          <p:nvPr/>
+        </p:nvCxnSpPr>
+        <p:spPr>
+          <a:xfrm>
+            <a:off x="8151057" y="759832"/>
+            <a:ext cx="0" cy="1711284"/>
+          </a:xfrm>
+          <a:prstGeom prst="line">
+            <a:avLst/>
+          </a:prstGeom>
+          <a:ln>
+            <a:solidFill>
+              <a:schemeClr val="tx1"/>
+            </a:solidFill>
+            <a:prstDash val="dash"/>
+          </a:ln>
+        </p:spPr>
+        <p:style>
+          <a:lnRef idx="2">
+            <a:schemeClr val="accent1"/>
+          </a:lnRef>
+          <a:fillRef idx="0">
+            <a:schemeClr val="accent1"/>
+          </a:fillRef>
+          <a:effectRef idx="1">
+            <a:schemeClr val="accent1"/>
+          </a:effectRef>
+          <a:fontRef idx="minor">
+            <a:schemeClr val="tx1"/>
+          </a:fontRef>
+        </p:style>
+      </p:cxnSp>
+      <mc:AlternateContent xmlns:mc="http://schemas.openxmlformats.org/markup-compatibility/2006">
+        <mc:Choice xmlns:a14="http://schemas.microsoft.com/office/drawing/2010/main" Requires="a14">
+          <p:sp>
+            <p:nvSpPr>
+              <p:cNvPr id="24" name="文本框 30">
+                <a:extLst>
+                  <a:ext uri="{FF2B5EF4-FFF2-40B4-BE49-F238E27FC236}">
+                    <a16:creationId xmlns:a16="http://schemas.microsoft.com/office/drawing/2014/main" id="{516AC5CE-5CF6-50F5-00A2-2B93F5359E79}"/>
+                  </a:ext>
+                </a:extLst>
+              </p:cNvPr>
+              <p:cNvSpPr txBox="1"/>
+              <p:nvPr/>
+            </p:nvSpPr>
+            <p:spPr>
+              <a:xfrm>
+                <a:off x="5625462" y="2161420"/>
+                <a:ext cx="637008" cy="369332"/>
+              </a:xfrm>
+              <a:prstGeom prst="rect">
+                <a:avLst/>
+              </a:prstGeom>
+              <a:noFill/>
+            </p:spPr>
+            <p:txBody>
+              <a:bodyPr wrap="square" rtlCol="0">
+                <a:spAutoFit/>
+              </a:bodyPr>
+              <a:lstStyle/>
+              <a:p>
+                <a:pPr/>
+                <a14:m>
+                  <m:oMathPara xmlns:m="http://schemas.openxmlformats.org/officeDocument/2006/math">
+                    <m:oMathParaPr>
+                      <m:jc m:val="centerGroup"/>
+                    </m:oMathParaPr>
+                    <m:oMath xmlns:m="http://schemas.openxmlformats.org/officeDocument/2006/math">
+                      <m:r>
+                        <m:rPr>
+                          <m:sty m:val="p"/>
+                        </m:rPr>
+                        <a:rPr lang="en-US" b="0" i="0" smtClean="0">
+                          <a:latin typeface="Cambria Math" panose="02040503050406030204" pitchFamily="18" charset="0"/>
+                        </a:rPr>
+                        <m:t>Δ</m:t>
+                      </m:r>
+                      <m:sSub>
+                        <m:sSubPr>
+                          <m:ctrlPr>
+                            <a:rPr lang="en-US" b="0" i="1" smtClean="0">
+                              <a:latin typeface="Cambria Math" panose="02040503050406030204" pitchFamily="18" charset="0"/>
+                            </a:rPr>
+                          </m:ctrlPr>
+                        </m:sSubPr>
+                        <m:e>
+                          <m:r>
+                            <a:rPr lang="en-US" b="0" i="1" smtClean="0">
+                              <a:latin typeface="Cambria Math" panose="02040503050406030204" pitchFamily="18" charset="0"/>
+                            </a:rPr>
+                            <m:t>𝑡</m:t>
+                          </m:r>
+                        </m:e>
+                        <m:sub>
+                          <m:r>
+                            <m:rPr>
+                              <m:sty m:val="p"/>
+                            </m:rPr>
+                            <a:rPr lang="en-US" b="0" i="0" smtClean="0">
+                              <a:latin typeface="Cambria Math" panose="02040503050406030204" pitchFamily="18" charset="0"/>
+                            </a:rPr>
+                            <m:t>ac</m:t>
+                          </m:r>
+                        </m:sub>
+                      </m:sSub>
+                    </m:oMath>
+                  </m:oMathPara>
+                </a14:m>
+                <a:endParaRPr lang="en-US" dirty="0">
+                  <a:latin typeface="Consolas" panose="020B0609020204030204" pitchFamily="49" charset="0"/>
+                </a:endParaRPr>
+              </a:p>
+            </p:txBody>
+          </p:sp>
+        </mc:Choice>
+        <mc:Fallback>
+          <p:sp>
+            <p:nvSpPr>
+              <p:cNvPr id="24" name="文本框 30">
+                <a:extLst>
+                  <a:ext uri="{FF2B5EF4-FFF2-40B4-BE49-F238E27FC236}">
+                    <a16:creationId xmlns:a16="http://schemas.microsoft.com/office/drawing/2014/main" id="{516AC5CE-5CF6-50F5-00A2-2B93F5359E79}"/>
+                  </a:ext>
+                </a:extLst>
+              </p:cNvPr>
+              <p:cNvSpPr txBox="1">
+                <a:spLocks noRot="1" noChangeAspect="1" noMove="1" noResize="1" noEditPoints="1" noAdjustHandles="1" noChangeArrowheads="1" noChangeShapeType="1" noTextEdit="1"/>
+              </p:cNvSpPr>
+              <p:nvPr/>
+            </p:nvSpPr>
+            <p:spPr>
+              <a:xfrm>
+                <a:off x="5625462" y="2161420"/>
+                <a:ext cx="637008" cy="369332"/>
+              </a:xfrm>
+              <a:prstGeom prst="rect">
+                <a:avLst/>
+              </a:prstGeom>
+              <a:blipFill>
+                <a:blip r:embed="rId7"/>
+                <a:stretch>
+                  <a:fillRect/>
+                </a:stretch>
+              </a:blipFill>
+            </p:spPr>
+            <p:txBody>
+              <a:bodyPr/>
+              <a:lstStyle/>
+              <a:p>
+                <a:r>
+                  <a:rPr lang="en-US">
+                    <a:noFill/>
+                  </a:rPr>
+                  <a:t> </a:t>
+                </a:r>
+              </a:p>
+            </p:txBody>
+          </p:sp>
+        </mc:Fallback>
+      </mc:AlternateContent>
+      <mc:AlternateContent xmlns:mc="http://schemas.openxmlformats.org/markup-compatibility/2006">
+        <mc:Choice xmlns:a14="http://schemas.microsoft.com/office/drawing/2010/main" Requires="a14">
+          <p:sp>
+            <p:nvSpPr>
+              <p:cNvPr id="25" name="文本框 30">
+                <a:extLst>
+                  <a:ext uri="{FF2B5EF4-FFF2-40B4-BE49-F238E27FC236}">
+                    <a16:creationId xmlns:a16="http://schemas.microsoft.com/office/drawing/2014/main" id="{FB1A77E2-4372-12CF-6EF1-80EAB3146F64}"/>
+                  </a:ext>
+                </a:extLst>
+              </p:cNvPr>
+              <p:cNvSpPr txBox="1"/>
+              <p:nvPr/>
+            </p:nvSpPr>
+            <p:spPr>
+              <a:xfrm>
+                <a:off x="6628037" y="2150081"/>
+                <a:ext cx="637008" cy="369332"/>
+              </a:xfrm>
+              <a:prstGeom prst="rect">
+                <a:avLst/>
+              </a:prstGeom>
+              <a:noFill/>
+            </p:spPr>
+            <p:txBody>
+              <a:bodyPr wrap="square" rtlCol="0">
+                <a:spAutoFit/>
+              </a:bodyPr>
+              <a:lstStyle/>
+              <a:p>
+                <a:pPr/>
+                <a14:m>
+                  <m:oMathPara xmlns:m="http://schemas.openxmlformats.org/officeDocument/2006/math">
+                    <m:oMathParaPr>
+                      <m:jc m:val="centerGroup"/>
+                    </m:oMathParaPr>
+                    <m:oMath xmlns:m="http://schemas.openxmlformats.org/officeDocument/2006/math">
+                      <m:r>
+                        <m:rPr>
+                          <m:sty m:val="p"/>
+                        </m:rPr>
+                        <a:rPr lang="en-US" b="0" i="0" smtClean="0">
+                          <a:latin typeface="Cambria Math" panose="02040503050406030204" pitchFamily="18" charset="0"/>
+                        </a:rPr>
+                        <m:t>Δ</m:t>
+                      </m:r>
+                      <m:sSub>
+                        <m:sSubPr>
+                          <m:ctrlPr>
+                            <a:rPr lang="en-US" b="0" i="1" smtClean="0">
+                              <a:latin typeface="Cambria Math" panose="02040503050406030204" pitchFamily="18" charset="0"/>
+                            </a:rPr>
+                          </m:ctrlPr>
+                        </m:sSubPr>
+                        <m:e>
+                          <m:r>
+                            <a:rPr lang="en-US" b="0" i="1" smtClean="0">
+                              <a:latin typeface="Cambria Math" panose="02040503050406030204" pitchFamily="18" charset="0"/>
+                            </a:rPr>
+                            <m:t>𝑡</m:t>
+                          </m:r>
+                        </m:e>
+                        <m:sub>
+                          <m:r>
+                            <m:rPr>
+                              <m:sty m:val="p"/>
+                            </m:rPr>
+                            <a:rPr lang="en-US" b="0" i="0" smtClean="0">
+                              <a:latin typeface="Cambria Math" panose="02040503050406030204" pitchFamily="18" charset="0"/>
+                            </a:rPr>
+                            <m:t>ac</m:t>
+                          </m:r>
+                        </m:sub>
+                      </m:sSub>
+                    </m:oMath>
+                  </m:oMathPara>
+                </a14:m>
+                <a:endParaRPr lang="en-US" dirty="0">
+                  <a:latin typeface="Consolas" panose="020B0609020204030204" pitchFamily="49" charset="0"/>
+                </a:endParaRPr>
+              </a:p>
+            </p:txBody>
+          </p:sp>
+        </mc:Choice>
+        <mc:Fallback>
+          <p:sp>
+            <p:nvSpPr>
+              <p:cNvPr id="25" name="文本框 30">
+                <a:extLst>
+                  <a:ext uri="{FF2B5EF4-FFF2-40B4-BE49-F238E27FC236}">
+                    <a16:creationId xmlns:a16="http://schemas.microsoft.com/office/drawing/2014/main" id="{FB1A77E2-4372-12CF-6EF1-80EAB3146F64}"/>
+                  </a:ext>
+                </a:extLst>
+              </p:cNvPr>
+              <p:cNvSpPr txBox="1">
+                <a:spLocks noRot="1" noChangeAspect="1" noMove="1" noResize="1" noEditPoints="1" noAdjustHandles="1" noChangeArrowheads="1" noChangeShapeType="1" noTextEdit="1"/>
+              </p:cNvSpPr>
+              <p:nvPr/>
+            </p:nvSpPr>
+            <p:spPr>
+              <a:xfrm>
+                <a:off x="6628037" y="2150081"/>
+                <a:ext cx="637008" cy="369332"/>
+              </a:xfrm>
+              <a:prstGeom prst="rect">
+                <a:avLst/>
+              </a:prstGeom>
+              <a:blipFill>
+                <a:blip r:embed="rId8"/>
+                <a:stretch>
+                  <a:fillRect/>
+                </a:stretch>
+              </a:blipFill>
+            </p:spPr>
+            <p:txBody>
+              <a:bodyPr/>
+              <a:lstStyle/>
+              <a:p>
+                <a:r>
+                  <a:rPr lang="en-US">
+                    <a:noFill/>
+                  </a:rPr>
+                  <a:t> </a:t>
+                </a:r>
+              </a:p>
+            </p:txBody>
+          </p:sp>
+        </mc:Fallback>
+      </mc:AlternateContent>
+      <p:cxnSp>
+        <p:nvCxnSpPr>
+          <p:cNvPr id="26" name="Straight Connector 25">
+            <a:extLst>
+              <a:ext uri="{FF2B5EF4-FFF2-40B4-BE49-F238E27FC236}">
+                <a16:creationId xmlns:a16="http://schemas.microsoft.com/office/drawing/2014/main" id="{66658B7F-638D-8642-DD83-665487BAF5FB}"/>
+              </a:ext>
+            </a:extLst>
+          </p:cNvPr>
+          <p:cNvCxnSpPr/>
+          <p:nvPr/>
+        </p:nvCxnSpPr>
+        <p:spPr>
+          <a:xfrm>
+            <a:off x="2506367" y="713458"/>
+            <a:ext cx="0" cy="1711284"/>
+          </a:xfrm>
+          <a:prstGeom prst="line">
+            <a:avLst/>
+          </a:prstGeom>
+          <a:ln>
+            <a:solidFill>
+              <a:schemeClr val="tx1"/>
+            </a:solidFill>
+            <a:prstDash val="dash"/>
+          </a:ln>
+        </p:spPr>
+        <p:style>
+          <a:lnRef idx="2">
+            <a:schemeClr val="accent1"/>
+          </a:lnRef>
+          <a:fillRef idx="0">
+            <a:schemeClr val="accent1"/>
+          </a:fillRef>
+          <a:effectRef idx="1">
+            <a:schemeClr val="accent1"/>
+          </a:effectRef>
+          <a:fontRef idx="minor">
+            <a:schemeClr val="tx1"/>
+          </a:fontRef>
+        </p:style>
+      </p:cxnSp>
+      <p:cxnSp>
+        <p:nvCxnSpPr>
+          <p:cNvPr id="27" name="Straight Connector 26">
+            <a:extLst>
+              <a:ext uri="{FF2B5EF4-FFF2-40B4-BE49-F238E27FC236}">
+                <a16:creationId xmlns:a16="http://schemas.microsoft.com/office/drawing/2014/main" id="{9F79D7D1-1FA8-4F62-3B25-E8805D9BEFF6}"/>
+              </a:ext>
+            </a:extLst>
+          </p:cNvPr>
+          <p:cNvCxnSpPr/>
+          <p:nvPr/>
+        </p:nvCxnSpPr>
+        <p:spPr>
+          <a:xfrm>
+            <a:off x="5478603" y="755569"/>
+            <a:ext cx="0" cy="1711284"/>
+          </a:xfrm>
+          <a:prstGeom prst="line">
+            <a:avLst/>
+          </a:prstGeom>
+          <a:ln>
+            <a:solidFill>
+              <a:schemeClr val="tx1"/>
+            </a:solidFill>
+            <a:prstDash val="dash"/>
+          </a:ln>
+        </p:spPr>
+        <p:style>
+          <a:lnRef idx="2">
+            <a:schemeClr val="accent1"/>
+          </a:lnRef>
+          <a:fillRef idx="0">
+            <a:schemeClr val="accent1"/>
+          </a:fillRef>
+          <a:effectRef idx="1">
+            <a:schemeClr val="accent1"/>
+          </a:effectRef>
+          <a:fontRef idx="minor">
+            <a:schemeClr val="tx1"/>
+          </a:fontRef>
+        </p:style>
+      </p:cxnSp>
+      <p:sp>
+        <p:nvSpPr>
+          <p:cNvPr id="28" name="左大括号 9">
+            <a:extLst>
+              <a:ext uri="{FF2B5EF4-FFF2-40B4-BE49-F238E27FC236}">
+                <a16:creationId xmlns:a16="http://schemas.microsoft.com/office/drawing/2014/main" id="{A832C00A-BC99-A846-B72E-2EA515F29F32}"/>
+              </a:ext>
+            </a:extLst>
+          </p:cNvPr>
+          <p:cNvSpPr/>
+          <p:nvPr/>
+        </p:nvSpPr>
+        <p:spPr>
+          <a:xfrm rot="16200000">
+            <a:off x="3875713" y="1126393"/>
+            <a:ext cx="243405" cy="2962362"/>
+          </a:xfrm>
+          <a:prstGeom prst="leftBrace">
+            <a:avLst>
+              <a:gd name="adj1" fmla="val 48873"/>
+              <a:gd name="adj2" fmla="val 50109"/>
+            </a:avLst>
+          </a:prstGeom>
+          <a:ln>
+            <a:solidFill>
+              <a:schemeClr val="tx1"/>
+            </a:solidFill>
+          </a:ln>
+        </p:spPr>
+        <p:style>
+          <a:lnRef idx="2">
+            <a:schemeClr val="accent1"/>
+          </a:lnRef>
+          <a:fillRef idx="0">
+            <a:schemeClr val="accent1"/>
+          </a:fillRef>
+          <a:effectRef idx="1">
+            <a:schemeClr val="accent1"/>
+          </a:effectRef>
+          <a:fontRef idx="minor">
+            <a:schemeClr val="tx1"/>
+          </a:fontRef>
+        </p:style>
+        <p:txBody>
+          <a:bodyPr rtlCol="0" anchor="ctr"/>
+          <a:lstStyle/>
+          <a:p>
+            <a:pPr algn="ctr"/>
+            <a:endParaRPr lang="en-US"/>
+          </a:p>
+        </p:txBody>
+      </p:sp>
+      <p:sp>
+        <p:nvSpPr>
+          <p:cNvPr id="29" name="TextBox 28">
+            <a:extLst>
+              <a:ext uri="{FF2B5EF4-FFF2-40B4-BE49-F238E27FC236}">
+                <a16:creationId xmlns:a16="http://schemas.microsoft.com/office/drawing/2014/main" id="{945C1D1D-DD92-16A2-BE51-9CA6E7E98841}"/>
+              </a:ext>
+            </a:extLst>
+          </p:cNvPr>
+          <p:cNvSpPr txBox="1"/>
+          <p:nvPr/>
+        </p:nvSpPr>
+        <p:spPr>
+          <a:xfrm>
+            <a:off x="3009964" y="2693304"/>
+            <a:ext cx="1877790" cy="369332"/>
+          </a:xfrm>
+          <a:prstGeom prst="rect">
+            <a:avLst/>
+          </a:prstGeom>
+          <a:noFill/>
+        </p:spPr>
+        <p:txBody>
+          <a:bodyPr wrap="square" rtlCol="0">
+            <a:spAutoFit/>
+          </a:bodyPr>
+          <a:lstStyle/>
+          <a:p>
+            <a:r>
+              <a:rPr lang="zh-CN" altLang="en-US" dirty="0"/>
+              <a:t>第一次中层循环</a:t>
+            </a:r>
+            <a:endParaRPr lang="en-US" dirty="0"/>
+          </a:p>
+        </p:txBody>
+      </p:sp>
+      <p:sp>
+        <p:nvSpPr>
+          <p:cNvPr id="30" name="左大括号 9">
+            <a:extLst>
+              <a:ext uri="{FF2B5EF4-FFF2-40B4-BE49-F238E27FC236}">
+                <a16:creationId xmlns:a16="http://schemas.microsoft.com/office/drawing/2014/main" id="{C47D4E08-6075-A4E3-51DD-C08A74CF2AD1}"/>
+              </a:ext>
+            </a:extLst>
+          </p:cNvPr>
+          <p:cNvSpPr/>
+          <p:nvPr/>
+        </p:nvSpPr>
+        <p:spPr>
+          <a:xfrm rot="16200000">
+            <a:off x="6696336" y="1283361"/>
+            <a:ext cx="243405" cy="2666040"/>
+          </a:xfrm>
+          <a:prstGeom prst="leftBrace">
+            <a:avLst>
+              <a:gd name="adj1" fmla="val 48873"/>
+              <a:gd name="adj2" fmla="val 50109"/>
+            </a:avLst>
+          </a:prstGeom>
+          <a:ln>
+            <a:solidFill>
+              <a:schemeClr val="tx1"/>
+            </a:solidFill>
+          </a:ln>
+        </p:spPr>
+        <p:style>
+          <a:lnRef idx="2">
+            <a:schemeClr val="accent1"/>
+          </a:lnRef>
+          <a:fillRef idx="0">
+            <a:schemeClr val="accent1"/>
+          </a:fillRef>
+          <a:effectRef idx="1">
+            <a:schemeClr val="accent1"/>
+          </a:effectRef>
+          <a:fontRef idx="minor">
+            <a:schemeClr val="tx1"/>
+          </a:fontRef>
+        </p:style>
+        <p:txBody>
+          <a:bodyPr rtlCol="0" anchor="ctr"/>
+          <a:lstStyle/>
+          <a:p>
+            <a:pPr algn="ctr"/>
+            <a:endParaRPr lang="en-US"/>
+          </a:p>
+        </p:txBody>
+      </p:sp>
+      <p:sp>
+        <p:nvSpPr>
+          <p:cNvPr id="31" name="TextBox 30">
+            <a:extLst>
+              <a:ext uri="{FF2B5EF4-FFF2-40B4-BE49-F238E27FC236}">
+                <a16:creationId xmlns:a16="http://schemas.microsoft.com/office/drawing/2014/main" id="{B927D320-B661-3543-2ABD-3E809594204B}"/>
+              </a:ext>
+            </a:extLst>
+          </p:cNvPr>
+          <p:cNvSpPr txBox="1"/>
+          <p:nvPr/>
+        </p:nvSpPr>
+        <p:spPr>
+          <a:xfrm>
+            <a:off x="5947482" y="2690418"/>
+            <a:ext cx="1877790" cy="369332"/>
+          </a:xfrm>
+          <a:prstGeom prst="rect">
+            <a:avLst/>
+          </a:prstGeom>
+          <a:noFill/>
+        </p:spPr>
+        <p:txBody>
+          <a:bodyPr wrap="square" rtlCol="0">
+            <a:spAutoFit/>
+          </a:bodyPr>
+          <a:lstStyle/>
+          <a:p>
+            <a:r>
+              <a:rPr lang="zh-CN" altLang="en-US" dirty="0"/>
+              <a:t>第二次中层循环</a:t>
+            </a:r>
+            <a:endParaRPr lang="en-US" dirty="0"/>
+          </a:p>
+        </p:txBody>
+      </p:sp>
+      <mc:AlternateContent xmlns:mc="http://schemas.openxmlformats.org/markup-compatibility/2006">
+        <mc:Choice xmlns:a14="http://schemas.microsoft.com/office/drawing/2010/main" Requires="a14">
+          <p:sp>
+            <p:nvSpPr>
+              <p:cNvPr id="34" name="文本框 21">
+                <a:extLst>
+                  <a:ext uri="{FF2B5EF4-FFF2-40B4-BE49-F238E27FC236}">
+                    <a16:creationId xmlns:a16="http://schemas.microsoft.com/office/drawing/2014/main" id="{989FB251-88C8-18AF-3D89-FB446CC83A42}"/>
+                  </a:ext>
+                </a:extLst>
+              </p:cNvPr>
+              <p:cNvSpPr txBox="1"/>
+              <p:nvPr/>
+            </p:nvSpPr>
+            <p:spPr>
+              <a:xfrm>
+                <a:off x="7429295" y="2150081"/>
+                <a:ext cx="2174661" cy="369332"/>
+              </a:xfrm>
+              <a:prstGeom prst="rect">
+                <a:avLst/>
+              </a:prstGeom>
+              <a:noFill/>
+            </p:spPr>
+            <p:txBody>
+              <a:bodyPr wrap="square" rtlCol="0">
+                <a:spAutoFit/>
+              </a:bodyPr>
+              <a:lstStyle/>
+              <a:p>
+                <a:pPr/>
+                <a14:m>
+                  <m:oMathPara xmlns:m="http://schemas.openxmlformats.org/officeDocument/2006/math">
+                    <m:oMathParaPr>
+                      <m:jc m:val="centerGroup"/>
+                    </m:oMathParaPr>
+                    <m:oMath xmlns:m="http://schemas.openxmlformats.org/officeDocument/2006/math">
+                      <m:r>
+                        <m:rPr>
+                          <m:sty m:val="p"/>
+                        </m:rPr>
+                        <a:rPr lang="en-US" b="0" i="0" smtClean="0">
+                          <a:latin typeface="Cambria Math" panose="02040503050406030204" pitchFamily="18" charset="0"/>
+                        </a:rPr>
+                        <m:t>Δ</m:t>
+                      </m:r>
+                      <m:sSub>
+                        <m:sSubPr>
+                          <m:ctrlPr>
+                            <a:rPr lang="en-US" b="0" i="1" smtClean="0">
+                              <a:latin typeface="Cambria Math" panose="02040503050406030204" pitchFamily="18" charset="0"/>
+                            </a:rPr>
+                          </m:ctrlPr>
+                        </m:sSubPr>
+                        <m:e>
+                          <m:r>
+                            <a:rPr lang="en-US" b="0" i="1" smtClean="0">
+                              <a:latin typeface="Cambria Math" panose="02040503050406030204" pitchFamily="18" charset="0"/>
+                            </a:rPr>
+                            <m:t>𝑡</m:t>
+                          </m:r>
+                        </m:e>
+                        <m:sub>
+                          <m:r>
+                            <m:rPr>
+                              <m:sty m:val="p"/>
+                            </m:rPr>
+                            <a:rPr lang="en-US" b="0" i="0" smtClean="0">
+                              <a:latin typeface="Cambria Math" panose="02040503050406030204" pitchFamily="18" charset="0"/>
+                            </a:rPr>
+                            <m:t>a</m:t>
+                          </m:r>
+                          <m:r>
+                            <m:rPr>
+                              <m:sty m:val="p"/>
+                            </m:rPr>
+                            <a:rPr lang="en-US" b="0" i="0" smtClean="0">
+                              <a:latin typeface="Cambria Math" panose="02040503050406030204" pitchFamily="18" charset="0"/>
+                            </a:rPr>
+                            <m:t>c</m:t>
+                          </m:r>
+                        </m:sub>
+                      </m:sSub>
+                      <m:r>
+                        <a:rPr lang="en-US" b="0" i="1" smtClean="0">
+                          <a:latin typeface="Cambria Math" panose="02040503050406030204" pitchFamily="18" charset="0"/>
+                        </a:rPr>
+                        <m:t>←</m:t>
+                      </m:r>
+                      <m:r>
+                        <m:rPr>
+                          <m:sty m:val="p"/>
+                        </m:rPr>
+                        <a:rPr lang="en-US">
+                          <a:latin typeface="Cambria Math" panose="02040503050406030204" pitchFamily="18" charset="0"/>
+                        </a:rPr>
+                        <m:t>Δ</m:t>
+                      </m:r>
+                      <m:sSub>
+                        <m:sSubPr>
+                          <m:ctrlPr>
+                            <a:rPr lang="en-US" i="1">
+                              <a:latin typeface="Cambria Math" panose="02040503050406030204" pitchFamily="18" charset="0"/>
+                            </a:rPr>
+                          </m:ctrlPr>
+                        </m:sSubPr>
+                        <m:e>
+                          <m:r>
+                            <a:rPr lang="en-US" i="1">
+                              <a:latin typeface="Cambria Math" panose="02040503050406030204" pitchFamily="18" charset="0"/>
+                            </a:rPr>
+                            <m:t>𝑡</m:t>
+                          </m:r>
+                        </m:e>
+                        <m:sub>
+                          <m:r>
+                            <m:rPr>
+                              <m:sty m:val="p"/>
+                            </m:rPr>
+                            <a:rPr lang="en-US" b="0" i="0" smtClean="0">
+                              <a:latin typeface="Cambria Math" panose="02040503050406030204" pitchFamily="18" charset="0"/>
+                            </a:rPr>
+                            <m:t>out</m:t>
+                          </m:r>
+                        </m:sub>
+                      </m:sSub>
+                      <m:r>
+                        <a:rPr lang="en-US" b="0" i="1" smtClean="0">
+                          <a:latin typeface="Cambria Math" panose="02040503050406030204" pitchFamily="18" charset="0"/>
+                        </a:rPr>
+                        <m:t>−</m:t>
+                      </m:r>
+                      <m:r>
+                        <m:rPr>
+                          <m:sty m:val="p"/>
+                        </m:rPr>
+                        <a:rPr lang="en-US">
+                          <a:latin typeface="Cambria Math" panose="02040503050406030204" pitchFamily="18" charset="0"/>
+                        </a:rPr>
+                        <m:t>Δ</m:t>
+                      </m:r>
+                      <m:sSub>
+                        <m:sSubPr>
+                          <m:ctrlPr>
+                            <a:rPr lang="en-US" i="1">
+                              <a:latin typeface="Cambria Math" panose="02040503050406030204" pitchFamily="18" charset="0"/>
+                            </a:rPr>
+                          </m:ctrlPr>
+                        </m:sSubPr>
+                        <m:e>
+                          <m:r>
+                            <a:rPr lang="en-US" i="1">
+                              <a:latin typeface="Cambria Math" panose="02040503050406030204" pitchFamily="18" charset="0"/>
+                            </a:rPr>
+                            <m:t>𝑡</m:t>
+                          </m:r>
+                        </m:e>
+                        <m:sub>
+                          <m:r>
+                            <m:rPr>
+                              <m:sty m:val="p"/>
+                            </m:rPr>
+                            <a:rPr lang="en-US" b="0" i="0" smtClean="0">
+                              <a:latin typeface="Cambria Math" panose="02040503050406030204" pitchFamily="18" charset="0"/>
+                            </a:rPr>
+                            <m:t>int</m:t>
+                          </m:r>
+                        </m:sub>
+                      </m:sSub>
+                    </m:oMath>
+                  </m:oMathPara>
+                </a14:m>
+                <a:endParaRPr lang="en-US" dirty="0">
+                  <a:latin typeface="Consolas" panose="020B0609020204030204" pitchFamily="49" charset="0"/>
+                </a:endParaRPr>
+              </a:p>
+            </p:txBody>
+          </p:sp>
+        </mc:Choice>
+        <mc:Fallback>
+          <p:sp>
+            <p:nvSpPr>
+              <p:cNvPr id="34" name="文本框 21">
+                <a:extLst>
+                  <a:ext uri="{FF2B5EF4-FFF2-40B4-BE49-F238E27FC236}">
+                    <a16:creationId xmlns:a16="http://schemas.microsoft.com/office/drawing/2014/main" id="{989FB251-88C8-18AF-3D89-FB446CC83A42}"/>
+                  </a:ext>
+                </a:extLst>
+              </p:cNvPr>
+              <p:cNvSpPr txBox="1">
+                <a:spLocks noRot="1" noChangeAspect="1" noMove="1" noResize="1" noEditPoints="1" noAdjustHandles="1" noChangeArrowheads="1" noChangeShapeType="1" noTextEdit="1"/>
+              </p:cNvSpPr>
+              <p:nvPr/>
+            </p:nvSpPr>
+            <p:spPr>
+              <a:xfrm>
+                <a:off x="7429295" y="2150081"/>
+                <a:ext cx="2174661" cy="369332"/>
+              </a:xfrm>
+              <a:prstGeom prst="rect">
+                <a:avLst/>
+              </a:prstGeom>
+              <a:blipFill>
+                <a:blip r:embed="rId9"/>
+                <a:stretch>
+                  <a:fillRect b="-1667"/>
+                </a:stretch>
+              </a:blipFill>
+            </p:spPr>
+            <p:txBody>
+              <a:bodyPr/>
+              <a:lstStyle/>
+              <a:p>
+                <a:r>
+                  <a:rPr lang="en-US">
+                    <a:noFill/>
+                  </a:rPr>
+                  <a:t> </a:t>
+                </a:r>
+              </a:p>
+            </p:txBody>
+          </p:sp>
+        </mc:Fallback>
+      </mc:AlternateContent>
+      <p:sp>
+        <p:nvSpPr>
+          <p:cNvPr id="62" name="箭头: 右 5">
+            <a:extLst>
+              <a:ext uri="{FF2B5EF4-FFF2-40B4-BE49-F238E27FC236}">
+                <a16:creationId xmlns:a16="http://schemas.microsoft.com/office/drawing/2014/main" id="{AD3D575E-25C9-41AA-8176-511A0A7E7ACC}"/>
+              </a:ext>
+            </a:extLst>
+          </p:cNvPr>
+          <p:cNvSpPr/>
+          <p:nvPr/>
+        </p:nvSpPr>
+        <p:spPr>
+          <a:xfrm>
+            <a:off x="2506367" y="3843814"/>
+            <a:ext cx="5623645" cy="526273"/>
+          </a:xfrm>
+          <a:prstGeom prst="rightArrow">
+            <a:avLst/>
+          </a:prstGeom>
+        </p:spPr>
+        <p:style>
+          <a:lnRef idx="2">
+            <a:schemeClr val="accent1">
+              <a:shade val="15000"/>
+            </a:schemeClr>
+          </a:lnRef>
+          <a:fillRef idx="1">
+            <a:schemeClr val="accent1"/>
+          </a:fillRef>
+          <a:effectRef idx="0">
+            <a:schemeClr val="accent1"/>
+          </a:effectRef>
+          <a:fontRef idx="minor">
+            <a:schemeClr val="lt1"/>
+          </a:fontRef>
+        </p:style>
+        <p:txBody>
+          <a:bodyPr rtlCol="0" anchor="ctr"/>
+          <a:lstStyle/>
+          <a:p>
+            <a:pPr algn="ctr"/>
+            <a:endParaRPr lang="en-US" dirty="0"/>
+          </a:p>
+        </p:txBody>
+      </p:sp>
+      <p:sp>
+        <p:nvSpPr>
+          <p:cNvPr id="63" name="文本框 7">
+            <a:extLst>
+              <a:ext uri="{FF2B5EF4-FFF2-40B4-BE49-F238E27FC236}">
+                <a16:creationId xmlns:a16="http://schemas.microsoft.com/office/drawing/2014/main" id="{EE52DFB8-7F38-0662-A39A-06461B7C1737}"/>
+              </a:ext>
+            </a:extLst>
+          </p:cNvPr>
+          <p:cNvSpPr txBox="1"/>
+          <p:nvPr/>
+        </p:nvSpPr>
+        <p:spPr>
+          <a:xfrm>
+            <a:off x="4887754" y="3922283"/>
+            <a:ext cx="1038293" cy="369332"/>
+          </a:xfrm>
+          <a:prstGeom prst="rect">
+            <a:avLst/>
+          </a:prstGeom>
+          <a:noFill/>
+        </p:spPr>
+        <p:txBody>
+          <a:bodyPr wrap="square" rtlCol="0">
+            <a:spAutoFit/>
+          </a:bodyPr>
+          <a:lstStyle/>
+          <a:p>
+            <a:r>
+              <a:rPr lang="en-US" dirty="0">
+                <a:solidFill>
+                  <a:schemeClr val="bg1"/>
+                </a:solidFill>
+              </a:rPr>
+              <a:t>Output1</a:t>
+            </a:r>
+          </a:p>
+        </p:txBody>
+      </p:sp>
+      <p:sp>
+        <p:nvSpPr>
+          <p:cNvPr id="64" name="左大括号 9">
+            <a:extLst>
+              <a:ext uri="{FF2B5EF4-FFF2-40B4-BE49-F238E27FC236}">
+                <a16:creationId xmlns:a16="http://schemas.microsoft.com/office/drawing/2014/main" id="{860BC360-C662-01D2-ABCF-CA326A730A80}"/>
+              </a:ext>
+            </a:extLst>
+          </p:cNvPr>
+          <p:cNvSpPr/>
+          <p:nvPr/>
+        </p:nvSpPr>
+        <p:spPr>
+          <a:xfrm rot="5400000">
+            <a:off x="5206354" y="910287"/>
+            <a:ext cx="243405" cy="5623644"/>
+          </a:xfrm>
+          <a:prstGeom prst="leftBrace">
+            <a:avLst>
+              <a:gd name="adj1" fmla="val 48873"/>
+              <a:gd name="adj2" fmla="val 50109"/>
+            </a:avLst>
+          </a:prstGeom>
+        </p:spPr>
+        <p:style>
+          <a:lnRef idx="2">
+            <a:schemeClr val="accent1"/>
+          </a:lnRef>
+          <a:fillRef idx="0">
+            <a:schemeClr val="accent1"/>
+          </a:fillRef>
+          <a:effectRef idx="1">
+            <a:schemeClr val="accent1"/>
+          </a:effectRef>
+          <a:fontRef idx="minor">
+            <a:schemeClr val="tx1"/>
+          </a:fontRef>
+        </p:style>
+        <p:txBody>
+          <a:bodyPr rtlCol="0" anchor="ctr"/>
+          <a:lstStyle/>
+          <a:p>
+            <a:pPr algn="ctr"/>
+            <a:endParaRPr lang="en-US"/>
+          </a:p>
+        </p:txBody>
+      </p:sp>
+      <p:sp>
+        <p:nvSpPr>
+          <p:cNvPr id="65" name="文本框 10">
+            <a:extLst>
+              <a:ext uri="{FF2B5EF4-FFF2-40B4-BE49-F238E27FC236}">
+                <a16:creationId xmlns:a16="http://schemas.microsoft.com/office/drawing/2014/main" id="{871C4A11-AFFF-07BB-43F8-325D9C732C98}"/>
+              </a:ext>
+            </a:extLst>
+          </p:cNvPr>
+          <p:cNvSpPr txBox="1"/>
+          <p:nvPr/>
+        </p:nvSpPr>
+        <p:spPr>
+          <a:xfrm>
+            <a:off x="4475507" y="3172037"/>
+            <a:ext cx="2097418" cy="369332"/>
+          </a:xfrm>
+          <a:prstGeom prst="rect">
+            <a:avLst/>
+          </a:prstGeom>
+          <a:noFill/>
+        </p:spPr>
+        <p:txBody>
+          <a:bodyPr wrap="square" rtlCol="0">
+            <a:spAutoFit/>
+          </a:bodyPr>
+          <a:lstStyle/>
+          <a:p>
+            <a:r>
+              <a:rPr lang="en-US" dirty="0" err="1">
+                <a:latin typeface="Consolas" panose="020B0609020204030204" pitchFamily="49" charset="0"/>
+              </a:rPr>
+              <a:t>output_interval</a:t>
+            </a:r>
+            <a:endParaRPr lang="en-US" dirty="0">
+              <a:latin typeface="Consolas" panose="020B0609020204030204" pitchFamily="49" charset="0"/>
+            </a:endParaRPr>
+          </a:p>
+        </p:txBody>
+      </p:sp>
+      <p:cxnSp>
+        <p:nvCxnSpPr>
+          <p:cNvPr id="66" name="直接箭头连接符 12">
+            <a:extLst>
+              <a:ext uri="{FF2B5EF4-FFF2-40B4-BE49-F238E27FC236}">
+                <a16:creationId xmlns:a16="http://schemas.microsoft.com/office/drawing/2014/main" id="{51A9DEEB-9EE8-FC96-D6FC-F2E0367C8637}"/>
+              </a:ext>
+            </a:extLst>
+          </p:cNvPr>
+          <p:cNvCxnSpPr>
+            <a:cxnSpLocks/>
+          </p:cNvCxnSpPr>
+          <p:nvPr/>
+        </p:nvCxnSpPr>
+        <p:spPr>
+          <a:xfrm>
+            <a:off x="2506367" y="4545710"/>
+            <a:ext cx="2769164" cy="0"/>
+          </a:xfrm>
+          <a:prstGeom prst="straightConnector1">
+            <a:avLst/>
+          </a:prstGeom>
+          <a:ln>
+            <a:tailEnd type="triangle"/>
+          </a:ln>
+        </p:spPr>
+        <p:style>
+          <a:lnRef idx="2">
+            <a:schemeClr val="dk1"/>
+          </a:lnRef>
+          <a:fillRef idx="0">
+            <a:schemeClr val="dk1"/>
+          </a:fillRef>
+          <a:effectRef idx="1">
+            <a:schemeClr val="dk1"/>
+          </a:effectRef>
+          <a:fontRef idx="minor">
+            <a:schemeClr val="tx1"/>
+          </a:fontRef>
+        </p:style>
+      </p:cxnSp>
+      <mc:AlternateContent xmlns:mc="http://schemas.openxmlformats.org/markup-compatibility/2006">
+        <mc:Choice xmlns:a14="http://schemas.microsoft.com/office/drawing/2010/main" Requires="a14">
+          <p:sp>
+            <p:nvSpPr>
+              <p:cNvPr id="67" name="文本框 20">
+                <a:extLst>
+                  <a:ext uri="{FF2B5EF4-FFF2-40B4-BE49-F238E27FC236}">
+                    <a16:creationId xmlns:a16="http://schemas.microsoft.com/office/drawing/2014/main" id="{1D52D211-EC84-AEB5-815F-0748DCB0CFA4}"/>
+                  </a:ext>
+                </a:extLst>
+              </p:cNvPr>
+              <p:cNvSpPr txBox="1"/>
+              <p:nvPr/>
+            </p:nvSpPr>
+            <p:spPr>
+              <a:xfrm>
+                <a:off x="3572445" y="4534371"/>
+                <a:ext cx="637008" cy="369332"/>
+              </a:xfrm>
+              <a:prstGeom prst="rect">
+                <a:avLst/>
+              </a:prstGeom>
+              <a:noFill/>
+            </p:spPr>
+            <p:txBody>
+              <a:bodyPr wrap="square" rtlCol="0">
+                <a:spAutoFit/>
+              </a:bodyPr>
+              <a:lstStyle/>
+              <a:p>
+                <a:pPr/>
+                <a14:m>
+                  <m:oMathPara xmlns:m="http://schemas.openxmlformats.org/officeDocument/2006/math">
+                    <m:oMathParaPr>
+                      <m:jc m:val="centerGroup"/>
+                    </m:oMathParaPr>
+                    <m:oMath xmlns:m="http://schemas.openxmlformats.org/officeDocument/2006/math">
+                      <m:r>
+                        <m:rPr>
+                          <m:sty m:val="p"/>
+                        </m:rPr>
+                        <a:rPr lang="en-US" b="0" i="0" smtClean="0">
+                          <a:latin typeface="Cambria Math" panose="02040503050406030204" pitchFamily="18" charset="0"/>
+                        </a:rPr>
+                        <m:t>Δ</m:t>
+                      </m:r>
+                      <m:sSub>
+                        <m:sSubPr>
+                          <m:ctrlPr>
+                            <a:rPr lang="en-US" b="0" i="1" smtClean="0">
+                              <a:latin typeface="Cambria Math" panose="02040503050406030204" pitchFamily="18" charset="0"/>
+                            </a:rPr>
+                          </m:ctrlPr>
+                        </m:sSubPr>
+                        <m:e>
+                          <m:r>
+                            <a:rPr lang="en-US" b="0" i="1" smtClean="0">
+                              <a:latin typeface="Cambria Math" panose="02040503050406030204" pitchFamily="18" charset="0"/>
+                            </a:rPr>
+                            <m:t>𝑡</m:t>
+                          </m:r>
+                        </m:e>
+                        <m:sub>
+                          <m:r>
+                            <m:rPr>
+                              <m:sty m:val="p"/>
+                            </m:rPr>
+                            <a:rPr lang="en-US" b="0" i="0" smtClean="0">
+                              <a:latin typeface="Cambria Math" panose="02040503050406030204" pitchFamily="18" charset="0"/>
+                            </a:rPr>
+                            <m:t>ad</m:t>
+                          </m:r>
+                        </m:sub>
+                      </m:sSub>
+                    </m:oMath>
+                  </m:oMathPara>
+                </a14:m>
+                <a:endParaRPr lang="en-US" dirty="0">
+                  <a:latin typeface="Consolas" panose="020B0609020204030204" pitchFamily="49" charset="0"/>
+                </a:endParaRPr>
+              </a:p>
+            </p:txBody>
+          </p:sp>
+        </mc:Choice>
+        <mc:Fallback>
+          <p:sp>
+            <p:nvSpPr>
+              <p:cNvPr id="67" name="文本框 20">
+                <a:extLst>
+                  <a:ext uri="{FF2B5EF4-FFF2-40B4-BE49-F238E27FC236}">
+                    <a16:creationId xmlns:a16="http://schemas.microsoft.com/office/drawing/2014/main" id="{1D52D211-EC84-AEB5-815F-0748DCB0CFA4}"/>
+                  </a:ext>
+                </a:extLst>
+              </p:cNvPr>
+              <p:cNvSpPr txBox="1">
+                <a:spLocks noRot="1" noChangeAspect="1" noMove="1" noResize="1" noEditPoints="1" noAdjustHandles="1" noChangeArrowheads="1" noChangeShapeType="1" noTextEdit="1"/>
+              </p:cNvSpPr>
+              <p:nvPr/>
+            </p:nvSpPr>
+            <p:spPr>
+              <a:xfrm>
+                <a:off x="3572445" y="4534371"/>
+                <a:ext cx="637008" cy="369332"/>
+              </a:xfrm>
+              <a:prstGeom prst="rect">
+                <a:avLst/>
+              </a:prstGeom>
+              <a:blipFill>
+                <a:blip r:embed="rId10"/>
+                <a:stretch>
+                  <a:fillRect b="-1667"/>
+                </a:stretch>
+              </a:blipFill>
+            </p:spPr>
+            <p:txBody>
+              <a:bodyPr/>
+              <a:lstStyle/>
+              <a:p>
+                <a:r>
+                  <a:rPr lang="en-US">
+                    <a:noFill/>
+                  </a:rPr>
+                  <a:t> </a:t>
+                </a:r>
+              </a:p>
+            </p:txBody>
+          </p:sp>
+        </mc:Fallback>
+      </mc:AlternateContent>
+      <mc:AlternateContent xmlns:mc="http://schemas.openxmlformats.org/markup-compatibility/2006">
+        <mc:Choice xmlns:a14="http://schemas.microsoft.com/office/drawing/2010/main" Requires="a14">
+          <p:sp>
+            <p:nvSpPr>
+              <p:cNvPr id="68" name="文本框 21">
+                <a:extLst>
+                  <a:ext uri="{FF2B5EF4-FFF2-40B4-BE49-F238E27FC236}">
+                    <a16:creationId xmlns:a16="http://schemas.microsoft.com/office/drawing/2014/main" id="{ED206E18-33BE-42C6-0994-A801069C7A39}"/>
+                  </a:ext>
+                </a:extLst>
+              </p:cNvPr>
+              <p:cNvSpPr txBox="1"/>
+              <p:nvPr/>
+            </p:nvSpPr>
+            <p:spPr>
+              <a:xfrm>
+                <a:off x="6556799" y="4502422"/>
+                <a:ext cx="637008" cy="369332"/>
+              </a:xfrm>
+              <a:prstGeom prst="rect">
+                <a:avLst/>
+              </a:prstGeom>
+              <a:noFill/>
+            </p:spPr>
+            <p:txBody>
+              <a:bodyPr wrap="square" rtlCol="0">
+                <a:spAutoFit/>
+              </a:bodyPr>
+              <a:lstStyle/>
+              <a:p>
+                <a:pPr/>
+                <a14:m>
+                  <m:oMathPara xmlns:m="http://schemas.openxmlformats.org/officeDocument/2006/math">
+                    <m:oMathParaPr>
+                      <m:jc m:val="centerGroup"/>
+                    </m:oMathParaPr>
+                    <m:oMath xmlns:m="http://schemas.openxmlformats.org/officeDocument/2006/math">
+                      <m:r>
+                        <m:rPr>
+                          <m:sty m:val="p"/>
+                        </m:rPr>
+                        <a:rPr lang="en-US" b="0" i="0" smtClean="0">
+                          <a:latin typeface="Cambria Math" panose="02040503050406030204" pitchFamily="18" charset="0"/>
+                        </a:rPr>
+                        <m:t>Δ</m:t>
+                      </m:r>
+                      <m:sSub>
+                        <m:sSubPr>
+                          <m:ctrlPr>
+                            <a:rPr lang="en-US" b="0" i="1" smtClean="0">
+                              <a:latin typeface="Cambria Math" panose="02040503050406030204" pitchFamily="18" charset="0"/>
+                            </a:rPr>
+                          </m:ctrlPr>
+                        </m:sSubPr>
+                        <m:e>
+                          <m:r>
+                            <a:rPr lang="en-US" b="0" i="1" smtClean="0">
+                              <a:latin typeface="Cambria Math" panose="02040503050406030204" pitchFamily="18" charset="0"/>
+                            </a:rPr>
+                            <m:t>𝑡</m:t>
+                          </m:r>
+                        </m:e>
+                        <m:sub>
+                          <m:r>
+                            <m:rPr>
+                              <m:sty m:val="p"/>
+                            </m:rPr>
+                            <a:rPr lang="en-US" b="0" i="0" smtClean="0">
+                              <a:latin typeface="Cambria Math" panose="02040503050406030204" pitchFamily="18" charset="0"/>
+                            </a:rPr>
+                            <m:t>ad</m:t>
+                          </m:r>
+                        </m:sub>
+                      </m:sSub>
+                    </m:oMath>
+                  </m:oMathPara>
+                </a14:m>
+                <a:endParaRPr lang="en-US" dirty="0">
+                  <a:latin typeface="Consolas" panose="020B0609020204030204" pitchFamily="49" charset="0"/>
+                </a:endParaRPr>
+              </a:p>
+            </p:txBody>
+          </p:sp>
+        </mc:Choice>
+        <mc:Fallback>
+          <p:sp>
+            <p:nvSpPr>
+              <p:cNvPr id="68" name="文本框 21">
+                <a:extLst>
+                  <a:ext uri="{FF2B5EF4-FFF2-40B4-BE49-F238E27FC236}">
+                    <a16:creationId xmlns:a16="http://schemas.microsoft.com/office/drawing/2014/main" id="{ED206E18-33BE-42C6-0994-A801069C7A39}"/>
+                  </a:ext>
+                </a:extLst>
+              </p:cNvPr>
+              <p:cNvSpPr txBox="1">
+                <a:spLocks noRot="1" noChangeAspect="1" noMove="1" noResize="1" noEditPoints="1" noAdjustHandles="1" noChangeArrowheads="1" noChangeShapeType="1" noTextEdit="1"/>
+              </p:cNvSpPr>
+              <p:nvPr/>
+            </p:nvSpPr>
+            <p:spPr>
+              <a:xfrm>
+                <a:off x="6556799" y="4502422"/>
+                <a:ext cx="637008" cy="369332"/>
+              </a:xfrm>
+              <a:prstGeom prst="rect">
+                <a:avLst/>
+              </a:prstGeom>
+              <a:blipFill>
+                <a:blip r:embed="rId11"/>
+                <a:stretch>
+                  <a:fillRect b="-1667"/>
+                </a:stretch>
+              </a:blipFill>
+            </p:spPr>
+            <p:txBody>
+              <a:bodyPr/>
+              <a:lstStyle/>
+              <a:p>
+                <a:r>
+                  <a:rPr lang="en-US">
+                    <a:noFill/>
+                  </a:rPr>
+                  <a:t> </a:t>
+                </a:r>
+              </a:p>
+            </p:txBody>
+          </p:sp>
+        </mc:Fallback>
+      </mc:AlternateContent>
+      <p:cxnSp>
+        <p:nvCxnSpPr>
+          <p:cNvPr id="69" name="直接箭头连接符 22">
+            <a:extLst>
+              <a:ext uri="{FF2B5EF4-FFF2-40B4-BE49-F238E27FC236}">
+                <a16:creationId xmlns:a16="http://schemas.microsoft.com/office/drawing/2014/main" id="{D02487BB-B596-6DCC-D54C-6B9345449034}"/>
+              </a:ext>
+            </a:extLst>
+          </p:cNvPr>
+          <p:cNvCxnSpPr>
+            <a:cxnSpLocks/>
+          </p:cNvCxnSpPr>
+          <p:nvPr/>
+        </p:nvCxnSpPr>
+        <p:spPr>
+          <a:xfrm>
+            <a:off x="2516235" y="5075271"/>
+            <a:ext cx="987456" cy="0"/>
+          </a:xfrm>
+          <a:prstGeom prst="straightConnector1">
+            <a:avLst/>
+          </a:prstGeom>
+          <a:ln>
+            <a:tailEnd type="triangle"/>
+          </a:ln>
+        </p:spPr>
+        <p:style>
+          <a:lnRef idx="2">
+            <a:schemeClr val="accent6"/>
+          </a:lnRef>
+          <a:fillRef idx="0">
+            <a:schemeClr val="accent6"/>
+          </a:fillRef>
+          <a:effectRef idx="1">
+            <a:schemeClr val="accent6"/>
+          </a:effectRef>
+          <a:fontRef idx="minor">
+            <a:schemeClr val="tx1"/>
+          </a:fontRef>
+        </p:style>
+      </p:cxnSp>
+      <mc:AlternateContent xmlns:mc="http://schemas.openxmlformats.org/markup-compatibility/2006">
+        <mc:Choice xmlns:a14="http://schemas.microsoft.com/office/drawing/2010/main" Requires="a14">
+          <p:sp>
+            <p:nvSpPr>
+              <p:cNvPr id="70" name="文本框 28">
+                <a:extLst>
+                  <a:ext uri="{FF2B5EF4-FFF2-40B4-BE49-F238E27FC236}">
+                    <a16:creationId xmlns:a16="http://schemas.microsoft.com/office/drawing/2014/main" id="{37C21967-473F-A1A5-334A-367F49E8524B}"/>
+                  </a:ext>
+                </a:extLst>
+              </p:cNvPr>
+              <p:cNvSpPr txBox="1"/>
+              <p:nvPr/>
+            </p:nvSpPr>
+            <p:spPr>
+              <a:xfrm>
+                <a:off x="2654980" y="5037029"/>
+                <a:ext cx="637008" cy="369332"/>
+              </a:xfrm>
+              <a:prstGeom prst="rect">
+                <a:avLst/>
+              </a:prstGeom>
+              <a:noFill/>
+            </p:spPr>
+            <p:txBody>
+              <a:bodyPr wrap="square" rtlCol="0">
+                <a:spAutoFit/>
+              </a:bodyPr>
+              <a:lstStyle/>
+              <a:p>
+                <a:pPr/>
+                <a14:m>
+                  <m:oMathPara xmlns:m="http://schemas.openxmlformats.org/officeDocument/2006/math">
+                    <m:oMathParaPr>
+                      <m:jc m:val="centerGroup"/>
+                    </m:oMathParaPr>
+                    <m:oMath xmlns:m="http://schemas.openxmlformats.org/officeDocument/2006/math">
+                      <m:r>
+                        <m:rPr>
+                          <m:sty m:val="p"/>
+                        </m:rPr>
+                        <a:rPr lang="en-US" b="0" i="0" smtClean="0">
+                          <a:latin typeface="Cambria Math" panose="02040503050406030204" pitchFamily="18" charset="0"/>
+                        </a:rPr>
+                        <m:t>Δ</m:t>
+                      </m:r>
+                      <m:sSub>
+                        <m:sSubPr>
+                          <m:ctrlPr>
+                            <a:rPr lang="en-US" b="0" i="1" smtClean="0">
+                              <a:latin typeface="Cambria Math" panose="02040503050406030204" pitchFamily="18" charset="0"/>
+                            </a:rPr>
+                          </m:ctrlPr>
+                        </m:sSubPr>
+                        <m:e>
+                          <m:r>
+                            <a:rPr lang="en-US" b="0" i="1" smtClean="0">
+                              <a:latin typeface="Cambria Math" panose="02040503050406030204" pitchFamily="18" charset="0"/>
+                            </a:rPr>
+                            <m:t>𝑡</m:t>
+                          </m:r>
+                        </m:e>
+                        <m:sub>
+                          <m:r>
+                            <m:rPr>
+                              <m:sty m:val="p"/>
+                            </m:rPr>
+                            <a:rPr lang="en-US" b="0" i="0" smtClean="0">
+                              <a:latin typeface="Cambria Math" panose="02040503050406030204" pitchFamily="18" charset="0"/>
+                            </a:rPr>
+                            <m:t>ac</m:t>
+                          </m:r>
+                        </m:sub>
+                      </m:sSub>
+                    </m:oMath>
+                  </m:oMathPara>
+                </a14:m>
+                <a:endParaRPr lang="en-US" dirty="0">
+                  <a:latin typeface="Consolas" panose="020B0609020204030204" pitchFamily="49" charset="0"/>
+                </a:endParaRPr>
+              </a:p>
+            </p:txBody>
+          </p:sp>
+        </mc:Choice>
+        <mc:Fallback>
+          <p:sp>
+            <p:nvSpPr>
+              <p:cNvPr id="70" name="文本框 28">
+                <a:extLst>
+                  <a:ext uri="{FF2B5EF4-FFF2-40B4-BE49-F238E27FC236}">
+                    <a16:creationId xmlns:a16="http://schemas.microsoft.com/office/drawing/2014/main" id="{37C21967-473F-A1A5-334A-367F49E8524B}"/>
+                  </a:ext>
+                </a:extLst>
+              </p:cNvPr>
+              <p:cNvSpPr txBox="1">
+                <a:spLocks noRot="1" noChangeAspect="1" noMove="1" noResize="1" noEditPoints="1" noAdjustHandles="1" noChangeArrowheads="1" noChangeShapeType="1" noTextEdit="1"/>
+              </p:cNvSpPr>
+              <p:nvPr/>
+            </p:nvSpPr>
+            <p:spPr>
+              <a:xfrm>
+                <a:off x="2654980" y="5037029"/>
+                <a:ext cx="637008" cy="369332"/>
+              </a:xfrm>
+              <a:prstGeom prst="rect">
+                <a:avLst/>
+              </a:prstGeom>
+              <a:blipFill>
+                <a:blip r:embed="rId12"/>
+                <a:stretch>
+                  <a:fillRect/>
+                </a:stretch>
+              </a:blipFill>
+            </p:spPr>
+            <p:txBody>
+              <a:bodyPr/>
+              <a:lstStyle/>
+              <a:p>
+                <a:r>
+                  <a:rPr lang="en-US">
+                    <a:noFill/>
+                  </a:rPr>
+                  <a:t> </a:t>
+                </a:r>
+              </a:p>
+            </p:txBody>
+          </p:sp>
+        </mc:Fallback>
+      </mc:AlternateContent>
+      <mc:AlternateContent xmlns:mc="http://schemas.openxmlformats.org/markup-compatibility/2006">
+        <mc:Choice xmlns:a14="http://schemas.microsoft.com/office/drawing/2010/main" Requires="a14">
+          <p:sp>
+            <p:nvSpPr>
+              <p:cNvPr id="71" name="文本框 29">
+                <a:extLst>
+                  <a:ext uri="{FF2B5EF4-FFF2-40B4-BE49-F238E27FC236}">
+                    <a16:creationId xmlns:a16="http://schemas.microsoft.com/office/drawing/2014/main" id="{CEB4103A-12CA-0673-53E4-E30122B40957}"/>
+                  </a:ext>
+                </a:extLst>
+              </p:cNvPr>
+              <p:cNvSpPr txBox="1"/>
+              <p:nvPr/>
+            </p:nvSpPr>
+            <p:spPr>
+              <a:xfrm>
+                <a:off x="3576991" y="5043376"/>
+                <a:ext cx="637008" cy="369332"/>
+              </a:xfrm>
+              <a:prstGeom prst="rect">
+                <a:avLst/>
+              </a:prstGeom>
+              <a:noFill/>
+            </p:spPr>
+            <p:txBody>
+              <a:bodyPr wrap="square" rtlCol="0">
+                <a:spAutoFit/>
+              </a:bodyPr>
+              <a:lstStyle/>
+              <a:p>
+                <a:pPr/>
+                <a14:m>
+                  <m:oMathPara xmlns:m="http://schemas.openxmlformats.org/officeDocument/2006/math">
+                    <m:oMathParaPr>
+                      <m:jc m:val="centerGroup"/>
+                    </m:oMathParaPr>
+                    <m:oMath xmlns:m="http://schemas.openxmlformats.org/officeDocument/2006/math">
+                      <m:r>
+                        <m:rPr>
+                          <m:sty m:val="p"/>
+                        </m:rPr>
+                        <a:rPr lang="en-US" b="0" i="0" smtClean="0">
+                          <a:latin typeface="Cambria Math" panose="02040503050406030204" pitchFamily="18" charset="0"/>
+                        </a:rPr>
+                        <m:t>Δ</m:t>
+                      </m:r>
+                      <m:sSub>
+                        <m:sSubPr>
+                          <m:ctrlPr>
+                            <a:rPr lang="en-US" b="0" i="1" smtClean="0">
+                              <a:latin typeface="Cambria Math" panose="02040503050406030204" pitchFamily="18" charset="0"/>
+                            </a:rPr>
+                          </m:ctrlPr>
+                        </m:sSubPr>
+                        <m:e>
+                          <m:r>
+                            <a:rPr lang="en-US" b="0" i="1" smtClean="0">
+                              <a:latin typeface="Cambria Math" panose="02040503050406030204" pitchFamily="18" charset="0"/>
+                            </a:rPr>
+                            <m:t>𝑡</m:t>
+                          </m:r>
+                        </m:e>
+                        <m:sub>
+                          <m:r>
+                            <m:rPr>
+                              <m:sty m:val="p"/>
+                            </m:rPr>
+                            <a:rPr lang="en-US" b="0" i="0" smtClean="0">
+                              <a:latin typeface="Cambria Math" panose="02040503050406030204" pitchFamily="18" charset="0"/>
+                            </a:rPr>
+                            <m:t>ac</m:t>
+                          </m:r>
+                        </m:sub>
+                      </m:sSub>
+                    </m:oMath>
+                  </m:oMathPara>
+                </a14:m>
+                <a:endParaRPr lang="en-US" dirty="0">
+                  <a:latin typeface="Consolas" panose="020B0609020204030204" pitchFamily="49" charset="0"/>
+                </a:endParaRPr>
+              </a:p>
+            </p:txBody>
+          </p:sp>
+        </mc:Choice>
+        <mc:Fallback>
+          <p:sp>
+            <p:nvSpPr>
+              <p:cNvPr id="71" name="文本框 29">
+                <a:extLst>
+                  <a:ext uri="{FF2B5EF4-FFF2-40B4-BE49-F238E27FC236}">
+                    <a16:creationId xmlns:a16="http://schemas.microsoft.com/office/drawing/2014/main" id="{CEB4103A-12CA-0673-53E4-E30122B40957}"/>
+                  </a:ext>
+                </a:extLst>
+              </p:cNvPr>
+              <p:cNvSpPr txBox="1">
+                <a:spLocks noRot="1" noChangeAspect="1" noMove="1" noResize="1" noEditPoints="1" noAdjustHandles="1" noChangeArrowheads="1" noChangeShapeType="1" noTextEdit="1"/>
+              </p:cNvSpPr>
+              <p:nvPr/>
+            </p:nvSpPr>
+            <p:spPr>
+              <a:xfrm>
+                <a:off x="3576991" y="5043376"/>
+                <a:ext cx="637008" cy="369332"/>
+              </a:xfrm>
+              <a:prstGeom prst="rect">
+                <a:avLst/>
+              </a:prstGeom>
+              <a:blipFill>
+                <a:blip r:embed="rId13"/>
+                <a:stretch>
+                  <a:fillRect/>
+                </a:stretch>
+              </a:blipFill>
+            </p:spPr>
+            <p:txBody>
+              <a:bodyPr/>
+              <a:lstStyle/>
+              <a:p>
+                <a:r>
+                  <a:rPr lang="en-US">
+                    <a:noFill/>
+                  </a:rPr>
+                  <a:t> </a:t>
+                </a:r>
+              </a:p>
+            </p:txBody>
+          </p:sp>
+        </mc:Fallback>
+      </mc:AlternateContent>
+      <mc:AlternateContent xmlns:mc="http://schemas.openxmlformats.org/markup-compatibility/2006">
+        <mc:Choice xmlns:a14="http://schemas.microsoft.com/office/drawing/2010/main" Requires="a14">
+          <p:sp>
+            <p:nvSpPr>
+              <p:cNvPr id="72" name="文本框 30">
+                <a:extLst>
+                  <a:ext uri="{FF2B5EF4-FFF2-40B4-BE49-F238E27FC236}">
+                    <a16:creationId xmlns:a16="http://schemas.microsoft.com/office/drawing/2014/main" id="{44F37B08-56D8-B16F-1599-60CEDD335DB8}"/>
+                  </a:ext>
+                </a:extLst>
+              </p:cNvPr>
+              <p:cNvSpPr txBox="1"/>
+              <p:nvPr/>
+            </p:nvSpPr>
+            <p:spPr>
+              <a:xfrm>
+                <a:off x="4638523" y="5037029"/>
+                <a:ext cx="637008" cy="369332"/>
+              </a:xfrm>
+              <a:prstGeom prst="rect">
+                <a:avLst/>
+              </a:prstGeom>
+              <a:noFill/>
+            </p:spPr>
+            <p:txBody>
+              <a:bodyPr wrap="square" rtlCol="0">
+                <a:spAutoFit/>
+              </a:bodyPr>
+              <a:lstStyle/>
+              <a:p>
+                <a:pPr/>
+                <a14:m>
+                  <m:oMathPara xmlns:m="http://schemas.openxmlformats.org/officeDocument/2006/math">
+                    <m:oMathParaPr>
+                      <m:jc m:val="centerGroup"/>
+                    </m:oMathParaPr>
+                    <m:oMath xmlns:m="http://schemas.openxmlformats.org/officeDocument/2006/math">
+                      <m:r>
+                        <m:rPr>
+                          <m:sty m:val="p"/>
+                        </m:rPr>
+                        <a:rPr lang="en-US" b="0" i="0" smtClean="0">
+                          <a:latin typeface="Cambria Math" panose="02040503050406030204" pitchFamily="18" charset="0"/>
+                        </a:rPr>
+                        <m:t>Δ</m:t>
+                      </m:r>
+                      <m:sSub>
+                        <m:sSubPr>
+                          <m:ctrlPr>
+                            <a:rPr lang="en-US" b="0" i="1" smtClean="0">
+                              <a:latin typeface="Cambria Math" panose="02040503050406030204" pitchFamily="18" charset="0"/>
+                            </a:rPr>
+                          </m:ctrlPr>
+                        </m:sSubPr>
+                        <m:e>
+                          <m:r>
+                            <a:rPr lang="en-US" b="0" i="1" smtClean="0">
+                              <a:latin typeface="Cambria Math" panose="02040503050406030204" pitchFamily="18" charset="0"/>
+                            </a:rPr>
+                            <m:t>𝑡</m:t>
+                          </m:r>
+                        </m:e>
+                        <m:sub>
+                          <m:r>
+                            <m:rPr>
+                              <m:sty m:val="p"/>
+                            </m:rPr>
+                            <a:rPr lang="en-US" b="0" i="0" smtClean="0">
+                              <a:latin typeface="Cambria Math" panose="02040503050406030204" pitchFamily="18" charset="0"/>
+                            </a:rPr>
+                            <m:t>ac</m:t>
+                          </m:r>
+                        </m:sub>
+                      </m:sSub>
+                    </m:oMath>
+                  </m:oMathPara>
+                </a14:m>
+                <a:endParaRPr lang="en-US" dirty="0">
+                  <a:latin typeface="Consolas" panose="020B0609020204030204" pitchFamily="49" charset="0"/>
+                </a:endParaRPr>
+              </a:p>
+            </p:txBody>
+          </p:sp>
+        </mc:Choice>
+        <mc:Fallback>
+          <p:sp>
+            <p:nvSpPr>
+              <p:cNvPr id="72" name="文本框 30">
+                <a:extLst>
+                  <a:ext uri="{FF2B5EF4-FFF2-40B4-BE49-F238E27FC236}">
+                    <a16:creationId xmlns:a16="http://schemas.microsoft.com/office/drawing/2014/main" id="{44F37B08-56D8-B16F-1599-60CEDD335DB8}"/>
+                  </a:ext>
+                </a:extLst>
+              </p:cNvPr>
+              <p:cNvSpPr txBox="1">
+                <a:spLocks noRot="1" noChangeAspect="1" noMove="1" noResize="1" noEditPoints="1" noAdjustHandles="1" noChangeArrowheads="1" noChangeShapeType="1" noTextEdit="1"/>
+              </p:cNvSpPr>
+              <p:nvPr/>
+            </p:nvSpPr>
+            <p:spPr>
+              <a:xfrm>
+                <a:off x="4638523" y="5037029"/>
+                <a:ext cx="637008" cy="369332"/>
+              </a:xfrm>
+              <a:prstGeom prst="rect">
+                <a:avLst/>
+              </a:prstGeom>
+              <a:blipFill>
+                <a:blip r:embed="rId14"/>
+                <a:stretch>
+                  <a:fillRect/>
+                </a:stretch>
+              </a:blipFill>
+            </p:spPr>
+            <p:txBody>
+              <a:bodyPr/>
+              <a:lstStyle/>
+              <a:p>
+                <a:r>
+                  <a:rPr lang="en-US">
+                    <a:noFill/>
+                  </a:rPr>
+                  <a:t> </a:t>
+                </a:r>
+              </a:p>
+            </p:txBody>
+          </p:sp>
+        </mc:Fallback>
+      </mc:AlternateContent>
+      <p:cxnSp>
+        <p:nvCxnSpPr>
+          <p:cNvPr id="74" name="直接箭头连接符 22">
+            <a:extLst>
+              <a:ext uri="{FF2B5EF4-FFF2-40B4-BE49-F238E27FC236}">
+                <a16:creationId xmlns:a16="http://schemas.microsoft.com/office/drawing/2014/main" id="{034DCC87-A85C-C344-0AF5-C5C1CCE3C37F}"/>
+              </a:ext>
+            </a:extLst>
+          </p:cNvPr>
+          <p:cNvCxnSpPr>
+            <a:cxnSpLocks/>
+          </p:cNvCxnSpPr>
+          <p:nvPr/>
+        </p:nvCxnSpPr>
+        <p:spPr>
+          <a:xfrm>
+            <a:off x="3503691" y="5075271"/>
+            <a:ext cx="987456" cy="0"/>
+          </a:xfrm>
+          <a:prstGeom prst="straightConnector1">
+            <a:avLst/>
+          </a:prstGeom>
+          <a:ln>
+            <a:tailEnd type="triangle"/>
+          </a:ln>
+        </p:spPr>
+        <p:style>
+          <a:lnRef idx="2">
+            <a:schemeClr val="accent6"/>
+          </a:lnRef>
+          <a:fillRef idx="0">
+            <a:schemeClr val="accent6"/>
+          </a:fillRef>
+          <a:effectRef idx="1">
+            <a:schemeClr val="accent6"/>
+          </a:effectRef>
+          <a:fontRef idx="minor">
+            <a:schemeClr val="tx1"/>
+          </a:fontRef>
+        </p:style>
+      </p:cxnSp>
+      <p:cxnSp>
+        <p:nvCxnSpPr>
+          <p:cNvPr id="75" name="直接箭头连接符 22">
+            <a:extLst>
+              <a:ext uri="{FF2B5EF4-FFF2-40B4-BE49-F238E27FC236}">
+                <a16:creationId xmlns:a16="http://schemas.microsoft.com/office/drawing/2014/main" id="{CAEE1099-52CF-CD16-80DE-1F4A47FA8476}"/>
+              </a:ext>
+            </a:extLst>
+          </p:cNvPr>
+          <p:cNvCxnSpPr>
+            <a:cxnSpLocks/>
+          </p:cNvCxnSpPr>
+          <p:nvPr/>
+        </p:nvCxnSpPr>
+        <p:spPr>
+          <a:xfrm>
+            <a:off x="4491147" y="5075271"/>
+            <a:ext cx="987456" cy="0"/>
+          </a:xfrm>
+          <a:prstGeom prst="straightConnector1">
+            <a:avLst/>
+          </a:prstGeom>
+          <a:ln>
+            <a:tailEnd type="triangle"/>
+          </a:ln>
+        </p:spPr>
+        <p:style>
+          <a:lnRef idx="2">
+            <a:schemeClr val="accent6"/>
+          </a:lnRef>
+          <a:fillRef idx="0">
+            <a:schemeClr val="accent6"/>
+          </a:fillRef>
+          <a:effectRef idx="1">
+            <a:schemeClr val="accent6"/>
+          </a:effectRef>
+          <a:fontRef idx="minor">
+            <a:schemeClr val="tx1"/>
+          </a:fontRef>
+        </p:style>
+      </p:cxnSp>
+      <p:cxnSp>
+        <p:nvCxnSpPr>
+          <p:cNvPr id="76" name="直接箭头连接符 22">
+            <a:extLst>
+              <a:ext uri="{FF2B5EF4-FFF2-40B4-BE49-F238E27FC236}">
+                <a16:creationId xmlns:a16="http://schemas.microsoft.com/office/drawing/2014/main" id="{503A194D-D3E3-1B29-E960-FC7616DF001C}"/>
+              </a:ext>
+            </a:extLst>
+          </p:cNvPr>
+          <p:cNvCxnSpPr>
+            <a:cxnSpLocks/>
+          </p:cNvCxnSpPr>
+          <p:nvPr/>
+        </p:nvCxnSpPr>
+        <p:spPr>
+          <a:xfrm>
+            <a:off x="5478603" y="5075271"/>
+            <a:ext cx="987456" cy="0"/>
+          </a:xfrm>
+          <a:prstGeom prst="straightConnector1">
+            <a:avLst/>
+          </a:prstGeom>
+          <a:ln>
+            <a:tailEnd type="triangle"/>
+          </a:ln>
+        </p:spPr>
+        <p:style>
+          <a:lnRef idx="2">
+            <a:schemeClr val="accent6"/>
+          </a:lnRef>
+          <a:fillRef idx="0">
+            <a:schemeClr val="accent6"/>
+          </a:fillRef>
+          <a:effectRef idx="1">
+            <a:schemeClr val="accent6"/>
+          </a:effectRef>
+          <a:fontRef idx="minor">
+            <a:schemeClr val="tx1"/>
+          </a:fontRef>
+        </p:style>
+      </p:cxnSp>
+      <p:cxnSp>
+        <p:nvCxnSpPr>
+          <p:cNvPr id="77" name="直接箭头连接符 22">
+            <a:extLst>
+              <a:ext uri="{FF2B5EF4-FFF2-40B4-BE49-F238E27FC236}">
+                <a16:creationId xmlns:a16="http://schemas.microsoft.com/office/drawing/2014/main" id="{F3946E30-4A29-5FD3-2AD3-973D50F8B74A}"/>
+              </a:ext>
+            </a:extLst>
+          </p:cNvPr>
+          <p:cNvCxnSpPr>
+            <a:cxnSpLocks/>
+          </p:cNvCxnSpPr>
+          <p:nvPr/>
+        </p:nvCxnSpPr>
+        <p:spPr>
+          <a:xfrm>
+            <a:off x="6419775" y="5075271"/>
+            <a:ext cx="987456" cy="0"/>
+          </a:xfrm>
+          <a:prstGeom prst="straightConnector1">
+            <a:avLst/>
+          </a:prstGeom>
+          <a:ln>
+            <a:tailEnd type="triangle"/>
+          </a:ln>
+        </p:spPr>
+        <p:style>
+          <a:lnRef idx="2">
+            <a:schemeClr val="accent6"/>
+          </a:lnRef>
+          <a:fillRef idx="0">
+            <a:schemeClr val="accent6"/>
+          </a:fillRef>
+          <a:effectRef idx="1">
+            <a:schemeClr val="accent6"/>
+          </a:effectRef>
+          <a:fontRef idx="minor">
+            <a:schemeClr val="tx1"/>
+          </a:fontRef>
+        </p:style>
+      </p:cxnSp>
+      <p:cxnSp>
+        <p:nvCxnSpPr>
+          <p:cNvPr id="78" name="直接箭头连接符 22">
+            <a:extLst>
+              <a:ext uri="{FF2B5EF4-FFF2-40B4-BE49-F238E27FC236}">
+                <a16:creationId xmlns:a16="http://schemas.microsoft.com/office/drawing/2014/main" id="{04ED665A-224E-92D5-550B-E90226E6C5B4}"/>
+              </a:ext>
+            </a:extLst>
+          </p:cNvPr>
+          <p:cNvCxnSpPr>
+            <a:cxnSpLocks/>
+          </p:cNvCxnSpPr>
+          <p:nvPr/>
+        </p:nvCxnSpPr>
+        <p:spPr>
+          <a:xfrm>
+            <a:off x="7407231" y="5075271"/>
+            <a:ext cx="743826" cy="0"/>
+          </a:xfrm>
+          <a:prstGeom prst="straightConnector1">
+            <a:avLst/>
+          </a:prstGeom>
+          <a:ln>
+            <a:tailEnd type="triangle"/>
+          </a:ln>
+        </p:spPr>
+        <p:style>
+          <a:lnRef idx="2">
+            <a:schemeClr val="accent6"/>
+          </a:lnRef>
+          <a:fillRef idx="0">
+            <a:schemeClr val="accent6"/>
+          </a:fillRef>
+          <a:effectRef idx="1">
+            <a:schemeClr val="accent6"/>
+          </a:effectRef>
+          <a:fontRef idx="minor">
+            <a:schemeClr val="tx1"/>
+          </a:fontRef>
+        </p:style>
+      </p:cxnSp>
+      <p:cxnSp>
+        <p:nvCxnSpPr>
+          <p:cNvPr id="79" name="Straight Connector 78">
+            <a:extLst>
+              <a:ext uri="{FF2B5EF4-FFF2-40B4-BE49-F238E27FC236}">
+                <a16:creationId xmlns:a16="http://schemas.microsoft.com/office/drawing/2014/main" id="{167E9D91-F42B-9BFD-BAE9-2BB256409D32}"/>
+              </a:ext>
+            </a:extLst>
+          </p:cNvPr>
+          <p:cNvCxnSpPr/>
+          <p:nvPr/>
+        </p:nvCxnSpPr>
+        <p:spPr>
+          <a:xfrm>
+            <a:off x="8151057" y="3646780"/>
+            <a:ext cx="0" cy="1711284"/>
+          </a:xfrm>
+          <a:prstGeom prst="line">
+            <a:avLst/>
+          </a:prstGeom>
+          <a:ln>
+            <a:solidFill>
+              <a:schemeClr val="tx1"/>
+            </a:solidFill>
+            <a:prstDash val="dash"/>
+          </a:ln>
+        </p:spPr>
+        <p:style>
+          <a:lnRef idx="2">
+            <a:schemeClr val="accent1"/>
+          </a:lnRef>
+          <a:fillRef idx="0">
+            <a:schemeClr val="accent1"/>
+          </a:fillRef>
+          <a:effectRef idx="1">
+            <a:schemeClr val="accent1"/>
+          </a:effectRef>
+          <a:fontRef idx="minor">
+            <a:schemeClr val="tx1"/>
+          </a:fontRef>
+        </p:style>
+      </p:cxnSp>
+      <mc:AlternateContent xmlns:mc="http://schemas.openxmlformats.org/markup-compatibility/2006">
+        <mc:Choice xmlns:a14="http://schemas.microsoft.com/office/drawing/2010/main" Requires="a14">
+          <p:sp>
+            <p:nvSpPr>
+              <p:cNvPr id="80" name="文本框 30">
+                <a:extLst>
+                  <a:ext uri="{FF2B5EF4-FFF2-40B4-BE49-F238E27FC236}">
+                    <a16:creationId xmlns:a16="http://schemas.microsoft.com/office/drawing/2014/main" id="{A10B9FF4-7AF1-C63D-EA7C-4D90942F5CD7}"/>
+                  </a:ext>
+                </a:extLst>
+              </p:cNvPr>
+              <p:cNvSpPr txBox="1"/>
+              <p:nvPr/>
+            </p:nvSpPr>
+            <p:spPr>
+              <a:xfrm>
+                <a:off x="5625462" y="5048368"/>
+                <a:ext cx="637008" cy="369332"/>
+              </a:xfrm>
+              <a:prstGeom prst="rect">
+                <a:avLst/>
+              </a:prstGeom>
+              <a:noFill/>
+            </p:spPr>
+            <p:txBody>
+              <a:bodyPr wrap="square" rtlCol="0">
+                <a:spAutoFit/>
+              </a:bodyPr>
+              <a:lstStyle/>
+              <a:p>
+                <a:pPr/>
+                <a14:m>
+                  <m:oMathPara xmlns:m="http://schemas.openxmlformats.org/officeDocument/2006/math">
+                    <m:oMathParaPr>
+                      <m:jc m:val="centerGroup"/>
+                    </m:oMathParaPr>
+                    <m:oMath xmlns:m="http://schemas.openxmlformats.org/officeDocument/2006/math">
+                      <m:r>
+                        <m:rPr>
+                          <m:sty m:val="p"/>
+                        </m:rPr>
+                        <a:rPr lang="en-US" b="0" i="0" smtClean="0">
+                          <a:latin typeface="Cambria Math" panose="02040503050406030204" pitchFamily="18" charset="0"/>
+                        </a:rPr>
+                        <m:t>Δ</m:t>
+                      </m:r>
+                      <m:sSub>
+                        <m:sSubPr>
+                          <m:ctrlPr>
+                            <a:rPr lang="en-US" b="0" i="1" smtClean="0">
+                              <a:latin typeface="Cambria Math" panose="02040503050406030204" pitchFamily="18" charset="0"/>
+                            </a:rPr>
+                          </m:ctrlPr>
+                        </m:sSubPr>
+                        <m:e>
+                          <m:r>
+                            <a:rPr lang="en-US" b="0" i="1" smtClean="0">
+                              <a:latin typeface="Cambria Math" panose="02040503050406030204" pitchFamily="18" charset="0"/>
+                            </a:rPr>
+                            <m:t>𝑡</m:t>
+                          </m:r>
+                        </m:e>
+                        <m:sub>
+                          <m:r>
+                            <m:rPr>
+                              <m:sty m:val="p"/>
+                            </m:rPr>
+                            <a:rPr lang="en-US" b="0" i="0" smtClean="0">
+                              <a:latin typeface="Cambria Math" panose="02040503050406030204" pitchFamily="18" charset="0"/>
+                            </a:rPr>
+                            <m:t>ac</m:t>
+                          </m:r>
+                        </m:sub>
+                      </m:sSub>
+                    </m:oMath>
+                  </m:oMathPara>
+                </a14:m>
+                <a:endParaRPr lang="en-US" dirty="0">
+                  <a:latin typeface="Consolas" panose="020B0609020204030204" pitchFamily="49" charset="0"/>
+                </a:endParaRPr>
+              </a:p>
+            </p:txBody>
+          </p:sp>
+        </mc:Choice>
+        <mc:Fallback>
+          <p:sp>
+            <p:nvSpPr>
+              <p:cNvPr id="80" name="文本框 30">
+                <a:extLst>
+                  <a:ext uri="{FF2B5EF4-FFF2-40B4-BE49-F238E27FC236}">
+                    <a16:creationId xmlns:a16="http://schemas.microsoft.com/office/drawing/2014/main" id="{A10B9FF4-7AF1-C63D-EA7C-4D90942F5CD7}"/>
+                  </a:ext>
+                </a:extLst>
+              </p:cNvPr>
+              <p:cNvSpPr txBox="1">
+                <a:spLocks noRot="1" noChangeAspect="1" noMove="1" noResize="1" noEditPoints="1" noAdjustHandles="1" noChangeArrowheads="1" noChangeShapeType="1" noTextEdit="1"/>
+              </p:cNvSpPr>
+              <p:nvPr/>
+            </p:nvSpPr>
+            <p:spPr>
+              <a:xfrm>
+                <a:off x="5625462" y="5048368"/>
+                <a:ext cx="637008" cy="369332"/>
+              </a:xfrm>
+              <a:prstGeom prst="rect">
+                <a:avLst/>
+              </a:prstGeom>
+              <a:blipFill>
+                <a:blip r:embed="rId15"/>
+                <a:stretch>
+                  <a:fillRect/>
+                </a:stretch>
+              </a:blipFill>
+            </p:spPr>
+            <p:txBody>
+              <a:bodyPr/>
+              <a:lstStyle/>
+              <a:p>
+                <a:r>
+                  <a:rPr lang="en-US">
+                    <a:noFill/>
+                  </a:rPr>
+                  <a:t> </a:t>
+                </a:r>
+              </a:p>
+            </p:txBody>
+          </p:sp>
+        </mc:Fallback>
+      </mc:AlternateContent>
+      <mc:AlternateContent xmlns:mc="http://schemas.openxmlformats.org/markup-compatibility/2006">
+        <mc:Choice xmlns:a14="http://schemas.microsoft.com/office/drawing/2010/main" Requires="a14">
+          <p:sp>
+            <p:nvSpPr>
+              <p:cNvPr id="81" name="文本框 30">
+                <a:extLst>
+                  <a:ext uri="{FF2B5EF4-FFF2-40B4-BE49-F238E27FC236}">
+                    <a16:creationId xmlns:a16="http://schemas.microsoft.com/office/drawing/2014/main" id="{C2FADAB3-B460-C440-527C-15668D38DB23}"/>
+                  </a:ext>
+                </a:extLst>
+              </p:cNvPr>
+              <p:cNvSpPr txBox="1"/>
+              <p:nvPr/>
+            </p:nvSpPr>
+            <p:spPr>
+              <a:xfrm>
+                <a:off x="6628037" y="5037029"/>
+                <a:ext cx="637008" cy="369332"/>
+              </a:xfrm>
+              <a:prstGeom prst="rect">
+                <a:avLst/>
+              </a:prstGeom>
+              <a:noFill/>
+            </p:spPr>
+            <p:txBody>
+              <a:bodyPr wrap="square" rtlCol="0">
+                <a:spAutoFit/>
+              </a:bodyPr>
+              <a:lstStyle/>
+              <a:p>
+                <a:pPr/>
+                <a14:m>
+                  <m:oMathPara xmlns:m="http://schemas.openxmlformats.org/officeDocument/2006/math">
+                    <m:oMathParaPr>
+                      <m:jc m:val="centerGroup"/>
+                    </m:oMathParaPr>
+                    <m:oMath xmlns:m="http://schemas.openxmlformats.org/officeDocument/2006/math">
+                      <m:r>
+                        <m:rPr>
+                          <m:sty m:val="p"/>
+                        </m:rPr>
+                        <a:rPr lang="en-US" b="0" i="0" smtClean="0">
+                          <a:latin typeface="Cambria Math" panose="02040503050406030204" pitchFamily="18" charset="0"/>
+                        </a:rPr>
+                        <m:t>Δ</m:t>
+                      </m:r>
+                      <m:sSub>
+                        <m:sSubPr>
+                          <m:ctrlPr>
+                            <a:rPr lang="en-US" b="0" i="1" smtClean="0">
+                              <a:latin typeface="Cambria Math" panose="02040503050406030204" pitchFamily="18" charset="0"/>
+                            </a:rPr>
+                          </m:ctrlPr>
+                        </m:sSubPr>
+                        <m:e>
+                          <m:r>
+                            <a:rPr lang="en-US" b="0" i="1" smtClean="0">
+                              <a:latin typeface="Cambria Math" panose="02040503050406030204" pitchFamily="18" charset="0"/>
+                            </a:rPr>
+                            <m:t>𝑡</m:t>
+                          </m:r>
+                        </m:e>
+                        <m:sub>
+                          <m:r>
+                            <m:rPr>
+                              <m:sty m:val="p"/>
+                            </m:rPr>
+                            <a:rPr lang="en-US" b="0" i="0" smtClean="0">
+                              <a:latin typeface="Cambria Math" panose="02040503050406030204" pitchFamily="18" charset="0"/>
+                            </a:rPr>
+                            <m:t>ac</m:t>
+                          </m:r>
+                        </m:sub>
+                      </m:sSub>
+                    </m:oMath>
+                  </m:oMathPara>
+                </a14:m>
+                <a:endParaRPr lang="en-US" dirty="0">
+                  <a:latin typeface="Consolas" panose="020B0609020204030204" pitchFamily="49" charset="0"/>
+                </a:endParaRPr>
+              </a:p>
+            </p:txBody>
+          </p:sp>
+        </mc:Choice>
+        <mc:Fallback>
+          <p:sp>
+            <p:nvSpPr>
+              <p:cNvPr id="81" name="文本框 30">
+                <a:extLst>
+                  <a:ext uri="{FF2B5EF4-FFF2-40B4-BE49-F238E27FC236}">
+                    <a16:creationId xmlns:a16="http://schemas.microsoft.com/office/drawing/2014/main" id="{C2FADAB3-B460-C440-527C-15668D38DB23}"/>
+                  </a:ext>
+                </a:extLst>
+              </p:cNvPr>
+              <p:cNvSpPr txBox="1">
+                <a:spLocks noRot="1" noChangeAspect="1" noMove="1" noResize="1" noEditPoints="1" noAdjustHandles="1" noChangeArrowheads="1" noChangeShapeType="1" noTextEdit="1"/>
+              </p:cNvSpPr>
+              <p:nvPr/>
+            </p:nvSpPr>
+            <p:spPr>
+              <a:xfrm>
+                <a:off x="6628037" y="5037029"/>
+                <a:ext cx="637008" cy="369332"/>
+              </a:xfrm>
+              <a:prstGeom prst="rect">
+                <a:avLst/>
+              </a:prstGeom>
+              <a:blipFill>
+                <a:blip r:embed="rId16"/>
+                <a:stretch>
+                  <a:fillRect/>
+                </a:stretch>
+              </a:blipFill>
+            </p:spPr>
+            <p:txBody>
+              <a:bodyPr/>
+              <a:lstStyle/>
+              <a:p>
+                <a:r>
+                  <a:rPr lang="en-US">
+                    <a:noFill/>
+                  </a:rPr>
+                  <a:t> </a:t>
+                </a:r>
+              </a:p>
+            </p:txBody>
+          </p:sp>
+        </mc:Fallback>
+      </mc:AlternateContent>
+      <p:cxnSp>
+        <p:nvCxnSpPr>
+          <p:cNvPr id="82" name="Straight Connector 81">
+            <a:extLst>
+              <a:ext uri="{FF2B5EF4-FFF2-40B4-BE49-F238E27FC236}">
+                <a16:creationId xmlns:a16="http://schemas.microsoft.com/office/drawing/2014/main" id="{A5662276-E680-AC3A-5178-C838A5FE8C7F}"/>
+              </a:ext>
+            </a:extLst>
+          </p:cNvPr>
+          <p:cNvCxnSpPr/>
+          <p:nvPr/>
+        </p:nvCxnSpPr>
+        <p:spPr>
+          <a:xfrm>
+            <a:off x="2506367" y="3600406"/>
+            <a:ext cx="0" cy="1711284"/>
+          </a:xfrm>
+          <a:prstGeom prst="line">
+            <a:avLst/>
+          </a:prstGeom>
+          <a:ln>
+            <a:solidFill>
+              <a:schemeClr val="tx1"/>
+            </a:solidFill>
+            <a:prstDash val="dash"/>
+          </a:ln>
+        </p:spPr>
+        <p:style>
+          <a:lnRef idx="2">
+            <a:schemeClr val="accent1"/>
+          </a:lnRef>
+          <a:fillRef idx="0">
+            <a:schemeClr val="accent1"/>
+          </a:fillRef>
+          <a:effectRef idx="1">
+            <a:schemeClr val="accent1"/>
+          </a:effectRef>
+          <a:fontRef idx="minor">
+            <a:schemeClr val="tx1"/>
+          </a:fontRef>
+        </p:style>
+      </p:cxnSp>
+      <p:cxnSp>
+        <p:nvCxnSpPr>
+          <p:cNvPr id="83" name="Straight Connector 82">
+            <a:extLst>
+              <a:ext uri="{FF2B5EF4-FFF2-40B4-BE49-F238E27FC236}">
+                <a16:creationId xmlns:a16="http://schemas.microsoft.com/office/drawing/2014/main" id="{08F4B909-2217-4F3A-F604-CF3F3377D42C}"/>
+              </a:ext>
+            </a:extLst>
+          </p:cNvPr>
+          <p:cNvCxnSpPr/>
+          <p:nvPr/>
+        </p:nvCxnSpPr>
+        <p:spPr>
+          <a:xfrm>
+            <a:off x="5458725" y="3642517"/>
+            <a:ext cx="0" cy="1711284"/>
+          </a:xfrm>
+          <a:prstGeom prst="line">
+            <a:avLst/>
+          </a:prstGeom>
+          <a:ln>
+            <a:solidFill>
+              <a:schemeClr val="tx1"/>
+            </a:solidFill>
+            <a:prstDash val="dash"/>
+          </a:ln>
+        </p:spPr>
+        <p:style>
+          <a:lnRef idx="2">
+            <a:schemeClr val="accent1"/>
+          </a:lnRef>
+          <a:fillRef idx="0">
+            <a:schemeClr val="accent1"/>
+          </a:fillRef>
+          <a:effectRef idx="1">
+            <a:schemeClr val="accent1"/>
+          </a:effectRef>
+          <a:fontRef idx="minor">
+            <a:schemeClr val="tx1"/>
+          </a:fontRef>
+        </p:style>
+      </p:cxnSp>
+      <p:sp>
+        <p:nvSpPr>
+          <p:cNvPr id="84" name="左大括号 9">
+            <a:extLst>
+              <a:ext uri="{FF2B5EF4-FFF2-40B4-BE49-F238E27FC236}">
+                <a16:creationId xmlns:a16="http://schemas.microsoft.com/office/drawing/2014/main" id="{9EC3DCD0-F82D-954C-1FD9-BEB65D877F94}"/>
+              </a:ext>
+            </a:extLst>
+          </p:cNvPr>
+          <p:cNvSpPr/>
+          <p:nvPr/>
+        </p:nvSpPr>
+        <p:spPr>
+          <a:xfrm rot="16200000">
+            <a:off x="3865354" y="4023700"/>
+            <a:ext cx="243405" cy="2941643"/>
+          </a:xfrm>
+          <a:prstGeom prst="leftBrace">
+            <a:avLst>
+              <a:gd name="adj1" fmla="val 48873"/>
+              <a:gd name="adj2" fmla="val 50109"/>
+            </a:avLst>
+          </a:prstGeom>
+          <a:ln>
+            <a:solidFill>
+              <a:schemeClr val="tx1"/>
+            </a:solidFill>
+          </a:ln>
+        </p:spPr>
+        <p:style>
+          <a:lnRef idx="2">
+            <a:schemeClr val="accent1"/>
+          </a:lnRef>
+          <a:fillRef idx="0">
+            <a:schemeClr val="accent1"/>
+          </a:fillRef>
+          <a:effectRef idx="1">
+            <a:schemeClr val="accent1"/>
+          </a:effectRef>
+          <a:fontRef idx="minor">
+            <a:schemeClr val="tx1"/>
+          </a:fontRef>
+        </p:style>
+        <p:txBody>
+          <a:bodyPr rtlCol="0" anchor="ctr"/>
+          <a:lstStyle/>
+          <a:p>
+            <a:pPr algn="ctr"/>
+            <a:endParaRPr lang="en-US"/>
+          </a:p>
+        </p:txBody>
+      </p:sp>
+      <p:sp>
+        <p:nvSpPr>
+          <p:cNvPr id="85" name="TextBox 84">
+            <a:extLst>
+              <a:ext uri="{FF2B5EF4-FFF2-40B4-BE49-F238E27FC236}">
+                <a16:creationId xmlns:a16="http://schemas.microsoft.com/office/drawing/2014/main" id="{969C9C60-AF80-11F6-C835-A5DD1BD75730}"/>
+              </a:ext>
+            </a:extLst>
+          </p:cNvPr>
+          <p:cNvSpPr txBox="1"/>
+          <p:nvPr/>
+        </p:nvSpPr>
+        <p:spPr>
+          <a:xfrm>
+            <a:off x="3580086" y="5580252"/>
+            <a:ext cx="1877790" cy="369332"/>
+          </a:xfrm>
+          <a:prstGeom prst="rect">
+            <a:avLst/>
+          </a:prstGeom>
+          <a:noFill/>
+        </p:spPr>
+        <p:txBody>
+          <a:bodyPr wrap="square" rtlCol="0">
+            <a:spAutoFit/>
+          </a:bodyPr>
+          <a:lstStyle/>
+          <a:p>
+            <a:r>
+              <a:rPr lang="zh-CN" altLang="en-US" dirty="0"/>
+              <a:t>第一次中层循环</a:t>
+            </a:r>
+            <a:endParaRPr lang="en-US" dirty="0"/>
+          </a:p>
+        </p:txBody>
+      </p:sp>
+      <p:sp>
+        <p:nvSpPr>
+          <p:cNvPr id="86" name="左大括号 9">
+            <a:extLst>
+              <a:ext uri="{FF2B5EF4-FFF2-40B4-BE49-F238E27FC236}">
+                <a16:creationId xmlns:a16="http://schemas.microsoft.com/office/drawing/2014/main" id="{36A8B5FC-BBBD-7504-0C92-1AADB7BE0499}"/>
+              </a:ext>
+            </a:extLst>
+          </p:cNvPr>
+          <p:cNvSpPr/>
+          <p:nvPr/>
+        </p:nvSpPr>
+        <p:spPr>
+          <a:xfrm rot="16200000">
+            <a:off x="6676253" y="4165417"/>
+            <a:ext cx="243405" cy="2638713"/>
+          </a:xfrm>
+          <a:prstGeom prst="leftBrace">
+            <a:avLst>
+              <a:gd name="adj1" fmla="val 48873"/>
+              <a:gd name="adj2" fmla="val 50109"/>
+            </a:avLst>
+          </a:prstGeom>
+          <a:ln>
+            <a:solidFill>
+              <a:schemeClr val="tx1"/>
+            </a:solidFill>
+          </a:ln>
+        </p:spPr>
+        <p:style>
+          <a:lnRef idx="2">
+            <a:schemeClr val="accent1"/>
+          </a:lnRef>
+          <a:fillRef idx="0">
+            <a:schemeClr val="accent1"/>
+          </a:fillRef>
+          <a:effectRef idx="1">
+            <a:schemeClr val="accent1"/>
+          </a:effectRef>
+          <a:fontRef idx="minor">
+            <a:schemeClr val="tx1"/>
+          </a:fontRef>
+        </p:style>
+        <p:txBody>
+          <a:bodyPr rtlCol="0" anchor="ctr"/>
+          <a:lstStyle/>
+          <a:p>
+            <a:pPr algn="ctr"/>
+            <a:endParaRPr lang="en-US"/>
+          </a:p>
+        </p:txBody>
+      </p:sp>
+      <p:sp>
+        <p:nvSpPr>
+          <p:cNvPr id="87" name="TextBox 86">
+            <a:extLst>
+              <a:ext uri="{FF2B5EF4-FFF2-40B4-BE49-F238E27FC236}">
+                <a16:creationId xmlns:a16="http://schemas.microsoft.com/office/drawing/2014/main" id="{549706FE-CD2D-57CF-668F-CA4346B11E11}"/>
+              </a:ext>
+            </a:extLst>
+          </p:cNvPr>
+          <p:cNvSpPr txBox="1"/>
+          <p:nvPr/>
+        </p:nvSpPr>
+        <p:spPr>
+          <a:xfrm>
+            <a:off x="5947482" y="5577366"/>
+            <a:ext cx="1877790" cy="369332"/>
+          </a:xfrm>
+          <a:prstGeom prst="rect">
+            <a:avLst/>
+          </a:prstGeom>
+          <a:noFill/>
+        </p:spPr>
+        <p:txBody>
+          <a:bodyPr wrap="square" rtlCol="0">
+            <a:spAutoFit/>
+          </a:bodyPr>
+          <a:lstStyle/>
+          <a:p>
+            <a:r>
+              <a:rPr lang="zh-CN" altLang="en-US" dirty="0"/>
+              <a:t>第二次中层循环</a:t>
+            </a:r>
+            <a:endParaRPr lang="en-US" dirty="0"/>
+          </a:p>
+        </p:txBody>
+      </p:sp>
+      <mc:AlternateContent xmlns:mc="http://schemas.openxmlformats.org/markup-compatibility/2006">
+        <mc:Choice xmlns:a14="http://schemas.microsoft.com/office/drawing/2010/main" Requires="a14">
+          <p:sp>
+            <p:nvSpPr>
+              <p:cNvPr id="88" name="文本框 21">
+                <a:extLst>
+                  <a:ext uri="{FF2B5EF4-FFF2-40B4-BE49-F238E27FC236}">
+                    <a16:creationId xmlns:a16="http://schemas.microsoft.com/office/drawing/2014/main" id="{4D6F7BD9-D472-8E0C-79DF-FFD829D9254A}"/>
+                  </a:ext>
+                </a:extLst>
+              </p:cNvPr>
+              <p:cNvSpPr txBox="1"/>
+              <p:nvPr/>
+            </p:nvSpPr>
+            <p:spPr>
+              <a:xfrm>
+                <a:off x="7323227" y="5043783"/>
+                <a:ext cx="2174661" cy="369332"/>
+              </a:xfrm>
+              <a:prstGeom prst="rect">
+                <a:avLst/>
+              </a:prstGeom>
+              <a:noFill/>
+            </p:spPr>
+            <p:txBody>
+              <a:bodyPr wrap="square" rtlCol="0">
+                <a:spAutoFit/>
+              </a:bodyPr>
+              <a:lstStyle/>
+              <a:p>
+                <a:pPr/>
+                <a14:m>
+                  <m:oMathPara xmlns:m="http://schemas.openxmlformats.org/officeDocument/2006/math">
+                    <m:oMathParaPr>
+                      <m:jc m:val="centerGroup"/>
+                    </m:oMathParaPr>
+                    <m:oMath xmlns:m="http://schemas.openxmlformats.org/officeDocument/2006/math">
+                      <m:r>
+                        <m:rPr>
+                          <m:sty m:val="p"/>
+                        </m:rPr>
+                        <a:rPr lang="en-US" b="0" i="0" smtClean="0">
+                          <a:latin typeface="Cambria Math" panose="02040503050406030204" pitchFamily="18" charset="0"/>
+                        </a:rPr>
+                        <m:t>Δ</m:t>
+                      </m:r>
+                      <m:sSub>
+                        <m:sSubPr>
+                          <m:ctrlPr>
+                            <a:rPr lang="en-US" b="0" i="1" smtClean="0">
+                              <a:latin typeface="Cambria Math" panose="02040503050406030204" pitchFamily="18" charset="0"/>
+                            </a:rPr>
+                          </m:ctrlPr>
+                        </m:sSubPr>
+                        <m:e>
+                          <m:r>
+                            <a:rPr lang="en-US" b="0" i="1" smtClean="0">
+                              <a:latin typeface="Cambria Math" panose="02040503050406030204" pitchFamily="18" charset="0"/>
+                            </a:rPr>
+                            <m:t>𝑡</m:t>
+                          </m:r>
+                        </m:e>
+                        <m:sub>
+                          <m:r>
+                            <m:rPr>
+                              <m:sty m:val="p"/>
+                            </m:rPr>
+                            <a:rPr lang="en-US" b="0" i="0" smtClean="0">
+                              <a:latin typeface="Cambria Math" panose="02040503050406030204" pitchFamily="18" charset="0"/>
+                            </a:rPr>
+                            <m:t>a</m:t>
+                          </m:r>
+                          <m:r>
+                            <m:rPr>
+                              <m:sty m:val="p"/>
+                            </m:rPr>
+                            <a:rPr lang="en-US" b="0" i="0" smtClean="0">
+                              <a:latin typeface="Cambria Math" panose="02040503050406030204" pitchFamily="18" charset="0"/>
+                            </a:rPr>
+                            <m:t>c</m:t>
+                          </m:r>
+                        </m:sub>
+                      </m:sSub>
+                      <m:r>
+                        <a:rPr lang="en-US" b="0" i="1" smtClean="0">
+                          <a:latin typeface="Cambria Math" panose="02040503050406030204" pitchFamily="18" charset="0"/>
+                        </a:rPr>
+                        <m:t>←</m:t>
+                      </m:r>
+                      <m:r>
+                        <m:rPr>
+                          <m:sty m:val="p"/>
+                        </m:rPr>
+                        <a:rPr lang="en-US">
+                          <a:latin typeface="Cambria Math" panose="02040503050406030204" pitchFamily="18" charset="0"/>
+                        </a:rPr>
+                        <m:t>Δ</m:t>
+                      </m:r>
+                      <m:sSub>
+                        <m:sSubPr>
+                          <m:ctrlPr>
+                            <a:rPr lang="en-US" i="1">
+                              <a:latin typeface="Cambria Math" panose="02040503050406030204" pitchFamily="18" charset="0"/>
+                            </a:rPr>
+                          </m:ctrlPr>
+                        </m:sSubPr>
+                        <m:e>
+                          <m:r>
+                            <a:rPr lang="en-US" i="1">
+                              <a:latin typeface="Cambria Math" panose="02040503050406030204" pitchFamily="18" charset="0"/>
+                            </a:rPr>
+                            <m:t>𝑡</m:t>
+                          </m:r>
+                        </m:e>
+                        <m:sub>
+                          <m:r>
+                            <m:rPr>
+                              <m:sty m:val="p"/>
+                            </m:rPr>
+                            <a:rPr lang="en-US" b="0" i="0" smtClean="0">
+                              <a:latin typeface="Cambria Math" panose="02040503050406030204" pitchFamily="18" charset="0"/>
+                            </a:rPr>
+                            <m:t>out</m:t>
+                          </m:r>
+                        </m:sub>
+                      </m:sSub>
+                      <m:r>
+                        <a:rPr lang="en-US" b="0" i="1" smtClean="0">
+                          <a:latin typeface="Cambria Math" panose="02040503050406030204" pitchFamily="18" charset="0"/>
+                        </a:rPr>
+                        <m:t>−</m:t>
+                      </m:r>
+                      <m:r>
+                        <m:rPr>
+                          <m:sty m:val="p"/>
+                        </m:rPr>
+                        <a:rPr lang="en-US">
+                          <a:latin typeface="Cambria Math" panose="02040503050406030204" pitchFamily="18" charset="0"/>
+                        </a:rPr>
+                        <m:t>Δ</m:t>
+                      </m:r>
+                      <m:sSub>
+                        <m:sSubPr>
+                          <m:ctrlPr>
+                            <a:rPr lang="en-US" i="1">
+                              <a:latin typeface="Cambria Math" panose="02040503050406030204" pitchFamily="18" charset="0"/>
+                            </a:rPr>
+                          </m:ctrlPr>
+                        </m:sSubPr>
+                        <m:e>
+                          <m:r>
+                            <a:rPr lang="en-US" i="1">
+                              <a:latin typeface="Cambria Math" panose="02040503050406030204" pitchFamily="18" charset="0"/>
+                            </a:rPr>
+                            <m:t>𝑡</m:t>
+                          </m:r>
+                        </m:e>
+                        <m:sub>
+                          <m:r>
+                            <m:rPr>
+                              <m:sty m:val="p"/>
+                            </m:rPr>
+                            <a:rPr lang="en-US" b="0" i="0" smtClean="0">
+                              <a:latin typeface="Cambria Math" panose="02040503050406030204" pitchFamily="18" charset="0"/>
+                            </a:rPr>
+                            <m:t>int</m:t>
+                          </m:r>
+                        </m:sub>
+                      </m:sSub>
+                    </m:oMath>
+                  </m:oMathPara>
+                </a14:m>
+                <a:endParaRPr lang="en-US" dirty="0">
+                  <a:latin typeface="Consolas" panose="020B0609020204030204" pitchFamily="49" charset="0"/>
+                </a:endParaRPr>
+              </a:p>
+            </p:txBody>
+          </p:sp>
+        </mc:Choice>
+        <mc:Fallback>
+          <p:sp>
+            <p:nvSpPr>
+              <p:cNvPr id="88" name="文本框 21">
+                <a:extLst>
+                  <a:ext uri="{FF2B5EF4-FFF2-40B4-BE49-F238E27FC236}">
+                    <a16:creationId xmlns:a16="http://schemas.microsoft.com/office/drawing/2014/main" id="{4D6F7BD9-D472-8E0C-79DF-FFD829D9254A}"/>
+                  </a:ext>
+                </a:extLst>
+              </p:cNvPr>
+              <p:cNvSpPr txBox="1">
+                <a:spLocks noRot="1" noChangeAspect="1" noMove="1" noResize="1" noEditPoints="1" noAdjustHandles="1" noChangeArrowheads="1" noChangeShapeType="1" noTextEdit="1"/>
+              </p:cNvSpPr>
+              <p:nvPr/>
+            </p:nvSpPr>
+            <p:spPr>
+              <a:xfrm>
+                <a:off x="7323227" y="5043783"/>
+                <a:ext cx="2174661" cy="369332"/>
+              </a:xfrm>
+              <a:prstGeom prst="rect">
+                <a:avLst/>
+              </a:prstGeom>
+              <a:blipFill>
+                <a:blip r:embed="rId17"/>
+                <a:stretch>
+                  <a:fillRect/>
+                </a:stretch>
+              </a:blipFill>
+            </p:spPr>
+            <p:txBody>
+              <a:bodyPr/>
+              <a:lstStyle/>
+              <a:p>
+                <a:r>
+                  <a:rPr lang="en-US">
+                    <a:noFill/>
+                  </a:rPr>
+                  <a:t> </a:t>
+                </a:r>
+              </a:p>
+            </p:txBody>
+          </p:sp>
+        </mc:Fallback>
+      </mc:AlternateContent>
+      <p:cxnSp>
+        <p:nvCxnSpPr>
+          <p:cNvPr id="92" name="直接箭头连接符 12">
+            <a:extLst>
+              <a:ext uri="{FF2B5EF4-FFF2-40B4-BE49-F238E27FC236}">
+                <a16:creationId xmlns:a16="http://schemas.microsoft.com/office/drawing/2014/main" id="{520C68C0-93EC-9FEF-8F74-311B6CB416F2}"/>
+              </a:ext>
+            </a:extLst>
+          </p:cNvPr>
+          <p:cNvCxnSpPr>
+            <a:cxnSpLocks/>
+          </p:cNvCxnSpPr>
+          <p:nvPr/>
+        </p:nvCxnSpPr>
+        <p:spPr>
+          <a:xfrm>
+            <a:off x="5457876" y="4545710"/>
+            <a:ext cx="3291461" cy="0"/>
+          </a:xfrm>
+          <a:prstGeom prst="straightConnector1">
+            <a:avLst/>
+          </a:prstGeom>
+          <a:ln>
+            <a:tailEnd type="triangle"/>
+          </a:ln>
+        </p:spPr>
+        <p:style>
+          <a:lnRef idx="2">
+            <a:schemeClr val="dk1"/>
+          </a:lnRef>
+          <a:fillRef idx="0">
+            <a:schemeClr val="dk1"/>
+          </a:fillRef>
+          <a:effectRef idx="1">
+            <a:schemeClr val="dk1"/>
+          </a:effectRef>
+          <a:fontRef idx="minor">
+            <a:schemeClr val="tx1"/>
+          </a:fontRef>
+        </p:style>
+      </p:cxnSp>
+    </p:spTree>
+    <p:extLst>
+      <p:ext uri="{BB962C8B-B14F-4D97-AF65-F5344CB8AC3E}">
+        <p14:creationId xmlns:p14="http://schemas.microsoft.com/office/powerpoint/2010/main" val="3389342231"/>
+      </p:ext>
+    </p:extLst>
+  </p:cSld>
+  <p:clrMapOvr>
+    <a:masterClrMapping/>
+  </p:clrMapOvr>
+</p:sld>
+</file>
+
 <file path=ppt/theme/theme1.xml><?xml version="1.0" encoding="utf-8"?>
 <a:theme xmlns:a="http://schemas.openxmlformats.org/drawingml/2006/main" name="Office 主题​​">
   <a:themeElements>
